--- a/2022/20221006 ENVR Meeting/10062022_ENVR_Poster.pptx
+++ b/2022/20221006 ENVR Meeting/10062022_ENVR_Poster.pptx
@@ -4030,8 +4030,8 @@
         </p:blipFill>
         <p:spPr>
           <a:xfrm>
-            <a:off x="46782400" y="5795864"/>
-            <a:ext cx="3633531" cy="2085013"/>
+            <a:off x="5885468" y="7972402"/>
+            <a:ext cx="4232367" cy="2428640"/>
           </a:xfrm>
           <a:prstGeom prst="rect">
             <a:avLst/>
@@ -5410,210 +5410,191 @@
           </a:p>
         </p:txBody>
       </p:sp>
-      <p:grpSp>
-        <p:nvGrpSpPr>
-          <p:cNvPr id="22" name="Group 21">
+      <p:sp>
+        <p:nvSpPr>
+          <p:cNvPr id="17" name="Rectangle 16">
             <a:extLst>
               <a:ext uri="{FF2B5EF4-FFF2-40B4-BE49-F238E27FC236}">
-                <a16:creationId xmlns:a16="http://schemas.microsoft.com/office/drawing/2014/main" id="{1ECCB8F2-49A9-DDF3-CB35-6C38A418564C}"/>
+                <a16:creationId xmlns:a16="http://schemas.microsoft.com/office/drawing/2014/main" id="{53C667B1-B53E-B6F4-1A4B-2AE00E4AFF83}"/>
               </a:ext>
             </a:extLst>
           </p:cNvPr>
-          <p:cNvGrpSpPr/>
+          <p:cNvSpPr/>
+          <p:nvPr/>
+        </p:nvSpPr>
+        <p:spPr>
+          <a:xfrm>
+            <a:off x="23653220" y="12065253"/>
+            <a:ext cx="6922008" cy="6208776"/>
+          </a:xfrm>
+          <a:prstGeom prst="rect">
+            <a:avLst/>
+          </a:prstGeom>
+          <a:solidFill>
+            <a:srgbClr val="002060"/>
+          </a:solidFill>
+          <a:ln>
+            <a:solidFill>
+              <a:srgbClr val="FFC000"/>
+            </a:solidFill>
+          </a:ln>
+        </p:spPr>
+        <p:style>
+          <a:lnRef idx="2">
+            <a:schemeClr val="accent1">
+              <a:shade val="50000"/>
+            </a:schemeClr>
+          </a:lnRef>
+          <a:fillRef idx="1">
+            <a:schemeClr val="accent1"/>
+          </a:fillRef>
+          <a:effectRef idx="0">
+            <a:schemeClr val="accent1"/>
+          </a:effectRef>
+          <a:fontRef idx="minor">
+            <a:schemeClr val="lt1"/>
+          </a:fontRef>
+        </p:style>
+        <p:txBody>
+          <a:bodyPr rtlCol="0" anchor="ctr"/>
+          <a:lstStyle/>
+          <a:p>
+            <a:pPr algn="ctr"/>
+            <a:endParaRPr lang="en-US"/>
+          </a:p>
+        </p:txBody>
+      </p:sp>
+      <p:grpSp>
+        <p:nvGrpSpPr>
+          <p:cNvPr id="20" name="Group 19">
+            <a:extLst>
+              <a:ext uri="{FF2B5EF4-FFF2-40B4-BE49-F238E27FC236}">
+                <a16:creationId xmlns:a16="http://schemas.microsoft.com/office/drawing/2014/main" id="{1D01CC13-1776-2757-6741-890641D2C8E9}"/>
+              </a:ext>
+            </a:extLst>
+          </p:cNvPr>
+          <p:cNvGrpSpPr>
+            <a:grpSpLocks noChangeAspect="1"/>
+          </p:cNvGrpSpPr>
           <p:nvPr/>
         </p:nvGrpSpPr>
         <p:grpSpPr>
           <a:xfrm>
-            <a:off x="2330196" y="7924221"/>
-            <a:ext cx="6922008" cy="6208776"/>
-            <a:chOff x="10587110" y="10842677"/>
-            <a:chExt cx="6922008" cy="6208776"/>
+            <a:off x="1158240" y="7949706"/>
+            <a:ext cx="4264788" cy="3745314"/>
+            <a:chOff x="14579368" y="10086780"/>
+            <a:chExt cx="5220268" cy="4788562"/>
           </a:xfrm>
         </p:grpSpPr>
-        <p:sp>
-          <p:nvSpPr>
-            <p:cNvPr id="17" name="Rectangle 16">
+        <p:pic>
+          <p:nvPicPr>
+            <p:cNvPr id="80" name="Picture 79" descr="A person holding a bird&#10;&#10;Description automatically generated with low confidence">
               <a:extLst>
                 <a:ext uri="{FF2B5EF4-FFF2-40B4-BE49-F238E27FC236}">
-                  <a16:creationId xmlns:a16="http://schemas.microsoft.com/office/drawing/2014/main" id="{53C667B1-B53E-B6F4-1A4B-2AE00E4AFF83}"/>
+                  <a16:creationId xmlns:a16="http://schemas.microsoft.com/office/drawing/2014/main" id="{BFC5787D-88C3-69DB-071D-46BBEDB193BD}"/>
                 </a:ext>
               </a:extLst>
             </p:cNvPr>
-            <p:cNvSpPr/>
+            <p:cNvPicPr>
+              <a:picLocks noChangeAspect="1"/>
+            </p:cNvPicPr>
+            <p:nvPr/>
+          </p:nvPicPr>
+          <p:blipFill>
+            <a:blip r:embed="rId20" cstate="print">
+              <a:extLst>
+                <a:ext uri="{28A0092B-C50C-407E-A947-70E740481C1C}">
+                  <a14:useLocalDpi xmlns:a14="http://schemas.microsoft.com/office/drawing/2010/main" val="0"/>
+                </a:ext>
+              </a:extLst>
+            </a:blip>
+            <a:stretch>
+              <a:fillRect/>
+            </a:stretch>
+          </p:blipFill>
+          <p:spPr>
+            <a:xfrm>
+              <a:off x="14619053" y="10086780"/>
+              <a:ext cx="5180583" cy="4114800"/>
+            </a:xfrm>
+            <a:prstGeom prst="rect">
+              <a:avLst/>
+            </a:prstGeom>
+          </p:spPr>
+        </p:pic>
+        <p:sp>
+          <p:nvSpPr>
+            <p:cNvPr id="19" name="TextBox 18">
+              <a:extLst>
+                <a:ext uri="{FF2B5EF4-FFF2-40B4-BE49-F238E27FC236}">
+                  <a16:creationId xmlns:a16="http://schemas.microsoft.com/office/drawing/2014/main" id="{1DA21D74-4AC9-9134-03D6-9978534C8503}"/>
+                </a:ext>
+              </a:extLst>
+            </p:cNvPr>
+            <p:cNvSpPr txBox="1"/>
             <p:nvPr/>
           </p:nvSpPr>
           <p:spPr>
             <a:xfrm>
-              <a:off x="10587110" y="10842677"/>
-              <a:ext cx="6922008" cy="6208776"/>
+              <a:off x="14579368" y="14201580"/>
+              <a:ext cx="5180583" cy="673762"/>
             </a:xfrm>
             <a:prstGeom prst="rect">
               <a:avLst/>
             </a:prstGeom>
-            <a:solidFill>
-              <a:srgbClr val="002060"/>
-            </a:solidFill>
-            <a:ln>
-              <a:solidFill>
-                <a:srgbClr val="FFC000"/>
-              </a:solidFill>
-            </a:ln>
+            <a:noFill/>
           </p:spPr>
-          <p:style>
-            <a:lnRef idx="2">
-              <a:schemeClr val="accent1">
-                <a:shade val="50000"/>
-              </a:schemeClr>
-            </a:lnRef>
-            <a:fillRef idx="1">
-              <a:schemeClr val="accent1"/>
-            </a:fillRef>
-            <a:effectRef idx="0">
-              <a:schemeClr val="accent1"/>
-            </a:effectRef>
-            <a:fontRef idx="minor">
-              <a:schemeClr val="lt1"/>
-            </a:fontRef>
-          </p:style>
           <p:txBody>
-            <a:bodyPr rtlCol="0" anchor="ctr"/>
+            <a:bodyPr wrap="square" rtlCol="0">
+              <a:spAutoFit/>
+            </a:bodyPr>
             <a:lstStyle/>
             <a:p>
-              <a:pPr algn="ctr"/>
-              <a:endParaRPr lang="en-US"/>
+              <a:r>
+                <a:rPr lang="en-US" sz="2200" i="1" dirty="0">
+                  <a:solidFill>
+                    <a:schemeClr val="bg1"/>
+                  </a:solidFill>
+                </a:rPr>
+                <a:t>Figure 1</a:t>
+              </a:r>
+              <a:r>
+                <a:rPr lang="en-US" sz="2200" dirty="0">
+                  <a:solidFill>
+                    <a:schemeClr val="bg1"/>
+                  </a:solidFill>
+                </a:rPr>
+                <a:t>: Northern long-eared bat with visible signs of WNS (source: </a:t>
+              </a:r>
+              <a:r>
+                <a:rPr lang="en-US" sz="2200" dirty="0">
+                  <a:solidFill>
+                    <a:schemeClr val="bg1"/>
+                  </a:solidFill>
+                  <a:hlinkClick r:id="rId21">
+                    <a:extLst>
+                      <a:ext uri="{A12FA001-AC4F-418D-AE19-62706E023703}">
+                        <ahyp:hlinkClr xmlns:ahyp="http://schemas.microsoft.com/office/drawing/2018/hyperlinkcolor" val="tx"/>
+                      </a:ext>
+                    </a:extLst>
+                  </a:hlinkClick>
+                </a:rPr>
+                <a:t>USFWS Flickr</a:t>
+              </a:r>
+              <a:r>
+                <a:rPr lang="en-US" sz="2200" dirty="0">
+                  <a:solidFill>
+                    <a:schemeClr val="bg1"/>
+                  </a:solidFill>
+                </a:rPr>
+                <a:t>)</a:t>
+              </a:r>
             </a:p>
           </p:txBody>
         </p:sp>
-        <p:grpSp>
-          <p:nvGrpSpPr>
-            <p:cNvPr id="20" name="Group 19">
-              <a:extLst>
-                <a:ext uri="{FF2B5EF4-FFF2-40B4-BE49-F238E27FC236}">
-                  <a16:creationId xmlns:a16="http://schemas.microsoft.com/office/drawing/2014/main" id="{1D01CC13-1776-2757-6741-890641D2C8E9}"/>
-                </a:ext>
-              </a:extLst>
-            </p:cNvPr>
-            <p:cNvGrpSpPr/>
-            <p:nvPr/>
-          </p:nvGrpSpPr>
-          <p:grpSpPr>
-            <a:xfrm>
-              <a:off x="10934582" y="11158145"/>
-              <a:ext cx="6227064" cy="5468574"/>
-              <a:chOff x="14579368" y="10086780"/>
-              <a:chExt cx="5220268" cy="4788562"/>
-            </a:xfrm>
-          </p:grpSpPr>
-          <p:pic>
-            <p:nvPicPr>
-              <p:cNvPr id="80" name="Picture 79" descr="A person holding a bird&#10;&#10;Description automatically generated with low confidence">
-                <a:extLst>
-                  <a:ext uri="{FF2B5EF4-FFF2-40B4-BE49-F238E27FC236}">
-                    <a16:creationId xmlns:a16="http://schemas.microsoft.com/office/drawing/2014/main" id="{BFC5787D-88C3-69DB-071D-46BBEDB193BD}"/>
-                  </a:ext>
-                </a:extLst>
-              </p:cNvPr>
-              <p:cNvPicPr>
-                <a:picLocks noChangeAspect="1"/>
-              </p:cNvPicPr>
-              <p:nvPr/>
-            </p:nvPicPr>
-            <p:blipFill>
-              <a:blip r:embed="rId20" cstate="print">
-                <a:extLst>
-                  <a:ext uri="{28A0092B-C50C-407E-A947-70E740481C1C}">
-                    <a14:useLocalDpi xmlns:a14="http://schemas.microsoft.com/office/drawing/2010/main" val="0"/>
-                  </a:ext>
-                </a:extLst>
-              </a:blip>
-              <a:stretch>
-                <a:fillRect/>
-              </a:stretch>
-            </p:blipFill>
-            <p:spPr>
-              <a:xfrm>
-                <a:off x="14619053" y="10086780"/>
-                <a:ext cx="5180583" cy="4114800"/>
-              </a:xfrm>
-              <a:prstGeom prst="rect">
-                <a:avLst/>
-              </a:prstGeom>
-            </p:spPr>
-          </p:pic>
-          <p:sp>
-            <p:nvSpPr>
-              <p:cNvPr id="19" name="TextBox 18">
-                <a:extLst>
-                  <a:ext uri="{FF2B5EF4-FFF2-40B4-BE49-F238E27FC236}">
-                    <a16:creationId xmlns:a16="http://schemas.microsoft.com/office/drawing/2014/main" id="{1DA21D74-4AC9-9134-03D6-9978534C8503}"/>
-                  </a:ext>
-                </a:extLst>
-              </p:cNvPr>
-              <p:cNvSpPr txBox="1"/>
-              <p:nvPr/>
-            </p:nvSpPr>
-            <p:spPr>
-              <a:xfrm>
-                <a:off x="14579368" y="14201580"/>
-                <a:ext cx="5180583" cy="673762"/>
-              </a:xfrm>
-              <a:prstGeom prst="rect">
-                <a:avLst/>
-              </a:prstGeom>
-              <a:noFill/>
-            </p:spPr>
-            <p:txBody>
-              <a:bodyPr wrap="square" rtlCol="0">
-                <a:spAutoFit/>
-              </a:bodyPr>
-              <a:lstStyle/>
-              <a:p>
-                <a:r>
-                  <a:rPr lang="en-US" sz="2200" i="1" dirty="0">
-                    <a:solidFill>
-                      <a:schemeClr val="bg1"/>
-                    </a:solidFill>
-                  </a:rPr>
-                  <a:t>Figure 1</a:t>
-                </a:r>
-                <a:r>
-                  <a:rPr lang="en-US" sz="2200" dirty="0">
-                    <a:solidFill>
-                      <a:schemeClr val="bg1"/>
-                    </a:solidFill>
-                  </a:rPr>
-                  <a:t>: Northern long-eared bat with visible signs of WNS (source: </a:t>
-                </a:r>
-                <a:r>
-                  <a:rPr lang="en-US" sz="2200" dirty="0">
-                    <a:solidFill>
-                      <a:schemeClr val="bg1"/>
-                    </a:solidFill>
-                    <a:hlinkClick r:id="rId21">
-                      <a:extLst>
-                        <a:ext uri="{A12FA001-AC4F-418D-AE19-62706E023703}">
-                          <ahyp:hlinkClr xmlns:ahyp="http://schemas.microsoft.com/office/drawing/2018/hyperlinkcolor" val="tx"/>
-                        </a:ext>
-                      </a:extLst>
-                    </a:hlinkClick>
-                  </a:rPr>
-                  <a:t>USFWS Flickr</a:t>
-                </a:r>
-                <a:r>
-                  <a:rPr lang="en-US" sz="2200" dirty="0">
-                    <a:solidFill>
-                      <a:schemeClr val="bg1"/>
-                    </a:solidFill>
-                  </a:rPr>
-                  <a:t>)</a:t>
-                </a:r>
-              </a:p>
-            </p:txBody>
-          </p:sp>
-        </p:grpSp>
       </p:grpSp>
-      <mc:AlternateContent xmlns:mc="http://schemas.openxmlformats.org/markup-compatibility/2006">
-        <mc:Choice xmlns:a14="http://schemas.microsoft.com/office/drawing/2010/main" Requires="a14">
+      <mc:AlternateContent xmlns:mc="http://schemas.openxmlformats.org/markup-compatibility/2006" xmlns:a14="http://schemas.microsoft.com/office/drawing/2010/main">
+        <mc:Choice Requires="a14">
           <p:sp>
             <p:nvSpPr>
               <p:cNvPr id="24" name="TextBox 23">
@@ -5796,7 +5777,7 @@
             </p:txBody>
           </p:sp>
         </mc:Choice>
-        <mc:Fallback>
+        <mc:Fallback xmlns="">
           <p:sp>
             <p:nvSpPr>
               <p:cNvPr id="24" name="TextBox 23">
@@ -5955,8 +5936,8 @@
           </a:prstGeom>
         </p:spPr>
       </p:pic>
-      <mc:AlternateContent xmlns:mc="http://schemas.openxmlformats.org/markup-compatibility/2006">
-        <mc:Choice xmlns:a14="http://schemas.microsoft.com/office/drawing/2010/main" Requires="a14">
+      <mc:AlternateContent xmlns:mc="http://schemas.openxmlformats.org/markup-compatibility/2006" xmlns:a14="http://schemas.microsoft.com/office/drawing/2010/main">
+        <mc:Choice Requires="a14">
           <p:sp>
             <p:nvSpPr>
               <p:cNvPr id="38" name="TextBox 37">
@@ -6118,7 +6099,7 @@
             </p:txBody>
           </p:sp>
         </mc:Choice>
-        <mc:Fallback>
+        <mc:Fallback xmlns="">
           <p:sp>
             <p:nvSpPr>
               <p:cNvPr id="38" name="TextBox 37">

--- a/2022/20221006 ENVR Meeting/10062022_ENVR_Poster.pptx
+++ b/2022/20221006 ENVR Meeting/10062022_ENVR_Poster.pptx
@@ -221,7 +221,7 @@
           <a:p>
             <a:fld id="{E837218C-11D2-4A09-9AE4-D6BD3DD27CF4}" type="datetimeFigureOut">
               <a:rPr lang="en-US" smtClean="0"/>
-              <a:t>9/29/2022</a:t>
+              <a:t>9/30/2022</a:t>
             </a:fld>
             <a:endParaRPr lang="en-US"/>
           </a:p>
@@ -716,7 +716,7 @@
           <a:p>
             <a:fld id="{F500E339-CAAD-4744-8AE6-A189147761ED}" type="datetimeFigureOut">
               <a:rPr lang="en-US" smtClean="0"/>
-              <a:t>9/29/2022</a:t>
+              <a:t>9/30/2022</a:t>
             </a:fld>
             <a:endParaRPr lang="en-US"/>
           </a:p>
@@ -886,7 +886,7 @@
           <a:p>
             <a:fld id="{F500E339-CAAD-4744-8AE6-A189147761ED}" type="datetimeFigureOut">
               <a:rPr lang="en-US" smtClean="0"/>
-              <a:t>9/29/2022</a:t>
+              <a:t>9/30/2022</a:t>
             </a:fld>
             <a:endParaRPr lang="en-US"/>
           </a:p>
@@ -1066,7 +1066,7 @@
           <a:p>
             <a:fld id="{F500E339-CAAD-4744-8AE6-A189147761ED}" type="datetimeFigureOut">
               <a:rPr lang="en-US" smtClean="0"/>
-              <a:t>9/29/2022</a:t>
+              <a:t>9/30/2022</a:t>
             </a:fld>
             <a:endParaRPr lang="en-US"/>
           </a:p>
@@ -1236,7 +1236,7 @@
           <a:p>
             <a:fld id="{F500E339-CAAD-4744-8AE6-A189147761ED}" type="datetimeFigureOut">
               <a:rPr lang="en-US" smtClean="0"/>
-              <a:t>9/29/2022</a:t>
+              <a:t>9/30/2022</a:t>
             </a:fld>
             <a:endParaRPr lang="en-US"/>
           </a:p>
@@ -1480,7 +1480,7 @@
           <a:p>
             <a:fld id="{F500E339-CAAD-4744-8AE6-A189147761ED}" type="datetimeFigureOut">
               <a:rPr lang="en-US" smtClean="0"/>
-              <a:t>9/29/2022</a:t>
+              <a:t>9/30/2022</a:t>
             </a:fld>
             <a:endParaRPr lang="en-US"/>
           </a:p>
@@ -1712,7 +1712,7 @@
           <a:p>
             <a:fld id="{F500E339-CAAD-4744-8AE6-A189147761ED}" type="datetimeFigureOut">
               <a:rPr lang="en-US" smtClean="0"/>
-              <a:t>9/29/2022</a:t>
+              <a:t>9/30/2022</a:t>
             </a:fld>
             <a:endParaRPr lang="en-US"/>
           </a:p>
@@ -2079,7 +2079,7 @@
           <a:p>
             <a:fld id="{F500E339-CAAD-4744-8AE6-A189147761ED}" type="datetimeFigureOut">
               <a:rPr lang="en-US" smtClean="0"/>
-              <a:t>9/29/2022</a:t>
+              <a:t>9/30/2022</a:t>
             </a:fld>
             <a:endParaRPr lang="en-US"/>
           </a:p>
@@ -2197,7 +2197,7 @@
           <a:p>
             <a:fld id="{F500E339-CAAD-4744-8AE6-A189147761ED}" type="datetimeFigureOut">
               <a:rPr lang="en-US" smtClean="0"/>
-              <a:t>9/29/2022</a:t>
+              <a:t>9/30/2022</a:t>
             </a:fld>
             <a:endParaRPr lang="en-US"/>
           </a:p>
@@ -2292,7 +2292,7 @@
           <a:p>
             <a:fld id="{F500E339-CAAD-4744-8AE6-A189147761ED}" type="datetimeFigureOut">
               <a:rPr lang="en-US" smtClean="0"/>
-              <a:t>9/29/2022</a:t>
+              <a:t>9/30/2022</a:t>
             </a:fld>
             <a:endParaRPr lang="en-US"/>
           </a:p>
@@ -2569,7 +2569,7 @@
           <a:p>
             <a:fld id="{F500E339-CAAD-4744-8AE6-A189147761ED}" type="datetimeFigureOut">
               <a:rPr lang="en-US" smtClean="0"/>
-              <a:t>9/29/2022</a:t>
+              <a:t>9/30/2022</a:t>
             </a:fld>
             <a:endParaRPr lang="en-US"/>
           </a:p>
@@ -2826,7 +2826,7 @@
           <a:p>
             <a:fld id="{F500E339-CAAD-4744-8AE6-A189147761ED}" type="datetimeFigureOut">
               <a:rPr lang="en-US" smtClean="0"/>
-              <a:t>9/29/2022</a:t>
+              <a:t>9/30/2022</a:t>
             </a:fld>
             <a:endParaRPr lang="en-US"/>
           </a:p>
@@ -3039,7 +3039,7 @@
           <a:p>
             <a:fld id="{F500E339-CAAD-4744-8AE6-A189147761ED}" type="datetimeFigureOut">
               <a:rPr lang="en-US" smtClean="0"/>
-              <a:t>9/29/2022</a:t>
+              <a:t>9/30/2022</a:t>
             </a:fld>
             <a:endParaRPr lang="en-US"/>
           </a:p>
@@ -3454,6 +3454,286 @@
           <a:chExt cx="0" cy="0"/>
         </a:xfrm>
       </p:grpSpPr>
+      <p:sp>
+        <p:nvSpPr>
+          <p:cNvPr id="229" name="Rectangle 228">
+            <a:extLst>
+              <a:ext uri="{FF2B5EF4-FFF2-40B4-BE49-F238E27FC236}">
+                <a16:creationId xmlns:a16="http://schemas.microsoft.com/office/drawing/2014/main" id="{D54A3A77-04FA-4780-C786-BCA32E8C7B2A}"/>
+              </a:ext>
+            </a:extLst>
+          </p:cNvPr>
+          <p:cNvSpPr/>
+          <p:nvPr/>
+        </p:nvSpPr>
+        <p:spPr>
+          <a:xfrm>
+            <a:off x="852655" y="26955293"/>
+            <a:ext cx="42724614" cy="366790"/>
+          </a:xfrm>
+          <a:prstGeom prst="rect">
+            <a:avLst/>
+          </a:prstGeom>
+        </p:spPr>
+        <p:style>
+          <a:lnRef idx="2">
+            <a:schemeClr val="accent1">
+              <a:shade val="50000"/>
+            </a:schemeClr>
+          </a:lnRef>
+          <a:fillRef idx="1">
+            <a:schemeClr val="accent1"/>
+          </a:fillRef>
+          <a:effectRef idx="0">
+            <a:schemeClr val="accent1"/>
+          </a:effectRef>
+          <a:fontRef idx="minor">
+            <a:schemeClr val="lt1"/>
+          </a:fontRef>
+        </p:style>
+        <p:txBody>
+          <a:bodyPr rtlCol="0" anchor="ctr"/>
+          <a:lstStyle/>
+          <a:p>
+            <a:pPr algn="ctr"/>
+            <a:endParaRPr lang="en-US"/>
+          </a:p>
+        </p:txBody>
+      </p:sp>
+      <p:sp>
+        <p:nvSpPr>
+          <p:cNvPr id="219" name="Rectangle 218">
+            <a:extLst>
+              <a:ext uri="{FF2B5EF4-FFF2-40B4-BE49-F238E27FC236}">
+                <a16:creationId xmlns:a16="http://schemas.microsoft.com/office/drawing/2014/main" id="{A31AB284-CE58-1767-D594-71ACA0CDDBF0}"/>
+              </a:ext>
+            </a:extLst>
+          </p:cNvPr>
+          <p:cNvSpPr/>
+          <p:nvPr/>
+        </p:nvSpPr>
+        <p:spPr>
+          <a:xfrm>
+            <a:off x="33476184" y="4362821"/>
+            <a:ext cx="4626864" cy="904289"/>
+          </a:xfrm>
+          <a:prstGeom prst="rect">
+            <a:avLst/>
+          </a:prstGeom>
+        </p:spPr>
+        <p:style>
+          <a:lnRef idx="2">
+            <a:schemeClr val="accent1">
+              <a:shade val="50000"/>
+            </a:schemeClr>
+          </a:lnRef>
+          <a:fillRef idx="1">
+            <a:schemeClr val="accent1"/>
+          </a:fillRef>
+          <a:effectRef idx="0">
+            <a:schemeClr val="accent1"/>
+          </a:effectRef>
+          <a:fontRef idx="minor">
+            <a:schemeClr val="lt1"/>
+          </a:fontRef>
+        </p:style>
+        <p:txBody>
+          <a:bodyPr rtlCol="0" anchor="ctr"/>
+          <a:lstStyle/>
+          <a:p>
+            <a:pPr algn="ctr"/>
+            <a:endParaRPr lang="en-US"/>
+          </a:p>
+        </p:txBody>
+      </p:sp>
+      <p:sp>
+        <p:nvSpPr>
+          <p:cNvPr id="220" name="Rectangle 219">
+            <a:extLst>
+              <a:ext uri="{FF2B5EF4-FFF2-40B4-BE49-F238E27FC236}">
+                <a16:creationId xmlns:a16="http://schemas.microsoft.com/office/drawing/2014/main" id="{76E49CFD-9EE9-0F63-568A-B884DF6520B6}"/>
+              </a:ext>
+            </a:extLst>
+          </p:cNvPr>
+          <p:cNvSpPr/>
+          <p:nvPr/>
+        </p:nvSpPr>
+        <p:spPr>
+          <a:xfrm>
+            <a:off x="38115240" y="4362821"/>
+            <a:ext cx="4626864" cy="904289"/>
+          </a:xfrm>
+          <a:prstGeom prst="rect">
+            <a:avLst/>
+          </a:prstGeom>
+        </p:spPr>
+        <p:style>
+          <a:lnRef idx="2">
+            <a:schemeClr val="accent1">
+              <a:shade val="50000"/>
+            </a:schemeClr>
+          </a:lnRef>
+          <a:fillRef idx="1">
+            <a:schemeClr val="accent1"/>
+          </a:fillRef>
+          <a:effectRef idx="0">
+            <a:schemeClr val="accent1"/>
+          </a:effectRef>
+          <a:fontRef idx="minor">
+            <a:schemeClr val="lt1"/>
+          </a:fontRef>
+        </p:style>
+        <p:txBody>
+          <a:bodyPr rtlCol="0" anchor="ctr"/>
+          <a:lstStyle/>
+          <a:p>
+            <a:pPr algn="ctr"/>
+            <a:endParaRPr lang="en-US"/>
+          </a:p>
+        </p:txBody>
+      </p:sp>
+      <p:sp>
+        <p:nvSpPr>
+          <p:cNvPr id="126" name="Rectangle 125">
+            <a:extLst>
+              <a:ext uri="{FF2B5EF4-FFF2-40B4-BE49-F238E27FC236}">
+                <a16:creationId xmlns:a16="http://schemas.microsoft.com/office/drawing/2014/main" id="{F0253566-A85F-87D0-635E-81C93D24DF08}"/>
+              </a:ext>
+            </a:extLst>
+          </p:cNvPr>
+          <p:cNvSpPr>
+            <a:spLocks noGrp="1" noRot="1" noMove="1" noResize="1" noEditPoints="1" noAdjustHandles="1" noChangeArrowheads="1" noChangeShapeType="1"/>
+          </p:cNvSpPr>
+          <p:nvPr/>
+        </p:nvSpPr>
+        <p:spPr>
+          <a:xfrm>
+            <a:off x="1158240" y="4261212"/>
+            <a:ext cx="4626864" cy="904289"/>
+          </a:xfrm>
+          <a:prstGeom prst="rect">
+            <a:avLst/>
+          </a:prstGeom>
+        </p:spPr>
+        <p:style>
+          <a:lnRef idx="2">
+            <a:schemeClr val="accent1">
+              <a:shade val="50000"/>
+            </a:schemeClr>
+          </a:lnRef>
+          <a:fillRef idx="1">
+            <a:schemeClr val="accent1"/>
+          </a:fillRef>
+          <a:effectRef idx="0">
+            <a:schemeClr val="accent1"/>
+          </a:effectRef>
+          <a:fontRef idx="minor">
+            <a:schemeClr val="lt1"/>
+          </a:fontRef>
+        </p:style>
+        <p:txBody>
+          <a:bodyPr rtlCol="0" anchor="ctr"/>
+          <a:lstStyle/>
+          <a:p>
+            <a:pPr algn="ctr"/>
+            <a:endParaRPr lang="en-US"/>
+          </a:p>
+        </p:txBody>
+      </p:sp>
+      <p:sp>
+        <p:nvSpPr>
+          <p:cNvPr id="127" name="Rectangle 126">
+            <a:extLst>
+              <a:ext uri="{FF2B5EF4-FFF2-40B4-BE49-F238E27FC236}">
+                <a16:creationId xmlns:a16="http://schemas.microsoft.com/office/drawing/2014/main" id="{AEAEF652-09EC-2304-97E7-E28FFB5353B7}"/>
+              </a:ext>
+            </a:extLst>
+          </p:cNvPr>
+          <p:cNvSpPr>
+            <a:spLocks noGrp="1" noRot="1" noMove="1" noResize="1" noEditPoints="1" noAdjustHandles="1" noChangeArrowheads="1" noChangeShapeType="1"/>
+          </p:cNvSpPr>
+          <p:nvPr/>
+        </p:nvSpPr>
+        <p:spPr>
+          <a:xfrm>
+            <a:off x="5797296" y="4261212"/>
+            <a:ext cx="4626864" cy="904289"/>
+          </a:xfrm>
+          <a:prstGeom prst="rect">
+            <a:avLst/>
+          </a:prstGeom>
+        </p:spPr>
+        <p:style>
+          <a:lnRef idx="2">
+            <a:schemeClr val="accent1">
+              <a:shade val="50000"/>
+            </a:schemeClr>
+          </a:lnRef>
+          <a:fillRef idx="1">
+            <a:schemeClr val="accent1"/>
+          </a:fillRef>
+          <a:effectRef idx="0">
+            <a:schemeClr val="accent1"/>
+          </a:effectRef>
+          <a:fontRef idx="minor">
+            <a:schemeClr val="lt1"/>
+          </a:fontRef>
+        </p:style>
+        <p:txBody>
+          <a:bodyPr rtlCol="0" anchor="ctr"/>
+          <a:lstStyle/>
+          <a:p>
+            <a:pPr algn="ctr"/>
+            <a:endParaRPr lang="en-US"/>
+          </a:p>
+        </p:txBody>
+      </p:sp>
+      <p:sp>
+        <p:nvSpPr>
+          <p:cNvPr id="134" name="Rectangle 133">
+            <a:extLst>
+              <a:ext uri="{FF2B5EF4-FFF2-40B4-BE49-F238E27FC236}">
+                <a16:creationId xmlns:a16="http://schemas.microsoft.com/office/drawing/2014/main" id="{797B29D1-6234-F05A-32EE-56D8B699696A}"/>
+              </a:ext>
+            </a:extLst>
+          </p:cNvPr>
+          <p:cNvSpPr/>
+          <p:nvPr/>
+        </p:nvSpPr>
+        <p:spPr>
+          <a:xfrm>
+            <a:off x="798286" y="6623984"/>
+            <a:ext cx="42724614" cy="366790"/>
+          </a:xfrm>
+          <a:prstGeom prst="rect">
+            <a:avLst/>
+          </a:prstGeom>
+        </p:spPr>
+        <p:style>
+          <a:lnRef idx="2">
+            <a:schemeClr val="accent1">
+              <a:shade val="50000"/>
+            </a:schemeClr>
+          </a:lnRef>
+          <a:fillRef idx="1">
+            <a:schemeClr val="accent1"/>
+          </a:fillRef>
+          <a:effectRef idx="0">
+            <a:schemeClr val="accent1"/>
+          </a:effectRef>
+          <a:fontRef idx="minor">
+            <a:schemeClr val="lt1"/>
+          </a:fontRef>
+        </p:style>
+        <p:txBody>
+          <a:bodyPr rtlCol="0" anchor="ctr"/>
+          <a:lstStyle/>
+          <a:p>
+            <a:pPr algn="ctr"/>
+            <a:endParaRPr lang="en-US"/>
+          </a:p>
+        </p:txBody>
+      </p:sp>
       <p:pic>
         <p:nvPicPr>
           <p:cNvPr id="4" name="Picture 144" descr="newMSUlogo"/>
@@ -3606,8 +3886,8 @@
         </p:nvGrpSpPr>
         <p:grpSpPr>
           <a:xfrm>
-            <a:off x="11521440" y="5608319"/>
-            <a:ext cx="20825460" cy="1015663"/>
+            <a:off x="11521432" y="5608320"/>
+            <a:ext cx="20784312" cy="1015663"/>
             <a:chOff x="11521440" y="5608319"/>
             <a:chExt cx="20825460" cy="1015663"/>
           </a:xfrm>
@@ -3678,7 +3958,7 @@
           <p:spPr>
             <a:xfrm>
               <a:off x="11521440" y="5608319"/>
-              <a:ext cx="20825460" cy="923330"/>
+              <a:ext cx="20784312" cy="923330"/>
             </a:xfrm>
             <a:prstGeom prst="rect">
               <a:avLst/>
@@ -3814,7 +4094,7 @@
                   </a:solidFill>
                   <a:latin typeface="Trajan Pro" panose="020B0604020202020204" pitchFamily="18" charset="0"/>
                 </a:rPr>
-                <a:t>Estimation</a:t>
+                <a:t>Data Collection</a:t>
               </a:r>
             </a:p>
           </p:txBody>
@@ -3837,9 +4117,9 @@
         <p:grpSpPr>
           <a:xfrm>
             <a:off x="1158240" y="5608319"/>
-            <a:ext cx="9265920" cy="1508106"/>
+            <a:ext cx="9265920" cy="1015664"/>
             <a:chOff x="1158240" y="5608319"/>
-            <a:chExt cx="9265920" cy="1508106"/>
+            <a:chExt cx="9265920" cy="1015664"/>
           </a:xfrm>
         </p:grpSpPr>
         <p:sp>
@@ -3934,488 +4214,7 @@
             </a:p>
           </p:txBody>
         </p:sp>
-        <p:sp>
-          <p:nvSpPr>
-            <p:cNvPr id="18" name="TextBox 17"/>
-            <p:cNvSpPr txBox="1">
-              <a:spLocks noGrp="1" noRot="1" noMove="1" noResize="1" noEditPoints="1" noAdjustHandles="1" noChangeArrowheads="1" noChangeShapeType="1"/>
-            </p:cNvSpPr>
-            <p:nvPr/>
-          </p:nvSpPr>
-          <p:spPr>
-            <a:xfrm>
-              <a:off x="1158240" y="6623982"/>
-              <a:ext cx="9265920" cy="492443"/>
-            </a:xfrm>
-            <a:prstGeom prst="rect">
-              <a:avLst/>
-            </a:prstGeom>
-            <a:noFill/>
-          </p:spPr>
-          <p:txBody>
-            <a:bodyPr wrap="square" rtlCol="0">
-              <a:spAutoFit/>
-            </a:bodyPr>
-            <a:lstStyle/>
-            <a:p>
-              <a:endParaRPr lang="en-US" sz="2600">
-                <a:latin typeface="Times New Roman" panose="02020603050405020304" pitchFamily="18" charset="0"/>
-                <a:cs typeface="Times New Roman" panose="02020603050405020304" pitchFamily="18" charset="0"/>
-              </a:endParaRPr>
-            </a:p>
-          </p:txBody>
-        </p:sp>
       </p:grpSp>
-      <p:pic>
-        <p:nvPicPr>
-          <p:cNvPr id="76" name="Picture 75" descr="Map&#10;&#10;Description automatically generated">
-            <a:extLst>
-              <a:ext uri="{FF2B5EF4-FFF2-40B4-BE49-F238E27FC236}">
-                <a16:creationId xmlns:a16="http://schemas.microsoft.com/office/drawing/2014/main" id="{0FCF8801-BBE6-2E1E-1335-761C12FF4FD0}"/>
-              </a:ext>
-            </a:extLst>
-          </p:cNvPr>
-          <p:cNvPicPr>
-            <a:picLocks noChangeAspect="1"/>
-          </p:cNvPicPr>
-          <p:nvPr/>
-        </p:nvPicPr>
-        <p:blipFill>
-          <a:blip r:embed="rId5" cstate="print">
-            <a:extLst>
-              <a:ext uri="{28A0092B-C50C-407E-A947-70E740481C1C}">
-                <a14:useLocalDpi xmlns:a14="http://schemas.microsoft.com/office/drawing/2010/main" val="0"/>
-              </a:ext>
-            </a:extLst>
-          </a:blip>
-          <a:stretch>
-            <a:fillRect/>
-          </a:stretch>
-        </p:blipFill>
-        <p:spPr>
-          <a:xfrm>
-            <a:off x="3929389" y="27176559"/>
-            <a:ext cx="6494771" cy="3657600"/>
-          </a:xfrm>
-          <a:prstGeom prst="rect">
-            <a:avLst/>
-          </a:prstGeom>
-        </p:spPr>
-      </p:pic>
-      <p:pic>
-        <p:nvPicPr>
-          <p:cNvPr id="78" name="Picture 77" descr="A picture containing ground, indoor, laying, dirty&#10;&#10;Description automatically generated">
-            <a:extLst>
-              <a:ext uri="{FF2B5EF4-FFF2-40B4-BE49-F238E27FC236}">
-                <a16:creationId xmlns:a16="http://schemas.microsoft.com/office/drawing/2014/main" id="{E47870C1-2793-C027-B9FA-4E7A67295384}"/>
-              </a:ext>
-            </a:extLst>
-          </p:cNvPr>
-          <p:cNvPicPr>
-            <a:picLocks noChangeAspect="1"/>
-          </p:cNvPicPr>
-          <p:nvPr/>
-        </p:nvPicPr>
-        <p:blipFill>
-          <a:blip r:embed="rId6">
-            <a:extLst>
-              <a:ext uri="{28A0092B-C50C-407E-A947-70E740481C1C}">
-                <a14:useLocalDpi xmlns:a14="http://schemas.microsoft.com/office/drawing/2010/main" val="0"/>
-              </a:ext>
-            </a:extLst>
-          </a:blip>
-          <a:stretch>
-            <a:fillRect/>
-          </a:stretch>
-        </p:blipFill>
-        <p:spPr>
-          <a:xfrm>
-            <a:off x="5885468" y="7972402"/>
-            <a:ext cx="4232367" cy="2428640"/>
-          </a:xfrm>
-          <a:prstGeom prst="rect">
-            <a:avLst/>
-          </a:prstGeom>
-        </p:spPr>
-      </p:pic>
-      <p:pic>
-        <p:nvPicPr>
-          <p:cNvPr id="82" name="Picture 81" descr="A picture containing person, mammal&#10;&#10;Description automatically generated">
-            <a:extLst>
-              <a:ext uri="{FF2B5EF4-FFF2-40B4-BE49-F238E27FC236}">
-                <a16:creationId xmlns:a16="http://schemas.microsoft.com/office/drawing/2014/main" id="{34DF734C-D169-FB27-458C-54DC948BC52F}"/>
-              </a:ext>
-            </a:extLst>
-          </p:cNvPr>
-          <p:cNvPicPr>
-            <a:picLocks noChangeAspect="1"/>
-          </p:cNvPicPr>
-          <p:nvPr/>
-        </p:nvPicPr>
-        <p:blipFill>
-          <a:blip r:embed="rId7" cstate="print">
-            <a:extLst>
-              <a:ext uri="{28A0092B-C50C-407E-A947-70E740481C1C}">
-                <a14:useLocalDpi xmlns:a14="http://schemas.microsoft.com/office/drawing/2010/main" val="0"/>
-              </a:ext>
-            </a:extLst>
-          </a:blip>
-          <a:stretch>
-            <a:fillRect/>
-          </a:stretch>
-        </p:blipFill>
-        <p:spPr>
-          <a:xfrm>
-            <a:off x="56096884" y="11171695"/>
-            <a:ext cx="1914623" cy="1435967"/>
-          </a:xfrm>
-          <a:prstGeom prst="rect">
-            <a:avLst/>
-          </a:prstGeom>
-        </p:spPr>
-      </p:pic>
-      <p:pic>
-        <p:nvPicPr>
-          <p:cNvPr id="84" name="Picture 83" descr="A picture containing tree, outdoor, grass, park&#10;&#10;Description automatically generated">
-            <a:extLst>
-              <a:ext uri="{FF2B5EF4-FFF2-40B4-BE49-F238E27FC236}">
-                <a16:creationId xmlns:a16="http://schemas.microsoft.com/office/drawing/2014/main" id="{B0DAC4EF-2077-3417-554A-A5EBD52574F0}"/>
-              </a:ext>
-            </a:extLst>
-          </p:cNvPr>
-          <p:cNvPicPr>
-            <a:picLocks noChangeAspect="1"/>
-          </p:cNvPicPr>
-          <p:nvPr/>
-        </p:nvPicPr>
-        <p:blipFill>
-          <a:blip r:embed="rId8" cstate="print">
-            <a:extLst>
-              <a:ext uri="{28A0092B-C50C-407E-A947-70E740481C1C}">
-                <a14:useLocalDpi xmlns:a14="http://schemas.microsoft.com/office/drawing/2010/main" val="0"/>
-              </a:ext>
-            </a:extLst>
-          </a:blip>
-          <a:stretch>
-            <a:fillRect/>
-          </a:stretch>
-        </p:blipFill>
-        <p:spPr>
-          <a:xfrm>
-            <a:off x="59641929" y="11498339"/>
-            <a:ext cx="1937493" cy="2583324"/>
-          </a:xfrm>
-          <a:prstGeom prst="rect">
-            <a:avLst/>
-          </a:prstGeom>
-        </p:spPr>
-      </p:pic>
-      <p:pic>
-        <p:nvPicPr>
-          <p:cNvPr id="97" name="Picture 96" descr="A picture containing text, grass, outdoor, sky&#10;&#10;Description automatically generated">
-            <a:extLst>
-              <a:ext uri="{FF2B5EF4-FFF2-40B4-BE49-F238E27FC236}">
-                <a16:creationId xmlns:a16="http://schemas.microsoft.com/office/drawing/2014/main" id="{5E66AA34-4230-F755-5BE9-3030E09C962D}"/>
-              </a:ext>
-            </a:extLst>
-          </p:cNvPr>
-          <p:cNvPicPr>
-            <a:picLocks noChangeAspect="1"/>
-          </p:cNvPicPr>
-          <p:nvPr/>
-        </p:nvPicPr>
-        <p:blipFill>
-          <a:blip r:embed="rId9" cstate="print">
-            <a:extLst>
-              <a:ext uri="{28A0092B-C50C-407E-A947-70E740481C1C}">
-                <a14:useLocalDpi xmlns:a14="http://schemas.microsoft.com/office/drawing/2010/main" val="0"/>
-              </a:ext>
-            </a:extLst>
-          </a:blip>
-          <a:stretch>
-            <a:fillRect/>
-          </a:stretch>
-        </p:blipFill>
-        <p:spPr>
-          <a:xfrm>
-            <a:off x="62101585" y="5231850"/>
-            <a:ext cx="2544999" cy="3393332"/>
-          </a:xfrm>
-          <a:prstGeom prst="rect">
-            <a:avLst/>
-          </a:prstGeom>
-        </p:spPr>
-      </p:pic>
-      <p:pic>
-        <p:nvPicPr>
-          <p:cNvPr id="98" name="Picture 97" descr="A picture containing tree, plant&#10;&#10;Description automatically generated">
-            <a:extLst>
-              <a:ext uri="{FF2B5EF4-FFF2-40B4-BE49-F238E27FC236}">
-                <a16:creationId xmlns:a16="http://schemas.microsoft.com/office/drawing/2014/main" id="{AA0E54C5-39BA-74EB-CCC7-8C50A8ADB796}"/>
-              </a:ext>
-            </a:extLst>
-          </p:cNvPr>
-          <p:cNvPicPr>
-            <a:picLocks noChangeAspect="1"/>
-          </p:cNvPicPr>
-          <p:nvPr/>
-        </p:nvPicPr>
-        <p:blipFill>
-          <a:blip r:embed="rId10" cstate="print">
-            <a:extLst>
-              <a:ext uri="{28A0092B-C50C-407E-A947-70E740481C1C}">
-                <a14:useLocalDpi xmlns:a14="http://schemas.microsoft.com/office/drawing/2010/main" val="0"/>
-              </a:ext>
-            </a:extLst>
-          </a:blip>
-          <a:stretch>
-            <a:fillRect/>
-          </a:stretch>
-        </p:blipFill>
-        <p:spPr>
-          <a:xfrm rot="5400000">
-            <a:off x="62536844" y="9775090"/>
-            <a:ext cx="2974311" cy="2230733"/>
-          </a:xfrm>
-          <a:prstGeom prst="rect">
-            <a:avLst/>
-          </a:prstGeom>
-        </p:spPr>
-      </p:pic>
-      <p:pic>
-        <p:nvPicPr>
-          <p:cNvPr id="99" name="Picture 98" descr="A landscape with trees and mountains in the background&#10;&#10;Description automatically generated with medium confidence">
-            <a:extLst>
-              <a:ext uri="{FF2B5EF4-FFF2-40B4-BE49-F238E27FC236}">
-                <a16:creationId xmlns:a16="http://schemas.microsoft.com/office/drawing/2014/main" id="{948A582E-00AD-18A8-1E89-90C3C681B968}"/>
-              </a:ext>
-            </a:extLst>
-          </p:cNvPr>
-          <p:cNvPicPr>
-            <a:picLocks noChangeAspect="1"/>
-          </p:cNvPicPr>
-          <p:nvPr/>
-        </p:nvPicPr>
-        <p:blipFill>
-          <a:blip r:embed="rId11" cstate="print">
-            <a:extLst>
-              <a:ext uri="{28A0092B-C50C-407E-A947-70E740481C1C}">
-                <a14:useLocalDpi xmlns:a14="http://schemas.microsoft.com/office/drawing/2010/main" val="0"/>
-              </a:ext>
-            </a:extLst>
-          </a:blip>
-          <a:stretch>
-            <a:fillRect/>
-          </a:stretch>
-        </p:blipFill>
-        <p:spPr>
-          <a:xfrm>
-            <a:off x="57888586" y="6882277"/>
-            <a:ext cx="4051300" cy="3038475"/>
-          </a:xfrm>
-          <a:prstGeom prst="rect">
-            <a:avLst/>
-          </a:prstGeom>
-        </p:spPr>
-      </p:pic>
-      <p:pic>
-        <p:nvPicPr>
-          <p:cNvPr id="101" name="Picture 100" descr="Chart&#10;&#10;Description automatically generated">
-            <a:extLst>
-              <a:ext uri="{FF2B5EF4-FFF2-40B4-BE49-F238E27FC236}">
-                <a16:creationId xmlns:a16="http://schemas.microsoft.com/office/drawing/2014/main" id="{55EA4842-857E-219A-949B-252D07633825}"/>
-              </a:ext>
-            </a:extLst>
-          </p:cNvPr>
-          <p:cNvPicPr>
-            <a:picLocks noChangeAspect="1"/>
-          </p:cNvPicPr>
-          <p:nvPr/>
-        </p:nvPicPr>
-        <p:blipFill>
-          <a:blip r:embed="rId12" cstate="print">
-            <a:extLst>
-              <a:ext uri="{28A0092B-C50C-407E-A947-70E740481C1C}">
-                <a14:useLocalDpi xmlns:a14="http://schemas.microsoft.com/office/drawing/2010/main" val="0"/>
-              </a:ext>
-            </a:extLst>
-          </a:blip>
-          <a:stretch>
-            <a:fillRect/>
-          </a:stretch>
-        </p:blipFill>
-        <p:spPr>
-          <a:xfrm>
-            <a:off x="74360809" y="9670058"/>
-            <a:ext cx="1905969" cy="1358551"/>
-          </a:xfrm>
-          <a:prstGeom prst="rect">
-            <a:avLst/>
-          </a:prstGeom>
-        </p:spPr>
-      </p:pic>
-      <p:pic>
-        <p:nvPicPr>
-          <p:cNvPr id="103" name="Picture 102" descr="Chart&#10;&#10;Description automatically generated">
-            <a:extLst>
-              <a:ext uri="{FF2B5EF4-FFF2-40B4-BE49-F238E27FC236}">
-                <a16:creationId xmlns:a16="http://schemas.microsoft.com/office/drawing/2014/main" id="{56B57CC7-F074-9898-999B-31A660479C06}"/>
-              </a:ext>
-            </a:extLst>
-          </p:cNvPr>
-          <p:cNvPicPr>
-            <a:picLocks noChangeAspect="1"/>
-          </p:cNvPicPr>
-          <p:nvPr/>
-        </p:nvPicPr>
-        <p:blipFill>
-          <a:blip r:embed="rId13" cstate="print">
-            <a:extLst>
-              <a:ext uri="{28A0092B-C50C-407E-A947-70E740481C1C}">
-                <a14:useLocalDpi xmlns:a14="http://schemas.microsoft.com/office/drawing/2010/main" val="0"/>
-              </a:ext>
-            </a:extLst>
-          </a:blip>
-          <a:stretch>
-            <a:fillRect/>
-          </a:stretch>
-        </p:blipFill>
-        <p:spPr>
-          <a:xfrm>
-            <a:off x="72612020" y="5036862"/>
-            <a:ext cx="3174180" cy="2262516"/>
-          </a:xfrm>
-          <a:prstGeom prst="rect">
-            <a:avLst/>
-          </a:prstGeom>
-        </p:spPr>
-      </p:pic>
-      <p:pic>
-        <p:nvPicPr>
-          <p:cNvPr id="105" name="Picture 104" descr="Diagram&#10;&#10;Description automatically generated with low confidence">
-            <a:extLst>
-              <a:ext uri="{FF2B5EF4-FFF2-40B4-BE49-F238E27FC236}">
-                <a16:creationId xmlns:a16="http://schemas.microsoft.com/office/drawing/2014/main" id="{15A09779-B037-EF66-EA9B-40F4443B8EB1}"/>
-              </a:ext>
-            </a:extLst>
-          </p:cNvPr>
-          <p:cNvPicPr>
-            <a:picLocks noChangeAspect="1"/>
-          </p:cNvPicPr>
-          <p:nvPr/>
-        </p:nvPicPr>
-        <p:blipFill>
-          <a:blip r:embed="rId14" cstate="print">
-            <a:extLst>
-              <a:ext uri="{28A0092B-C50C-407E-A947-70E740481C1C}">
-                <a14:useLocalDpi xmlns:a14="http://schemas.microsoft.com/office/drawing/2010/main" val="0"/>
-              </a:ext>
-            </a:extLst>
-          </a:blip>
-          <a:stretch>
-            <a:fillRect/>
-          </a:stretch>
-        </p:blipFill>
-        <p:spPr>
-          <a:xfrm>
-            <a:off x="72139613" y="11130707"/>
-            <a:ext cx="3174180" cy="2324797"/>
-          </a:xfrm>
-          <a:prstGeom prst="rect">
-            <a:avLst/>
-          </a:prstGeom>
-        </p:spPr>
-      </p:pic>
-      <p:pic>
-        <p:nvPicPr>
-          <p:cNvPr id="107" name="Picture 106" descr="Chart&#10;&#10;Description automatically generated with low confidence">
-            <a:extLst>
-              <a:ext uri="{FF2B5EF4-FFF2-40B4-BE49-F238E27FC236}">
-                <a16:creationId xmlns:a16="http://schemas.microsoft.com/office/drawing/2014/main" id="{2BFAFAE1-5B16-0EB4-A2D4-9AA5E26BB37E}"/>
-              </a:ext>
-            </a:extLst>
-          </p:cNvPr>
-          <p:cNvPicPr>
-            <a:picLocks noChangeAspect="1"/>
-          </p:cNvPicPr>
-          <p:nvPr/>
-        </p:nvPicPr>
-        <p:blipFill>
-          <a:blip r:embed="rId15" cstate="print">
-            <a:extLst>
-              <a:ext uri="{28A0092B-C50C-407E-A947-70E740481C1C}">
-                <a14:useLocalDpi xmlns:a14="http://schemas.microsoft.com/office/drawing/2010/main" val="0"/>
-              </a:ext>
-            </a:extLst>
-          </a:blip>
-          <a:stretch>
-            <a:fillRect/>
-          </a:stretch>
-        </p:blipFill>
-        <p:spPr>
-          <a:xfrm>
-            <a:off x="71763558" y="8209526"/>
-            <a:ext cx="2435552" cy="1783819"/>
-          </a:xfrm>
-          <a:prstGeom prst="rect">
-            <a:avLst/>
-          </a:prstGeom>
-        </p:spPr>
-      </p:pic>
-      <p:sp>
-        <p:nvSpPr>
-          <p:cNvPr id="36" name="Rectangle 35">
-            <a:extLst>
-              <a:ext uri="{FF2B5EF4-FFF2-40B4-BE49-F238E27FC236}">
-                <a16:creationId xmlns:a16="http://schemas.microsoft.com/office/drawing/2014/main" id="{893A3EBA-84F2-216E-C0C0-8D19EF3AC731}"/>
-              </a:ext>
-            </a:extLst>
-          </p:cNvPr>
-          <p:cNvSpPr/>
-          <p:nvPr/>
-        </p:nvSpPr>
-        <p:spPr>
-          <a:xfrm>
-            <a:off x="34452466" y="12804457"/>
-            <a:ext cx="9262872" cy="9050384"/>
-          </a:xfrm>
-          <a:prstGeom prst="rect">
-            <a:avLst/>
-          </a:prstGeom>
-          <a:solidFill>
-            <a:srgbClr val="002060"/>
-          </a:solidFill>
-          <a:ln>
-            <a:solidFill>
-              <a:srgbClr val="FFC000"/>
-            </a:solidFill>
-          </a:ln>
-        </p:spPr>
-        <p:style>
-          <a:lnRef idx="2">
-            <a:schemeClr val="accent1">
-              <a:shade val="50000"/>
-            </a:schemeClr>
-          </a:lnRef>
-          <a:fillRef idx="1">
-            <a:schemeClr val="accent1"/>
-          </a:fillRef>
-          <a:effectRef idx="0">
-            <a:schemeClr val="accent1"/>
-          </a:effectRef>
-          <a:fontRef idx="minor">
-            <a:schemeClr val="lt1"/>
-          </a:fontRef>
-        </p:style>
-        <p:txBody>
-          <a:bodyPr rtlCol="0" anchor="ctr"/>
-          <a:lstStyle/>
-          <a:p>
-            <a:pPr algn="ctr"/>
-            <a:endParaRPr lang="en-US"/>
-          </a:p>
-        </p:txBody>
-      </p:sp>
       <p:grpSp>
         <p:nvGrpSpPr>
           <p:cNvPr id="65" name="Group 64"/>
@@ -4426,7 +4225,7 @@
         </p:nvGrpSpPr>
         <p:grpSpPr>
           <a:xfrm>
-            <a:off x="11525290" y="20839178"/>
+            <a:off x="11525290" y="20697697"/>
             <a:ext cx="20780454" cy="1015663"/>
             <a:chOff x="11408405" y="23251870"/>
             <a:chExt cx="20825460" cy="1015663"/>
@@ -4528,10 +4327,10 @@
       </p:grpSp>
       <p:grpSp>
         <p:nvGrpSpPr>
-          <p:cNvPr id="30" name="Group 29">
+          <p:cNvPr id="87" name="Group 86">
             <a:extLst>
               <a:ext uri="{FF2B5EF4-FFF2-40B4-BE49-F238E27FC236}">
-                <a16:creationId xmlns:a16="http://schemas.microsoft.com/office/drawing/2014/main" id="{62BB96D5-AFF4-C7DA-893B-5DC74639D3A6}"/>
+                <a16:creationId xmlns:a16="http://schemas.microsoft.com/office/drawing/2014/main" id="{B99BEB60-C8CB-9A63-EDF8-83C9DBCCF57F}"/>
               </a:ext>
             </a:extLst>
           </p:cNvPr>
@@ -4542,243 +4341,266 @@
         </p:nvGrpSpPr>
         <p:grpSpPr>
           <a:xfrm>
-            <a:off x="11515876" y="22222503"/>
-            <a:ext cx="10383039" cy="707886"/>
-            <a:chOff x="11514587" y="22222503"/>
-            <a:chExt cx="10392508" cy="707886"/>
+            <a:off x="11510645" y="22029997"/>
+            <a:ext cx="20813657" cy="738586"/>
+            <a:chOff x="11515876" y="22222503"/>
+            <a:chExt cx="20813657" cy="738586"/>
           </a:xfrm>
         </p:grpSpPr>
-        <p:sp>
-          <p:nvSpPr>
-            <p:cNvPr id="110" name="TextBox 109">
+        <p:grpSp>
+          <p:nvGrpSpPr>
+            <p:cNvPr id="30" name="Group 29">
               <a:extLst>
                 <a:ext uri="{FF2B5EF4-FFF2-40B4-BE49-F238E27FC236}">
-                  <a16:creationId xmlns:a16="http://schemas.microsoft.com/office/drawing/2014/main" id="{DDB7D0E0-0550-7A69-2BE8-4A067972DFB9}"/>
+                  <a16:creationId xmlns:a16="http://schemas.microsoft.com/office/drawing/2014/main" id="{62BB96D5-AFF4-C7DA-893B-5DC74639D3A6}"/>
                 </a:ext>
               </a:extLst>
             </p:cNvPr>
-            <p:cNvSpPr txBox="1">
-              <a:spLocks noGrp="1" noRot="1" noMove="1" noResize="1" noEditPoints="1" noAdjustHandles="1" noChangeArrowheads="1" noChangeShapeType="1"/>
-            </p:cNvSpPr>
+            <p:cNvGrpSpPr>
+              <a:grpSpLocks noGrp="1" noUngrp="1" noRot="1" noMove="1" noResize="1"/>
+            </p:cNvGrpSpPr>
             <p:nvPr/>
-          </p:nvSpPr>
-          <p:spPr>
+          </p:nvGrpSpPr>
+          <p:grpSpPr>
             <a:xfrm>
-              <a:off x="11514587" y="22259615"/>
-              <a:ext cx="10392508" cy="633663"/>
+              <a:off x="11515876" y="22222503"/>
+              <a:ext cx="10383039" cy="707886"/>
+              <a:chOff x="11514587" y="22222503"/>
+              <a:chExt cx="10392508" cy="707886"/>
             </a:xfrm>
-            <a:prstGeom prst="rect">
-              <a:avLst/>
-            </a:prstGeom>
-            <a:solidFill>
-              <a:srgbClr val="002060"/>
-            </a:solidFill>
-            <a:ln>
+          </p:grpSpPr>
+          <p:sp>
+            <p:nvSpPr>
+              <p:cNvPr id="110" name="TextBox 109">
+                <a:extLst>
+                  <a:ext uri="{FF2B5EF4-FFF2-40B4-BE49-F238E27FC236}">
+                    <a16:creationId xmlns:a16="http://schemas.microsoft.com/office/drawing/2014/main" id="{DDB7D0E0-0550-7A69-2BE8-4A067972DFB9}"/>
+                  </a:ext>
+                </a:extLst>
+              </p:cNvPr>
+              <p:cNvSpPr txBox="1">
+                <a:spLocks noGrp="1" noRot="1" noMove="1" noResize="1" noEditPoints="1" noAdjustHandles="1" noChangeArrowheads="1" noChangeShapeType="1"/>
+              </p:cNvSpPr>
+              <p:nvPr/>
+            </p:nvSpPr>
+            <p:spPr>
+              <a:xfrm>
+                <a:off x="11514587" y="22259615"/>
+                <a:ext cx="10392508" cy="633663"/>
+              </a:xfrm>
+              <a:prstGeom prst="rect">
+                <a:avLst/>
+              </a:prstGeom>
               <a:solidFill>
-                <a:schemeClr val="accent4"/>
+                <a:srgbClr val="002060"/>
               </a:solidFill>
-            </a:ln>
-            <a:effectLst/>
-          </p:spPr>
-          <p:style>
-            <a:lnRef idx="2">
-              <a:schemeClr val="dk1"/>
-            </a:lnRef>
-            <a:fillRef idx="1">
-              <a:schemeClr val="lt1"/>
-            </a:fillRef>
-            <a:effectRef idx="0">
-              <a:schemeClr val="dk1"/>
-            </a:effectRef>
-            <a:fontRef idx="minor">
-              <a:schemeClr val="dk1"/>
-            </a:fontRef>
-          </p:style>
-          <p:txBody>
-            <a:bodyPr wrap="square" rtlCol="0">
-              <a:spAutoFit/>
-            </a:bodyPr>
-            <a:lstStyle/>
-            <a:p>
-              <a:pPr algn="ctr"/>
-              <a:endParaRPr lang="en-US" sz="6000" dirty="0">
+              <a:ln>
                 <a:solidFill>
-                  <a:schemeClr val="bg1"/>
+                  <a:schemeClr val="accent4"/>
                 </a:solidFill>
-              </a:endParaRPr>
-            </a:p>
-          </p:txBody>
-        </p:sp>
-        <p:sp>
-          <p:nvSpPr>
-            <p:cNvPr id="111" name="TextBox 110">
+              </a:ln>
+              <a:effectLst/>
+            </p:spPr>
+            <p:style>
+              <a:lnRef idx="2">
+                <a:schemeClr val="dk1"/>
+              </a:lnRef>
+              <a:fillRef idx="1">
+                <a:schemeClr val="lt1"/>
+              </a:fillRef>
+              <a:effectRef idx="0">
+                <a:schemeClr val="dk1"/>
+              </a:effectRef>
+              <a:fontRef idx="minor">
+                <a:schemeClr val="dk1"/>
+              </a:fontRef>
+            </p:style>
+            <p:txBody>
+              <a:bodyPr wrap="square" rtlCol="0">
+                <a:spAutoFit/>
+              </a:bodyPr>
+              <a:lstStyle/>
+              <a:p>
+                <a:pPr algn="ctr"/>
+                <a:endParaRPr lang="en-US" sz="6000" dirty="0">
+                  <a:solidFill>
+                    <a:schemeClr val="bg1"/>
+                  </a:solidFill>
+                </a:endParaRPr>
+              </a:p>
+            </p:txBody>
+          </p:sp>
+          <p:sp>
+            <p:nvSpPr>
+              <p:cNvPr id="111" name="TextBox 110">
+                <a:extLst>
+                  <a:ext uri="{FF2B5EF4-FFF2-40B4-BE49-F238E27FC236}">
+                    <a16:creationId xmlns:a16="http://schemas.microsoft.com/office/drawing/2014/main" id="{76E140B5-3731-61DB-CE3A-0BFCD5600D15}"/>
+                  </a:ext>
+                </a:extLst>
+              </p:cNvPr>
+              <p:cNvSpPr txBox="1">
+                <a:spLocks noGrp="1" noRot="1" noMove="1" noResize="1" noEditPoints="1" noAdjustHandles="1" noChangeArrowheads="1" noChangeShapeType="1"/>
+              </p:cNvSpPr>
+              <p:nvPr/>
+            </p:nvSpPr>
+            <p:spPr>
+              <a:xfrm>
+                <a:off x="11514587" y="22222503"/>
+                <a:ext cx="10392508" cy="707886"/>
+              </a:xfrm>
+              <a:prstGeom prst="rect">
+                <a:avLst/>
+              </a:prstGeom>
+              <a:noFill/>
+            </p:spPr>
+            <p:txBody>
+              <a:bodyPr wrap="square" rtlCol="0">
+                <a:spAutoFit/>
+              </a:bodyPr>
+              <a:lstStyle/>
+              <a:p>
+                <a:pPr algn="ctr"/>
+                <a:r>
+                  <a:rPr lang="en-US" sz="4000" b="1" dirty="0">
+                    <a:solidFill>
+                      <a:schemeClr val="bg1"/>
+                    </a:solidFill>
+                    <a:latin typeface="Trajan Pro" panose="020B0604020202020204" pitchFamily="18" charset="0"/>
+                  </a:rPr>
+                  <a:t>Disease process model</a:t>
+                </a:r>
+              </a:p>
+            </p:txBody>
+          </p:sp>
+        </p:grpSp>
+        <p:grpSp>
+          <p:nvGrpSpPr>
+            <p:cNvPr id="31" name="Group 30">
               <a:extLst>
                 <a:ext uri="{FF2B5EF4-FFF2-40B4-BE49-F238E27FC236}">
-                  <a16:creationId xmlns:a16="http://schemas.microsoft.com/office/drawing/2014/main" id="{76E140B5-3731-61DB-CE3A-0BFCD5600D15}"/>
+                  <a16:creationId xmlns:a16="http://schemas.microsoft.com/office/drawing/2014/main" id="{004BF2B6-B897-8AA6-7364-728068E73BC2}"/>
                 </a:ext>
               </a:extLst>
             </p:cNvPr>
-            <p:cNvSpPr txBox="1">
-              <a:spLocks noGrp="1" noRot="1" noMove="1" noResize="1" noEditPoints="1" noAdjustHandles="1" noChangeArrowheads="1" noChangeShapeType="1"/>
-            </p:cNvSpPr>
+            <p:cNvGrpSpPr>
+              <a:grpSpLocks noGrp="1" noUngrp="1" noRot="1" noMove="1" noResize="1"/>
+            </p:cNvGrpSpPr>
             <p:nvPr/>
-          </p:nvSpPr>
-          <p:spPr>
+          </p:nvGrpSpPr>
+          <p:grpSpPr>
             <a:xfrm>
-              <a:off x="11514587" y="22222503"/>
-              <a:ext cx="10392508" cy="707886"/>
+              <a:off x="21922704" y="22253203"/>
+              <a:ext cx="10406829" cy="707886"/>
+              <a:chOff x="21925346" y="22253203"/>
+              <a:chExt cx="10416320" cy="707886"/>
             </a:xfrm>
-            <a:prstGeom prst="rect">
-              <a:avLst/>
-            </a:prstGeom>
-            <a:noFill/>
-          </p:spPr>
-          <p:txBody>
-            <a:bodyPr wrap="square" rtlCol="0">
-              <a:spAutoFit/>
-            </a:bodyPr>
-            <a:lstStyle/>
-            <a:p>
-              <a:pPr algn="ctr"/>
-              <a:r>
-                <a:rPr lang="en-US" sz="4000" b="1" dirty="0">
+          </p:grpSpPr>
+          <p:sp>
+            <p:nvSpPr>
+              <p:cNvPr id="113" name="TextBox 112">
+                <a:extLst>
+                  <a:ext uri="{FF2B5EF4-FFF2-40B4-BE49-F238E27FC236}">
+                    <a16:creationId xmlns:a16="http://schemas.microsoft.com/office/drawing/2014/main" id="{AC3DCB5B-0169-254B-9A72-C786D2ED2FEC}"/>
+                  </a:ext>
+                </a:extLst>
+              </p:cNvPr>
+              <p:cNvSpPr txBox="1">
+                <a:spLocks noGrp="1" noRot="1" noMove="1" noResize="1" noEditPoints="1" noAdjustHandles="1" noChangeArrowheads="1" noChangeShapeType="1"/>
+              </p:cNvSpPr>
+              <p:nvPr/>
+            </p:nvSpPr>
+            <p:spPr>
+              <a:xfrm>
+                <a:off x="21925346" y="22259612"/>
+                <a:ext cx="10392508" cy="633661"/>
+              </a:xfrm>
+              <a:prstGeom prst="rect">
+                <a:avLst/>
+              </a:prstGeom>
+              <a:solidFill>
+                <a:srgbClr val="002060"/>
+              </a:solidFill>
+              <a:ln>
+                <a:solidFill>
+                  <a:schemeClr val="accent4"/>
+                </a:solidFill>
+              </a:ln>
+              <a:effectLst/>
+            </p:spPr>
+            <p:style>
+              <a:lnRef idx="2">
+                <a:schemeClr val="dk1"/>
+              </a:lnRef>
+              <a:fillRef idx="1">
+                <a:schemeClr val="lt1"/>
+              </a:fillRef>
+              <a:effectRef idx="0">
+                <a:schemeClr val="dk1"/>
+              </a:effectRef>
+              <a:fontRef idx="minor">
+                <a:schemeClr val="dk1"/>
+              </a:fontRef>
+            </p:style>
+            <p:txBody>
+              <a:bodyPr wrap="square" rtlCol="0">
+                <a:spAutoFit/>
+              </a:bodyPr>
+              <a:lstStyle/>
+              <a:p>
+                <a:pPr algn="ctr"/>
+                <a:endParaRPr lang="en-US" sz="6000" dirty="0">
                   <a:solidFill>
                     <a:schemeClr val="bg1"/>
                   </a:solidFill>
-                  <a:latin typeface="Trajan Pro" panose="020B0604020202020204" pitchFamily="18" charset="0"/>
-                </a:rPr>
-                <a:t>Disease process model</a:t>
-              </a:r>
-            </a:p>
-          </p:txBody>
-        </p:sp>
-      </p:grpSp>
-      <p:grpSp>
-        <p:nvGrpSpPr>
-          <p:cNvPr id="31" name="Group 30">
-            <a:extLst>
-              <a:ext uri="{FF2B5EF4-FFF2-40B4-BE49-F238E27FC236}">
-                <a16:creationId xmlns:a16="http://schemas.microsoft.com/office/drawing/2014/main" id="{004BF2B6-B897-8AA6-7364-728068E73BC2}"/>
-              </a:ext>
-            </a:extLst>
-          </p:cNvPr>
-          <p:cNvGrpSpPr>
-            <a:grpSpLocks noGrp="1" noUngrp="1" noRot="1" noMove="1" noResize="1"/>
-          </p:cNvGrpSpPr>
-          <p:nvPr/>
-        </p:nvGrpSpPr>
-        <p:grpSpPr>
-          <a:xfrm>
-            <a:off x="21922705" y="22222499"/>
-            <a:ext cx="10383039" cy="707886"/>
-            <a:chOff x="21925346" y="22222499"/>
-            <a:chExt cx="10392508" cy="707886"/>
-          </a:xfrm>
-        </p:grpSpPr>
-        <p:sp>
-          <p:nvSpPr>
-            <p:cNvPr id="113" name="TextBox 112">
-              <a:extLst>
-                <a:ext uri="{FF2B5EF4-FFF2-40B4-BE49-F238E27FC236}">
-                  <a16:creationId xmlns:a16="http://schemas.microsoft.com/office/drawing/2014/main" id="{AC3DCB5B-0169-254B-9A72-C786D2ED2FEC}"/>
-                </a:ext>
-              </a:extLst>
-            </p:cNvPr>
-            <p:cNvSpPr txBox="1">
-              <a:spLocks noGrp="1" noRot="1" noMove="1" noResize="1" noEditPoints="1" noAdjustHandles="1" noChangeArrowheads="1" noChangeShapeType="1"/>
-            </p:cNvSpPr>
-            <p:nvPr/>
-          </p:nvSpPr>
-          <p:spPr>
-            <a:xfrm>
-              <a:off x="21925346" y="22259612"/>
-              <a:ext cx="10392508" cy="633661"/>
-            </a:xfrm>
-            <a:prstGeom prst="rect">
-              <a:avLst/>
-            </a:prstGeom>
-            <a:solidFill>
-              <a:srgbClr val="002060"/>
-            </a:solidFill>
-            <a:ln>
-              <a:solidFill>
-                <a:schemeClr val="accent4"/>
-              </a:solidFill>
-            </a:ln>
-            <a:effectLst/>
-          </p:spPr>
-          <p:style>
-            <a:lnRef idx="2">
-              <a:schemeClr val="dk1"/>
-            </a:lnRef>
-            <a:fillRef idx="1">
-              <a:schemeClr val="lt1"/>
-            </a:fillRef>
-            <a:effectRef idx="0">
-              <a:schemeClr val="dk1"/>
-            </a:effectRef>
-            <a:fontRef idx="minor">
-              <a:schemeClr val="dk1"/>
-            </a:fontRef>
-          </p:style>
-          <p:txBody>
-            <a:bodyPr wrap="square" rtlCol="0">
-              <a:spAutoFit/>
-            </a:bodyPr>
-            <a:lstStyle/>
-            <a:p>
-              <a:pPr algn="ctr"/>
-              <a:endParaRPr lang="en-US" sz="6000" dirty="0">
-                <a:solidFill>
-                  <a:schemeClr val="bg1"/>
-                </a:solidFill>
-              </a:endParaRPr>
-            </a:p>
-          </p:txBody>
-        </p:sp>
-        <p:sp>
-          <p:nvSpPr>
-            <p:cNvPr id="114" name="TextBox 113">
-              <a:extLst>
-                <a:ext uri="{FF2B5EF4-FFF2-40B4-BE49-F238E27FC236}">
-                  <a16:creationId xmlns:a16="http://schemas.microsoft.com/office/drawing/2014/main" id="{94271C6C-BA74-2FD1-836F-99FAB4BA6035}"/>
-                </a:ext>
-              </a:extLst>
-            </p:cNvPr>
-            <p:cNvSpPr txBox="1">
-              <a:spLocks noGrp="1" noRot="1" noMove="1" noResize="1" noEditPoints="1" noAdjustHandles="1" noChangeArrowheads="1" noChangeShapeType="1"/>
-            </p:cNvSpPr>
-            <p:nvPr/>
-          </p:nvSpPr>
-          <p:spPr>
-            <a:xfrm>
-              <a:off x="21925346" y="22222499"/>
-              <a:ext cx="10392508" cy="707886"/>
-            </a:xfrm>
-            <a:prstGeom prst="rect">
-              <a:avLst/>
-            </a:prstGeom>
-            <a:noFill/>
-          </p:spPr>
-          <p:txBody>
-            <a:bodyPr wrap="square" rtlCol="0">
-              <a:spAutoFit/>
-            </a:bodyPr>
-            <a:lstStyle/>
-            <a:p>
-              <a:pPr algn="ctr"/>
-              <a:r>
-                <a:rPr lang="en-US" sz="4000" b="1" dirty="0">
-                  <a:solidFill>
-                    <a:schemeClr val="bg1"/>
-                  </a:solidFill>
-                  <a:latin typeface="Trajan Pro" panose="020B0604020202020204" pitchFamily="18" charset="0"/>
-                </a:rPr>
-                <a:t>Relative activity model</a:t>
-              </a:r>
-            </a:p>
-          </p:txBody>
-        </p:sp>
+                </a:endParaRPr>
+              </a:p>
+            </p:txBody>
+          </p:sp>
+          <p:sp>
+            <p:nvSpPr>
+              <p:cNvPr id="114" name="TextBox 113">
+                <a:extLst>
+                  <a:ext uri="{FF2B5EF4-FFF2-40B4-BE49-F238E27FC236}">
+                    <a16:creationId xmlns:a16="http://schemas.microsoft.com/office/drawing/2014/main" id="{94271C6C-BA74-2FD1-836F-99FAB4BA6035}"/>
+                  </a:ext>
+                </a:extLst>
+              </p:cNvPr>
+              <p:cNvSpPr txBox="1">
+                <a:spLocks noGrp="1" noRot="1" noMove="1" noResize="1" noEditPoints="1" noAdjustHandles="1" noChangeArrowheads="1" noChangeShapeType="1"/>
+              </p:cNvSpPr>
+              <p:nvPr/>
+            </p:nvSpPr>
+            <p:spPr>
+              <a:xfrm>
+                <a:off x="21949158" y="22253203"/>
+                <a:ext cx="10392508" cy="707886"/>
+              </a:xfrm>
+              <a:prstGeom prst="rect">
+                <a:avLst/>
+              </a:prstGeom>
+              <a:noFill/>
+            </p:spPr>
+            <p:txBody>
+              <a:bodyPr wrap="square" rtlCol="0">
+                <a:spAutoFit/>
+              </a:bodyPr>
+              <a:lstStyle/>
+              <a:p>
+                <a:pPr algn="ctr"/>
+                <a:r>
+                  <a:rPr lang="en-US" sz="4000" b="1" dirty="0">
+                    <a:solidFill>
+                      <a:schemeClr val="bg1"/>
+                    </a:solidFill>
+                    <a:latin typeface="Trajan Pro" panose="020B0604020202020204" pitchFamily="18" charset="0"/>
+                  </a:rPr>
+                  <a:t>Relative activity model</a:t>
+                </a:r>
+              </a:p>
+            </p:txBody>
+          </p:sp>
+        </p:grpSp>
       </p:grpSp>
       <p:grpSp>
         <p:nvGrpSpPr>
@@ -4930,7 +4752,7 @@
           <p:nvPr/>
         </p:nvPicPr>
         <p:blipFill>
-          <a:blip r:embed="rId16">
+          <a:blip r:embed="rId5">
             <a:extLst>
               <a:ext uri="{28A0092B-C50C-407E-A947-70E740481C1C}">
                 <a14:useLocalDpi xmlns:a14="http://schemas.microsoft.com/office/drawing/2010/main" val="0"/>
@@ -4998,192 +4820,12 @@
           </a:p>
         </p:txBody>
       </p:sp>
-      <p:pic>
-        <p:nvPicPr>
-          <p:cNvPr id="42" name="Picture 41" descr="Chart&#10;&#10;Description automatically generated with low confidence">
+      <p:grpSp>
+        <p:nvGrpSpPr>
+          <p:cNvPr id="123" name="Group 122">
             <a:extLst>
               <a:ext uri="{FF2B5EF4-FFF2-40B4-BE49-F238E27FC236}">
-                <a16:creationId xmlns:a16="http://schemas.microsoft.com/office/drawing/2014/main" id="{64211C10-1A20-192E-63BE-F9CD3381261D}"/>
-              </a:ext>
-            </a:extLst>
-          </p:cNvPr>
-          <p:cNvPicPr>
-            <a:picLocks noChangeAspect="1"/>
-          </p:cNvPicPr>
-          <p:nvPr/>
-        </p:nvPicPr>
-        <p:blipFill>
-          <a:blip r:embed="rId17" cstate="print">
-            <a:extLst>
-              <a:ext uri="{28A0092B-C50C-407E-A947-70E740481C1C}">
-                <a14:useLocalDpi xmlns:a14="http://schemas.microsoft.com/office/drawing/2010/main" val="0"/>
-              </a:ext>
-            </a:extLst>
-          </a:blip>
-          <a:stretch>
-            <a:fillRect/>
-          </a:stretch>
-        </p:blipFill>
-        <p:spPr>
-          <a:xfrm>
-            <a:off x="78143225" y="13947825"/>
-            <a:ext cx="9009906" cy="6598933"/>
-          </a:xfrm>
-          <a:prstGeom prst="rect">
-            <a:avLst/>
-          </a:prstGeom>
-        </p:spPr>
-      </p:pic>
-      <p:pic>
-        <p:nvPicPr>
-          <p:cNvPr id="63" name="Picture 62" descr="Chart&#10;&#10;Description automatically generated">
-            <a:extLst>
-              <a:ext uri="{FF2B5EF4-FFF2-40B4-BE49-F238E27FC236}">
-                <a16:creationId xmlns:a16="http://schemas.microsoft.com/office/drawing/2014/main" id="{689BFD37-34B3-A218-E13E-753F42F4A2EE}"/>
-              </a:ext>
-            </a:extLst>
-          </p:cNvPr>
-          <p:cNvPicPr>
-            <a:picLocks noChangeAspect="1"/>
-          </p:cNvPicPr>
-          <p:nvPr/>
-        </p:nvPicPr>
-        <p:blipFill>
-          <a:blip r:embed="rId12" cstate="print">
-            <a:extLst>
-              <a:ext uri="{28A0092B-C50C-407E-A947-70E740481C1C}">
-                <a14:useLocalDpi xmlns:a14="http://schemas.microsoft.com/office/drawing/2010/main" val="0"/>
-              </a:ext>
-            </a:extLst>
-          </a:blip>
-          <a:stretch>
-            <a:fillRect/>
-          </a:stretch>
-        </p:blipFill>
-        <p:spPr>
-          <a:xfrm>
-            <a:off x="73449220" y="20540789"/>
-            <a:ext cx="9009906" cy="6422149"/>
-          </a:xfrm>
-          <a:prstGeom prst="rect">
-            <a:avLst/>
-          </a:prstGeom>
-        </p:spPr>
-      </p:pic>
-      <p:pic>
-        <p:nvPicPr>
-          <p:cNvPr id="64" name="Picture 63" descr="Chart&#10;&#10;Description automatically generated">
-            <a:extLst>
-              <a:ext uri="{FF2B5EF4-FFF2-40B4-BE49-F238E27FC236}">
-                <a16:creationId xmlns:a16="http://schemas.microsoft.com/office/drawing/2014/main" id="{5BE7C7AD-7E59-386F-2484-5859E3160CD6}"/>
-              </a:ext>
-            </a:extLst>
-          </p:cNvPr>
-          <p:cNvPicPr>
-            <a:picLocks noChangeAspect="1"/>
-          </p:cNvPicPr>
-          <p:nvPr/>
-        </p:nvPicPr>
-        <p:blipFill>
-          <a:blip r:embed="rId13" cstate="print">
-            <a:extLst>
-              <a:ext uri="{28A0092B-C50C-407E-A947-70E740481C1C}">
-                <a14:useLocalDpi xmlns:a14="http://schemas.microsoft.com/office/drawing/2010/main" val="0"/>
-              </a:ext>
-            </a:extLst>
-          </a:blip>
-          <a:stretch>
-            <a:fillRect/>
-          </a:stretch>
-        </p:blipFill>
-        <p:spPr>
-          <a:xfrm>
-            <a:off x="82614463" y="22583210"/>
-            <a:ext cx="9009906" cy="6422149"/>
-          </a:xfrm>
-          <a:prstGeom prst="rect">
-            <a:avLst/>
-          </a:prstGeom>
-        </p:spPr>
-      </p:pic>
-      <p:pic>
-        <p:nvPicPr>
-          <p:cNvPr id="66" name="Picture 65" descr="Diagram&#10;&#10;Description automatically generated with low confidence">
-            <a:extLst>
-              <a:ext uri="{FF2B5EF4-FFF2-40B4-BE49-F238E27FC236}">
-                <a16:creationId xmlns:a16="http://schemas.microsoft.com/office/drawing/2014/main" id="{A830D26C-1E5D-3B5C-69FE-A2C5EBDA599D}"/>
-              </a:ext>
-            </a:extLst>
-          </p:cNvPr>
-          <p:cNvPicPr>
-            <a:picLocks noChangeAspect="1"/>
-          </p:cNvPicPr>
-          <p:nvPr/>
-        </p:nvPicPr>
-        <p:blipFill>
-          <a:blip r:embed="rId18" cstate="print">
-            <a:extLst>
-              <a:ext uri="{28A0092B-C50C-407E-A947-70E740481C1C}">
-                <a14:useLocalDpi xmlns:a14="http://schemas.microsoft.com/office/drawing/2010/main" val="0"/>
-              </a:ext>
-            </a:extLst>
-          </a:blip>
-          <a:stretch>
-            <a:fillRect/>
-          </a:stretch>
-        </p:blipFill>
-        <p:spPr>
-          <a:xfrm>
-            <a:off x="59095950" y="19726927"/>
-            <a:ext cx="9009906" cy="6598933"/>
-          </a:xfrm>
-          <a:prstGeom prst="rect">
-            <a:avLst/>
-          </a:prstGeom>
-        </p:spPr>
-      </p:pic>
-      <p:pic>
-        <p:nvPicPr>
-          <p:cNvPr id="74" name="Picture 73" descr="Map&#10;&#10;Description automatically generated">
-            <a:extLst>
-              <a:ext uri="{FF2B5EF4-FFF2-40B4-BE49-F238E27FC236}">
-                <a16:creationId xmlns:a16="http://schemas.microsoft.com/office/drawing/2014/main" id="{F71E81D2-4560-4EB7-8F23-D2FED40E5A62}"/>
-              </a:ext>
-            </a:extLst>
-          </p:cNvPr>
-          <p:cNvPicPr>
-            <a:picLocks noChangeAspect="1"/>
-          </p:cNvPicPr>
-          <p:nvPr/>
-        </p:nvPicPr>
-        <p:blipFill>
-          <a:blip r:embed="rId19" cstate="print">
-            <a:extLst>
-              <a:ext uri="{28A0092B-C50C-407E-A947-70E740481C1C}">
-                <a14:useLocalDpi xmlns:a14="http://schemas.microsoft.com/office/drawing/2010/main" val="0"/>
-              </a:ext>
-            </a:extLst>
-          </a:blip>
-          <a:stretch>
-            <a:fillRect/>
-          </a:stretch>
-        </p:blipFill>
-        <p:spPr>
-          <a:xfrm>
-            <a:off x="2777568" y="19741900"/>
-            <a:ext cx="6494772" cy="3657600"/>
-          </a:xfrm>
-          <a:prstGeom prst="rect">
-            <a:avLst/>
-          </a:prstGeom>
-        </p:spPr>
-      </p:pic>
-      <p:grpSp>
-        <p:nvGrpSpPr>
-          <p:cNvPr id="37" name="Group 36">
-            <a:extLst>
-              <a:ext uri="{FF2B5EF4-FFF2-40B4-BE49-F238E27FC236}">
-                <a16:creationId xmlns:a16="http://schemas.microsoft.com/office/drawing/2014/main" id="{16D35386-F713-D60E-112C-E76CF1D69373}"/>
+                <a16:creationId xmlns:a16="http://schemas.microsoft.com/office/drawing/2014/main" id="{49B77345-40FE-02E4-1C58-50588BE5C06A}"/>
               </a:ext>
             </a:extLst>
           </p:cNvPr>
@@ -5328,8 +4970,8 @@
         </p:nvSpPr>
         <p:spPr>
           <a:xfrm>
-            <a:off x="854963" y="14649578"/>
-            <a:ext cx="9262872" cy="3970318"/>
+            <a:off x="1158240" y="7652939"/>
+            <a:ext cx="9262872" cy="3416320"/>
           </a:xfrm>
           <a:prstGeom prst="rect">
             <a:avLst/>
@@ -5367,6 +5009,13 @@
               </a:rPr>
               <a:t>destructans</a:t>
             </a:r>
+            <a:r>
+              <a:rPr lang="en-US" sz="3600" dirty="0">
+                <a:latin typeface="Times New Roman" panose="02020603050405020304" pitchFamily="18" charset="0"/>
+                <a:cs typeface="Times New Roman" panose="02020603050405020304" pitchFamily="18" charset="0"/>
+              </a:rPr>
+              <a:t> (Pd)</a:t>
+            </a:r>
             <a:endParaRPr lang="en-US" sz="3600" i="1" dirty="0">
               <a:latin typeface="Times New Roman" panose="02020603050405020304" pitchFamily="18" charset="0"/>
               <a:cs typeface="Times New Roman" panose="02020603050405020304" pitchFamily="18" charset="0"/>
@@ -5395,7 +5044,7 @@
                 <a:latin typeface="Times New Roman" panose="02020603050405020304" pitchFamily="18" charset="0"/>
                 <a:cs typeface="Times New Roman" panose="02020603050405020304" pitchFamily="18" charset="0"/>
               </a:rPr>
-              <a:t>First North American detection in New York (2006)</a:t>
+              <a:t>First detected in New York (2006)</a:t>
             </a:r>
           </a:p>
           <a:p>
@@ -5410,12 +5059,266 @@
           </a:p>
         </p:txBody>
       </p:sp>
-      <p:sp>
-        <p:nvSpPr>
-          <p:cNvPr id="17" name="Rectangle 16">
+      <p:grpSp>
+        <p:nvGrpSpPr>
+          <p:cNvPr id="75" name="Group 74">
             <a:extLst>
               <a:ext uri="{FF2B5EF4-FFF2-40B4-BE49-F238E27FC236}">
-                <a16:creationId xmlns:a16="http://schemas.microsoft.com/office/drawing/2014/main" id="{53C667B1-B53E-B6F4-1A4B-2AE00E4AFF83}"/>
+                <a16:creationId xmlns:a16="http://schemas.microsoft.com/office/drawing/2014/main" id="{58215584-8D49-8519-B993-B97B6BE3CD4D}"/>
+              </a:ext>
+            </a:extLst>
+          </p:cNvPr>
+          <p:cNvGrpSpPr>
+            <a:grpSpLocks noGrp="1" noUngrp="1" noRot="1" noMove="1" noResize="1"/>
+          </p:cNvGrpSpPr>
+          <p:nvPr/>
+        </p:nvGrpSpPr>
+        <p:grpSpPr>
+          <a:xfrm>
+            <a:off x="11529437" y="6953661"/>
+            <a:ext cx="10383039" cy="707886"/>
+            <a:chOff x="11514587" y="22222503"/>
+            <a:chExt cx="10392508" cy="707886"/>
+          </a:xfrm>
+        </p:grpSpPr>
+        <p:sp>
+          <p:nvSpPr>
+            <p:cNvPr id="77" name="TextBox 76">
+              <a:extLst>
+                <a:ext uri="{FF2B5EF4-FFF2-40B4-BE49-F238E27FC236}">
+                  <a16:creationId xmlns:a16="http://schemas.microsoft.com/office/drawing/2014/main" id="{D2EA5DB7-08EF-90DF-7A46-FBF5C479BA24}"/>
+                </a:ext>
+              </a:extLst>
+            </p:cNvPr>
+            <p:cNvSpPr txBox="1">
+              <a:spLocks noGrp="1" noRot="1" noMove="1" noResize="1" noEditPoints="1" noAdjustHandles="1" noChangeArrowheads="1" noChangeShapeType="1"/>
+            </p:cNvSpPr>
+            <p:nvPr/>
+          </p:nvSpPr>
+          <p:spPr>
+            <a:xfrm>
+              <a:off x="11514587" y="22259615"/>
+              <a:ext cx="10392508" cy="633663"/>
+            </a:xfrm>
+            <a:prstGeom prst="rect">
+              <a:avLst/>
+            </a:prstGeom>
+            <a:solidFill>
+              <a:srgbClr val="002060"/>
+            </a:solidFill>
+            <a:ln>
+              <a:solidFill>
+                <a:schemeClr val="accent4"/>
+              </a:solidFill>
+            </a:ln>
+            <a:effectLst/>
+          </p:spPr>
+          <p:style>
+            <a:lnRef idx="2">
+              <a:schemeClr val="dk1"/>
+            </a:lnRef>
+            <a:fillRef idx="1">
+              <a:schemeClr val="lt1"/>
+            </a:fillRef>
+            <a:effectRef idx="0">
+              <a:schemeClr val="dk1"/>
+            </a:effectRef>
+            <a:fontRef idx="minor">
+              <a:schemeClr val="dk1"/>
+            </a:fontRef>
+          </p:style>
+          <p:txBody>
+            <a:bodyPr wrap="square" rtlCol="0">
+              <a:spAutoFit/>
+            </a:bodyPr>
+            <a:lstStyle/>
+            <a:p>
+              <a:pPr algn="ctr"/>
+              <a:endParaRPr lang="en-US" sz="6000" dirty="0">
+                <a:solidFill>
+                  <a:schemeClr val="bg1"/>
+                </a:solidFill>
+              </a:endParaRPr>
+            </a:p>
+          </p:txBody>
+        </p:sp>
+        <p:sp>
+          <p:nvSpPr>
+            <p:cNvPr id="79" name="TextBox 78">
+              <a:extLst>
+                <a:ext uri="{FF2B5EF4-FFF2-40B4-BE49-F238E27FC236}">
+                  <a16:creationId xmlns:a16="http://schemas.microsoft.com/office/drawing/2014/main" id="{7231FD1C-ED6B-534A-16F4-10BA643072A0}"/>
+                </a:ext>
+              </a:extLst>
+            </p:cNvPr>
+            <p:cNvSpPr txBox="1">
+              <a:spLocks noGrp="1" noRot="1" noMove="1" noResize="1" noEditPoints="1" noAdjustHandles="1" noChangeArrowheads="1" noChangeShapeType="1"/>
+            </p:cNvSpPr>
+            <p:nvPr/>
+          </p:nvSpPr>
+          <p:spPr>
+            <a:xfrm>
+              <a:off x="11514587" y="22222503"/>
+              <a:ext cx="10392508" cy="707886"/>
+            </a:xfrm>
+            <a:prstGeom prst="rect">
+              <a:avLst/>
+            </a:prstGeom>
+            <a:noFill/>
+          </p:spPr>
+          <p:txBody>
+            <a:bodyPr wrap="square" rtlCol="0">
+              <a:spAutoFit/>
+            </a:bodyPr>
+            <a:lstStyle/>
+            <a:p>
+              <a:pPr algn="ctr"/>
+              <a:r>
+                <a:rPr lang="en-US" sz="4000" b="1" dirty="0">
+                  <a:solidFill>
+                    <a:schemeClr val="bg1"/>
+                  </a:solidFill>
+                  <a:latin typeface="Trajan Pro" panose="020B0604020202020204" pitchFamily="18" charset="0"/>
+                </a:rPr>
+                <a:t>WNS surveillance data</a:t>
+              </a:r>
+            </a:p>
+          </p:txBody>
+        </p:sp>
+      </p:grpSp>
+      <p:grpSp>
+        <p:nvGrpSpPr>
+          <p:cNvPr id="81" name="Group 80">
+            <a:extLst>
+              <a:ext uri="{FF2B5EF4-FFF2-40B4-BE49-F238E27FC236}">
+                <a16:creationId xmlns:a16="http://schemas.microsoft.com/office/drawing/2014/main" id="{A5F60ABE-933E-9DEB-EC70-EE112EA26073}"/>
+              </a:ext>
+            </a:extLst>
+          </p:cNvPr>
+          <p:cNvGrpSpPr>
+            <a:grpSpLocks noGrp="1" noUngrp="1" noRot="1" noMove="1" noResize="1"/>
+          </p:cNvGrpSpPr>
+          <p:nvPr/>
+        </p:nvGrpSpPr>
+        <p:grpSpPr>
+          <a:xfrm>
+            <a:off x="21930710" y="6953661"/>
+            <a:ext cx="10383039" cy="707886"/>
+            <a:chOff x="21925346" y="22222499"/>
+            <a:chExt cx="10392508" cy="707886"/>
+          </a:xfrm>
+        </p:grpSpPr>
+        <p:sp>
+          <p:nvSpPr>
+            <p:cNvPr id="83" name="TextBox 82">
+              <a:extLst>
+                <a:ext uri="{FF2B5EF4-FFF2-40B4-BE49-F238E27FC236}">
+                  <a16:creationId xmlns:a16="http://schemas.microsoft.com/office/drawing/2014/main" id="{018940D2-9A34-1873-0229-C4A1F9DA60A5}"/>
+                </a:ext>
+              </a:extLst>
+            </p:cNvPr>
+            <p:cNvSpPr txBox="1">
+              <a:spLocks noGrp="1" noRot="1" noMove="1" noResize="1" noEditPoints="1" noAdjustHandles="1" noChangeArrowheads="1" noChangeShapeType="1"/>
+            </p:cNvSpPr>
+            <p:nvPr/>
+          </p:nvSpPr>
+          <p:spPr>
+            <a:xfrm>
+              <a:off x="21925346" y="22259612"/>
+              <a:ext cx="10392508" cy="633661"/>
+            </a:xfrm>
+            <a:prstGeom prst="rect">
+              <a:avLst/>
+            </a:prstGeom>
+            <a:solidFill>
+              <a:srgbClr val="002060"/>
+            </a:solidFill>
+            <a:ln>
+              <a:solidFill>
+                <a:schemeClr val="accent4"/>
+              </a:solidFill>
+            </a:ln>
+            <a:effectLst/>
+          </p:spPr>
+          <p:style>
+            <a:lnRef idx="2">
+              <a:schemeClr val="dk1"/>
+            </a:lnRef>
+            <a:fillRef idx="1">
+              <a:schemeClr val="lt1"/>
+            </a:fillRef>
+            <a:effectRef idx="0">
+              <a:schemeClr val="dk1"/>
+            </a:effectRef>
+            <a:fontRef idx="minor">
+              <a:schemeClr val="dk1"/>
+            </a:fontRef>
+          </p:style>
+          <p:txBody>
+            <a:bodyPr wrap="square" rtlCol="0">
+              <a:spAutoFit/>
+            </a:bodyPr>
+            <a:lstStyle/>
+            <a:p>
+              <a:pPr algn="ctr"/>
+              <a:endParaRPr lang="en-US" sz="6000" dirty="0">
+                <a:solidFill>
+                  <a:schemeClr val="bg1"/>
+                </a:solidFill>
+              </a:endParaRPr>
+            </a:p>
+          </p:txBody>
+        </p:sp>
+        <p:sp>
+          <p:nvSpPr>
+            <p:cNvPr id="85" name="TextBox 84">
+              <a:extLst>
+                <a:ext uri="{FF2B5EF4-FFF2-40B4-BE49-F238E27FC236}">
+                  <a16:creationId xmlns:a16="http://schemas.microsoft.com/office/drawing/2014/main" id="{6FC3EFB4-C53F-7C22-6041-402F95C3B389}"/>
+                </a:ext>
+              </a:extLst>
+            </p:cNvPr>
+            <p:cNvSpPr txBox="1">
+              <a:spLocks noGrp="1" noRot="1" noMove="1" noResize="1" noEditPoints="1" noAdjustHandles="1" noChangeArrowheads="1" noChangeShapeType="1"/>
+            </p:cNvSpPr>
+            <p:nvPr/>
+          </p:nvSpPr>
+          <p:spPr>
+            <a:xfrm>
+              <a:off x="21925346" y="22222499"/>
+              <a:ext cx="10392508" cy="707886"/>
+            </a:xfrm>
+            <a:prstGeom prst="rect">
+              <a:avLst/>
+            </a:prstGeom>
+            <a:noFill/>
+          </p:spPr>
+          <p:txBody>
+            <a:bodyPr wrap="square" rtlCol="0">
+              <a:spAutoFit/>
+            </a:bodyPr>
+            <a:lstStyle/>
+            <a:p>
+              <a:pPr algn="ctr"/>
+              <a:r>
+                <a:rPr lang="en-US" sz="4000" b="1" dirty="0">
+                  <a:solidFill>
+                    <a:schemeClr val="bg1"/>
+                  </a:solidFill>
+                  <a:latin typeface="Trajan Pro" panose="020B0604020202020204" pitchFamily="18" charset="0"/>
+                </a:rPr>
+                <a:t>Stationary acoustic data</a:t>
+              </a:r>
+            </a:p>
+          </p:txBody>
+        </p:sp>
+      </p:grpSp>
+      <p:sp>
+        <p:nvSpPr>
+          <p:cNvPr id="89" name="Rectangle 88">
+            <a:extLst>
+              <a:ext uri="{FF2B5EF4-FFF2-40B4-BE49-F238E27FC236}">
+                <a16:creationId xmlns:a16="http://schemas.microsoft.com/office/drawing/2014/main" id="{854D703F-B354-DA78-B50A-7C302C3CF6C4}"/>
               </a:ext>
             </a:extLst>
           </p:cNvPr>
@@ -5424,8 +5327,8 @@
         </p:nvSpPr>
         <p:spPr>
           <a:xfrm>
-            <a:off x="23653220" y="12065253"/>
-            <a:ext cx="6922008" cy="6208776"/>
+            <a:off x="44355031" y="0"/>
+            <a:ext cx="5580860" cy="3416320"/>
           </a:xfrm>
           <a:prstGeom prst="rect">
             <a:avLst/>
@@ -5464,26 +5367,995 @@
           </a:p>
         </p:txBody>
       </p:sp>
-      <p:grpSp>
-        <p:nvGrpSpPr>
-          <p:cNvPr id="20" name="Group 19">
+      <p:sp>
+        <p:nvSpPr>
+          <p:cNvPr id="102" name="Rectangle 101">
             <a:extLst>
               <a:ext uri="{FF2B5EF4-FFF2-40B4-BE49-F238E27FC236}">
-                <a16:creationId xmlns:a16="http://schemas.microsoft.com/office/drawing/2014/main" id="{1D01CC13-1776-2757-6741-890641D2C8E9}"/>
+                <a16:creationId xmlns:a16="http://schemas.microsoft.com/office/drawing/2014/main" id="{2267F750-88B5-2674-AED0-F0FA394104DA}"/>
               </a:ext>
             </a:extLst>
           </p:cNvPr>
-          <p:cNvGrpSpPr>
-            <a:grpSpLocks noChangeAspect="1"/>
-          </p:cNvGrpSpPr>
+          <p:cNvSpPr>
+            <a:spLocks noGrp="1" noRot="1" noMove="1" noResize="1" noEditPoints="1" noAdjustHandles="1" noChangeArrowheads="1" noChangeShapeType="1"/>
+          </p:cNvSpPr>
+          <p:nvPr/>
+        </p:nvSpPr>
+        <p:spPr>
+          <a:xfrm>
+            <a:off x="11787768" y="7989469"/>
+            <a:ext cx="9866376" cy="12343039"/>
+          </a:xfrm>
+          <a:prstGeom prst="rect">
+            <a:avLst/>
+          </a:prstGeom>
+          <a:solidFill>
+            <a:srgbClr val="002060"/>
+          </a:solidFill>
+          <a:ln>
+            <a:solidFill>
+              <a:srgbClr val="FFC000"/>
+            </a:solidFill>
+          </a:ln>
+        </p:spPr>
+        <p:style>
+          <a:lnRef idx="2">
+            <a:schemeClr val="accent1">
+              <a:shade val="50000"/>
+            </a:schemeClr>
+          </a:lnRef>
+          <a:fillRef idx="1">
+            <a:schemeClr val="accent1"/>
+          </a:fillRef>
+          <a:effectRef idx="0">
+            <a:schemeClr val="accent1"/>
+          </a:effectRef>
+          <a:fontRef idx="minor">
+            <a:schemeClr val="lt1"/>
+          </a:fontRef>
+        </p:style>
+        <p:txBody>
+          <a:bodyPr rtlCol="0" anchor="ctr"/>
+          <a:lstStyle/>
+          <a:p>
+            <a:pPr algn="ctr"/>
+            <a:endParaRPr lang="en-US"/>
+          </a:p>
+        </p:txBody>
+      </p:sp>
+      <p:sp>
+        <p:nvSpPr>
+          <p:cNvPr id="116" name="Rectangle 115">
+            <a:extLst>
+              <a:ext uri="{FF2B5EF4-FFF2-40B4-BE49-F238E27FC236}">
+                <a16:creationId xmlns:a16="http://schemas.microsoft.com/office/drawing/2014/main" id="{176EF1DA-3DFB-C71B-40F6-70380D1C6CAC}"/>
+              </a:ext>
+            </a:extLst>
+          </p:cNvPr>
+          <p:cNvSpPr/>
+          <p:nvPr/>
+        </p:nvSpPr>
+        <p:spPr>
+          <a:xfrm>
+            <a:off x="44507431" y="152400"/>
+            <a:ext cx="5580860" cy="3416320"/>
+          </a:xfrm>
+          <a:prstGeom prst="rect">
+            <a:avLst/>
+          </a:prstGeom>
+          <a:solidFill>
+            <a:srgbClr val="002060"/>
+          </a:solidFill>
+          <a:ln>
+            <a:solidFill>
+              <a:srgbClr val="FFC000"/>
+            </a:solidFill>
+          </a:ln>
+        </p:spPr>
+        <p:style>
+          <a:lnRef idx="2">
+            <a:schemeClr val="accent1">
+              <a:shade val="50000"/>
+            </a:schemeClr>
+          </a:lnRef>
+          <a:fillRef idx="1">
+            <a:schemeClr val="accent1"/>
+          </a:fillRef>
+          <a:effectRef idx="0">
+            <a:schemeClr val="accent1"/>
+          </a:effectRef>
+          <a:fontRef idx="minor">
+            <a:schemeClr val="lt1"/>
+          </a:fontRef>
+        </p:style>
+        <p:txBody>
+          <a:bodyPr rtlCol="0" anchor="ctr"/>
+          <a:lstStyle/>
+          <a:p>
+            <a:pPr algn="ctr"/>
+            <a:endParaRPr lang="en-US"/>
+          </a:p>
+        </p:txBody>
+      </p:sp>
+      <p:sp>
+        <p:nvSpPr>
+          <p:cNvPr id="117" name="Rectangle 116">
+            <a:extLst>
+              <a:ext uri="{FF2B5EF4-FFF2-40B4-BE49-F238E27FC236}">
+                <a16:creationId xmlns:a16="http://schemas.microsoft.com/office/drawing/2014/main" id="{443C5F37-76BE-101D-1C48-DA120EFE0168}"/>
+              </a:ext>
+            </a:extLst>
+          </p:cNvPr>
+          <p:cNvSpPr/>
+          <p:nvPr/>
+        </p:nvSpPr>
+        <p:spPr>
+          <a:xfrm>
+            <a:off x="44659831" y="304800"/>
+            <a:ext cx="5580860" cy="3416320"/>
+          </a:xfrm>
+          <a:prstGeom prst="rect">
+            <a:avLst/>
+          </a:prstGeom>
+          <a:solidFill>
+            <a:srgbClr val="002060"/>
+          </a:solidFill>
+          <a:ln>
+            <a:solidFill>
+              <a:srgbClr val="FFC000"/>
+            </a:solidFill>
+          </a:ln>
+        </p:spPr>
+        <p:style>
+          <a:lnRef idx="2">
+            <a:schemeClr val="accent1">
+              <a:shade val="50000"/>
+            </a:schemeClr>
+          </a:lnRef>
+          <a:fillRef idx="1">
+            <a:schemeClr val="accent1"/>
+          </a:fillRef>
+          <a:effectRef idx="0">
+            <a:schemeClr val="accent1"/>
+          </a:effectRef>
+          <a:fontRef idx="minor">
+            <a:schemeClr val="lt1"/>
+          </a:fontRef>
+        </p:style>
+        <p:txBody>
+          <a:bodyPr rtlCol="0" anchor="ctr"/>
+          <a:lstStyle/>
+          <a:p>
+            <a:pPr algn="ctr"/>
+            <a:endParaRPr lang="en-US"/>
+          </a:p>
+        </p:txBody>
+      </p:sp>
+      <p:sp>
+        <p:nvSpPr>
+          <p:cNvPr id="118" name="Rectangle 117">
+            <a:extLst>
+              <a:ext uri="{FF2B5EF4-FFF2-40B4-BE49-F238E27FC236}">
+                <a16:creationId xmlns:a16="http://schemas.microsoft.com/office/drawing/2014/main" id="{76DC4A7D-3FB3-DB76-A813-C849ADBFA536}"/>
+              </a:ext>
+            </a:extLst>
+          </p:cNvPr>
+          <p:cNvSpPr/>
+          <p:nvPr/>
+        </p:nvSpPr>
+        <p:spPr>
+          <a:xfrm>
+            <a:off x="44812231" y="457200"/>
+            <a:ext cx="5580860" cy="3416320"/>
+          </a:xfrm>
+          <a:prstGeom prst="rect">
+            <a:avLst/>
+          </a:prstGeom>
+          <a:solidFill>
+            <a:srgbClr val="002060"/>
+          </a:solidFill>
+          <a:ln>
+            <a:solidFill>
+              <a:srgbClr val="FFC000"/>
+            </a:solidFill>
+          </a:ln>
+        </p:spPr>
+        <p:style>
+          <a:lnRef idx="2">
+            <a:schemeClr val="accent1">
+              <a:shade val="50000"/>
+            </a:schemeClr>
+          </a:lnRef>
+          <a:fillRef idx="1">
+            <a:schemeClr val="accent1"/>
+          </a:fillRef>
+          <a:effectRef idx="0">
+            <a:schemeClr val="accent1"/>
+          </a:effectRef>
+          <a:fontRef idx="minor">
+            <a:schemeClr val="lt1"/>
+          </a:fontRef>
+        </p:style>
+        <p:txBody>
+          <a:bodyPr rtlCol="0" anchor="ctr"/>
+          <a:lstStyle/>
+          <a:p>
+            <a:pPr algn="ctr"/>
+            <a:endParaRPr lang="en-US"/>
+          </a:p>
+        </p:txBody>
+      </p:sp>
+      <p:sp>
+        <p:nvSpPr>
+          <p:cNvPr id="119" name="Rectangle 118">
+            <a:extLst>
+              <a:ext uri="{FF2B5EF4-FFF2-40B4-BE49-F238E27FC236}">
+                <a16:creationId xmlns:a16="http://schemas.microsoft.com/office/drawing/2014/main" id="{82ABE78D-77D3-D0AA-8516-3B087BEF3FCD}"/>
+              </a:ext>
+            </a:extLst>
+          </p:cNvPr>
+          <p:cNvSpPr>
+            <a:spLocks/>
+          </p:cNvSpPr>
+          <p:nvPr/>
+        </p:nvSpPr>
+        <p:spPr>
+          <a:xfrm>
+            <a:off x="45545542" y="26696786"/>
+            <a:ext cx="4672584" cy="3452882"/>
+          </a:xfrm>
+          <a:prstGeom prst="rect">
+            <a:avLst/>
+          </a:prstGeom>
+          <a:solidFill>
+            <a:srgbClr val="002060"/>
+          </a:solidFill>
+          <a:ln>
+            <a:solidFill>
+              <a:srgbClr val="FFC000"/>
+            </a:solidFill>
+          </a:ln>
+        </p:spPr>
+        <p:style>
+          <a:lnRef idx="2">
+            <a:schemeClr val="accent1">
+              <a:shade val="50000"/>
+            </a:schemeClr>
+          </a:lnRef>
+          <a:fillRef idx="1">
+            <a:schemeClr val="accent1"/>
+          </a:fillRef>
+          <a:effectRef idx="0">
+            <a:schemeClr val="accent1"/>
+          </a:effectRef>
+          <a:fontRef idx="minor">
+            <a:schemeClr val="lt1"/>
+          </a:fontRef>
+        </p:style>
+        <p:txBody>
+          <a:bodyPr rtlCol="0" anchor="ctr"/>
+          <a:lstStyle/>
+          <a:p>
+            <a:pPr algn="ctr"/>
+            <a:endParaRPr lang="en-US"/>
+          </a:p>
+        </p:txBody>
+      </p:sp>
+      <p:sp>
+        <p:nvSpPr>
+          <p:cNvPr id="120" name="Rectangle 119">
+            <a:extLst>
+              <a:ext uri="{FF2B5EF4-FFF2-40B4-BE49-F238E27FC236}">
+                <a16:creationId xmlns:a16="http://schemas.microsoft.com/office/drawing/2014/main" id="{06436968-4E45-43EA-E330-B84B022594EF}"/>
+              </a:ext>
+            </a:extLst>
+          </p:cNvPr>
+          <p:cNvSpPr>
+            <a:spLocks/>
+          </p:cNvSpPr>
+          <p:nvPr/>
+        </p:nvSpPr>
+        <p:spPr>
+          <a:xfrm>
+            <a:off x="50740313" y="26698787"/>
+            <a:ext cx="4672584" cy="3453587"/>
+          </a:xfrm>
+          <a:prstGeom prst="rect">
+            <a:avLst/>
+          </a:prstGeom>
+          <a:solidFill>
+            <a:srgbClr val="002060"/>
+          </a:solidFill>
+          <a:ln>
+            <a:solidFill>
+              <a:srgbClr val="FFC000"/>
+            </a:solidFill>
+          </a:ln>
+        </p:spPr>
+        <p:style>
+          <a:lnRef idx="2">
+            <a:schemeClr val="accent1">
+              <a:shade val="50000"/>
+            </a:schemeClr>
+          </a:lnRef>
+          <a:fillRef idx="1">
+            <a:schemeClr val="accent1"/>
+          </a:fillRef>
+          <a:effectRef idx="0">
+            <a:schemeClr val="accent1"/>
+          </a:effectRef>
+          <a:fontRef idx="minor">
+            <a:schemeClr val="lt1"/>
+          </a:fontRef>
+        </p:style>
+        <p:txBody>
+          <a:bodyPr rtlCol="0" anchor="ctr"/>
+          <a:lstStyle/>
+          <a:p>
+            <a:pPr algn="ctr"/>
+            <a:endParaRPr lang="en-US"/>
+          </a:p>
+        </p:txBody>
+      </p:sp>
+      <p:sp>
+        <p:nvSpPr>
+          <p:cNvPr id="6" name="Rectangle 5">
+            <a:extLst>
+              <a:ext uri="{FF2B5EF4-FFF2-40B4-BE49-F238E27FC236}">
+                <a16:creationId xmlns:a16="http://schemas.microsoft.com/office/drawing/2014/main" id="{61A99389-3080-056E-1129-F31105F977C0}"/>
+              </a:ext>
+            </a:extLst>
+          </p:cNvPr>
+          <p:cNvSpPr>
+            <a:spLocks noGrp="1" noRot="1" noMove="1" noResize="1" noEditPoints="1" noAdjustHandles="1" noChangeArrowheads="1" noChangeShapeType="1"/>
+          </p:cNvSpPr>
+          <p:nvPr/>
+        </p:nvSpPr>
+        <p:spPr>
+          <a:xfrm>
+            <a:off x="1386840" y="10572240"/>
+            <a:ext cx="4169664" cy="4261104"/>
+          </a:xfrm>
+          <a:prstGeom prst="rect">
+            <a:avLst/>
+          </a:prstGeom>
+          <a:solidFill>
+            <a:srgbClr val="002060"/>
+          </a:solidFill>
+          <a:ln>
+            <a:solidFill>
+              <a:srgbClr val="FFC000"/>
+            </a:solidFill>
+          </a:ln>
+        </p:spPr>
+        <p:style>
+          <a:lnRef idx="2">
+            <a:schemeClr val="accent1">
+              <a:shade val="50000"/>
+            </a:schemeClr>
+          </a:lnRef>
+          <a:fillRef idx="1">
+            <a:schemeClr val="accent1"/>
+          </a:fillRef>
+          <a:effectRef idx="0">
+            <a:schemeClr val="accent1"/>
+          </a:effectRef>
+          <a:fontRef idx="minor">
+            <a:schemeClr val="lt1"/>
+          </a:fontRef>
+        </p:style>
+        <p:txBody>
+          <a:bodyPr rtlCol="0" anchor="ctr"/>
+          <a:lstStyle/>
+          <a:p>
+            <a:pPr algn="ctr"/>
+            <a:endParaRPr lang="en-US"/>
+          </a:p>
+        </p:txBody>
+      </p:sp>
+      <p:sp>
+        <p:nvSpPr>
+          <p:cNvPr id="17" name="Rectangle 16">
+            <a:extLst>
+              <a:ext uri="{FF2B5EF4-FFF2-40B4-BE49-F238E27FC236}">
+                <a16:creationId xmlns:a16="http://schemas.microsoft.com/office/drawing/2014/main" id="{53C667B1-B53E-B6F4-1A4B-2AE00E4AFF83}"/>
+              </a:ext>
+            </a:extLst>
+          </p:cNvPr>
+          <p:cNvSpPr>
+            <a:spLocks noGrp="1" noRot="1" noMove="1" noResize="1" noEditPoints="1" noAdjustHandles="1" noChangeArrowheads="1" noChangeShapeType="1"/>
+          </p:cNvSpPr>
+          <p:nvPr/>
+        </p:nvSpPr>
+        <p:spPr>
+          <a:xfrm>
+            <a:off x="6025896" y="10572240"/>
+            <a:ext cx="4169664" cy="4261104"/>
+          </a:xfrm>
+          <a:prstGeom prst="rect">
+            <a:avLst/>
+          </a:prstGeom>
+          <a:solidFill>
+            <a:srgbClr val="002060"/>
+          </a:solidFill>
+          <a:ln>
+            <a:solidFill>
+              <a:srgbClr val="FFC000"/>
+            </a:solidFill>
+          </a:ln>
+        </p:spPr>
+        <p:style>
+          <a:lnRef idx="2">
+            <a:schemeClr val="accent1">
+              <a:shade val="50000"/>
+            </a:schemeClr>
+          </a:lnRef>
+          <a:fillRef idx="1">
+            <a:schemeClr val="accent1"/>
+          </a:fillRef>
+          <a:effectRef idx="0">
+            <a:schemeClr val="accent1"/>
+          </a:effectRef>
+          <a:fontRef idx="minor">
+            <a:schemeClr val="lt1"/>
+          </a:fontRef>
+        </p:style>
+        <p:txBody>
+          <a:bodyPr rtlCol="0" anchor="ctr"/>
+          <a:lstStyle/>
+          <a:p>
+            <a:pPr algn="ctr"/>
+            <a:endParaRPr lang="en-US"/>
+          </a:p>
+        </p:txBody>
+      </p:sp>
+      <p:grpSp>
+        <p:nvGrpSpPr>
+          <p:cNvPr id="234" name="Group 233">
+            <a:extLst>
+              <a:ext uri="{FF2B5EF4-FFF2-40B4-BE49-F238E27FC236}">
+                <a16:creationId xmlns:a16="http://schemas.microsoft.com/office/drawing/2014/main" id="{E2697954-5D76-8AD4-E2EE-22F063674990}"/>
+              </a:ext>
+            </a:extLst>
+          </p:cNvPr>
+          <p:cNvGrpSpPr/>
           <p:nvPr/>
         </p:nvGrpSpPr>
         <p:grpSpPr>
           <a:xfrm>
-            <a:off x="1158240" y="7949706"/>
-            <a:ext cx="4264788" cy="3745314"/>
-            <a:chOff x="14579368" y="10086780"/>
-            <a:chExt cx="5220268" cy="4788562"/>
+            <a:off x="6190488" y="10990324"/>
+            <a:ext cx="3840480" cy="3516376"/>
+            <a:chOff x="6190488" y="11247502"/>
+            <a:chExt cx="3840480" cy="3516376"/>
+          </a:xfrm>
+        </p:grpSpPr>
+        <p:pic>
+          <p:nvPicPr>
+            <p:cNvPr id="78" name="Picture 77" descr="A picture containing ground, indoor, laying, dirty&#10;&#10;Description automatically generated">
+              <a:extLst>
+                <a:ext uri="{FF2B5EF4-FFF2-40B4-BE49-F238E27FC236}">
+                  <a16:creationId xmlns:a16="http://schemas.microsoft.com/office/drawing/2014/main" id="{E47870C1-2793-C027-B9FA-4E7A67295384}"/>
+                </a:ext>
+              </a:extLst>
+            </p:cNvPr>
+            <p:cNvPicPr>
+              <a:picLocks noChangeAspect="1"/>
+            </p:cNvPicPr>
+            <p:nvPr/>
+          </p:nvPicPr>
+          <p:blipFill>
+            <a:blip r:embed="rId6">
+              <a:extLst>
+                <a:ext uri="{28A0092B-C50C-407E-A947-70E740481C1C}">
+                  <a14:useLocalDpi xmlns:a14="http://schemas.microsoft.com/office/drawing/2010/main" val="0"/>
+                </a:ext>
+              </a:extLst>
+            </a:blip>
+            <a:stretch>
+              <a:fillRect/>
+            </a:stretch>
+          </p:blipFill>
+          <p:spPr>
+            <a:xfrm>
+              <a:off x="6190488" y="11247502"/>
+              <a:ext cx="3840480" cy="2203766"/>
+            </a:xfrm>
+            <a:prstGeom prst="rect">
+              <a:avLst/>
+            </a:prstGeom>
+          </p:spPr>
+        </p:pic>
+        <p:sp>
+          <p:nvSpPr>
+            <p:cNvPr id="25" name="TextBox 24">
+              <a:extLst>
+                <a:ext uri="{FF2B5EF4-FFF2-40B4-BE49-F238E27FC236}">
+                  <a16:creationId xmlns:a16="http://schemas.microsoft.com/office/drawing/2014/main" id="{1FE7AC60-C6E4-2A41-D0CD-62F256E03CF7}"/>
+                </a:ext>
+              </a:extLst>
+            </p:cNvPr>
+            <p:cNvSpPr txBox="1"/>
+            <p:nvPr/>
+          </p:nvSpPr>
+          <p:spPr>
+            <a:xfrm>
+              <a:off x="6190488" y="13451268"/>
+              <a:ext cx="3823555" cy="1312610"/>
+            </a:xfrm>
+            <a:prstGeom prst="rect">
+              <a:avLst/>
+            </a:prstGeom>
+            <a:noFill/>
+          </p:spPr>
+          <p:txBody>
+            <a:bodyPr wrap="square" rtlCol="0">
+              <a:spAutoFit/>
+            </a:bodyPr>
+            <a:lstStyle/>
+            <a:p>
+              <a:r>
+                <a:rPr lang="en-US" sz="2200" i="1" dirty="0">
+                  <a:solidFill>
+                    <a:schemeClr val="bg1"/>
+                  </a:solidFill>
+                </a:rPr>
+                <a:t>Figure 2: </a:t>
+              </a:r>
+              <a:r>
+                <a:rPr lang="en-US" sz="2200" dirty="0">
+                  <a:solidFill>
+                    <a:schemeClr val="bg1"/>
+                  </a:solidFill>
+                </a:rPr>
+                <a:t>WNS-affected little brown bats in Azure Cave, MT, USA (source: Montana Fish Wildlife and Parks</a:t>
+              </a:r>
+              <a:endParaRPr lang="en-US" sz="2200" i="1" dirty="0">
+                <a:solidFill>
+                  <a:schemeClr val="bg1"/>
+                </a:solidFill>
+              </a:endParaRPr>
+            </a:p>
+          </p:txBody>
+        </p:sp>
+      </p:grpSp>
+      <p:sp>
+        <p:nvSpPr>
+          <p:cNvPr id="33" name="Rectangle 32">
+            <a:extLst>
+              <a:ext uri="{FF2B5EF4-FFF2-40B4-BE49-F238E27FC236}">
+                <a16:creationId xmlns:a16="http://schemas.microsoft.com/office/drawing/2014/main" id="{8B57F48B-216B-E01D-9704-F12C4213653D}"/>
+              </a:ext>
+            </a:extLst>
+          </p:cNvPr>
+          <p:cNvSpPr>
+            <a:spLocks noGrp="1" noRot="1" noMove="1" noResize="1" noEditPoints="1" noAdjustHandles="1" noChangeArrowheads="1" noChangeShapeType="1"/>
+          </p:cNvSpPr>
+          <p:nvPr/>
+        </p:nvSpPr>
+        <p:spPr>
+          <a:xfrm>
+            <a:off x="1160907" y="15196552"/>
+            <a:ext cx="9262872" cy="5696712"/>
+          </a:xfrm>
+          <a:prstGeom prst="rect">
+            <a:avLst/>
+          </a:prstGeom>
+          <a:solidFill>
+            <a:srgbClr val="002060"/>
+          </a:solidFill>
+          <a:ln>
+            <a:solidFill>
+              <a:srgbClr val="FFC000"/>
+            </a:solidFill>
+          </a:ln>
+        </p:spPr>
+        <p:style>
+          <a:lnRef idx="2">
+            <a:schemeClr val="accent1">
+              <a:shade val="50000"/>
+            </a:schemeClr>
+          </a:lnRef>
+          <a:fillRef idx="1">
+            <a:schemeClr val="accent1"/>
+          </a:fillRef>
+          <a:effectRef idx="0">
+            <a:schemeClr val="accent1"/>
+          </a:effectRef>
+          <a:fontRef idx="minor">
+            <a:schemeClr val="lt1"/>
+          </a:fontRef>
+        </p:style>
+        <p:txBody>
+          <a:bodyPr rtlCol="0" anchor="ctr"/>
+          <a:lstStyle/>
+          <a:p>
+            <a:pPr algn="ctr"/>
+            <a:endParaRPr lang="en-US"/>
+          </a:p>
+        </p:txBody>
+      </p:sp>
+      <p:pic>
+        <p:nvPicPr>
+          <p:cNvPr id="74" name="Picture 73" descr="Map&#10;&#10;Description automatically generated">
+            <a:extLst>
+              <a:ext uri="{FF2B5EF4-FFF2-40B4-BE49-F238E27FC236}">
+                <a16:creationId xmlns:a16="http://schemas.microsoft.com/office/drawing/2014/main" id="{F71E81D2-4560-4EB7-8F23-D2FED40E5A62}"/>
+              </a:ext>
+            </a:extLst>
+          </p:cNvPr>
+          <p:cNvPicPr>
+            <a:picLocks noChangeAspect="1"/>
+          </p:cNvPicPr>
+          <p:nvPr/>
+        </p:nvPicPr>
+        <p:blipFill>
+          <a:blip r:embed="rId7" cstate="print">
+            <a:extLst>
+              <a:ext uri="{28A0092B-C50C-407E-A947-70E740481C1C}">
+                <a14:useLocalDpi xmlns:a14="http://schemas.microsoft.com/office/drawing/2010/main" val="0"/>
+              </a:ext>
+            </a:extLst>
+          </a:blip>
+          <a:stretch>
+            <a:fillRect/>
+          </a:stretch>
+        </p:blipFill>
+        <p:spPr>
+          <a:xfrm>
+            <a:off x="1580305" y="15470872"/>
+            <a:ext cx="8424077" cy="4803253"/>
+          </a:xfrm>
+          <a:prstGeom prst="rect">
+            <a:avLst/>
+          </a:prstGeom>
+        </p:spPr>
+      </p:pic>
+      <p:sp>
+        <p:nvSpPr>
+          <p:cNvPr id="34" name="TextBox 33">
+            <a:extLst>
+              <a:ext uri="{FF2B5EF4-FFF2-40B4-BE49-F238E27FC236}">
+                <a16:creationId xmlns:a16="http://schemas.microsoft.com/office/drawing/2014/main" id="{4DF059B6-52ED-8775-B560-8DCDA62734C6}"/>
+              </a:ext>
+            </a:extLst>
+          </p:cNvPr>
+          <p:cNvSpPr txBox="1"/>
+          <p:nvPr/>
+        </p:nvSpPr>
+        <p:spPr>
+          <a:xfrm>
+            <a:off x="1580305" y="20274125"/>
+            <a:ext cx="8424077" cy="436259"/>
+          </a:xfrm>
+          <a:prstGeom prst="rect">
+            <a:avLst/>
+          </a:prstGeom>
+          <a:noFill/>
+        </p:spPr>
+        <p:txBody>
+          <a:bodyPr wrap="square" rtlCol="0">
+            <a:spAutoFit/>
+          </a:bodyPr>
+          <a:lstStyle/>
+          <a:p>
+            <a:r>
+              <a:rPr lang="en-US" sz="2200" i="1" dirty="0">
+                <a:solidFill>
+                  <a:schemeClr val="bg1"/>
+                </a:solidFill>
+              </a:rPr>
+              <a:t>Figure 3: </a:t>
+            </a:r>
+            <a:r>
+              <a:rPr lang="en-US" sz="2200" dirty="0">
+                <a:solidFill>
+                  <a:schemeClr val="bg1"/>
+                </a:solidFill>
+              </a:rPr>
+              <a:t>Pd spread map as of 2020 (source: </a:t>
+            </a:r>
+            <a:r>
+              <a:rPr lang="en-US" sz="2200" dirty="0">
+                <a:solidFill>
+                  <a:schemeClr val="bg1"/>
+                </a:solidFill>
+                <a:hlinkClick r:id="rId8">
+                  <a:extLst>
+                    <a:ext uri="{A12FA001-AC4F-418D-AE19-62706E023703}">
+                      <ahyp:hlinkClr xmlns:ahyp="http://schemas.microsoft.com/office/drawing/2018/hyperlinkcolor" val="tx"/>
+                    </a:ext>
+                  </a:extLst>
+                </a:hlinkClick>
+              </a:rPr>
+              <a:t>USGS WNS Spread Map</a:t>
+            </a:r>
+            <a:r>
+              <a:rPr lang="en-US" sz="2200" dirty="0">
+                <a:solidFill>
+                  <a:schemeClr val="bg1"/>
+                </a:solidFill>
+              </a:rPr>
+              <a:t>).</a:t>
+            </a:r>
+          </a:p>
+        </p:txBody>
+      </p:sp>
+      <p:sp>
+        <p:nvSpPr>
+          <p:cNvPr id="52" name="Rectangle 51">
+            <a:extLst>
+              <a:ext uri="{FF2B5EF4-FFF2-40B4-BE49-F238E27FC236}">
+                <a16:creationId xmlns:a16="http://schemas.microsoft.com/office/drawing/2014/main" id="{F123935F-CCD5-513F-8658-B1B34D436CC8}"/>
+              </a:ext>
+            </a:extLst>
+          </p:cNvPr>
+          <p:cNvSpPr>
+            <a:spLocks noGrp="1" noRot="1" noMove="1" noResize="1" noEditPoints="1" noAdjustHandles="1" noChangeArrowheads="1" noChangeShapeType="1"/>
+          </p:cNvSpPr>
+          <p:nvPr/>
+        </p:nvSpPr>
+        <p:spPr>
+          <a:xfrm>
+            <a:off x="1160907" y="21260054"/>
+            <a:ext cx="9262872" cy="5696712"/>
+          </a:xfrm>
+          <a:prstGeom prst="rect">
+            <a:avLst/>
+          </a:prstGeom>
+          <a:solidFill>
+            <a:srgbClr val="002060"/>
+          </a:solidFill>
+          <a:ln>
+            <a:solidFill>
+              <a:srgbClr val="FFC000"/>
+            </a:solidFill>
+          </a:ln>
+        </p:spPr>
+        <p:style>
+          <a:lnRef idx="2">
+            <a:schemeClr val="accent1">
+              <a:shade val="50000"/>
+            </a:schemeClr>
+          </a:lnRef>
+          <a:fillRef idx="1">
+            <a:schemeClr val="accent1"/>
+          </a:fillRef>
+          <a:effectRef idx="0">
+            <a:schemeClr val="accent1"/>
+          </a:effectRef>
+          <a:fontRef idx="minor">
+            <a:schemeClr val="lt1"/>
+          </a:fontRef>
+        </p:style>
+        <p:txBody>
+          <a:bodyPr rtlCol="0" anchor="ctr"/>
+          <a:lstStyle/>
+          <a:p>
+            <a:pPr algn="ctr"/>
+            <a:endParaRPr lang="en-US"/>
+          </a:p>
+        </p:txBody>
+      </p:sp>
+      <p:pic>
+        <p:nvPicPr>
+          <p:cNvPr id="76" name="Picture 75" descr="Map&#10;&#10;Description automatically generated">
+            <a:extLst>
+              <a:ext uri="{FF2B5EF4-FFF2-40B4-BE49-F238E27FC236}">
+                <a16:creationId xmlns:a16="http://schemas.microsoft.com/office/drawing/2014/main" id="{0FCF8801-BBE6-2E1E-1335-761C12FF4FD0}"/>
+              </a:ext>
+            </a:extLst>
+          </p:cNvPr>
+          <p:cNvPicPr>
+            <a:picLocks noChangeAspect="1"/>
+          </p:cNvPicPr>
+          <p:nvPr/>
+        </p:nvPicPr>
+        <p:blipFill>
+          <a:blip r:embed="rId9" cstate="print">
+            <a:extLst>
+              <a:ext uri="{28A0092B-C50C-407E-A947-70E740481C1C}">
+                <a14:useLocalDpi xmlns:a14="http://schemas.microsoft.com/office/drawing/2010/main" val="0"/>
+              </a:ext>
+            </a:extLst>
+          </a:blip>
+          <a:stretch>
+            <a:fillRect/>
+          </a:stretch>
+        </p:blipFill>
+        <p:spPr>
+          <a:xfrm>
+            <a:off x="1580305" y="21534374"/>
+            <a:ext cx="8424076" cy="4803253"/>
+          </a:xfrm>
+          <a:prstGeom prst="rect">
+            <a:avLst/>
+          </a:prstGeom>
+        </p:spPr>
+      </p:pic>
+      <p:sp>
+        <p:nvSpPr>
+          <p:cNvPr id="56" name="TextBox 55">
+            <a:extLst>
+              <a:ext uri="{FF2B5EF4-FFF2-40B4-BE49-F238E27FC236}">
+                <a16:creationId xmlns:a16="http://schemas.microsoft.com/office/drawing/2014/main" id="{5117427B-175F-8AE6-C794-085021385C3F}"/>
+              </a:ext>
+            </a:extLst>
+          </p:cNvPr>
+          <p:cNvSpPr txBox="1"/>
+          <p:nvPr/>
+        </p:nvSpPr>
+        <p:spPr>
+          <a:xfrm>
+            <a:off x="1580305" y="26337627"/>
+            <a:ext cx="8424077" cy="436259"/>
+          </a:xfrm>
+          <a:prstGeom prst="rect">
+            <a:avLst/>
+          </a:prstGeom>
+          <a:noFill/>
+        </p:spPr>
+        <p:txBody>
+          <a:bodyPr wrap="square" rtlCol="0">
+            <a:spAutoFit/>
+          </a:bodyPr>
+          <a:lstStyle/>
+          <a:p>
+            <a:r>
+              <a:rPr lang="en-US" sz="2200" i="1" dirty="0">
+                <a:solidFill>
+                  <a:schemeClr val="bg1"/>
+                </a:solidFill>
+              </a:rPr>
+              <a:t>Figure 4: </a:t>
+            </a:r>
+            <a:r>
+              <a:rPr lang="en-US" sz="2200" dirty="0">
+                <a:solidFill>
+                  <a:schemeClr val="bg1"/>
+                </a:solidFill>
+              </a:rPr>
+              <a:t>Pd spread map as of 2022 (source: </a:t>
+            </a:r>
+            <a:r>
+              <a:rPr lang="en-US" sz="2200" dirty="0">
+                <a:solidFill>
+                  <a:schemeClr val="bg1"/>
+                </a:solidFill>
+                <a:hlinkClick r:id="rId8">
+                  <a:extLst>
+                    <a:ext uri="{A12FA001-AC4F-418D-AE19-62706E023703}">
+                      <ahyp:hlinkClr xmlns:ahyp="http://schemas.microsoft.com/office/drawing/2018/hyperlinkcolor" val="tx"/>
+                    </a:ext>
+                  </a:extLst>
+                </a:hlinkClick>
+              </a:rPr>
+              <a:t>USGS WNS Spread Map</a:t>
+            </a:r>
+            <a:r>
+              <a:rPr lang="en-US" sz="2200" dirty="0">
+                <a:solidFill>
+                  <a:schemeClr val="bg1"/>
+                </a:solidFill>
+              </a:rPr>
+              <a:t>)</a:t>
+            </a:r>
+          </a:p>
+        </p:txBody>
+      </p:sp>
+      <p:sp>
+        <p:nvSpPr>
+          <p:cNvPr id="67" name="Rectangle 66">
+            <a:extLst>
+              <a:ext uri="{FF2B5EF4-FFF2-40B4-BE49-F238E27FC236}">
+                <a16:creationId xmlns:a16="http://schemas.microsoft.com/office/drawing/2014/main" id="{4CA476E1-0870-9445-C0BF-552AA900038A}"/>
+              </a:ext>
+            </a:extLst>
+          </p:cNvPr>
+          <p:cNvSpPr>
+            <a:spLocks noGrp="1" noRot="1" noMove="1" noResize="1" noEditPoints="1" noAdjustHandles="1" noChangeArrowheads="1" noChangeShapeType="1"/>
+          </p:cNvSpPr>
+          <p:nvPr/>
+        </p:nvSpPr>
+        <p:spPr>
+          <a:xfrm>
+            <a:off x="1160335" y="27323555"/>
+            <a:ext cx="9262872" cy="5018729"/>
+          </a:xfrm>
+          <a:prstGeom prst="rect">
+            <a:avLst/>
+          </a:prstGeom>
+          <a:solidFill>
+            <a:srgbClr val="002060"/>
+          </a:solidFill>
+          <a:ln>
+            <a:solidFill>
+              <a:srgbClr val="FFC000"/>
+            </a:solidFill>
+          </a:ln>
+        </p:spPr>
+        <p:style>
+          <a:lnRef idx="2">
+            <a:schemeClr val="accent1">
+              <a:shade val="50000"/>
+            </a:schemeClr>
+          </a:lnRef>
+          <a:fillRef idx="1">
+            <a:schemeClr val="accent1"/>
+          </a:fillRef>
+          <a:effectRef idx="0">
+            <a:schemeClr val="accent1"/>
+          </a:effectRef>
+          <a:fontRef idx="minor">
+            <a:schemeClr val="lt1"/>
+          </a:fontRef>
+        </p:style>
+        <p:txBody>
+          <a:bodyPr rtlCol="0" anchor="ctr"/>
+          <a:lstStyle/>
+          <a:p>
+            <a:pPr algn="ctr"/>
+            <a:endParaRPr lang="en-US"/>
+          </a:p>
+        </p:txBody>
+      </p:sp>
+      <p:sp>
+        <p:nvSpPr>
+          <p:cNvPr id="94" name="TextBox 93">
+            <a:extLst>
+              <a:ext uri="{FF2B5EF4-FFF2-40B4-BE49-F238E27FC236}">
+                <a16:creationId xmlns:a16="http://schemas.microsoft.com/office/drawing/2014/main" id="{3F2588A0-836D-ED91-A66E-DB3FA9E102AB}"/>
+              </a:ext>
+            </a:extLst>
+          </p:cNvPr>
+          <p:cNvSpPr txBox="1"/>
+          <p:nvPr/>
+        </p:nvSpPr>
+        <p:spPr>
+          <a:xfrm>
+            <a:off x="1158240" y="29228298"/>
+            <a:ext cx="9262872" cy="1209242"/>
+          </a:xfrm>
+          <a:prstGeom prst="rect">
+            <a:avLst/>
+          </a:prstGeom>
+          <a:noFill/>
+        </p:spPr>
+        <p:txBody>
+          <a:bodyPr wrap="square" rtlCol="0" anchor="ctr">
+            <a:spAutoFit/>
+          </a:bodyPr>
+          <a:lstStyle/>
+          <a:p>
+            <a:pPr algn="ctr"/>
+            <a:r>
+              <a:rPr lang="en-US" dirty="0">
+                <a:solidFill>
+                  <a:schemeClr val="bg1"/>
+                </a:solidFill>
+              </a:rPr>
+              <a:t>Azure cave photo</a:t>
+            </a:r>
+          </a:p>
+        </p:txBody>
+      </p:sp>
+      <p:grpSp>
+        <p:nvGrpSpPr>
+          <p:cNvPr id="235" name="Group 234">
+            <a:extLst>
+              <a:ext uri="{FF2B5EF4-FFF2-40B4-BE49-F238E27FC236}">
+                <a16:creationId xmlns:a16="http://schemas.microsoft.com/office/drawing/2014/main" id="{680E4FC1-D25A-9237-7F37-D77DC0D4E8D0}"/>
+              </a:ext>
+            </a:extLst>
+          </p:cNvPr>
+          <p:cNvGrpSpPr/>
+          <p:nvPr/>
+        </p:nvGrpSpPr>
+        <p:grpSpPr>
+          <a:xfrm>
+            <a:off x="1551432" y="10813599"/>
+            <a:ext cx="3840480" cy="3869826"/>
+            <a:chOff x="1551432" y="11070777"/>
+            <a:chExt cx="3840480" cy="3869826"/>
           </a:xfrm>
         </p:grpSpPr>
         <p:pic>
@@ -5501,7 +6373,7 @@
             <p:nvPr/>
           </p:nvPicPr>
           <p:blipFill>
-            <a:blip r:embed="rId20" cstate="print">
+            <a:blip r:embed="rId10" cstate="print">
               <a:extLst>
                 <a:ext uri="{28A0092B-C50C-407E-A947-70E740481C1C}">
                   <a14:useLocalDpi xmlns:a14="http://schemas.microsoft.com/office/drawing/2010/main" val="0"/>
@@ -5514,8 +6386,8 @@
           </p:blipFill>
           <p:spPr>
             <a:xfrm>
-              <a:off x="14619053" y="10086780"/>
-              <a:ext cx="5180583" cy="4114800"/>
+              <a:off x="1580432" y="11070777"/>
+              <a:ext cx="3811480" cy="2898294"/>
             </a:xfrm>
             <a:prstGeom prst="rect">
               <a:avLst/>
@@ -5536,8 +6408,8 @@
           </p:nvSpPr>
           <p:spPr>
             <a:xfrm>
-              <a:off x="14579368" y="14201580"/>
-              <a:ext cx="5180583" cy="673762"/>
+              <a:off x="1551432" y="13949520"/>
+              <a:ext cx="3785774" cy="991083"/>
             </a:xfrm>
             <a:prstGeom prst="rect">
               <a:avLst/>
@@ -5571,7 +6443,7 @@
                   <a:solidFill>
                     <a:schemeClr val="bg1"/>
                   </a:solidFill>
-                  <a:hlinkClick r:id="rId21">
+                  <a:hlinkClick r:id="rId11">
                     <a:extLst>
                       <a:ext uri="{A12FA001-AC4F-418D-AE19-62706E023703}">
                         <ahyp:hlinkClr xmlns:ahyp="http://schemas.microsoft.com/office/drawing/2018/hyperlinkcolor" val="tx"/>
@@ -5593,241 +6465,197 @@
           </p:txBody>
         </p:sp>
       </p:grpSp>
-      <mc:AlternateContent xmlns:mc="http://schemas.openxmlformats.org/markup-compatibility/2006" xmlns:a14="http://schemas.microsoft.com/office/drawing/2010/main">
-        <mc:Choice Requires="a14">
-          <p:sp>
-            <p:nvSpPr>
-              <p:cNvPr id="24" name="TextBox 23">
-                <a:extLst>
-                  <a:ext uri="{FF2B5EF4-FFF2-40B4-BE49-F238E27FC236}">
-                    <a16:creationId xmlns:a16="http://schemas.microsoft.com/office/drawing/2014/main" id="{B707F4C1-C3FA-FEAF-89E3-473065EAADF1}"/>
-                  </a:ext>
-                </a:extLst>
-              </p:cNvPr>
-              <p:cNvSpPr txBox="1"/>
-              <p:nvPr/>
-            </p:nvSpPr>
-            <p:spPr>
-              <a:xfrm>
-                <a:off x="11509031" y="23013943"/>
-                <a:ext cx="10396728" cy="2308324"/>
-              </a:xfrm>
-              <a:prstGeom prst="rect">
-                <a:avLst/>
-              </a:prstGeom>
-              <a:noFill/>
-            </p:spPr>
-            <p:txBody>
-              <a:bodyPr wrap="square" rtlCol="0">
-                <a:spAutoFit/>
-              </a:bodyPr>
-              <a:lstStyle/>
-              <a:p>
-                <a:r>
-                  <a:rPr lang="en-US" sz="3600" dirty="0">
-                    <a:latin typeface="Times New Roman" panose="02020603050405020304" pitchFamily="18" charset="0"/>
-                    <a:cs typeface="Times New Roman" panose="02020603050405020304" pitchFamily="18" charset="0"/>
-                  </a:rPr>
-                  <a:t>Let </a:t>
-                </a:r>
-                <a14:m>
-                  <m:oMath xmlns:m="http://schemas.openxmlformats.org/officeDocument/2006/math">
-                    <m:r>
-                      <a:rPr lang="en-US" sz="3600" b="0" i="1" smtClean="0">
-                        <a:latin typeface="Cambria Math" panose="02040503050406030204" pitchFamily="18" charset="0"/>
-                      </a:rPr>
-                      <m:t>{</m:t>
-                    </m:r>
-                    <m:sSub>
-                      <m:sSubPr>
-                        <m:ctrlPr>
-                          <a:rPr lang="en-US" sz="3600" b="0" i="1" smtClean="0">
-                            <a:latin typeface="Cambria Math" panose="02040503050406030204" pitchFamily="18" charset="0"/>
-                          </a:rPr>
-                        </m:ctrlPr>
-                      </m:sSubPr>
-                      <m:e>
-                        <m:r>
-                          <a:rPr lang="en-US" sz="3600" b="0" i="1" smtClean="0">
-                            <a:latin typeface="Cambria Math" panose="02040503050406030204" pitchFamily="18" charset="0"/>
-                          </a:rPr>
-                          <m:t>𝑦</m:t>
-                        </m:r>
-                      </m:e>
-                      <m:sub>
-                        <m:r>
-                          <a:rPr lang="en-US" sz="3600" b="0" i="1" smtClean="0">
-                            <a:latin typeface="Cambria Math" panose="02040503050406030204" pitchFamily="18" charset="0"/>
-                          </a:rPr>
-                          <m:t>1</m:t>
-                        </m:r>
-                      </m:sub>
-                    </m:sSub>
-                    <m:r>
-                      <a:rPr lang="en-US" sz="3600" b="0" i="1" smtClean="0">
-                        <a:latin typeface="Cambria Math" panose="02040503050406030204" pitchFamily="18" charset="0"/>
-                      </a:rPr>
-                      <m:t>, …, </m:t>
-                    </m:r>
-                    <m:sSub>
-                      <m:sSubPr>
-                        <m:ctrlPr>
-                          <a:rPr lang="en-US" sz="3600" b="0" i="1" smtClean="0">
-                            <a:latin typeface="Cambria Math" panose="02040503050406030204" pitchFamily="18" charset="0"/>
-                          </a:rPr>
-                        </m:ctrlPr>
-                      </m:sSubPr>
-                      <m:e>
-                        <m:r>
-                          <a:rPr lang="en-US" sz="3600" b="0" i="1" smtClean="0">
-                            <a:latin typeface="Cambria Math" panose="02040503050406030204" pitchFamily="18" charset="0"/>
-                          </a:rPr>
-                          <m:t>𝑦</m:t>
-                        </m:r>
-                      </m:e>
-                      <m:sub>
-                        <m:r>
-                          <a:rPr lang="en-US" sz="3600" b="0" i="1" smtClean="0">
-                            <a:latin typeface="Cambria Math" panose="02040503050406030204" pitchFamily="18" charset="0"/>
-                          </a:rPr>
-                          <m:t>𝑛</m:t>
-                        </m:r>
-                      </m:sub>
-                    </m:sSub>
-                    <m:r>
-                      <a:rPr lang="en-US" sz="3600" b="0" i="1" smtClean="0">
-                        <a:latin typeface="Cambria Math" panose="02040503050406030204" pitchFamily="18" charset="0"/>
-                      </a:rPr>
-                      <m:t>}</m:t>
-                    </m:r>
-                  </m:oMath>
-                </a14:m>
-                <a:r>
-                  <a:rPr lang="en-US" sz="3600" dirty="0">
-                    <a:latin typeface="Times New Roman" panose="02020603050405020304" pitchFamily="18" charset="0"/>
-                    <a:cs typeface="Times New Roman" panose="02020603050405020304" pitchFamily="18" charset="0"/>
-                  </a:rPr>
-                  <a:t> denote observed disease presence/absence at locations </a:t>
-                </a:r>
-                <a14:m>
-                  <m:oMath xmlns:m="http://schemas.openxmlformats.org/officeDocument/2006/math">
-                    <m:r>
-                      <a:rPr lang="en-US" sz="3600" b="1" i="1" smtClean="0">
-                        <a:latin typeface="Cambria Math" panose="02040503050406030204" pitchFamily="18" charset="0"/>
-                      </a:rPr>
-                      <m:t>𝒔</m:t>
-                    </m:r>
-                  </m:oMath>
-                </a14:m>
-                <a:r>
-                  <a:rPr lang="en-US" sz="3600" dirty="0">
-                    <a:latin typeface="Times New Roman" panose="02020603050405020304" pitchFamily="18" charset="0"/>
-                    <a:cs typeface="Times New Roman" panose="02020603050405020304" pitchFamily="18" charset="0"/>
-                  </a:rPr>
-                  <a:t>. Let </a:t>
-                </a:r>
-                <a14:m>
-                  <m:oMath xmlns:m="http://schemas.openxmlformats.org/officeDocument/2006/math">
-                    <m:sSup>
-                      <m:sSupPr>
-                        <m:ctrlPr>
-                          <a:rPr lang="en-US" sz="3600" b="0" i="1" smtClean="0">
-                            <a:latin typeface="Cambria Math" panose="02040503050406030204" pitchFamily="18" charset="0"/>
-                          </a:rPr>
-                        </m:ctrlPr>
-                      </m:sSupPr>
-                      <m:e>
-                        <m:r>
-                          <a:rPr lang="en-US" sz="3600" b="1" i="1" smtClean="0">
-                            <a:latin typeface="Cambria Math" panose="02040503050406030204" pitchFamily="18" charset="0"/>
-                          </a:rPr>
-                          <m:t>𝒔</m:t>
-                        </m:r>
-                      </m:e>
-                      <m:sup>
-                        <m:r>
-                          <a:rPr lang="en-US" sz="3600" b="0" i="1" smtClean="0">
-                            <a:latin typeface="Cambria Math" panose="02040503050406030204" pitchFamily="18" charset="0"/>
-                          </a:rPr>
-                          <m:t>∗</m:t>
-                        </m:r>
-                      </m:sup>
-                    </m:sSup>
-                  </m:oMath>
-                </a14:m>
-                <a:r>
-                  <a:rPr lang="en-US" sz="3600" b="1" dirty="0">
-                    <a:latin typeface="Times New Roman" panose="02020603050405020304" pitchFamily="18" charset="0"/>
-                    <a:cs typeface="Times New Roman" panose="02020603050405020304" pitchFamily="18" charset="0"/>
-                  </a:rPr>
-                  <a:t> </a:t>
-                </a:r>
-                <a:r>
-                  <a:rPr lang="en-US" sz="3600" dirty="0">
-                    <a:latin typeface="Times New Roman" panose="02020603050405020304" pitchFamily="18" charset="0"/>
-                    <a:cs typeface="Times New Roman" panose="02020603050405020304" pitchFamily="18" charset="0"/>
-                  </a:rPr>
-                  <a:t>represent unobserved locations at which spatial predictions are desired. Then,</a:t>
-                </a:r>
-                <a:endParaRPr lang="en-US" sz="3600" b="1" dirty="0">
-                  <a:latin typeface="Times New Roman" panose="02020603050405020304" pitchFamily="18" charset="0"/>
-                  <a:cs typeface="Times New Roman" panose="02020603050405020304" pitchFamily="18" charset="0"/>
-                </a:endParaRPr>
-              </a:p>
-            </p:txBody>
-          </p:sp>
-        </mc:Choice>
-        <mc:Fallback xmlns="">
-          <p:sp>
-            <p:nvSpPr>
-              <p:cNvPr id="24" name="TextBox 23">
-                <a:extLst>
-                  <a:ext uri="{FF2B5EF4-FFF2-40B4-BE49-F238E27FC236}">
-                    <a16:creationId xmlns:a16="http://schemas.microsoft.com/office/drawing/2014/main" id="{B707F4C1-C3FA-FEAF-89E3-473065EAADF1}"/>
-                  </a:ext>
-                </a:extLst>
-              </p:cNvPr>
-              <p:cNvSpPr txBox="1">
-                <a:spLocks noRot="1" noChangeAspect="1" noMove="1" noResize="1" noEditPoints="1" noAdjustHandles="1" noChangeArrowheads="1" noChangeShapeType="1" noTextEdit="1"/>
-              </p:cNvSpPr>
-              <p:nvPr/>
-            </p:nvSpPr>
-            <p:spPr>
-              <a:xfrm>
-                <a:off x="11509031" y="23013943"/>
-                <a:ext cx="10396728" cy="2308324"/>
-              </a:xfrm>
-              <a:prstGeom prst="rect">
-                <a:avLst/>
-              </a:prstGeom>
-              <a:blipFill>
-                <a:blip r:embed="rId22"/>
-                <a:stretch>
-                  <a:fillRect l="-1818" t="-4222" b="-8707"/>
-                </a:stretch>
-              </a:blipFill>
-            </p:spPr>
-            <p:txBody>
-              <a:bodyPr/>
-              <a:lstStyle/>
-              <a:p>
-                <a:r>
-                  <a:rPr lang="en-US">
-                    <a:noFill/>
-                  </a:rPr>
-                  <a:t> </a:t>
-                </a:r>
-              </a:p>
-            </p:txBody>
-          </p:sp>
-        </mc:Fallback>
-      </mc:AlternateContent>
+      <p:sp>
+        <p:nvSpPr>
+          <p:cNvPr id="160" name="Rectangle 159">
+            <a:extLst>
+              <a:ext uri="{FF2B5EF4-FFF2-40B4-BE49-F238E27FC236}">
+                <a16:creationId xmlns:a16="http://schemas.microsoft.com/office/drawing/2014/main" id="{8B4509DB-7B80-428B-3CA3-E7427D4FCF80}"/>
+              </a:ext>
+            </a:extLst>
+          </p:cNvPr>
+          <p:cNvSpPr>
+            <a:spLocks noGrp="1" noRot="1" noMove="1" noResize="1" noEditPoints="1" noAdjustHandles="1" noChangeArrowheads="1" noChangeShapeType="1"/>
+          </p:cNvSpPr>
+          <p:nvPr/>
+        </p:nvSpPr>
+        <p:spPr>
+          <a:xfrm>
+            <a:off x="22199594" y="7989468"/>
+            <a:ext cx="9866376" cy="12343039"/>
+          </a:xfrm>
+          <a:prstGeom prst="rect">
+            <a:avLst/>
+          </a:prstGeom>
+          <a:solidFill>
+            <a:srgbClr val="002060"/>
+          </a:solidFill>
+          <a:ln>
+            <a:solidFill>
+              <a:srgbClr val="FFC000"/>
+            </a:solidFill>
+          </a:ln>
+        </p:spPr>
+        <p:style>
+          <a:lnRef idx="2">
+            <a:schemeClr val="accent1">
+              <a:shade val="50000"/>
+            </a:schemeClr>
+          </a:lnRef>
+          <a:fillRef idx="1">
+            <a:schemeClr val="accent1"/>
+          </a:fillRef>
+          <a:effectRef idx="0">
+            <a:schemeClr val="accent1"/>
+          </a:effectRef>
+          <a:fontRef idx="minor">
+            <a:schemeClr val="lt1"/>
+          </a:fontRef>
+        </p:style>
+        <p:txBody>
+          <a:bodyPr rtlCol="0" anchor="ctr"/>
+          <a:lstStyle/>
+          <a:p>
+            <a:pPr algn="ctr"/>
+            <a:endParaRPr lang="en-US"/>
+          </a:p>
+        </p:txBody>
+      </p:sp>
+      <p:grpSp>
+        <p:nvGrpSpPr>
+          <p:cNvPr id="177" name="Group 176">
+            <a:extLst>
+              <a:ext uri="{FF2B5EF4-FFF2-40B4-BE49-F238E27FC236}">
+                <a16:creationId xmlns:a16="http://schemas.microsoft.com/office/drawing/2014/main" id="{03180C64-5226-D172-5E45-E4A1ABC81FD4}"/>
+              </a:ext>
+            </a:extLst>
+          </p:cNvPr>
+          <p:cNvGrpSpPr/>
+          <p:nvPr/>
+        </p:nvGrpSpPr>
+        <p:grpSpPr>
+          <a:xfrm>
+            <a:off x="33223472" y="20919502"/>
+            <a:ext cx="9867355" cy="3455588"/>
+            <a:chOff x="32955007" y="12136372"/>
+            <a:chExt cx="9867355" cy="3455588"/>
+          </a:xfrm>
+        </p:grpSpPr>
+        <p:sp>
+          <p:nvSpPr>
+            <p:cNvPr id="173" name="Rectangle 172">
+              <a:extLst>
+                <a:ext uri="{FF2B5EF4-FFF2-40B4-BE49-F238E27FC236}">
+                  <a16:creationId xmlns:a16="http://schemas.microsoft.com/office/drawing/2014/main" id="{7704D3A8-D5A2-2A62-AC7B-A83B289B678B}"/>
+                </a:ext>
+              </a:extLst>
+            </p:cNvPr>
+            <p:cNvSpPr/>
+            <p:nvPr/>
+          </p:nvSpPr>
+          <p:spPr>
+            <a:xfrm>
+              <a:off x="32955007" y="12136372"/>
+              <a:ext cx="4672584" cy="3452882"/>
+            </a:xfrm>
+            <a:prstGeom prst="rect">
+              <a:avLst/>
+            </a:prstGeom>
+            <a:solidFill>
+              <a:srgbClr val="002060"/>
+            </a:solidFill>
+            <a:ln>
+              <a:solidFill>
+                <a:srgbClr val="FFC000"/>
+              </a:solidFill>
+            </a:ln>
+          </p:spPr>
+          <p:style>
+            <a:lnRef idx="2">
+              <a:schemeClr val="accent1">
+                <a:shade val="50000"/>
+              </a:schemeClr>
+            </a:lnRef>
+            <a:fillRef idx="1">
+              <a:schemeClr val="accent1"/>
+            </a:fillRef>
+            <a:effectRef idx="0">
+              <a:schemeClr val="accent1"/>
+            </a:effectRef>
+            <a:fontRef idx="minor">
+              <a:schemeClr val="lt1"/>
+            </a:fontRef>
+          </p:style>
+          <p:txBody>
+            <a:bodyPr rtlCol="0" anchor="ctr"/>
+            <a:lstStyle/>
+            <a:p>
+              <a:pPr algn="ctr"/>
+              <a:endParaRPr lang="en-US"/>
+            </a:p>
+          </p:txBody>
+        </p:sp>
+        <p:sp>
+          <p:nvSpPr>
+            <p:cNvPr id="174" name="Rectangle 173">
+              <a:extLst>
+                <a:ext uri="{FF2B5EF4-FFF2-40B4-BE49-F238E27FC236}">
+                  <a16:creationId xmlns:a16="http://schemas.microsoft.com/office/drawing/2014/main" id="{E3DFD83F-2609-1705-C91F-7DBC65973763}"/>
+                </a:ext>
+              </a:extLst>
+            </p:cNvPr>
+            <p:cNvSpPr/>
+            <p:nvPr/>
+          </p:nvSpPr>
+          <p:spPr>
+            <a:xfrm>
+              <a:off x="38149778" y="12138373"/>
+              <a:ext cx="4672584" cy="3453587"/>
+            </a:xfrm>
+            <a:prstGeom prst="rect">
+              <a:avLst/>
+            </a:prstGeom>
+            <a:solidFill>
+              <a:srgbClr val="002060"/>
+            </a:solidFill>
+            <a:ln>
+              <a:solidFill>
+                <a:srgbClr val="FFC000"/>
+              </a:solidFill>
+            </a:ln>
+          </p:spPr>
+          <p:style>
+            <a:lnRef idx="2">
+              <a:schemeClr val="accent1">
+                <a:shade val="50000"/>
+              </a:schemeClr>
+            </a:lnRef>
+            <a:fillRef idx="1">
+              <a:schemeClr val="accent1"/>
+            </a:fillRef>
+            <a:effectRef idx="0">
+              <a:schemeClr val="accent1"/>
+            </a:effectRef>
+            <a:fontRef idx="minor">
+              <a:schemeClr val="lt1"/>
+            </a:fontRef>
+          </p:style>
+          <p:txBody>
+            <a:bodyPr rtlCol="0" anchor="ctr"/>
+            <a:lstStyle/>
+            <a:p>
+              <a:pPr algn="ctr"/>
+              <a:endParaRPr lang="en-US"/>
+            </a:p>
+          </p:txBody>
+        </p:sp>
+      </p:grpSp>
       <p:pic>
         <p:nvPicPr>
-          <p:cNvPr id="26" name="Picture 25" descr="Text&#10;&#10;Description automatically generated">
+          <p:cNvPr id="97" name="Picture 96" descr="A picture containing text, grass, outdoor, sky&#10;&#10;Description automatically generated">
             <a:extLst>
               <a:ext uri="{FF2B5EF4-FFF2-40B4-BE49-F238E27FC236}">
-                <a16:creationId xmlns:a16="http://schemas.microsoft.com/office/drawing/2014/main" id="{7CCC8CC4-AE60-7FEC-CD60-B77DB96AA986}"/>
+                <a16:creationId xmlns:a16="http://schemas.microsoft.com/office/drawing/2014/main" id="{5E66AA34-4230-F755-5BE9-3030E09C962D}"/>
               </a:ext>
             </a:extLst>
           </p:cNvPr>
@@ -5837,7 +6665,7 @@
           <p:nvPr/>
         </p:nvPicPr>
         <p:blipFill>
-          <a:blip r:embed="rId23">
+          <a:blip r:embed="rId12" cstate="print">
             <a:extLst>
               <a:ext uri="{28A0092B-C50C-407E-A947-70E740481C1C}">
                 <a14:useLocalDpi xmlns:a14="http://schemas.microsoft.com/office/drawing/2010/main" val="0"/>
@@ -5850,62 +6678,20 @@
         </p:blipFill>
         <p:spPr>
           <a:xfrm>
-            <a:off x="13593342" y="25315821"/>
-            <a:ext cx="6228107" cy="2547070"/>
+            <a:off x="33525713" y="21204636"/>
+            <a:ext cx="4176938" cy="5569250"/>
           </a:xfrm>
           <a:prstGeom prst="rect">
             <a:avLst/>
           </a:prstGeom>
         </p:spPr>
       </p:pic>
-      <p:sp>
-        <p:nvSpPr>
-          <p:cNvPr id="27" name="TextBox 26">
+      <p:pic>
+        <p:nvPicPr>
+          <p:cNvPr id="98" name="Picture 97" descr="A picture containing tree, plant&#10;&#10;Description automatically generated">
             <a:extLst>
               <a:ext uri="{FF2B5EF4-FFF2-40B4-BE49-F238E27FC236}">
-                <a16:creationId xmlns:a16="http://schemas.microsoft.com/office/drawing/2014/main" id="{FA632865-F2E5-CEEF-23D6-2430CEE11F56}"/>
-              </a:ext>
-            </a:extLst>
-          </p:cNvPr>
-          <p:cNvSpPr txBox="1"/>
-          <p:nvPr/>
-        </p:nvSpPr>
-        <p:spPr>
-          <a:xfrm>
-            <a:off x="11509031" y="27827963"/>
-            <a:ext cx="10396728" cy="646331"/>
-          </a:xfrm>
-          <a:prstGeom prst="rect">
-            <a:avLst/>
-          </a:prstGeom>
-          <a:noFill/>
-        </p:spPr>
-        <p:txBody>
-          <a:bodyPr wrap="square" rtlCol="0">
-            <a:spAutoFit/>
-          </a:bodyPr>
-          <a:lstStyle/>
-          <a:p>
-            <a:r>
-              <a:rPr lang="en-US" sz="3600" dirty="0">
-                <a:latin typeface="Times New Roman" panose="02020603050405020304" pitchFamily="18" charset="0"/>
-                <a:cs typeface="Times New Roman" panose="02020603050405020304" pitchFamily="18" charset="0"/>
-              </a:rPr>
-              <a:t>where,</a:t>
-            </a:r>
-            <a:endParaRPr lang="en-US" sz="3600" b="1" dirty="0">
-              <a:latin typeface="Times New Roman" panose="02020603050405020304" pitchFamily="18" charset="0"/>
-              <a:cs typeface="Times New Roman" panose="02020603050405020304" pitchFamily="18" charset="0"/>
-            </a:endParaRPr>
-          </a:p>
-        </p:txBody>
-      </p:sp>
-      <p:pic>
-        <p:nvPicPr>
-          <p:cNvPr id="29" name="Picture 28" descr="Diagram&#10;&#10;Description automatically generated">
-            <a:extLst>
-              <a:ext uri="{FF2B5EF4-FFF2-40B4-BE49-F238E27FC236}">
-                <a16:creationId xmlns:a16="http://schemas.microsoft.com/office/drawing/2014/main" id="{A3C31435-A0D7-6311-3028-9482BCC97B77}"/>
+                <a16:creationId xmlns:a16="http://schemas.microsoft.com/office/drawing/2014/main" id="{AA0E54C5-39BA-74EB-CCC7-8C50A8ADB796}"/>
               </a:ext>
             </a:extLst>
           </p:cNvPr>
@@ -5915,7 +6701,97 @@
           <p:nvPr/>
         </p:nvPicPr>
         <p:blipFill>
-          <a:blip r:embed="rId24">
+          <a:blip r:embed="rId13" cstate="print">
+            <a:extLst>
+              <a:ext uri="{28A0092B-C50C-407E-A947-70E740481C1C}">
+                <a14:useLocalDpi xmlns:a14="http://schemas.microsoft.com/office/drawing/2010/main" val="0"/>
+              </a:ext>
+            </a:extLst>
+          </a:blip>
+          <a:stretch>
+            <a:fillRect/>
+          </a:stretch>
+        </p:blipFill>
+        <p:spPr>
+          <a:xfrm rot="5400000">
+            <a:off x="51309378" y="15533375"/>
+            <a:ext cx="6596347" cy="4947260"/>
+          </a:xfrm>
+          <a:prstGeom prst="rect">
+            <a:avLst/>
+          </a:prstGeom>
+        </p:spPr>
+      </p:pic>
+      <p:sp>
+        <p:nvSpPr>
+          <p:cNvPr id="183" name="Rectangle 182">
+            <a:extLst>
+              <a:ext uri="{FF2B5EF4-FFF2-40B4-BE49-F238E27FC236}">
+                <a16:creationId xmlns:a16="http://schemas.microsoft.com/office/drawing/2014/main" id="{6AAD2182-80A6-7FBA-D1AF-3F7C53BD6845}"/>
+              </a:ext>
+            </a:extLst>
+          </p:cNvPr>
+          <p:cNvSpPr/>
+          <p:nvPr/>
+        </p:nvSpPr>
+        <p:spPr>
+          <a:xfrm>
+            <a:off x="33525713" y="7989468"/>
+            <a:ext cx="9262872" cy="7375776"/>
+          </a:xfrm>
+          <a:prstGeom prst="rect">
+            <a:avLst/>
+          </a:prstGeom>
+          <a:solidFill>
+            <a:srgbClr val="002060"/>
+          </a:solidFill>
+          <a:ln>
+            <a:solidFill>
+              <a:srgbClr val="FFC000"/>
+            </a:solidFill>
+          </a:ln>
+        </p:spPr>
+        <p:style>
+          <a:lnRef idx="2">
+            <a:schemeClr val="accent1">
+              <a:shade val="50000"/>
+            </a:schemeClr>
+          </a:lnRef>
+          <a:fillRef idx="1">
+            <a:schemeClr val="accent1"/>
+          </a:fillRef>
+          <a:effectRef idx="0">
+            <a:schemeClr val="accent1"/>
+          </a:effectRef>
+          <a:fontRef idx="minor">
+            <a:schemeClr val="lt1"/>
+          </a:fontRef>
+        </p:style>
+        <p:txBody>
+          <a:bodyPr rtlCol="0" anchor="ctr"/>
+          <a:lstStyle/>
+          <a:p>
+            <a:pPr algn="ctr"/>
+            <a:endParaRPr lang="en-US"/>
+          </a:p>
+        </p:txBody>
+      </p:sp>
+      <p:pic>
+        <p:nvPicPr>
+          <p:cNvPr id="191" name="Picture 190">
+            <a:extLst>
+              <a:ext uri="{FF2B5EF4-FFF2-40B4-BE49-F238E27FC236}">
+                <a16:creationId xmlns:a16="http://schemas.microsoft.com/office/drawing/2014/main" id="{2F6D85A8-ABE0-2273-E7A8-4830C86DF6C1}"/>
+              </a:ext>
+            </a:extLst>
+          </p:cNvPr>
+          <p:cNvPicPr>
+            <a:picLocks noGrp="1" noRot="1" noChangeAspect="1" noMove="1" noResize="1" noEditPoints="1" noAdjustHandles="1" noChangeArrowheads="1" noChangeShapeType="1" noCrop="1"/>
+          </p:cNvPicPr>
+          <p:nvPr/>
+        </p:nvPicPr>
+        <p:blipFill>
+          <a:blip r:embed="rId14" cstate="print">
             <a:extLst>
               <a:ext uri="{28A0092B-C50C-407E-A947-70E740481C1C}">
                 <a14:useLocalDpi xmlns:a14="http://schemas.microsoft.com/office/drawing/2010/main" val="0"/>
@@ -5928,238 +6804,396 @@
         </p:blipFill>
         <p:spPr>
           <a:xfrm>
-            <a:off x="12124164" y="28499605"/>
-            <a:ext cx="9166462" cy="3914472"/>
+            <a:off x="22517749" y="14304799"/>
+            <a:ext cx="7790536" cy="5705856"/>
           </a:xfrm>
           <a:prstGeom prst="rect">
             <a:avLst/>
           </a:prstGeom>
         </p:spPr>
       </p:pic>
-      <mc:AlternateContent xmlns:mc="http://schemas.openxmlformats.org/markup-compatibility/2006" xmlns:a14="http://schemas.microsoft.com/office/drawing/2010/main">
-        <mc:Choice Requires="a14">
-          <p:sp>
-            <p:nvSpPr>
-              <p:cNvPr id="38" name="TextBox 37">
-                <a:extLst>
-                  <a:ext uri="{FF2B5EF4-FFF2-40B4-BE49-F238E27FC236}">
-                    <a16:creationId xmlns:a16="http://schemas.microsoft.com/office/drawing/2014/main" id="{8173FF0F-2299-EB5C-E438-C73223391E0F}"/>
-                  </a:ext>
-                </a:extLst>
-              </p:cNvPr>
-              <p:cNvSpPr txBox="1"/>
-              <p:nvPr/>
-            </p:nvSpPr>
-            <p:spPr>
-              <a:xfrm>
-                <a:off x="21936438" y="23013943"/>
-                <a:ext cx="10396728" cy="1200329"/>
-              </a:xfrm>
-              <a:prstGeom prst="rect">
-                <a:avLst/>
-              </a:prstGeom>
-              <a:noFill/>
-            </p:spPr>
-            <p:txBody>
-              <a:bodyPr wrap="square" rtlCol="0">
-                <a:spAutoFit/>
-              </a:bodyPr>
-              <a:lstStyle/>
-              <a:p>
-                <a:r>
-                  <a:rPr lang="en-US" sz="3600" dirty="0">
-                    <a:latin typeface="Times New Roman" panose="02020603050405020304" pitchFamily="18" charset="0"/>
-                    <a:cs typeface="Times New Roman" panose="02020603050405020304" pitchFamily="18" charset="0"/>
-                  </a:rPr>
-                  <a:t>Let </a:t>
-                </a:r>
-                <a14:m>
-                  <m:oMath xmlns:m="http://schemas.openxmlformats.org/officeDocument/2006/math">
-                    <m:r>
-                      <a:rPr lang="en-US" sz="3600" b="0" i="1" smtClean="0">
-                        <a:latin typeface="Cambria Math" panose="02040503050406030204" pitchFamily="18" charset="0"/>
-                      </a:rPr>
-                      <m:t>{</m:t>
-                    </m:r>
-                    <m:sSub>
-                      <m:sSubPr>
-                        <m:ctrlPr>
-                          <a:rPr lang="en-US" sz="3600" b="0" i="1" smtClean="0">
-                            <a:latin typeface="Cambria Math" panose="02040503050406030204" pitchFamily="18" charset="0"/>
-                          </a:rPr>
-                        </m:ctrlPr>
-                      </m:sSubPr>
-                      <m:e>
-                        <m:r>
-                          <a:rPr lang="en-US" sz="3600" b="0" i="1" smtClean="0">
-                            <a:latin typeface="Cambria Math" panose="02040503050406030204" pitchFamily="18" charset="0"/>
-                          </a:rPr>
-                          <m:t>𝑐</m:t>
-                        </m:r>
-                      </m:e>
-                      <m:sub>
-                        <m:r>
-                          <a:rPr lang="en-US" sz="3600" b="0" i="1" smtClean="0">
-                            <a:latin typeface="Cambria Math" panose="02040503050406030204" pitchFamily="18" charset="0"/>
-                          </a:rPr>
-                          <m:t>1</m:t>
-                        </m:r>
-                      </m:sub>
-                    </m:sSub>
-                    <m:r>
-                      <a:rPr lang="en-US" sz="3600" b="0" i="1" smtClean="0">
-                        <a:latin typeface="Cambria Math" panose="02040503050406030204" pitchFamily="18" charset="0"/>
-                      </a:rPr>
-                      <m:t>, …, </m:t>
-                    </m:r>
-                    <m:sSub>
-                      <m:sSubPr>
-                        <m:ctrlPr>
-                          <a:rPr lang="en-US" sz="3600" b="0" i="1" smtClean="0">
-                            <a:latin typeface="Cambria Math" panose="02040503050406030204" pitchFamily="18" charset="0"/>
-                          </a:rPr>
-                        </m:ctrlPr>
-                      </m:sSubPr>
-                      <m:e>
-                        <m:r>
-                          <a:rPr lang="en-US" sz="3600" b="0" i="1" smtClean="0">
-                            <a:latin typeface="Cambria Math" panose="02040503050406030204" pitchFamily="18" charset="0"/>
-                          </a:rPr>
-                          <m:t>𝑐</m:t>
-                        </m:r>
-                      </m:e>
-                      <m:sub>
-                        <m:r>
-                          <a:rPr lang="en-US" sz="3600" b="0" i="1" smtClean="0">
-                            <a:latin typeface="Cambria Math" panose="02040503050406030204" pitchFamily="18" charset="0"/>
-                          </a:rPr>
-                          <m:t>𝑛</m:t>
-                        </m:r>
-                      </m:sub>
-                    </m:sSub>
-                    <m:r>
-                      <a:rPr lang="en-US" sz="3600" b="0" i="1" smtClean="0">
-                        <a:latin typeface="Cambria Math" panose="02040503050406030204" pitchFamily="18" charset="0"/>
-                      </a:rPr>
-                      <m:t>}</m:t>
-                    </m:r>
-                  </m:oMath>
-                </a14:m>
-                <a:r>
-                  <a:rPr lang="en-US" sz="3600" dirty="0">
-                    <a:latin typeface="Times New Roman" panose="02020603050405020304" pitchFamily="18" charset="0"/>
-                    <a:cs typeface="Times New Roman" panose="02020603050405020304" pitchFamily="18" charset="0"/>
-                  </a:rPr>
-                  <a:t> denote observed activity at locations </a:t>
-                </a:r>
-                <a14:m>
-                  <m:oMath xmlns:m="http://schemas.openxmlformats.org/officeDocument/2006/math">
-                    <m:sSup>
-                      <m:sSupPr>
-                        <m:ctrlPr>
-                          <a:rPr lang="en-US" sz="3600" b="0" i="1" smtClean="0">
-                            <a:latin typeface="Cambria Math" panose="02040503050406030204" pitchFamily="18" charset="0"/>
-                          </a:rPr>
-                        </m:ctrlPr>
-                      </m:sSupPr>
-                      <m:e>
-                        <m:r>
-                          <a:rPr lang="en-US" sz="3600" b="1" i="1" smtClean="0">
-                            <a:latin typeface="Cambria Math" panose="02040503050406030204" pitchFamily="18" charset="0"/>
-                          </a:rPr>
-                          <m:t>𝒔</m:t>
-                        </m:r>
-                      </m:e>
-                      <m:sup>
-                        <m:r>
-                          <a:rPr lang="en-US" sz="3600" b="0" i="1" smtClean="0">
-                            <a:latin typeface="Cambria Math" panose="02040503050406030204" pitchFamily="18" charset="0"/>
-                          </a:rPr>
-                          <m:t>∗</m:t>
-                        </m:r>
-                      </m:sup>
-                    </m:sSup>
-                  </m:oMath>
-                </a14:m>
-                <a:r>
-                  <a:rPr lang="en-US" sz="3600" dirty="0">
-                    <a:latin typeface="Times New Roman" panose="02020603050405020304" pitchFamily="18" charset="0"/>
-                    <a:cs typeface="Times New Roman" panose="02020603050405020304" pitchFamily="18" charset="0"/>
-                  </a:rPr>
-                  <a:t>. Then,</a:t>
-                </a:r>
-                <a:r>
-                  <a:rPr lang="en-US" sz="3600" b="1" dirty="0">
-                    <a:latin typeface="Times New Roman" panose="02020603050405020304" pitchFamily="18" charset="0"/>
-                    <a:cs typeface="Times New Roman" panose="02020603050405020304" pitchFamily="18" charset="0"/>
-                  </a:rPr>
-                  <a:t> </a:t>
-                </a:r>
-              </a:p>
-            </p:txBody>
-          </p:sp>
-        </mc:Choice>
-        <mc:Fallback xmlns="">
-          <p:sp>
-            <p:nvSpPr>
-              <p:cNvPr id="38" name="TextBox 37">
-                <a:extLst>
-                  <a:ext uri="{FF2B5EF4-FFF2-40B4-BE49-F238E27FC236}">
-                    <a16:creationId xmlns:a16="http://schemas.microsoft.com/office/drawing/2014/main" id="{8173FF0F-2299-EB5C-E438-C73223391E0F}"/>
-                  </a:ext>
-                </a:extLst>
-              </p:cNvPr>
-              <p:cNvSpPr txBox="1">
-                <a:spLocks noRot="1" noChangeAspect="1" noMove="1" noResize="1" noEditPoints="1" noAdjustHandles="1" noChangeArrowheads="1" noChangeShapeType="1" noTextEdit="1"/>
-              </p:cNvSpPr>
-              <p:nvPr/>
-            </p:nvSpPr>
-            <p:spPr>
-              <a:xfrm>
-                <a:off x="21936438" y="23013943"/>
-                <a:ext cx="10396728" cy="1200329"/>
-              </a:xfrm>
-              <a:prstGeom prst="rect">
-                <a:avLst/>
-              </a:prstGeom>
-              <a:blipFill>
-                <a:blip r:embed="rId25"/>
-                <a:stretch>
-                  <a:fillRect l="-1758" t="-8122" r="-1934" b="-17766"/>
-                </a:stretch>
-              </a:blipFill>
-            </p:spPr>
-            <p:txBody>
-              <a:bodyPr/>
-              <a:lstStyle/>
-              <a:p>
-                <a:r>
-                  <a:rPr lang="en-US">
-                    <a:noFill/>
-                  </a:rPr>
-                  <a:t> </a:t>
-                </a:r>
-              </a:p>
-            </p:txBody>
-          </p:sp>
-        </mc:Fallback>
-      </mc:AlternateContent>
+      <p:grpSp>
+        <p:nvGrpSpPr>
+          <p:cNvPr id="200" name="Group 199">
+            <a:extLst>
+              <a:ext uri="{FF2B5EF4-FFF2-40B4-BE49-F238E27FC236}">
+                <a16:creationId xmlns:a16="http://schemas.microsoft.com/office/drawing/2014/main" id="{5D5CC24A-AE9D-7776-0CC0-45E84BF0BB32}"/>
+              </a:ext>
+            </a:extLst>
+          </p:cNvPr>
+          <p:cNvGrpSpPr>
+            <a:grpSpLocks noGrp="1" noUngrp="1" noRot="1" noMove="1" noResize="1"/>
+          </p:cNvGrpSpPr>
+          <p:nvPr/>
+        </p:nvGrpSpPr>
+        <p:grpSpPr>
+          <a:xfrm>
+            <a:off x="11951540" y="8304553"/>
+            <a:ext cx="9701665" cy="11708745"/>
+            <a:chOff x="11951540" y="8304553"/>
+            <a:chExt cx="9701665" cy="11708745"/>
+          </a:xfrm>
+        </p:grpSpPr>
+        <p:pic>
+          <p:nvPicPr>
+            <p:cNvPr id="185" name="Picture 184">
+              <a:extLst>
+                <a:ext uri="{FF2B5EF4-FFF2-40B4-BE49-F238E27FC236}">
+                  <a16:creationId xmlns:a16="http://schemas.microsoft.com/office/drawing/2014/main" id="{204EB2A7-DF60-9437-39EC-251B74A14CD5}"/>
+                </a:ext>
+              </a:extLst>
+            </p:cNvPr>
+            <p:cNvPicPr>
+              <a:picLocks noGrp="1" noRot="1" noChangeAspect="1" noMove="1" noResize="1" noEditPoints="1" noAdjustHandles="1" noChangeArrowheads="1" noChangeShapeType="1" noCrop="1"/>
+            </p:cNvPicPr>
+            <p:nvPr/>
+          </p:nvPicPr>
+          <p:blipFill>
+            <a:blip r:embed="rId15" cstate="print">
+              <a:extLst>
+                <a:ext uri="{28A0092B-C50C-407E-A947-70E740481C1C}">
+                  <a14:useLocalDpi xmlns:a14="http://schemas.microsoft.com/office/drawing/2010/main" val="0"/>
+                </a:ext>
+              </a:extLst>
+            </a:blip>
+            <a:stretch>
+              <a:fillRect/>
+            </a:stretch>
+          </p:blipFill>
+          <p:spPr>
+            <a:xfrm>
+              <a:off x="11951540" y="8304553"/>
+              <a:ext cx="8004988" cy="5705856"/>
+            </a:xfrm>
+            <a:prstGeom prst="rect">
+              <a:avLst/>
+            </a:prstGeom>
+          </p:spPr>
+        </p:pic>
+        <p:pic>
+          <p:nvPicPr>
+            <p:cNvPr id="187" name="Picture 186">
+              <a:extLst>
+                <a:ext uri="{FF2B5EF4-FFF2-40B4-BE49-F238E27FC236}">
+                  <a16:creationId xmlns:a16="http://schemas.microsoft.com/office/drawing/2014/main" id="{4C5DA973-CB51-A390-3A4A-45F8F0CCE6EA}"/>
+                </a:ext>
+              </a:extLst>
+            </p:cNvPr>
+            <p:cNvPicPr>
+              <a:picLocks noGrp="1" noRot="1" noChangeAspect="1" noMove="1" noResize="1" noEditPoints="1" noAdjustHandles="1" noChangeArrowheads="1" noChangeShapeType="1" noCrop="1"/>
+            </p:cNvPicPr>
+            <p:nvPr/>
+          </p:nvPicPr>
+          <p:blipFill>
+            <a:blip r:embed="rId16" cstate="print">
+              <a:extLst>
+                <a:ext uri="{28A0092B-C50C-407E-A947-70E740481C1C}">
+                  <a14:useLocalDpi xmlns:a14="http://schemas.microsoft.com/office/drawing/2010/main" val="0"/>
+                </a:ext>
+              </a:extLst>
+            </a:blip>
+            <a:stretch>
+              <a:fillRect/>
+            </a:stretch>
+          </p:blipFill>
+          <p:spPr>
+            <a:xfrm>
+              <a:off x="11951540" y="14307442"/>
+              <a:ext cx="8004988" cy="5705856"/>
+            </a:xfrm>
+            <a:prstGeom prst="rect">
+              <a:avLst/>
+            </a:prstGeom>
+          </p:spPr>
+        </p:pic>
+        <p:sp>
+          <p:nvSpPr>
+            <p:cNvPr id="156" name="TextBox 155">
+              <a:extLst>
+                <a:ext uri="{FF2B5EF4-FFF2-40B4-BE49-F238E27FC236}">
+                  <a16:creationId xmlns:a16="http://schemas.microsoft.com/office/drawing/2014/main" id="{94CE7010-2EBE-6E67-FF3D-3AD0E53F349E}"/>
+                </a:ext>
+              </a:extLst>
+            </p:cNvPr>
+            <p:cNvSpPr txBox="1">
+              <a:spLocks noGrp="1" noRot="1" noMove="1" noResize="1" noEditPoints="1" noAdjustHandles="1" noChangeArrowheads="1" noChangeShapeType="1"/>
+            </p:cNvSpPr>
+            <p:nvPr/>
+          </p:nvSpPr>
+          <p:spPr>
+            <a:xfrm>
+              <a:off x="19954889" y="8777046"/>
+              <a:ext cx="1698316" cy="4154984"/>
+            </a:xfrm>
+            <a:prstGeom prst="rect">
+              <a:avLst/>
+            </a:prstGeom>
+            <a:noFill/>
+          </p:spPr>
+          <p:txBody>
+            <a:bodyPr wrap="square" rtlCol="0" anchor="ctr">
+              <a:spAutoFit/>
+            </a:bodyPr>
+            <a:lstStyle/>
+            <a:p>
+              <a:r>
+                <a:rPr lang="en-US" sz="2200" i="1" dirty="0">
+                  <a:solidFill>
+                    <a:schemeClr val="bg1"/>
+                  </a:solidFill>
+                </a:rPr>
+                <a:t>Figure </a:t>
+              </a:r>
+              <a:r>
+                <a:rPr lang="en-US" sz="2200" i="1" dirty="0" err="1">
+                  <a:solidFill>
+                    <a:schemeClr val="bg1"/>
+                  </a:solidFill>
+                </a:rPr>
+                <a:t>xa</a:t>
+              </a:r>
+              <a:r>
+                <a:rPr lang="en-US" sz="2200" dirty="0">
+                  <a:solidFill>
+                    <a:schemeClr val="bg1"/>
+                  </a:solidFill>
+                </a:rPr>
+                <a:t>: Pd surveillance data in Montana from 2020. Blue squares denote presence of Pd, red squares denote absence.</a:t>
+              </a:r>
+              <a:endParaRPr lang="en-US" sz="2200" i="1" dirty="0">
+                <a:solidFill>
+                  <a:schemeClr val="bg1"/>
+                </a:solidFill>
+              </a:endParaRPr>
+            </a:p>
+          </p:txBody>
+        </p:sp>
+        <p:sp>
+          <p:nvSpPr>
+            <p:cNvPr id="197" name="TextBox 196">
+              <a:extLst>
+                <a:ext uri="{FF2B5EF4-FFF2-40B4-BE49-F238E27FC236}">
+                  <a16:creationId xmlns:a16="http://schemas.microsoft.com/office/drawing/2014/main" id="{1A9B42B8-58B4-8475-2664-58A2A66E78F1}"/>
+                </a:ext>
+              </a:extLst>
+            </p:cNvPr>
+            <p:cNvSpPr txBox="1">
+              <a:spLocks noGrp="1" noRot="1" noMove="1" noResize="1" noEditPoints="1" noAdjustHandles="1" noChangeArrowheads="1" noChangeShapeType="1"/>
+            </p:cNvSpPr>
+            <p:nvPr/>
+          </p:nvSpPr>
+          <p:spPr>
+            <a:xfrm>
+              <a:off x="19946420" y="14791288"/>
+              <a:ext cx="1698316" cy="4154984"/>
+            </a:xfrm>
+            <a:prstGeom prst="rect">
+              <a:avLst/>
+            </a:prstGeom>
+            <a:noFill/>
+          </p:spPr>
+          <p:txBody>
+            <a:bodyPr wrap="square" rtlCol="0" anchor="ctr">
+              <a:spAutoFit/>
+            </a:bodyPr>
+            <a:lstStyle/>
+            <a:p>
+              <a:r>
+                <a:rPr lang="en-US" sz="2200" i="1" dirty="0">
+                  <a:solidFill>
+                    <a:schemeClr val="bg1"/>
+                  </a:solidFill>
+                </a:rPr>
+                <a:t>Figure </a:t>
+              </a:r>
+              <a:r>
+                <a:rPr lang="en-US" sz="2200" i="1" dirty="0" err="1">
+                  <a:solidFill>
+                    <a:schemeClr val="bg1"/>
+                  </a:solidFill>
+                </a:rPr>
+                <a:t>xa</a:t>
+              </a:r>
+              <a:r>
+                <a:rPr lang="en-US" sz="2200" dirty="0">
+                  <a:solidFill>
+                    <a:schemeClr val="bg1"/>
+                  </a:solidFill>
+                </a:rPr>
+                <a:t>: Pd surveillance data in Montana from 2021. Blue squares denote presence of Pd, red squares denote absence.</a:t>
+              </a:r>
+              <a:endParaRPr lang="en-US" sz="2200" i="1" dirty="0">
+                <a:solidFill>
+                  <a:schemeClr val="bg1"/>
+                </a:solidFill>
+              </a:endParaRPr>
+            </a:p>
+          </p:txBody>
+        </p:sp>
+      </p:grpSp>
+      <p:grpSp>
+        <p:nvGrpSpPr>
+          <p:cNvPr id="206" name="Group 205">
+            <a:extLst>
+              <a:ext uri="{FF2B5EF4-FFF2-40B4-BE49-F238E27FC236}">
+                <a16:creationId xmlns:a16="http://schemas.microsoft.com/office/drawing/2014/main" id="{1BAB3901-8592-488B-C16F-C98E83762E30}"/>
+              </a:ext>
+            </a:extLst>
+          </p:cNvPr>
+          <p:cNvGrpSpPr>
+            <a:grpSpLocks noGrp="1" noUngrp="1" noRot="1" noMove="1" noResize="1"/>
+          </p:cNvGrpSpPr>
+          <p:nvPr/>
+        </p:nvGrpSpPr>
+        <p:grpSpPr>
+          <a:xfrm>
+            <a:off x="30405403" y="9620195"/>
+            <a:ext cx="1706785" cy="8476455"/>
+            <a:chOff x="30405403" y="9620195"/>
+            <a:chExt cx="1706785" cy="8476455"/>
+          </a:xfrm>
+        </p:grpSpPr>
+        <p:sp>
+          <p:nvSpPr>
+            <p:cNvPr id="204" name="TextBox 203">
+              <a:extLst>
+                <a:ext uri="{FF2B5EF4-FFF2-40B4-BE49-F238E27FC236}">
+                  <a16:creationId xmlns:a16="http://schemas.microsoft.com/office/drawing/2014/main" id="{7C22E176-EAAB-44FF-C365-4423722FE7FC}"/>
+                </a:ext>
+              </a:extLst>
+            </p:cNvPr>
+            <p:cNvSpPr txBox="1">
+              <a:spLocks noGrp="1" noRot="1" noMove="1" noResize="1" noEditPoints="1" noAdjustHandles="1" noChangeArrowheads="1" noChangeShapeType="1"/>
+            </p:cNvSpPr>
+            <p:nvPr/>
+          </p:nvSpPr>
+          <p:spPr>
+            <a:xfrm>
+              <a:off x="30413872" y="9620195"/>
+              <a:ext cx="1698316" cy="2462213"/>
+            </a:xfrm>
+            <a:prstGeom prst="rect">
+              <a:avLst/>
+            </a:prstGeom>
+            <a:noFill/>
+          </p:spPr>
+          <p:txBody>
+            <a:bodyPr wrap="square" rtlCol="0" anchor="ctr">
+              <a:spAutoFit/>
+            </a:bodyPr>
+            <a:lstStyle/>
+            <a:p>
+              <a:r>
+                <a:rPr lang="en-US" sz="2200" i="1" dirty="0">
+                  <a:solidFill>
+                    <a:schemeClr val="bg1"/>
+                  </a:solidFill>
+                </a:rPr>
+                <a:t>Figure </a:t>
+              </a:r>
+              <a:r>
+                <a:rPr lang="en-US" sz="2200" i="1" dirty="0" err="1">
+                  <a:solidFill>
+                    <a:schemeClr val="bg1"/>
+                  </a:solidFill>
+                </a:rPr>
+                <a:t>xa</a:t>
+              </a:r>
+              <a:r>
+                <a:rPr lang="en-US" sz="2200" dirty="0">
+                  <a:solidFill>
+                    <a:schemeClr val="bg1"/>
+                  </a:solidFill>
+                </a:rPr>
+                <a:t>: Log count of annual detections at survey locations in 2020.</a:t>
+              </a:r>
+              <a:endParaRPr lang="en-US" sz="2200" i="1" dirty="0">
+                <a:solidFill>
+                  <a:schemeClr val="bg1"/>
+                </a:solidFill>
+              </a:endParaRPr>
+            </a:p>
+          </p:txBody>
+        </p:sp>
+        <p:sp>
+          <p:nvSpPr>
+            <p:cNvPr id="205" name="TextBox 204">
+              <a:extLst>
+                <a:ext uri="{FF2B5EF4-FFF2-40B4-BE49-F238E27FC236}">
+                  <a16:creationId xmlns:a16="http://schemas.microsoft.com/office/drawing/2014/main" id="{AAEC2F86-519F-B413-CFC3-260EAE14CC1D}"/>
+                </a:ext>
+              </a:extLst>
+            </p:cNvPr>
+            <p:cNvSpPr txBox="1">
+              <a:spLocks noGrp="1" noRot="1" noMove="1" noResize="1" noEditPoints="1" noAdjustHandles="1" noChangeArrowheads="1" noChangeShapeType="1"/>
+            </p:cNvSpPr>
+            <p:nvPr/>
+          </p:nvSpPr>
+          <p:spPr>
+            <a:xfrm>
+              <a:off x="30405403" y="15634437"/>
+              <a:ext cx="1698316" cy="2462213"/>
+            </a:xfrm>
+            <a:prstGeom prst="rect">
+              <a:avLst/>
+            </a:prstGeom>
+            <a:noFill/>
+          </p:spPr>
+          <p:txBody>
+            <a:bodyPr wrap="square" rtlCol="0" anchor="ctr">
+              <a:spAutoFit/>
+            </a:bodyPr>
+            <a:lstStyle/>
+            <a:p>
+              <a:r>
+                <a:rPr lang="en-US" sz="2200" i="1" dirty="0">
+                  <a:solidFill>
+                    <a:schemeClr val="bg1"/>
+                  </a:solidFill>
+                </a:rPr>
+                <a:t>Figure </a:t>
+              </a:r>
+              <a:r>
+                <a:rPr lang="en-US" sz="2200" i="1" dirty="0" err="1">
+                  <a:solidFill>
+                    <a:schemeClr val="bg1"/>
+                  </a:solidFill>
+                </a:rPr>
+                <a:t>xa</a:t>
+              </a:r>
+              <a:r>
+                <a:rPr lang="en-US" sz="2200" dirty="0">
+                  <a:solidFill>
+                    <a:schemeClr val="bg1"/>
+                  </a:solidFill>
+                </a:rPr>
+                <a:t>: Log count of annual detections at survey locations in 2020.</a:t>
+              </a:r>
+              <a:endParaRPr lang="en-US" sz="2200" i="1" dirty="0">
+                <a:solidFill>
+                  <a:schemeClr val="bg1"/>
+                </a:solidFill>
+              </a:endParaRPr>
+            </a:p>
+          </p:txBody>
+        </p:sp>
+      </p:grpSp>
       <p:pic>
         <p:nvPicPr>
-          <p:cNvPr id="41" name="Picture 40" descr="Icon&#10;&#10;Description automatically generated with low confidence">
+          <p:cNvPr id="189" name="Picture 188">
             <a:extLst>
               <a:ext uri="{FF2B5EF4-FFF2-40B4-BE49-F238E27FC236}">
-                <a16:creationId xmlns:a16="http://schemas.microsoft.com/office/drawing/2014/main" id="{F7C238B4-7CB3-92F2-6B22-BC82D9DC4020}"/>
+                <a16:creationId xmlns:a16="http://schemas.microsoft.com/office/drawing/2014/main" id="{A22207B6-B502-F79D-80CD-EEFAFADE545F}"/>
               </a:ext>
             </a:extLst>
           </p:cNvPr>
           <p:cNvPicPr>
-            <a:picLocks noChangeAspect="1"/>
+            <a:picLocks noGrp="1" noRot="1" noChangeAspect="1" noMove="1" noResize="1" noEditPoints="1" noAdjustHandles="1" noChangeArrowheads="1" noChangeShapeType="1" noCrop="1"/>
           </p:cNvPicPr>
           <p:nvPr/>
         </p:nvPicPr>
         <p:blipFill>
-          <a:blip r:embed="rId26">
+          <a:blip r:embed="rId17" cstate="print">
             <a:extLst>
               <a:ext uri="{28A0092B-C50C-407E-A947-70E740481C1C}">
                 <a14:useLocalDpi xmlns:a14="http://schemas.microsoft.com/office/drawing/2010/main" val="0"/>
@@ -6172,20 +7206,836 @@
         </p:blipFill>
         <p:spPr>
           <a:xfrm>
-            <a:off x="25167030" y="27346420"/>
-            <a:ext cx="3935545" cy="580394"/>
+            <a:off x="22517749" y="8306548"/>
+            <a:ext cx="7790536" cy="5705856"/>
           </a:xfrm>
           <a:prstGeom prst="rect">
             <a:avLst/>
           </a:prstGeom>
         </p:spPr>
       </p:pic>
+      <p:grpSp>
+        <p:nvGrpSpPr>
+          <p:cNvPr id="208" name="Group 207">
+            <a:extLst>
+              <a:ext uri="{FF2B5EF4-FFF2-40B4-BE49-F238E27FC236}">
+                <a16:creationId xmlns:a16="http://schemas.microsoft.com/office/drawing/2014/main" id="{BDDBA660-C09A-BF92-1340-AE4071CB55CE}"/>
+              </a:ext>
+            </a:extLst>
+          </p:cNvPr>
+          <p:cNvGrpSpPr>
+            <a:grpSpLocks noGrp="1" noUngrp="1" noRot="1" noMove="1" noResize="1"/>
+          </p:cNvGrpSpPr>
+          <p:nvPr/>
+        </p:nvGrpSpPr>
+        <p:grpSpPr>
+          <a:xfrm>
+            <a:off x="11510645" y="22942151"/>
+            <a:ext cx="20836255" cy="9400134"/>
+            <a:chOff x="11510645" y="22942151"/>
+            <a:chExt cx="20836255" cy="9400134"/>
+          </a:xfrm>
+        </p:grpSpPr>
+        <mc:AlternateContent xmlns:mc="http://schemas.openxmlformats.org/markup-compatibility/2006" xmlns:a14="http://schemas.microsoft.com/office/drawing/2010/main">
+          <mc:Choice Requires="a14">
+            <p:sp>
+              <p:nvSpPr>
+                <p:cNvPr id="24" name="TextBox 23">
+                  <a:extLst>
+                    <a:ext uri="{FF2B5EF4-FFF2-40B4-BE49-F238E27FC236}">
+                      <a16:creationId xmlns:a16="http://schemas.microsoft.com/office/drawing/2014/main" id="{B707F4C1-C3FA-FEAF-89E3-473065EAADF1}"/>
+                    </a:ext>
+                  </a:extLst>
+                </p:cNvPr>
+                <p:cNvSpPr txBox="1">
+                  <a:spLocks noGrp="1" noRot="1" noMove="1" noResize="1" noEditPoints="1" noAdjustHandles="1" noChangeArrowheads="1" noChangeShapeType="1"/>
+                </p:cNvSpPr>
+                <p:nvPr/>
+              </p:nvSpPr>
+              <p:spPr>
+                <a:xfrm>
+                  <a:off x="11510645" y="22942151"/>
+                  <a:ext cx="10396728" cy="2308324"/>
+                </a:xfrm>
+                <a:prstGeom prst="rect">
+                  <a:avLst/>
+                </a:prstGeom>
+                <a:noFill/>
+              </p:spPr>
+              <p:txBody>
+                <a:bodyPr wrap="square" rtlCol="0">
+                  <a:spAutoFit/>
+                </a:bodyPr>
+                <a:lstStyle/>
+                <a:p>
+                  <a:r>
+                    <a:rPr lang="en-US" sz="3600" dirty="0">
+                      <a:latin typeface="Times New Roman" panose="02020603050405020304" pitchFamily="18" charset="0"/>
+                      <a:cs typeface="Times New Roman" panose="02020603050405020304" pitchFamily="18" charset="0"/>
+                    </a:rPr>
+                    <a:t>Let </a:t>
+                  </a:r>
+                  <a14:m>
+                    <m:oMath xmlns:m="http://schemas.openxmlformats.org/officeDocument/2006/math">
+                      <m:r>
+                        <a:rPr lang="en-US" sz="3600" b="0" i="1" smtClean="0">
+                          <a:latin typeface="Cambria Math" panose="02040503050406030204" pitchFamily="18" charset="0"/>
+                        </a:rPr>
+                        <m:t>{</m:t>
+                      </m:r>
+                      <m:sSub>
+                        <m:sSubPr>
+                          <m:ctrlPr>
+                            <a:rPr lang="en-US" sz="3600" b="0" i="1" smtClean="0">
+                              <a:latin typeface="Cambria Math" panose="02040503050406030204" pitchFamily="18" charset="0"/>
+                            </a:rPr>
+                          </m:ctrlPr>
+                        </m:sSubPr>
+                        <m:e>
+                          <m:r>
+                            <a:rPr lang="en-US" sz="3600" b="0" i="1" smtClean="0">
+                              <a:latin typeface="Cambria Math" panose="02040503050406030204" pitchFamily="18" charset="0"/>
+                            </a:rPr>
+                            <m:t>𝑦</m:t>
+                          </m:r>
+                        </m:e>
+                        <m:sub>
+                          <m:r>
+                            <a:rPr lang="en-US" sz="3600" b="0" i="1" smtClean="0">
+                              <a:latin typeface="Cambria Math" panose="02040503050406030204" pitchFamily="18" charset="0"/>
+                            </a:rPr>
+                            <m:t>1</m:t>
+                          </m:r>
+                        </m:sub>
+                      </m:sSub>
+                      <m:r>
+                        <a:rPr lang="en-US" sz="3600" b="0" i="1" smtClean="0">
+                          <a:latin typeface="Cambria Math" panose="02040503050406030204" pitchFamily="18" charset="0"/>
+                        </a:rPr>
+                        <m:t>, …, </m:t>
+                      </m:r>
+                      <m:sSub>
+                        <m:sSubPr>
+                          <m:ctrlPr>
+                            <a:rPr lang="en-US" sz="3600" b="0" i="1" smtClean="0">
+                              <a:latin typeface="Cambria Math" panose="02040503050406030204" pitchFamily="18" charset="0"/>
+                            </a:rPr>
+                          </m:ctrlPr>
+                        </m:sSubPr>
+                        <m:e>
+                          <m:r>
+                            <a:rPr lang="en-US" sz="3600" b="0" i="1" smtClean="0">
+                              <a:latin typeface="Cambria Math" panose="02040503050406030204" pitchFamily="18" charset="0"/>
+                            </a:rPr>
+                            <m:t>𝑦</m:t>
+                          </m:r>
+                        </m:e>
+                        <m:sub>
+                          <m:r>
+                            <a:rPr lang="en-US" sz="3600" b="0" i="1" smtClean="0">
+                              <a:latin typeface="Cambria Math" panose="02040503050406030204" pitchFamily="18" charset="0"/>
+                            </a:rPr>
+                            <m:t>𝑛</m:t>
+                          </m:r>
+                        </m:sub>
+                      </m:sSub>
+                      <m:r>
+                        <a:rPr lang="en-US" sz="3600" b="0" i="1" smtClean="0">
+                          <a:latin typeface="Cambria Math" panose="02040503050406030204" pitchFamily="18" charset="0"/>
+                        </a:rPr>
+                        <m:t>}</m:t>
+                      </m:r>
+                    </m:oMath>
+                  </a14:m>
+                  <a:r>
+                    <a:rPr lang="en-US" sz="3600" dirty="0">
+                      <a:latin typeface="Times New Roman" panose="02020603050405020304" pitchFamily="18" charset="0"/>
+                      <a:cs typeface="Times New Roman" panose="02020603050405020304" pitchFamily="18" charset="0"/>
+                    </a:rPr>
+                    <a:t> denote observed disease presence/absence at locations </a:t>
+                  </a:r>
+                  <a14:m>
+                    <m:oMath xmlns:m="http://schemas.openxmlformats.org/officeDocument/2006/math">
+                      <m:r>
+                        <a:rPr lang="en-US" sz="3600" b="1" i="1" smtClean="0">
+                          <a:latin typeface="Cambria Math" panose="02040503050406030204" pitchFamily="18" charset="0"/>
+                        </a:rPr>
+                        <m:t>𝒔</m:t>
+                      </m:r>
+                    </m:oMath>
+                  </a14:m>
+                  <a:r>
+                    <a:rPr lang="en-US" sz="3600" dirty="0">
+                      <a:latin typeface="Times New Roman" panose="02020603050405020304" pitchFamily="18" charset="0"/>
+                      <a:cs typeface="Times New Roman" panose="02020603050405020304" pitchFamily="18" charset="0"/>
+                    </a:rPr>
+                    <a:t>. Let </a:t>
+                  </a:r>
+                  <a14:m>
+                    <m:oMath xmlns:m="http://schemas.openxmlformats.org/officeDocument/2006/math">
+                      <m:sSup>
+                        <m:sSupPr>
+                          <m:ctrlPr>
+                            <a:rPr lang="en-US" sz="3600" b="0" i="1" smtClean="0">
+                              <a:latin typeface="Cambria Math" panose="02040503050406030204" pitchFamily="18" charset="0"/>
+                            </a:rPr>
+                          </m:ctrlPr>
+                        </m:sSupPr>
+                        <m:e>
+                          <m:r>
+                            <a:rPr lang="en-US" sz="3600" b="1" i="1" smtClean="0">
+                              <a:latin typeface="Cambria Math" panose="02040503050406030204" pitchFamily="18" charset="0"/>
+                            </a:rPr>
+                            <m:t>𝒔</m:t>
+                          </m:r>
+                        </m:e>
+                        <m:sup>
+                          <m:r>
+                            <a:rPr lang="en-US" sz="3600" b="0" i="1" smtClean="0">
+                              <a:latin typeface="Cambria Math" panose="02040503050406030204" pitchFamily="18" charset="0"/>
+                            </a:rPr>
+                            <m:t>∗</m:t>
+                          </m:r>
+                        </m:sup>
+                      </m:sSup>
+                    </m:oMath>
+                  </a14:m>
+                  <a:r>
+                    <a:rPr lang="en-US" sz="3600" b="1" dirty="0">
+                      <a:latin typeface="Times New Roman" panose="02020603050405020304" pitchFamily="18" charset="0"/>
+                      <a:cs typeface="Times New Roman" panose="02020603050405020304" pitchFamily="18" charset="0"/>
+                    </a:rPr>
+                    <a:t> </a:t>
+                  </a:r>
+                  <a:r>
+                    <a:rPr lang="en-US" sz="3600" dirty="0">
+                      <a:latin typeface="Times New Roman" panose="02020603050405020304" pitchFamily="18" charset="0"/>
+                      <a:cs typeface="Times New Roman" panose="02020603050405020304" pitchFamily="18" charset="0"/>
+                    </a:rPr>
+                    <a:t>represent unobserved locations at which spatial predictions are desired. Then,</a:t>
+                  </a:r>
+                  <a:endParaRPr lang="en-US" sz="3600" b="1" dirty="0">
+                    <a:latin typeface="Times New Roman" panose="02020603050405020304" pitchFamily="18" charset="0"/>
+                    <a:cs typeface="Times New Roman" panose="02020603050405020304" pitchFamily="18" charset="0"/>
+                  </a:endParaRPr>
+                </a:p>
+              </p:txBody>
+            </p:sp>
+          </mc:Choice>
+          <mc:Fallback xmlns="">
+            <p:sp>
+              <p:nvSpPr>
+                <p:cNvPr id="24" name="TextBox 23">
+                  <a:extLst>
+                    <a:ext uri="{FF2B5EF4-FFF2-40B4-BE49-F238E27FC236}">
+                      <a16:creationId xmlns:a16="http://schemas.microsoft.com/office/drawing/2014/main" id="{B707F4C1-C3FA-FEAF-89E3-473065EAADF1}"/>
+                    </a:ext>
+                  </a:extLst>
+                </p:cNvPr>
+                <p:cNvSpPr txBox="1">
+                  <a:spLocks noGrp="1" noRot="1" noChangeAspect="1" noMove="1" noResize="1" noEditPoints="1" noAdjustHandles="1" noChangeArrowheads="1" noChangeShapeType="1" noTextEdit="1"/>
+                </p:cNvSpPr>
+                <p:nvPr/>
+              </p:nvSpPr>
+              <p:spPr>
+                <a:xfrm>
+                  <a:off x="11510645" y="22942151"/>
+                  <a:ext cx="10396728" cy="2308324"/>
+                </a:xfrm>
+                <a:prstGeom prst="rect">
+                  <a:avLst/>
+                </a:prstGeom>
+                <a:blipFill>
+                  <a:blip r:embed="rId18"/>
+                  <a:stretch>
+                    <a:fillRect l="-1758" t="-4222" b="-8707"/>
+                  </a:stretch>
+                </a:blipFill>
+              </p:spPr>
+              <p:txBody>
+                <a:bodyPr/>
+                <a:lstStyle/>
+                <a:p>
+                  <a:r>
+                    <a:rPr lang="en-US">
+                      <a:noFill/>
+                    </a:rPr>
+                    <a:t> </a:t>
+                  </a:r>
+                </a:p>
+              </p:txBody>
+            </p:sp>
+          </mc:Fallback>
+        </mc:AlternateContent>
+        <p:pic>
+          <p:nvPicPr>
+            <p:cNvPr id="26" name="Picture 25" descr="Text&#10;&#10;Description automatically generated">
+              <a:extLst>
+                <a:ext uri="{FF2B5EF4-FFF2-40B4-BE49-F238E27FC236}">
+                  <a16:creationId xmlns:a16="http://schemas.microsoft.com/office/drawing/2014/main" id="{7CCC8CC4-AE60-7FEC-CD60-B77DB96AA986}"/>
+                </a:ext>
+              </a:extLst>
+            </p:cNvPr>
+            <p:cNvPicPr>
+              <a:picLocks noGrp="1" noRot="1" noChangeAspect="1" noMove="1" noResize="1" noEditPoints="1" noAdjustHandles="1" noChangeArrowheads="1" noChangeShapeType="1" noCrop="1"/>
+            </p:cNvPicPr>
+            <p:nvPr/>
+          </p:nvPicPr>
+          <p:blipFill>
+            <a:blip r:embed="rId19">
+              <a:extLst>
+                <a:ext uri="{28A0092B-C50C-407E-A947-70E740481C1C}">
+                  <a14:useLocalDpi xmlns:a14="http://schemas.microsoft.com/office/drawing/2010/main" val="0"/>
+                </a:ext>
+              </a:extLst>
+            </a:blip>
+            <a:stretch>
+              <a:fillRect/>
+            </a:stretch>
+          </p:blipFill>
+          <p:spPr>
+            <a:xfrm>
+              <a:off x="13594956" y="25244029"/>
+              <a:ext cx="6228107" cy="2547070"/>
+            </a:xfrm>
+            <a:prstGeom prst="rect">
+              <a:avLst/>
+            </a:prstGeom>
+          </p:spPr>
+        </p:pic>
+        <p:sp>
+          <p:nvSpPr>
+            <p:cNvPr id="27" name="TextBox 26">
+              <a:extLst>
+                <a:ext uri="{FF2B5EF4-FFF2-40B4-BE49-F238E27FC236}">
+                  <a16:creationId xmlns:a16="http://schemas.microsoft.com/office/drawing/2014/main" id="{FA632865-F2E5-CEEF-23D6-2430CEE11F56}"/>
+                </a:ext>
+              </a:extLst>
+            </p:cNvPr>
+            <p:cNvSpPr txBox="1">
+              <a:spLocks noGrp="1" noRot="1" noMove="1" noResize="1" noEditPoints="1" noAdjustHandles="1" noChangeArrowheads="1" noChangeShapeType="1"/>
+            </p:cNvSpPr>
+            <p:nvPr/>
+          </p:nvSpPr>
+          <p:spPr>
+            <a:xfrm>
+              <a:off x="11510645" y="27756171"/>
+              <a:ext cx="10396728" cy="646331"/>
+            </a:xfrm>
+            <a:prstGeom prst="rect">
+              <a:avLst/>
+            </a:prstGeom>
+            <a:noFill/>
+          </p:spPr>
+          <p:txBody>
+            <a:bodyPr wrap="square" rtlCol="0">
+              <a:spAutoFit/>
+            </a:bodyPr>
+            <a:lstStyle/>
+            <a:p>
+              <a:r>
+                <a:rPr lang="en-US" sz="3600" dirty="0">
+                  <a:latin typeface="Times New Roman" panose="02020603050405020304" pitchFamily="18" charset="0"/>
+                  <a:cs typeface="Times New Roman" panose="02020603050405020304" pitchFamily="18" charset="0"/>
+                </a:rPr>
+                <a:t>where,</a:t>
+              </a:r>
+              <a:endParaRPr lang="en-US" sz="3600" b="1" dirty="0">
+                <a:latin typeface="Times New Roman" panose="02020603050405020304" pitchFamily="18" charset="0"/>
+                <a:cs typeface="Times New Roman" panose="02020603050405020304" pitchFamily="18" charset="0"/>
+              </a:endParaRPr>
+            </a:p>
+          </p:txBody>
+        </p:sp>
+        <p:pic>
+          <p:nvPicPr>
+            <p:cNvPr id="29" name="Picture 28" descr="Diagram&#10;&#10;Description automatically generated">
+              <a:extLst>
+                <a:ext uri="{FF2B5EF4-FFF2-40B4-BE49-F238E27FC236}">
+                  <a16:creationId xmlns:a16="http://schemas.microsoft.com/office/drawing/2014/main" id="{A3C31435-A0D7-6311-3028-9482BCC97B77}"/>
+                </a:ext>
+              </a:extLst>
+            </p:cNvPr>
+            <p:cNvPicPr>
+              <a:picLocks noGrp="1" noRot="1" noChangeAspect="1" noMove="1" noResize="1" noEditPoints="1" noAdjustHandles="1" noChangeArrowheads="1" noChangeShapeType="1" noCrop="1"/>
+            </p:cNvPicPr>
+            <p:nvPr/>
+          </p:nvPicPr>
+          <p:blipFill>
+            <a:blip r:embed="rId20">
+              <a:extLst>
+                <a:ext uri="{28A0092B-C50C-407E-A947-70E740481C1C}">
+                  <a14:useLocalDpi xmlns:a14="http://schemas.microsoft.com/office/drawing/2010/main" val="0"/>
+                </a:ext>
+              </a:extLst>
+            </a:blip>
+            <a:stretch>
+              <a:fillRect/>
+            </a:stretch>
+          </p:blipFill>
+          <p:spPr>
+            <a:xfrm>
+              <a:off x="12125778" y="28427813"/>
+              <a:ext cx="9166462" cy="3914472"/>
+            </a:xfrm>
+            <a:prstGeom prst="rect">
+              <a:avLst/>
+            </a:prstGeom>
+          </p:spPr>
+        </p:pic>
+        <mc:AlternateContent xmlns:mc="http://schemas.openxmlformats.org/markup-compatibility/2006" xmlns:a14="http://schemas.microsoft.com/office/drawing/2010/main">
+          <mc:Choice Requires="a14">
+            <p:sp>
+              <p:nvSpPr>
+                <p:cNvPr id="38" name="TextBox 37">
+                  <a:extLst>
+                    <a:ext uri="{FF2B5EF4-FFF2-40B4-BE49-F238E27FC236}">
+                      <a16:creationId xmlns:a16="http://schemas.microsoft.com/office/drawing/2014/main" id="{8173FF0F-2299-EB5C-E438-C73223391E0F}"/>
+                    </a:ext>
+                  </a:extLst>
+                </p:cNvPr>
+                <p:cNvSpPr txBox="1">
+                  <a:spLocks noGrp="1" noRot="1" noMove="1" noResize="1" noEditPoints="1" noAdjustHandles="1" noChangeArrowheads="1" noChangeShapeType="1"/>
+                </p:cNvSpPr>
+                <p:nvPr/>
+              </p:nvSpPr>
+              <p:spPr>
+                <a:xfrm>
+                  <a:off x="21938052" y="22942151"/>
+                  <a:ext cx="10396728" cy="1200329"/>
+                </a:xfrm>
+                <a:prstGeom prst="rect">
+                  <a:avLst/>
+                </a:prstGeom>
+                <a:noFill/>
+              </p:spPr>
+              <p:txBody>
+                <a:bodyPr wrap="square" rtlCol="0">
+                  <a:spAutoFit/>
+                </a:bodyPr>
+                <a:lstStyle/>
+                <a:p>
+                  <a:r>
+                    <a:rPr lang="en-US" sz="3600" dirty="0">
+                      <a:latin typeface="Times New Roman" panose="02020603050405020304" pitchFamily="18" charset="0"/>
+                      <a:cs typeface="Times New Roman" panose="02020603050405020304" pitchFamily="18" charset="0"/>
+                    </a:rPr>
+                    <a:t>Let </a:t>
+                  </a:r>
+                  <a14:m>
+                    <m:oMath xmlns:m="http://schemas.openxmlformats.org/officeDocument/2006/math">
+                      <m:r>
+                        <a:rPr lang="en-US" sz="3600" b="0" i="1" smtClean="0">
+                          <a:latin typeface="Cambria Math" panose="02040503050406030204" pitchFamily="18" charset="0"/>
+                        </a:rPr>
+                        <m:t>{</m:t>
+                      </m:r>
+                      <m:sSub>
+                        <m:sSubPr>
+                          <m:ctrlPr>
+                            <a:rPr lang="en-US" sz="3600" b="0" i="1" smtClean="0">
+                              <a:latin typeface="Cambria Math" panose="02040503050406030204" pitchFamily="18" charset="0"/>
+                            </a:rPr>
+                          </m:ctrlPr>
+                        </m:sSubPr>
+                        <m:e>
+                          <m:r>
+                            <a:rPr lang="en-US" sz="3600" b="0" i="1" smtClean="0">
+                              <a:latin typeface="Cambria Math" panose="02040503050406030204" pitchFamily="18" charset="0"/>
+                            </a:rPr>
+                            <m:t>𝑐</m:t>
+                          </m:r>
+                        </m:e>
+                        <m:sub>
+                          <m:r>
+                            <a:rPr lang="en-US" sz="3600" b="0" i="1" smtClean="0">
+                              <a:latin typeface="Cambria Math" panose="02040503050406030204" pitchFamily="18" charset="0"/>
+                            </a:rPr>
+                            <m:t>1</m:t>
+                          </m:r>
+                        </m:sub>
+                      </m:sSub>
+                      <m:r>
+                        <a:rPr lang="en-US" sz="3600" b="0" i="1" smtClean="0">
+                          <a:latin typeface="Cambria Math" panose="02040503050406030204" pitchFamily="18" charset="0"/>
+                        </a:rPr>
+                        <m:t>, …, </m:t>
+                      </m:r>
+                      <m:sSub>
+                        <m:sSubPr>
+                          <m:ctrlPr>
+                            <a:rPr lang="en-US" sz="3600" b="0" i="1" smtClean="0">
+                              <a:latin typeface="Cambria Math" panose="02040503050406030204" pitchFamily="18" charset="0"/>
+                            </a:rPr>
+                          </m:ctrlPr>
+                        </m:sSubPr>
+                        <m:e>
+                          <m:r>
+                            <a:rPr lang="en-US" sz="3600" b="0" i="1" smtClean="0">
+                              <a:latin typeface="Cambria Math" panose="02040503050406030204" pitchFamily="18" charset="0"/>
+                            </a:rPr>
+                            <m:t>𝑐</m:t>
+                          </m:r>
+                        </m:e>
+                        <m:sub>
+                          <m:r>
+                            <a:rPr lang="en-US" sz="3600" b="0" i="1" smtClean="0">
+                              <a:latin typeface="Cambria Math" panose="02040503050406030204" pitchFamily="18" charset="0"/>
+                            </a:rPr>
+                            <m:t>𝑛</m:t>
+                          </m:r>
+                        </m:sub>
+                      </m:sSub>
+                      <m:r>
+                        <a:rPr lang="en-US" sz="3600" b="0" i="1" smtClean="0">
+                          <a:latin typeface="Cambria Math" panose="02040503050406030204" pitchFamily="18" charset="0"/>
+                        </a:rPr>
+                        <m:t>}</m:t>
+                      </m:r>
+                    </m:oMath>
+                  </a14:m>
+                  <a:r>
+                    <a:rPr lang="en-US" sz="3600" dirty="0">
+                      <a:latin typeface="Times New Roman" panose="02020603050405020304" pitchFamily="18" charset="0"/>
+                      <a:cs typeface="Times New Roman" panose="02020603050405020304" pitchFamily="18" charset="0"/>
+                    </a:rPr>
+                    <a:t> denote observed activity at locations </a:t>
+                  </a:r>
+                  <a14:m>
+                    <m:oMath xmlns:m="http://schemas.openxmlformats.org/officeDocument/2006/math">
+                      <m:sSup>
+                        <m:sSupPr>
+                          <m:ctrlPr>
+                            <a:rPr lang="en-US" sz="3600" b="0" i="1" smtClean="0">
+                              <a:latin typeface="Cambria Math" panose="02040503050406030204" pitchFamily="18" charset="0"/>
+                            </a:rPr>
+                          </m:ctrlPr>
+                        </m:sSupPr>
+                        <m:e>
+                          <m:r>
+                            <a:rPr lang="en-US" sz="3600" b="1" i="1" smtClean="0">
+                              <a:latin typeface="Cambria Math" panose="02040503050406030204" pitchFamily="18" charset="0"/>
+                            </a:rPr>
+                            <m:t>𝒔</m:t>
+                          </m:r>
+                        </m:e>
+                        <m:sup>
+                          <m:r>
+                            <a:rPr lang="en-US" sz="3600" b="0" i="1" smtClean="0">
+                              <a:latin typeface="Cambria Math" panose="02040503050406030204" pitchFamily="18" charset="0"/>
+                            </a:rPr>
+                            <m:t>∗</m:t>
+                          </m:r>
+                        </m:sup>
+                      </m:sSup>
+                    </m:oMath>
+                  </a14:m>
+                  <a:r>
+                    <a:rPr lang="en-US" sz="3600" dirty="0">
+                      <a:latin typeface="Times New Roman" panose="02020603050405020304" pitchFamily="18" charset="0"/>
+                      <a:cs typeface="Times New Roman" panose="02020603050405020304" pitchFamily="18" charset="0"/>
+                    </a:rPr>
+                    <a:t>. Then,</a:t>
+                  </a:r>
+                  <a:r>
+                    <a:rPr lang="en-US" sz="3600" b="1" dirty="0">
+                      <a:latin typeface="Times New Roman" panose="02020603050405020304" pitchFamily="18" charset="0"/>
+                      <a:cs typeface="Times New Roman" panose="02020603050405020304" pitchFamily="18" charset="0"/>
+                    </a:rPr>
+                    <a:t> </a:t>
+                  </a:r>
+                </a:p>
+              </p:txBody>
+            </p:sp>
+          </mc:Choice>
+          <mc:Fallback xmlns="">
+            <p:sp>
+              <p:nvSpPr>
+                <p:cNvPr id="38" name="TextBox 37">
+                  <a:extLst>
+                    <a:ext uri="{FF2B5EF4-FFF2-40B4-BE49-F238E27FC236}">
+                      <a16:creationId xmlns:a16="http://schemas.microsoft.com/office/drawing/2014/main" id="{8173FF0F-2299-EB5C-E438-C73223391E0F}"/>
+                    </a:ext>
+                  </a:extLst>
+                </p:cNvPr>
+                <p:cNvSpPr txBox="1">
+                  <a:spLocks noGrp="1" noRot="1" noChangeAspect="1" noMove="1" noResize="1" noEditPoints="1" noAdjustHandles="1" noChangeArrowheads="1" noChangeShapeType="1" noTextEdit="1"/>
+                </p:cNvSpPr>
+                <p:nvPr/>
+              </p:nvSpPr>
+              <p:spPr>
+                <a:xfrm>
+                  <a:off x="21938052" y="22942151"/>
+                  <a:ext cx="10396728" cy="1200329"/>
+                </a:xfrm>
+                <a:prstGeom prst="rect">
+                  <a:avLst/>
+                </a:prstGeom>
+                <a:blipFill>
+                  <a:blip r:embed="rId21"/>
+                  <a:stretch>
+                    <a:fillRect l="-1818" t="-8122" r="-1935" b="-17766"/>
+                  </a:stretch>
+                </a:blipFill>
+              </p:spPr>
+              <p:txBody>
+                <a:bodyPr/>
+                <a:lstStyle/>
+                <a:p>
+                  <a:r>
+                    <a:rPr lang="en-US">
+                      <a:noFill/>
+                    </a:rPr>
+                    <a:t> </a:t>
+                  </a:r>
+                </a:p>
+              </p:txBody>
+            </p:sp>
+          </mc:Fallback>
+        </mc:AlternateContent>
+        <p:pic>
+          <p:nvPicPr>
+            <p:cNvPr id="41" name="Picture 40" descr="Icon&#10;&#10;Description automatically generated with low confidence">
+              <a:extLst>
+                <a:ext uri="{FF2B5EF4-FFF2-40B4-BE49-F238E27FC236}">
+                  <a16:creationId xmlns:a16="http://schemas.microsoft.com/office/drawing/2014/main" id="{F7C238B4-7CB3-92F2-6B22-BC82D9DC4020}"/>
+                </a:ext>
+              </a:extLst>
+            </p:cNvPr>
+            <p:cNvPicPr>
+              <a:picLocks noGrp="1" noRot="1" noChangeAspect="1" noMove="1" noResize="1" noEditPoints="1" noAdjustHandles="1" noChangeArrowheads="1" noChangeShapeType="1" noCrop="1"/>
+            </p:cNvPicPr>
+            <p:nvPr/>
+          </p:nvPicPr>
+          <p:blipFill>
+            <a:blip r:embed="rId22">
+              <a:extLst>
+                <a:ext uri="{28A0092B-C50C-407E-A947-70E740481C1C}">
+                  <a14:useLocalDpi xmlns:a14="http://schemas.microsoft.com/office/drawing/2010/main" val="0"/>
+                </a:ext>
+              </a:extLst>
+            </a:blip>
+            <a:stretch>
+              <a:fillRect/>
+            </a:stretch>
+          </p:blipFill>
+          <p:spPr>
+            <a:xfrm>
+              <a:off x="25168644" y="27274628"/>
+              <a:ext cx="3935545" cy="580394"/>
+            </a:xfrm>
+            <a:prstGeom prst="rect">
+              <a:avLst/>
+            </a:prstGeom>
+          </p:spPr>
+        </p:pic>
+        <p:pic>
+          <p:nvPicPr>
+            <p:cNvPr id="44" name="Picture 43" descr="Text, whiteboard&#10;&#10;Description automatically generated">
+              <a:extLst>
+                <a:ext uri="{FF2B5EF4-FFF2-40B4-BE49-F238E27FC236}">
+                  <a16:creationId xmlns:a16="http://schemas.microsoft.com/office/drawing/2014/main" id="{067D7AC9-2335-97BF-C66D-1B1B9591DE40}"/>
+                </a:ext>
+              </a:extLst>
+            </p:cNvPr>
+            <p:cNvPicPr>
+              <a:picLocks noGrp="1" noRot="1" noChangeAspect="1" noMove="1" noResize="1" noEditPoints="1" noAdjustHandles="1" noChangeArrowheads="1" noChangeShapeType="1" noCrop="1"/>
+            </p:cNvPicPr>
+            <p:nvPr/>
+          </p:nvPicPr>
+          <p:blipFill>
+            <a:blip r:embed="rId23">
+              <a:extLst>
+                <a:ext uri="{28A0092B-C50C-407E-A947-70E740481C1C}">
+                  <a14:useLocalDpi xmlns:a14="http://schemas.microsoft.com/office/drawing/2010/main" val="0"/>
+                </a:ext>
+              </a:extLst>
+            </a:blip>
+            <a:stretch>
+              <a:fillRect/>
+            </a:stretch>
+          </p:blipFill>
+          <p:spPr>
+            <a:xfrm>
+              <a:off x="24940376" y="28707013"/>
+              <a:ext cx="4578180" cy="1200329"/>
+            </a:xfrm>
+            <a:prstGeom prst="rect">
+              <a:avLst/>
+            </a:prstGeom>
+          </p:spPr>
+        </p:pic>
+        <p:pic>
+          <p:nvPicPr>
+            <p:cNvPr id="46" name="Picture 45" descr="Text, letter&#10;&#10;Description automatically generated">
+              <a:extLst>
+                <a:ext uri="{FF2B5EF4-FFF2-40B4-BE49-F238E27FC236}">
+                  <a16:creationId xmlns:a16="http://schemas.microsoft.com/office/drawing/2014/main" id="{C78182C9-8507-DF6E-AF15-439802758A06}"/>
+                </a:ext>
+              </a:extLst>
+            </p:cNvPr>
+            <p:cNvPicPr>
+              <a:picLocks noGrp="1" noRot="1" noChangeAspect="1" noMove="1" noResize="1" noEditPoints="1" noAdjustHandles="1" noChangeArrowheads="1" noChangeShapeType="1" noCrop="1"/>
+            </p:cNvPicPr>
+            <p:nvPr/>
+          </p:nvPicPr>
+          <p:blipFill>
+            <a:blip r:embed="rId24">
+              <a:extLst>
+                <a:ext uri="{28A0092B-C50C-407E-A947-70E740481C1C}">
+                  <a14:useLocalDpi xmlns:a14="http://schemas.microsoft.com/office/drawing/2010/main" val="0"/>
+                </a:ext>
+              </a:extLst>
+            </a:blip>
+            <a:stretch>
+              <a:fillRect/>
+            </a:stretch>
+          </p:blipFill>
+          <p:spPr>
+            <a:xfrm>
+              <a:off x="24705830" y="24226039"/>
+              <a:ext cx="4861172" cy="1363384"/>
+            </a:xfrm>
+            <a:prstGeom prst="rect">
+              <a:avLst/>
+            </a:prstGeom>
+          </p:spPr>
+        </p:pic>
+        <p:sp>
+          <p:nvSpPr>
+            <p:cNvPr id="47" name="TextBox 46">
+              <a:extLst>
+                <a:ext uri="{FF2B5EF4-FFF2-40B4-BE49-F238E27FC236}">
+                  <a16:creationId xmlns:a16="http://schemas.microsoft.com/office/drawing/2014/main" id="{0CD55F19-24E5-0362-0356-A9E59B027628}"/>
+                </a:ext>
+              </a:extLst>
+            </p:cNvPr>
+            <p:cNvSpPr txBox="1">
+              <a:spLocks noGrp="1" noRot="1" noMove="1" noResize="1" noEditPoints="1" noAdjustHandles="1" noChangeArrowheads="1" noChangeShapeType="1"/>
+            </p:cNvSpPr>
+            <p:nvPr/>
+          </p:nvSpPr>
+          <p:spPr>
+            <a:xfrm>
+              <a:off x="21938052" y="25830645"/>
+              <a:ext cx="10396728" cy="1200329"/>
+            </a:xfrm>
+            <a:prstGeom prst="rect">
+              <a:avLst/>
+            </a:prstGeom>
+            <a:noFill/>
+          </p:spPr>
+          <p:txBody>
+            <a:bodyPr wrap="square" rtlCol="0">
+              <a:spAutoFit/>
+            </a:bodyPr>
+            <a:lstStyle/>
+            <a:p>
+              <a:r>
+                <a:rPr lang="en-US" sz="3600" dirty="0">
+                  <a:latin typeface="Times New Roman" panose="02020603050405020304" pitchFamily="18" charset="0"/>
+                  <a:cs typeface="Times New Roman" panose="02020603050405020304" pitchFamily="18" charset="0"/>
+                </a:rPr>
+                <a:t>Note that by properties of multivariate normal random variables, </a:t>
+              </a:r>
+              <a:endParaRPr lang="en-US" sz="3600" b="1" dirty="0">
+                <a:latin typeface="Times New Roman" panose="02020603050405020304" pitchFamily="18" charset="0"/>
+                <a:cs typeface="Times New Roman" panose="02020603050405020304" pitchFamily="18" charset="0"/>
+              </a:endParaRPr>
+            </a:p>
+          </p:txBody>
+        </p:sp>
+        <p:sp>
+          <p:nvSpPr>
+            <p:cNvPr id="48" name="TextBox 47">
+              <a:extLst>
+                <a:ext uri="{FF2B5EF4-FFF2-40B4-BE49-F238E27FC236}">
+                  <a16:creationId xmlns:a16="http://schemas.microsoft.com/office/drawing/2014/main" id="{24416D2C-4039-2F5E-D176-DD02C92BDF90}"/>
+                </a:ext>
+              </a:extLst>
+            </p:cNvPr>
+            <p:cNvSpPr txBox="1">
+              <a:spLocks noGrp="1" noRot="1" noMove="1" noResize="1" noEditPoints="1" noAdjustHandles="1" noChangeArrowheads="1" noChangeShapeType="1"/>
+            </p:cNvSpPr>
+            <p:nvPr/>
+          </p:nvSpPr>
+          <p:spPr>
+            <a:xfrm>
+              <a:off x="21938052" y="27957852"/>
+              <a:ext cx="10396728" cy="646331"/>
+            </a:xfrm>
+            <a:prstGeom prst="rect">
+              <a:avLst/>
+            </a:prstGeom>
+            <a:noFill/>
+          </p:spPr>
+          <p:txBody>
+            <a:bodyPr wrap="square" rtlCol="0">
+              <a:spAutoFit/>
+            </a:bodyPr>
+            <a:lstStyle/>
+            <a:p>
+              <a:r>
+                <a:rPr lang="en-US" sz="3600" dirty="0">
+                  <a:latin typeface="Times New Roman" panose="02020603050405020304" pitchFamily="18" charset="0"/>
+                  <a:cs typeface="Times New Roman" panose="02020603050405020304" pitchFamily="18" charset="0"/>
+                </a:rPr>
+                <a:t>where,</a:t>
+              </a:r>
+              <a:endParaRPr lang="en-US" sz="3600" b="1" dirty="0">
+                <a:latin typeface="Times New Roman" panose="02020603050405020304" pitchFamily="18" charset="0"/>
+                <a:cs typeface="Times New Roman" panose="02020603050405020304" pitchFamily="18" charset="0"/>
+              </a:endParaRPr>
+            </a:p>
+          </p:txBody>
+        </p:sp>
+        <p:sp>
+          <p:nvSpPr>
+            <p:cNvPr id="207" name="TextBox 206">
+              <a:extLst>
+                <a:ext uri="{FF2B5EF4-FFF2-40B4-BE49-F238E27FC236}">
+                  <a16:creationId xmlns:a16="http://schemas.microsoft.com/office/drawing/2014/main" id="{6E814242-4160-852E-799F-BB0708E06ED1}"/>
+                </a:ext>
+              </a:extLst>
+            </p:cNvPr>
+            <p:cNvSpPr txBox="1">
+              <a:spLocks noGrp="1" noRot="1" noMove="1" noResize="1" noEditPoints="1" noAdjustHandles="1" noChangeArrowheads="1" noChangeShapeType="1"/>
+            </p:cNvSpPr>
+            <p:nvPr/>
+          </p:nvSpPr>
+          <p:spPr>
+            <a:xfrm>
+              <a:off x="21950172" y="30005483"/>
+              <a:ext cx="10396728" cy="1200329"/>
+            </a:xfrm>
+            <a:prstGeom prst="rect">
+              <a:avLst/>
+            </a:prstGeom>
+            <a:noFill/>
+          </p:spPr>
+          <p:txBody>
+            <a:bodyPr wrap="square" rtlCol="0">
+              <a:spAutoFit/>
+            </a:bodyPr>
+            <a:lstStyle/>
+            <a:p>
+              <a:r>
+                <a:rPr lang="en-US" sz="3600" dirty="0">
+                  <a:latin typeface="Times New Roman" panose="02020603050405020304" pitchFamily="18" charset="0"/>
+                  <a:cs typeface="Times New Roman" panose="02020603050405020304" pitchFamily="18" charset="0"/>
+                </a:rPr>
+                <a:t>For more details on how this model is estimated, scan the QR code at the bottom right of this poster.</a:t>
+              </a:r>
+            </a:p>
+          </p:txBody>
+        </p:sp>
+      </p:grpSp>
       <p:pic>
         <p:nvPicPr>
-          <p:cNvPr id="44" name="Picture 43" descr="Text, whiteboard&#10;&#10;Description automatically generated">
+          <p:cNvPr id="84" name="Picture 83" descr="A picture containing tree, outdoor, grass, park&#10;&#10;Description automatically generated">
             <a:extLst>
               <a:ext uri="{FF2B5EF4-FFF2-40B4-BE49-F238E27FC236}">
-                <a16:creationId xmlns:a16="http://schemas.microsoft.com/office/drawing/2014/main" id="{067D7AC9-2335-97BF-C66D-1B1B9591DE40}"/>
+                <a16:creationId xmlns:a16="http://schemas.microsoft.com/office/drawing/2014/main" id="{B0DAC4EF-2077-3417-554A-A5EBD52574F0}"/>
               </a:ext>
             </a:extLst>
           </p:cNvPr>
@@ -6195,7 +8045,7 @@
           <p:nvPr/>
         </p:nvPicPr>
         <p:blipFill>
-          <a:blip r:embed="rId27">
+          <a:blip r:embed="rId25" cstate="print">
             <a:extLst>
               <a:ext uri="{28A0092B-C50C-407E-A947-70E740481C1C}">
                 <a14:useLocalDpi xmlns:a14="http://schemas.microsoft.com/office/drawing/2010/main" val="0"/>
@@ -6208,20 +8058,199 @@
         </p:blipFill>
         <p:spPr>
           <a:xfrm>
-            <a:off x="24938762" y="28778805"/>
-            <a:ext cx="4578180" cy="1200329"/>
+            <a:off x="34476676" y="13751919"/>
+            <a:ext cx="4539536" cy="6052715"/>
           </a:xfrm>
           <a:prstGeom prst="rect">
             <a:avLst/>
           </a:prstGeom>
         </p:spPr>
       </p:pic>
+      <p:sp>
+        <p:nvSpPr>
+          <p:cNvPr id="178" name="TextBox 177">
+            <a:extLst>
+              <a:ext uri="{FF2B5EF4-FFF2-40B4-BE49-F238E27FC236}">
+                <a16:creationId xmlns:a16="http://schemas.microsoft.com/office/drawing/2014/main" id="{B4EE7F34-59A8-267D-BF09-EC4C7AE215D8}"/>
+              </a:ext>
+            </a:extLst>
+          </p:cNvPr>
+          <p:cNvSpPr txBox="1"/>
+          <p:nvPr/>
+        </p:nvSpPr>
+        <p:spPr>
+          <a:xfrm>
+            <a:off x="44689925" y="5460562"/>
+            <a:ext cx="2004501" cy="2462213"/>
+          </a:xfrm>
+          <a:prstGeom prst="rect">
+            <a:avLst/>
+          </a:prstGeom>
+          <a:noFill/>
+        </p:spPr>
+        <p:txBody>
+          <a:bodyPr wrap="square" rtlCol="0">
+            <a:spAutoFit/>
+          </a:bodyPr>
+          <a:lstStyle/>
+          <a:p>
+            <a:r>
+              <a:rPr lang="en-US" sz="2200" i="1" dirty="0">
+                <a:solidFill>
+                  <a:schemeClr val="bg1"/>
+                </a:solidFill>
+              </a:rPr>
+              <a:t>Figure x</a:t>
+            </a:r>
+            <a:r>
+              <a:rPr lang="en-US" sz="2200" dirty="0">
+                <a:solidFill>
+                  <a:schemeClr val="bg1"/>
+                </a:solidFill>
+              </a:rPr>
+              <a:t>: Guano collection boxes (source: </a:t>
+            </a:r>
+            <a:r>
+              <a:rPr lang="en-US" sz="2200" dirty="0">
+                <a:solidFill>
+                  <a:schemeClr val="bg1"/>
+                </a:solidFill>
+                <a:hlinkClick r:id="rId26">
+                  <a:extLst>
+                    <a:ext uri="{A12FA001-AC4F-418D-AE19-62706E023703}">
+                      <ahyp:hlinkClr xmlns:ahyp="http://schemas.microsoft.com/office/drawing/2018/hyperlinkcolor" val="tx"/>
+                    </a:ext>
+                  </a:extLst>
+                </a:hlinkClick>
+              </a:rPr>
+              <a:t>USGS National Wildlife Health Center</a:t>
+            </a:r>
+            <a:r>
+              <a:rPr lang="en-US" sz="2200" dirty="0">
+                <a:solidFill>
+                  <a:schemeClr val="bg1"/>
+                </a:solidFill>
+              </a:rPr>
+              <a:t>) </a:t>
+            </a:r>
+          </a:p>
+          <a:p>
+            <a:endParaRPr lang="en-US" sz="2200" dirty="0">
+              <a:solidFill>
+                <a:schemeClr val="bg1"/>
+              </a:solidFill>
+            </a:endParaRPr>
+          </a:p>
+        </p:txBody>
+      </p:sp>
+      <p:sp>
+        <p:nvSpPr>
+          <p:cNvPr id="224" name="TextBox 223">
+            <a:extLst>
+              <a:ext uri="{FF2B5EF4-FFF2-40B4-BE49-F238E27FC236}">
+                <a16:creationId xmlns:a16="http://schemas.microsoft.com/office/drawing/2014/main" id="{E25E9114-F916-7465-90BA-BDB1DA64263A}"/>
+              </a:ext>
+            </a:extLst>
+          </p:cNvPr>
+          <p:cNvSpPr txBox="1">
+            <a:spLocks noGrp="1" noRot="1" noMove="1" noResize="1" noEditPoints="1" noAdjustHandles="1" noChangeArrowheads="1" noChangeShapeType="1"/>
+          </p:cNvSpPr>
+          <p:nvPr/>
+        </p:nvSpPr>
+        <p:spPr>
+          <a:xfrm>
+            <a:off x="33499044" y="6992527"/>
+            <a:ext cx="9262872" cy="633663"/>
+          </a:xfrm>
+          <a:prstGeom prst="rect">
+            <a:avLst/>
+          </a:prstGeom>
+          <a:solidFill>
+            <a:srgbClr val="002060"/>
+          </a:solidFill>
+          <a:ln>
+            <a:solidFill>
+              <a:schemeClr val="accent4"/>
+            </a:solidFill>
+          </a:ln>
+          <a:effectLst/>
+        </p:spPr>
+        <p:style>
+          <a:lnRef idx="2">
+            <a:schemeClr val="dk1"/>
+          </a:lnRef>
+          <a:fillRef idx="1">
+            <a:schemeClr val="lt1"/>
+          </a:fillRef>
+          <a:effectRef idx="0">
+            <a:schemeClr val="dk1"/>
+          </a:effectRef>
+          <a:fontRef idx="minor">
+            <a:schemeClr val="dk1"/>
+          </a:fontRef>
+        </p:style>
+        <p:txBody>
+          <a:bodyPr wrap="square" rtlCol="0">
+            <a:spAutoFit/>
+          </a:bodyPr>
+          <a:lstStyle/>
+          <a:p>
+            <a:pPr algn="ctr"/>
+            <a:endParaRPr lang="en-US" sz="6000" dirty="0">
+              <a:solidFill>
+                <a:schemeClr val="bg1"/>
+              </a:solidFill>
+            </a:endParaRPr>
+          </a:p>
+        </p:txBody>
+      </p:sp>
+      <p:sp>
+        <p:nvSpPr>
+          <p:cNvPr id="225" name="TextBox 224">
+            <a:extLst>
+              <a:ext uri="{FF2B5EF4-FFF2-40B4-BE49-F238E27FC236}">
+                <a16:creationId xmlns:a16="http://schemas.microsoft.com/office/drawing/2014/main" id="{47151B1C-35D8-40E7-2351-4A2803A93773}"/>
+              </a:ext>
+            </a:extLst>
+          </p:cNvPr>
+          <p:cNvSpPr txBox="1"/>
+          <p:nvPr/>
+        </p:nvSpPr>
+        <p:spPr>
+          <a:xfrm>
+            <a:off x="32965630" y="6953661"/>
+            <a:ext cx="10383039" cy="707886"/>
+          </a:xfrm>
+          <a:prstGeom prst="rect">
+            <a:avLst/>
+          </a:prstGeom>
+          <a:noFill/>
+        </p:spPr>
+        <p:txBody>
+          <a:bodyPr wrap="square" rtlCol="0">
+            <a:spAutoFit/>
+          </a:bodyPr>
+          <a:lstStyle/>
+          <a:p>
+            <a:pPr algn="ctr"/>
+            <a:r>
+              <a:rPr lang="en-US" sz="4000" b="1" dirty="0">
+                <a:solidFill>
+                  <a:schemeClr val="bg1"/>
+                </a:solidFill>
+                <a:latin typeface="Trajan Pro" panose="020B0604020202020204" pitchFamily="18" charset="0"/>
+              </a:rPr>
+              <a:t>WNS surveillance data</a:t>
+            </a:r>
+          </a:p>
+        </p:txBody>
+      </p:sp>
       <p:pic>
         <p:nvPicPr>
-          <p:cNvPr id="46" name="Picture 45" descr="Text, letter&#10;&#10;Description automatically generated">
+          <p:cNvPr id="82" name="Picture 81" descr="A picture containing person, mammal&#10;&#10;Description automatically generated">
             <a:extLst>
               <a:ext uri="{FF2B5EF4-FFF2-40B4-BE49-F238E27FC236}">
-                <a16:creationId xmlns:a16="http://schemas.microsoft.com/office/drawing/2014/main" id="{C78182C9-8507-DF6E-AF15-439802758A06}"/>
+                <a16:creationId xmlns:a16="http://schemas.microsoft.com/office/drawing/2014/main" id="{34DF734C-D169-FB27-458C-54DC948BC52F}"/>
               </a:ext>
             </a:extLst>
           </p:cNvPr>
@@ -6231,7 +8260,7 @@
           <p:nvPr/>
         </p:nvPicPr>
         <p:blipFill>
-          <a:blip r:embed="rId28">
+          <a:blip r:embed="rId27" cstate="print">
             <a:extLst>
               <a:ext uri="{28A0092B-C50C-407E-A947-70E740481C1C}">
                 <a14:useLocalDpi xmlns:a14="http://schemas.microsoft.com/office/drawing/2010/main" val="0"/>
@@ -6244,8 +8273,8 @@
         </p:blipFill>
         <p:spPr>
           <a:xfrm>
-            <a:off x="24704216" y="24297831"/>
-            <a:ext cx="4861172" cy="1363384"/>
+            <a:off x="33773337" y="8231645"/>
+            <a:ext cx="7441419" cy="5581062"/>
           </a:xfrm>
           <a:prstGeom prst="rect">
             <a:avLst/>
@@ -6254,10 +8283,10 @@
       </p:pic>
       <p:sp>
         <p:nvSpPr>
-          <p:cNvPr id="47" name="TextBox 46">
+          <p:cNvPr id="180" name="TextBox 179">
             <a:extLst>
               <a:ext uri="{FF2B5EF4-FFF2-40B4-BE49-F238E27FC236}">
-                <a16:creationId xmlns:a16="http://schemas.microsoft.com/office/drawing/2014/main" id="{0CD55F19-24E5-0362-0356-A9E59B027628}"/>
+                <a16:creationId xmlns:a16="http://schemas.microsoft.com/office/drawing/2014/main" id="{95F91ABF-38DF-1117-EE45-439464C0DADD}"/>
               </a:ext>
             </a:extLst>
           </p:cNvPr>
@@ -6266,8 +8295,8 @@
         </p:nvSpPr>
         <p:spPr>
           <a:xfrm>
-            <a:off x="21936438" y="25902437"/>
-            <a:ext cx="10396728" cy="1200329"/>
+            <a:off x="50218126" y="6414538"/>
+            <a:ext cx="4672584" cy="769441"/>
           </a:xfrm>
           <a:prstGeom prst="rect">
             <a:avLst/>
@@ -6281,25 +8310,53 @@
           <a:lstStyle/>
           <a:p>
             <a:r>
-              <a:rPr lang="en-US" sz="3600" dirty="0">
-                <a:latin typeface="Times New Roman" panose="02020603050405020304" pitchFamily="18" charset="0"/>
-                <a:cs typeface="Times New Roman" panose="02020603050405020304" pitchFamily="18" charset="0"/>
+              <a:rPr lang="en-US" sz="2200" i="1" dirty="0">
+                <a:solidFill>
+                  <a:schemeClr val="bg1"/>
+                </a:solidFill>
               </a:rPr>
-              <a:t>Note that by properties of multivariate normal random variables, </a:t>
-            </a:r>
-            <a:endParaRPr lang="en-US" sz="3600" b="1" dirty="0">
-              <a:latin typeface="Times New Roman" panose="02020603050405020304" pitchFamily="18" charset="0"/>
-              <a:cs typeface="Times New Roman" panose="02020603050405020304" pitchFamily="18" charset="0"/>
-            </a:endParaRPr>
-          </a:p>
-        </p:txBody>
-      </p:sp>
-      <p:sp>
-        <p:nvSpPr>
-          <p:cNvPr id="48" name="TextBox 47">
+              <a:t>Figure x</a:t>
+            </a:r>
+            <a:r>
+              <a:rPr lang="en-US" sz="2200" dirty="0">
+                <a:solidFill>
+                  <a:schemeClr val="bg1"/>
+                </a:solidFill>
+              </a:rPr>
+              <a:t>: Bat swabbed for Pd (source: </a:t>
+            </a:r>
+            <a:r>
+              <a:rPr lang="en-US" sz="2200" dirty="0">
+                <a:solidFill>
+                  <a:schemeClr val="bg1"/>
+                </a:solidFill>
+                <a:hlinkClick r:id="rId28">
+                  <a:extLst>
+                    <a:ext uri="{A12FA001-AC4F-418D-AE19-62706E023703}">
+                      <ahyp:hlinkClr xmlns:ahyp="http://schemas.microsoft.com/office/drawing/2018/hyperlinkcolor" val="tx"/>
+                    </a:ext>
+                  </a:extLst>
+                </a:hlinkClick>
+              </a:rPr>
+              <a:t>USGS National Wildlife Health Center</a:t>
+            </a:r>
+            <a:r>
+              <a:rPr lang="en-US" sz="2200" dirty="0">
+                <a:solidFill>
+                  <a:schemeClr val="bg1"/>
+                </a:solidFill>
+              </a:rPr>
+              <a:t>)</a:t>
+            </a:r>
+          </a:p>
+        </p:txBody>
+      </p:sp>
+      <p:sp>
+        <p:nvSpPr>
+          <p:cNvPr id="226" name="TextBox 225">
             <a:extLst>
               <a:ext uri="{FF2B5EF4-FFF2-40B4-BE49-F238E27FC236}">
-                <a16:creationId xmlns:a16="http://schemas.microsoft.com/office/drawing/2014/main" id="{24416D2C-4039-2F5E-D176-DD02C92BDF90}"/>
+                <a16:creationId xmlns:a16="http://schemas.microsoft.com/office/drawing/2014/main" id="{76566B4B-2905-D4C3-E927-F60156DA1BA0}"/>
               </a:ext>
             </a:extLst>
           </p:cNvPr>
@@ -6308,8 +8365,8 @@
         </p:nvSpPr>
         <p:spPr>
           <a:xfrm>
-            <a:off x="21936438" y="28029644"/>
-            <a:ext cx="10396728" cy="646331"/>
+            <a:off x="45850817" y="19753576"/>
+            <a:ext cx="10383039" cy="707886"/>
           </a:xfrm>
           <a:prstGeom prst="rect">
             <a:avLst/>
@@ -6322,16 +8379,74 @@
           </a:bodyPr>
           <a:lstStyle/>
           <a:p>
-            <a:r>
-              <a:rPr lang="en-US" sz="3600" dirty="0">
-                <a:latin typeface="Times New Roman" panose="02020603050405020304" pitchFamily="18" charset="0"/>
-                <a:cs typeface="Times New Roman" panose="02020603050405020304" pitchFamily="18" charset="0"/>
+            <a:pPr algn="ctr"/>
+            <a:r>
+              <a:rPr lang="en-US" sz="4000" b="1" dirty="0">
+                <a:solidFill>
+                  <a:schemeClr val="bg1"/>
+                </a:solidFill>
+                <a:latin typeface="Trajan Pro" panose="020B0604020202020204" pitchFamily="18" charset="0"/>
               </a:rPr>
-              <a:t>where,</a:t>
-            </a:r>
-            <a:endParaRPr lang="en-US" sz="3600" b="1" dirty="0">
-              <a:latin typeface="Times New Roman" panose="02020603050405020304" pitchFamily="18" charset="0"/>
-              <a:cs typeface="Times New Roman" panose="02020603050405020304" pitchFamily="18" charset="0"/>
+              <a:t>WNS surveillance data</a:t>
+            </a:r>
+          </a:p>
+        </p:txBody>
+      </p:sp>
+      <p:sp>
+        <p:nvSpPr>
+          <p:cNvPr id="228" name="TextBox 227">
+            <a:extLst>
+              <a:ext uri="{FF2B5EF4-FFF2-40B4-BE49-F238E27FC236}">
+                <a16:creationId xmlns:a16="http://schemas.microsoft.com/office/drawing/2014/main" id="{6E82963E-CDF7-8A9F-01DB-FDB6193307F3}"/>
+              </a:ext>
+            </a:extLst>
+          </p:cNvPr>
+          <p:cNvSpPr txBox="1"/>
+          <p:nvPr/>
+        </p:nvSpPr>
+        <p:spPr>
+          <a:xfrm>
+            <a:off x="33741375" y="19311216"/>
+            <a:ext cx="9262872" cy="633663"/>
+          </a:xfrm>
+          <a:prstGeom prst="rect">
+            <a:avLst/>
+          </a:prstGeom>
+          <a:solidFill>
+            <a:srgbClr val="002060"/>
+          </a:solidFill>
+          <a:ln>
+            <a:solidFill>
+              <a:schemeClr val="accent4"/>
+            </a:solidFill>
+          </a:ln>
+          <a:effectLst/>
+        </p:spPr>
+        <p:style>
+          <a:lnRef idx="2">
+            <a:schemeClr val="dk1"/>
+          </a:lnRef>
+          <a:fillRef idx="1">
+            <a:schemeClr val="lt1"/>
+          </a:fillRef>
+          <a:effectRef idx="0">
+            <a:schemeClr val="dk1"/>
+          </a:effectRef>
+          <a:fontRef idx="minor">
+            <a:schemeClr val="dk1"/>
+          </a:fontRef>
+        </p:style>
+        <p:txBody>
+          <a:bodyPr wrap="square" rtlCol="0">
+            <a:spAutoFit/>
+          </a:bodyPr>
+          <a:lstStyle/>
+          <a:p>
+            <a:pPr algn="ctr"/>
+            <a:endParaRPr lang="en-US" sz="6000" dirty="0">
+              <a:solidFill>
+                <a:schemeClr val="bg1"/>
+              </a:solidFill>
             </a:endParaRPr>
           </a:p>
         </p:txBody>

--- a/2022/20221006 ENVR Meeting/10062022_ENVR_Poster.pptx
+++ b/2022/20221006 ENVR Meeting/10062022_ENVR_Poster.pptx
@@ -3456,7 +3456,101 @@
       </p:grpSpPr>
       <p:sp>
         <p:nvSpPr>
-          <p:cNvPr id="229" name="Rectangle 228">
+          <p:cNvPr id="100" name="Rectangle 99" hidden="1">
+            <a:extLst>
+              <a:ext uri="{FF2B5EF4-FFF2-40B4-BE49-F238E27FC236}">
+                <a16:creationId xmlns:a16="http://schemas.microsoft.com/office/drawing/2014/main" id="{586C9DB4-937B-5C55-E96B-B44F801A5311}"/>
+              </a:ext>
+            </a:extLst>
+          </p:cNvPr>
+          <p:cNvSpPr>
+            <a:spLocks noGrp="1" noRot="1" noMove="1" noResize="1" noEditPoints="1" noAdjustHandles="1" noChangeArrowheads="1" noChangeShapeType="1"/>
+          </p:cNvSpPr>
+          <p:nvPr/>
+        </p:nvSpPr>
+        <p:spPr>
+          <a:xfrm>
+            <a:off x="545066" y="14832955"/>
+            <a:ext cx="42724614" cy="366790"/>
+          </a:xfrm>
+          <a:prstGeom prst="rect">
+            <a:avLst/>
+          </a:prstGeom>
+        </p:spPr>
+        <p:style>
+          <a:lnRef idx="2">
+            <a:schemeClr val="accent1">
+              <a:shade val="50000"/>
+            </a:schemeClr>
+          </a:lnRef>
+          <a:fillRef idx="1">
+            <a:schemeClr val="accent1"/>
+          </a:fillRef>
+          <a:effectRef idx="0">
+            <a:schemeClr val="accent1"/>
+          </a:effectRef>
+          <a:fontRef idx="minor">
+            <a:schemeClr val="lt1"/>
+          </a:fontRef>
+        </p:style>
+        <p:txBody>
+          <a:bodyPr rtlCol="0" anchor="ctr"/>
+          <a:lstStyle/>
+          <a:p>
+            <a:pPr algn="ctr"/>
+            <a:endParaRPr lang="en-US"/>
+          </a:p>
+        </p:txBody>
+      </p:sp>
+      <p:sp>
+        <p:nvSpPr>
+          <p:cNvPr id="99" name="Rectangle 98" hidden="1">
+            <a:extLst>
+              <a:ext uri="{FF2B5EF4-FFF2-40B4-BE49-F238E27FC236}">
+                <a16:creationId xmlns:a16="http://schemas.microsoft.com/office/drawing/2014/main" id="{C16C5877-6602-3359-4797-BFC2C2CD3620}"/>
+              </a:ext>
+            </a:extLst>
+          </p:cNvPr>
+          <p:cNvSpPr/>
+          <p:nvPr/>
+        </p:nvSpPr>
+        <p:spPr>
+          <a:xfrm>
+            <a:off x="1007436" y="20717352"/>
+            <a:ext cx="42724614" cy="366790"/>
+          </a:xfrm>
+          <a:prstGeom prst="rect">
+            <a:avLst/>
+          </a:prstGeom>
+        </p:spPr>
+        <p:style>
+          <a:lnRef idx="2">
+            <a:schemeClr val="accent1">
+              <a:shade val="50000"/>
+            </a:schemeClr>
+          </a:lnRef>
+          <a:fillRef idx="1">
+            <a:schemeClr val="accent1"/>
+          </a:fillRef>
+          <a:effectRef idx="0">
+            <a:schemeClr val="accent1"/>
+          </a:effectRef>
+          <a:fontRef idx="minor">
+            <a:schemeClr val="lt1"/>
+          </a:fontRef>
+        </p:style>
+        <p:txBody>
+          <a:bodyPr rtlCol="0" anchor="ctr"/>
+          <a:lstStyle/>
+          <a:p>
+            <a:pPr algn="ctr"/>
+            <a:endParaRPr lang="en-US"/>
+          </a:p>
+        </p:txBody>
+      </p:sp>
+      <p:sp>
+        <p:nvSpPr>
+          <p:cNvPr id="229" name="Rectangle 228" hidden="1">
             <a:extLst>
               <a:ext uri="{FF2B5EF4-FFF2-40B4-BE49-F238E27FC236}">
                 <a16:creationId xmlns:a16="http://schemas.microsoft.com/office/drawing/2014/main" id="{D54A3A77-04FA-4780-C786-BCA32E8C7B2A}"/>
@@ -3468,7 +3562,7 @@
         </p:nvSpPr>
         <p:spPr>
           <a:xfrm>
-            <a:off x="852655" y="26955293"/>
+            <a:off x="852655" y="26777493"/>
             <a:ext cx="42724614" cy="366790"/>
           </a:xfrm>
           <a:prstGeom prst="rect">
@@ -5327,7 +5421,7 @@
         </p:nvSpPr>
         <p:spPr>
           <a:xfrm>
-            <a:off x="44355031" y="0"/>
+            <a:off x="56984410" y="21572797"/>
             <a:ext cx="5580860" cy="3416320"/>
           </a:xfrm>
           <a:prstGeom prst="rect">
@@ -5437,7 +5531,7 @@
         </p:nvSpPr>
         <p:spPr>
           <a:xfrm>
-            <a:off x="44507431" y="152400"/>
+            <a:off x="57136810" y="21725197"/>
             <a:ext cx="5580860" cy="3416320"/>
           </a:xfrm>
           <a:prstGeom prst="rect">
@@ -5491,7 +5585,7 @@
         </p:nvSpPr>
         <p:spPr>
           <a:xfrm>
-            <a:off x="44659831" y="304800"/>
+            <a:off x="57289210" y="21877597"/>
             <a:ext cx="5580860" cy="3416320"/>
           </a:xfrm>
           <a:prstGeom prst="rect">
@@ -5545,7 +5639,7 @@
         </p:nvSpPr>
         <p:spPr>
           <a:xfrm>
-            <a:off x="44812231" y="457200"/>
+            <a:off x="57441610" y="22029997"/>
             <a:ext cx="5580860" cy="3416320"/>
           </a:xfrm>
           <a:prstGeom prst="rect">
@@ -5601,7 +5695,7 @@
         </p:nvSpPr>
         <p:spPr>
           <a:xfrm>
-            <a:off x="45545542" y="26696786"/>
+            <a:off x="57310218" y="26620047"/>
             <a:ext cx="4672584" cy="3452882"/>
           </a:xfrm>
           <a:prstGeom prst="rect">
@@ -5657,7 +5751,7 @@
         </p:nvSpPr>
         <p:spPr>
           <a:xfrm>
-            <a:off x="50740313" y="26698787"/>
+            <a:off x="58223234" y="27165545"/>
             <a:ext cx="4672584" cy="3453587"/>
           </a:xfrm>
           <a:prstGeom prst="rect">
@@ -5699,7 +5793,7 @@
       </p:sp>
       <p:sp>
         <p:nvSpPr>
-          <p:cNvPr id="6" name="Rectangle 5">
+          <p:cNvPr id="6" name="Rectangle 5" hidden="1">
             <a:extLst>
               <a:ext uri="{FF2B5EF4-FFF2-40B4-BE49-F238E27FC236}">
                 <a16:creationId xmlns:a16="http://schemas.microsoft.com/office/drawing/2014/main" id="{61A99389-3080-056E-1129-F31105F977C0}"/>
@@ -5755,7 +5849,7 @@
       </p:sp>
       <p:sp>
         <p:nvSpPr>
-          <p:cNvPr id="17" name="Rectangle 16">
+          <p:cNvPr id="17" name="Rectangle 16" hidden="1">
             <a:extLst>
               <a:ext uri="{FF2B5EF4-FFF2-40B4-BE49-F238E27FC236}">
                 <a16:creationId xmlns:a16="http://schemas.microsoft.com/office/drawing/2014/main" id="{53C667B1-B53E-B6F4-1A4B-2AE00E4AFF83}"/>
@@ -5809,115 +5903,6 @@
           </a:p>
         </p:txBody>
       </p:sp>
-      <p:grpSp>
-        <p:nvGrpSpPr>
-          <p:cNvPr id="234" name="Group 233">
-            <a:extLst>
-              <a:ext uri="{FF2B5EF4-FFF2-40B4-BE49-F238E27FC236}">
-                <a16:creationId xmlns:a16="http://schemas.microsoft.com/office/drawing/2014/main" id="{E2697954-5D76-8AD4-E2EE-22F063674990}"/>
-              </a:ext>
-            </a:extLst>
-          </p:cNvPr>
-          <p:cNvGrpSpPr/>
-          <p:nvPr/>
-        </p:nvGrpSpPr>
-        <p:grpSpPr>
-          <a:xfrm>
-            <a:off x="6190488" y="10990324"/>
-            <a:ext cx="3840480" cy="3516376"/>
-            <a:chOff x="6190488" y="11247502"/>
-            <a:chExt cx="3840480" cy="3516376"/>
-          </a:xfrm>
-        </p:grpSpPr>
-        <p:pic>
-          <p:nvPicPr>
-            <p:cNvPr id="78" name="Picture 77" descr="A picture containing ground, indoor, laying, dirty&#10;&#10;Description automatically generated">
-              <a:extLst>
-                <a:ext uri="{FF2B5EF4-FFF2-40B4-BE49-F238E27FC236}">
-                  <a16:creationId xmlns:a16="http://schemas.microsoft.com/office/drawing/2014/main" id="{E47870C1-2793-C027-B9FA-4E7A67295384}"/>
-                </a:ext>
-              </a:extLst>
-            </p:cNvPr>
-            <p:cNvPicPr>
-              <a:picLocks noChangeAspect="1"/>
-            </p:cNvPicPr>
-            <p:nvPr/>
-          </p:nvPicPr>
-          <p:blipFill>
-            <a:blip r:embed="rId6">
-              <a:extLst>
-                <a:ext uri="{28A0092B-C50C-407E-A947-70E740481C1C}">
-                  <a14:useLocalDpi xmlns:a14="http://schemas.microsoft.com/office/drawing/2010/main" val="0"/>
-                </a:ext>
-              </a:extLst>
-            </a:blip>
-            <a:stretch>
-              <a:fillRect/>
-            </a:stretch>
-          </p:blipFill>
-          <p:spPr>
-            <a:xfrm>
-              <a:off x="6190488" y="11247502"/>
-              <a:ext cx="3840480" cy="2203766"/>
-            </a:xfrm>
-            <a:prstGeom prst="rect">
-              <a:avLst/>
-            </a:prstGeom>
-          </p:spPr>
-        </p:pic>
-        <p:sp>
-          <p:nvSpPr>
-            <p:cNvPr id="25" name="TextBox 24">
-              <a:extLst>
-                <a:ext uri="{FF2B5EF4-FFF2-40B4-BE49-F238E27FC236}">
-                  <a16:creationId xmlns:a16="http://schemas.microsoft.com/office/drawing/2014/main" id="{1FE7AC60-C6E4-2A41-D0CD-62F256E03CF7}"/>
-                </a:ext>
-              </a:extLst>
-            </p:cNvPr>
-            <p:cNvSpPr txBox="1"/>
-            <p:nvPr/>
-          </p:nvSpPr>
-          <p:spPr>
-            <a:xfrm>
-              <a:off x="6190488" y="13451268"/>
-              <a:ext cx="3823555" cy="1312610"/>
-            </a:xfrm>
-            <a:prstGeom prst="rect">
-              <a:avLst/>
-            </a:prstGeom>
-            <a:noFill/>
-          </p:spPr>
-          <p:txBody>
-            <a:bodyPr wrap="square" rtlCol="0">
-              <a:spAutoFit/>
-            </a:bodyPr>
-            <a:lstStyle/>
-            <a:p>
-              <a:r>
-                <a:rPr lang="en-US" sz="2200" i="1" dirty="0">
-                  <a:solidFill>
-                    <a:schemeClr val="bg1"/>
-                  </a:solidFill>
-                </a:rPr>
-                <a:t>Figure 2: </a:t>
-              </a:r>
-              <a:r>
-                <a:rPr lang="en-US" sz="2200" dirty="0">
-                  <a:solidFill>
-                    <a:schemeClr val="bg1"/>
-                  </a:solidFill>
-                </a:rPr>
-                <a:t>WNS-affected little brown bats in Azure Cave, MT, USA (source: Montana Fish Wildlife and Parks</a:t>
-              </a:r>
-              <a:endParaRPr lang="en-US" sz="2200" i="1" dirty="0">
-                <a:solidFill>
-                  <a:schemeClr val="bg1"/>
-                </a:solidFill>
-              </a:endParaRPr>
-            </a:p>
-          </p:txBody>
-        </p:sp>
-      </p:grpSp>
       <p:sp>
         <p:nvSpPr>
           <p:cNvPr id="33" name="Rectangle 32">
@@ -5934,8 +5919,8 @@
         </p:nvSpPr>
         <p:spPr>
           <a:xfrm>
-            <a:off x="1160907" y="15196552"/>
-            <a:ext cx="9262872" cy="5696712"/>
+            <a:off x="1394460" y="21082227"/>
+            <a:ext cx="8796528" cy="5696712"/>
           </a:xfrm>
           <a:prstGeom prst="rect">
             <a:avLst/>
@@ -5974,112 +5959,133 @@
           </a:p>
         </p:txBody>
       </p:sp>
-      <p:pic>
-        <p:nvPicPr>
-          <p:cNvPr id="74" name="Picture 73" descr="Map&#10;&#10;Description automatically generated">
+      <p:grpSp>
+        <p:nvGrpSpPr>
+          <p:cNvPr id="139" name="Group 138">
             <a:extLst>
               <a:ext uri="{FF2B5EF4-FFF2-40B4-BE49-F238E27FC236}">
-                <a16:creationId xmlns:a16="http://schemas.microsoft.com/office/drawing/2014/main" id="{F71E81D2-4560-4EB7-8F23-D2FED40E5A62}"/>
+                <a16:creationId xmlns:a16="http://schemas.microsoft.com/office/drawing/2014/main" id="{EC609EA9-4D5C-13BC-EF7F-6EA722AC1611}"/>
               </a:ext>
             </a:extLst>
           </p:cNvPr>
-          <p:cNvPicPr>
-            <a:picLocks noChangeAspect="1"/>
-          </p:cNvPicPr>
+          <p:cNvGrpSpPr/>
           <p:nvPr/>
-        </p:nvPicPr>
-        <p:blipFill>
-          <a:blip r:embed="rId7" cstate="print">
-            <a:extLst>
-              <a:ext uri="{28A0092B-C50C-407E-A947-70E740481C1C}">
-                <a14:useLocalDpi xmlns:a14="http://schemas.microsoft.com/office/drawing/2010/main" val="0"/>
-              </a:ext>
-            </a:extLst>
-          </a:blip>
-          <a:stretch>
-            <a:fillRect/>
-          </a:stretch>
-        </p:blipFill>
-        <p:spPr>
+        </p:nvGrpSpPr>
+        <p:grpSpPr>
           <a:xfrm>
-            <a:off x="1580305" y="15470872"/>
-            <a:ext cx="8424077" cy="4803253"/>
+            <a:off x="1746504" y="21310827"/>
+            <a:ext cx="8092440" cy="5239512"/>
+            <a:chOff x="-7717056" y="20919502"/>
+            <a:chExt cx="8092440" cy="5519006"/>
           </a:xfrm>
-          <a:prstGeom prst="rect">
-            <a:avLst/>
-          </a:prstGeom>
-        </p:spPr>
-      </p:pic>
-      <p:sp>
-        <p:nvSpPr>
-          <p:cNvPr id="34" name="TextBox 33">
-            <a:extLst>
-              <a:ext uri="{FF2B5EF4-FFF2-40B4-BE49-F238E27FC236}">
-                <a16:creationId xmlns:a16="http://schemas.microsoft.com/office/drawing/2014/main" id="{4DF059B6-52ED-8775-B560-8DCDA62734C6}"/>
-              </a:ext>
-            </a:extLst>
-          </p:cNvPr>
-          <p:cNvSpPr txBox="1"/>
-          <p:nvPr/>
-        </p:nvSpPr>
-        <p:spPr>
-          <a:xfrm>
-            <a:off x="1580305" y="20274125"/>
-            <a:ext cx="8424077" cy="436259"/>
-          </a:xfrm>
-          <a:prstGeom prst="rect">
-            <a:avLst/>
-          </a:prstGeom>
-          <a:noFill/>
-        </p:spPr>
-        <p:txBody>
-          <a:bodyPr wrap="square" rtlCol="0">
-            <a:spAutoFit/>
-          </a:bodyPr>
-          <a:lstStyle/>
-          <a:p>
-            <a:r>
-              <a:rPr lang="en-US" sz="2200" i="1" dirty="0">
-                <a:solidFill>
-                  <a:schemeClr val="bg1"/>
-                </a:solidFill>
-              </a:rPr>
-              <a:t>Figure 3: </a:t>
-            </a:r>
-            <a:r>
-              <a:rPr lang="en-US" sz="2200" dirty="0">
-                <a:solidFill>
-                  <a:schemeClr val="bg1"/>
-                </a:solidFill>
-              </a:rPr>
-              <a:t>Pd spread map as of 2020 (source: </a:t>
-            </a:r>
-            <a:r>
-              <a:rPr lang="en-US" sz="2200" dirty="0">
-                <a:solidFill>
-                  <a:schemeClr val="bg1"/>
-                </a:solidFill>
-                <a:hlinkClick r:id="rId8">
-                  <a:extLst>
-                    <a:ext uri="{A12FA001-AC4F-418D-AE19-62706E023703}">
-                      <ahyp:hlinkClr xmlns:ahyp="http://schemas.microsoft.com/office/drawing/2018/hyperlinkcolor" val="tx"/>
-                    </a:ext>
-                  </a:extLst>
-                </a:hlinkClick>
-              </a:rPr>
-              <a:t>USGS WNS Spread Map</a:t>
-            </a:r>
-            <a:r>
-              <a:rPr lang="en-US" sz="2200" dirty="0">
-                <a:solidFill>
-                  <a:schemeClr val="bg1"/>
-                </a:solidFill>
-              </a:rPr>
-              <a:t>).</a:t>
-            </a:r>
-          </a:p>
-        </p:txBody>
-      </p:sp>
+        </p:grpSpPr>
+        <p:pic>
+          <p:nvPicPr>
+            <p:cNvPr id="74" name="Picture 73" descr="Map&#10;&#10;Description automatically generated">
+              <a:extLst>
+                <a:ext uri="{FF2B5EF4-FFF2-40B4-BE49-F238E27FC236}">
+                  <a16:creationId xmlns:a16="http://schemas.microsoft.com/office/drawing/2014/main" id="{F71E81D2-4560-4EB7-8F23-D2FED40E5A62}"/>
+                </a:ext>
+              </a:extLst>
+            </p:cNvPr>
+            <p:cNvPicPr preferRelativeResize="0">
+              <a:picLocks noChangeAspect="1"/>
+            </p:cNvPicPr>
+            <p:nvPr/>
+          </p:nvPicPr>
+          <p:blipFill>
+            <a:blip r:embed="rId6" cstate="print">
+              <a:extLst>
+                <a:ext uri="{28A0092B-C50C-407E-A947-70E740481C1C}">
+                  <a14:useLocalDpi xmlns:a14="http://schemas.microsoft.com/office/drawing/2010/main" val="0"/>
+                </a:ext>
+              </a:extLst>
+            </a:blip>
+            <a:stretch>
+              <a:fillRect/>
+            </a:stretch>
+          </p:blipFill>
+          <p:spPr>
+            <a:xfrm>
+              <a:off x="-7717056" y="20919502"/>
+              <a:ext cx="8092440" cy="5073270"/>
+            </a:xfrm>
+            <a:prstGeom prst="rect">
+              <a:avLst/>
+            </a:prstGeom>
+          </p:spPr>
+        </p:pic>
+        <p:sp>
+          <p:nvSpPr>
+            <p:cNvPr id="34" name="TextBox 33">
+              <a:extLst>
+                <a:ext uri="{FF2B5EF4-FFF2-40B4-BE49-F238E27FC236}">
+                  <a16:creationId xmlns:a16="http://schemas.microsoft.com/office/drawing/2014/main" id="{4DF059B6-52ED-8775-B560-8DCDA62734C6}"/>
+                </a:ext>
+              </a:extLst>
+            </p:cNvPr>
+            <p:cNvSpPr txBox="1"/>
+            <p:nvPr/>
+          </p:nvSpPr>
+          <p:spPr>
+            <a:xfrm>
+              <a:off x="-7717056" y="26002249"/>
+              <a:ext cx="8092440" cy="436259"/>
+            </a:xfrm>
+            <a:prstGeom prst="rect">
+              <a:avLst/>
+            </a:prstGeom>
+            <a:noFill/>
+          </p:spPr>
+          <p:txBody>
+            <a:bodyPr wrap="square" rtlCol="0">
+              <a:spAutoFit/>
+            </a:bodyPr>
+            <a:lstStyle/>
+            <a:p>
+              <a:r>
+                <a:rPr lang="en-US" sz="2200" i="1" dirty="0">
+                  <a:solidFill>
+                    <a:schemeClr val="bg1"/>
+                  </a:solidFill>
+                </a:rPr>
+                <a:t>Figure 3: </a:t>
+              </a:r>
+              <a:r>
+                <a:rPr lang="en-US" sz="2200" dirty="0">
+                  <a:solidFill>
+                    <a:schemeClr val="bg1"/>
+                  </a:solidFill>
+                </a:rPr>
+                <a:t>Pd spread map as of 2020 (source: </a:t>
+              </a:r>
+              <a:r>
+                <a:rPr lang="en-US" sz="2200" dirty="0">
+                  <a:solidFill>
+                    <a:schemeClr val="bg1"/>
+                  </a:solidFill>
+                  <a:hlinkClick r:id="rId7">
+                    <a:extLst>
+                      <a:ext uri="{A12FA001-AC4F-418D-AE19-62706E023703}">
+                        <ahyp:hlinkClr xmlns:ahyp="http://schemas.microsoft.com/office/drawing/2018/hyperlinkcolor" val="tx"/>
+                      </a:ext>
+                    </a:extLst>
+                  </a:hlinkClick>
+                </a:rPr>
+                <a:t>USGS WNS Spread Map</a:t>
+              </a:r>
+              <a:r>
+                <a:rPr lang="en-US" sz="2200" dirty="0">
+                  <a:solidFill>
+                    <a:schemeClr val="bg1"/>
+                  </a:solidFill>
+                </a:rPr>
+                <a:t>).</a:t>
+              </a:r>
+            </a:p>
+          </p:txBody>
+        </p:sp>
+      </p:grpSp>
       <p:sp>
         <p:nvSpPr>
           <p:cNvPr id="52" name="Rectangle 51">
@@ -6096,8 +6102,8 @@
         </p:nvSpPr>
         <p:spPr>
           <a:xfrm>
-            <a:off x="1160907" y="21260054"/>
-            <a:ext cx="9262872" cy="5696712"/>
+            <a:off x="1394460" y="27144120"/>
+            <a:ext cx="8796528" cy="5696712"/>
           </a:xfrm>
           <a:prstGeom prst="rect">
             <a:avLst/>
@@ -6136,214 +6142,12 @@
           </a:p>
         </p:txBody>
       </p:sp>
-      <p:pic>
-        <p:nvPicPr>
-          <p:cNvPr id="76" name="Picture 75" descr="Map&#10;&#10;Description automatically generated">
+      <p:grpSp>
+        <p:nvGrpSpPr>
+          <p:cNvPr id="132" name="Group 131">
             <a:extLst>
               <a:ext uri="{FF2B5EF4-FFF2-40B4-BE49-F238E27FC236}">
-                <a16:creationId xmlns:a16="http://schemas.microsoft.com/office/drawing/2014/main" id="{0FCF8801-BBE6-2E1E-1335-761C12FF4FD0}"/>
-              </a:ext>
-            </a:extLst>
-          </p:cNvPr>
-          <p:cNvPicPr>
-            <a:picLocks noChangeAspect="1"/>
-          </p:cNvPicPr>
-          <p:nvPr/>
-        </p:nvPicPr>
-        <p:blipFill>
-          <a:blip r:embed="rId9" cstate="print">
-            <a:extLst>
-              <a:ext uri="{28A0092B-C50C-407E-A947-70E740481C1C}">
-                <a14:useLocalDpi xmlns:a14="http://schemas.microsoft.com/office/drawing/2010/main" val="0"/>
-              </a:ext>
-            </a:extLst>
-          </a:blip>
-          <a:stretch>
-            <a:fillRect/>
-          </a:stretch>
-        </p:blipFill>
-        <p:spPr>
-          <a:xfrm>
-            <a:off x="1580305" y="21534374"/>
-            <a:ext cx="8424076" cy="4803253"/>
-          </a:xfrm>
-          <a:prstGeom prst="rect">
-            <a:avLst/>
-          </a:prstGeom>
-        </p:spPr>
-      </p:pic>
-      <p:sp>
-        <p:nvSpPr>
-          <p:cNvPr id="56" name="TextBox 55">
-            <a:extLst>
-              <a:ext uri="{FF2B5EF4-FFF2-40B4-BE49-F238E27FC236}">
-                <a16:creationId xmlns:a16="http://schemas.microsoft.com/office/drawing/2014/main" id="{5117427B-175F-8AE6-C794-085021385C3F}"/>
-              </a:ext>
-            </a:extLst>
-          </p:cNvPr>
-          <p:cNvSpPr txBox="1"/>
-          <p:nvPr/>
-        </p:nvSpPr>
-        <p:spPr>
-          <a:xfrm>
-            <a:off x="1580305" y="26337627"/>
-            <a:ext cx="8424077" cy="436259"/>
-          </a:xfrm>
-          <a:prstGeom prst="rect">
-            <a:avLst/>
-          </a:prstGeom>
-          <a:noFill/>
-        </p:spPr>
-        <p:txBody>
-          <a:bodyPr wrap="square" rtlCol="0">
-            <a:spAutoFit/>
-          </a:bodyPr>
-          <a:lstStyle/>
-          <a:p>
-            <a:r>
-              <a:rPr lang="en-US" sz="2200" i="1" dirty="0">
-                <a:solidFill>
-                  <a:schemeClr val="bg1"/>
-                </a:solidFill>
-              </a:rPr>
-              <a:t>Figure 4: </a:t>
-            </a:r>
-            <a:r>
-              <a:rPr lang="en-US" sz="2200" dirty="0">
-                <a:solidFill>
-                  <a:schemeClr val="bg1"/>
-                </a:solidFill>
-              </a:rPr>
-              <a:t>Pd spread map as of 2022 (source: </a:t>
-            </a:r>
-            <a:r>
-              <a:rPr lang="en-US" sz="2200" dirty="0">
-                <a:solidFill>
-                  <a:schemeClr val="bg1"/>
-                </a:solidFill>
-                <a:hlinkClick r:id="rId8">
-                  <a:extLst>
-                    <a:ext uri="{A12FA001-AC4F-418D-AE19-62706E023703}">
-                      <ahyp:hlinkClr xmlns:ahyp="http://schemas.microsoft.com/office/drawing/2018/hyperlinkcolor" val="tx"/>
-                    </a:ext>
-                  </a:extLst>
-                </a:hlinkClick>
-              </a:rPr>
-              <a:t>USGS WNS Spread Map</a:t>
-            </a:r>
-            <a:r>
-              <a:rPr lang="en-US" sz="2200" dirty="0">
-                <a:solidFill>
-                  <a:schemeClr val="bg1"/>
-                </a:solidFill>
-              </a:rPr>
-              <a:t>)</a:t>
-            </a:r>
-          </a:p>
-        </p:txBody>
-      </p:sp>
-      <p:sp>
-        <p:nvSpPr>
-          <p:cNvPr id="67" name="Rectangle 66">
-            <a:extLst>
-              <a:ext uri="{FF2B5EF4-FFF2-40B4-BE49-F238E27FC236}">
-                <a16:creationId xmlns:a16="http://schemas.microsoft.com/office/drawing/2014/main" id="{4CA476E1-0870-9445-C0BF-552AA900038A}"/>
-              </a:ext>
-            </a:extLst>
-          </p:cNvPr>
-          <p:cNvSpPr>
-            <a:spLocks noGrp="1" noRot="1" noMove="1" noResize="1" noEditPoints="1" noAdjustHandles="1" noChangeArrowheads="1" noChangeShapeType="1"/>
-          </p:cNvSpPr>
-          <p:nvPr/>
-        </p:nvSpPr>
-        <p:spPr>
-          <a:xfrm>
-            <a:off x="1160335" y="27323555"/>
-            <a:ext cx="9262872" cy="5018729"/>
-          </a:xfrm>
-          <a:prstGeom prst="rect">
-            <a:avLst/>
-          </a:prstGeom>
-          <a:solidFill>
-            <a:srgbClr val="002060"/>
-          </a:solidFill>
-          <a:ln>
-            <a:solidFill>
-              <a:srgbClr val="FFC000"/>
-            </a:solidFill>
-          </a:ln>
-        </p:spPr>
-        <p:style>
-          <a:lnRef idx="2">
-            <a:schemeClr val="accent1">
-              <a:shade val="50000"/>
-            </a:schemeClr>
-          </a:lnRef>
-          <a:fillRef idx="1">
-            <a:schemeClr val="accent1"/>
-          </a:fillRef>
-          <a:effectRef idx="0">
-            <a:schemeClr val="accent1"/>
-          </a:effectRef>
-          <a:fontRef idx="minor">
-            <a:schemeClr val="lt1"/>
-          </a:fontRef>
-        </p:style>
-        <p:txBody>
-          <a:bodyPr rtlCol="0" anchor="ctr"/>
-          <a:lstStyle/>
-          <a:p>
-            <a:pPr algn="ctr"/>
-            <a:endParaRPr lang="en-US"/>
-          </a:p>
-        </p:txBody>
-      </p:sp>
-      <p:sp>
-        <p:nvSpPr>
-          <p:cNvPr id="94" name="TextBox 93">
-            <a:extLst>
-              <a:ext uri="{FF2B5EF4-FFF2-40B4-BE49-F238E27FC236}">
-                <a16:creationId xmlns:a16="http://schemas.microsoft.com/office/drawing/2014/main" id="{3F2588A0-836D-ED91-A66E-DB3FA9E102AB}"/>
-              </a:ext>
-            </a:extLst>
-          </p:cNvPr>
-          <p:cNvSpPr txBox="1"/>
-          <p:nvPr/>
-        </p:nvSpPr>
-        <p:spPr>
-          <a:xfrm>
-            <a:off x="1158240" y="29228298"/>
-            <a:ext cx="9262872" cy="1209242"/>
-          </a:xfrm>
-          <a:prstGeom prst="rect">
-            <a:avLst/>
-          </a:prstGeom>
-          <a:noFill/>
-        </p:spPr>
-        <p:txBody>
-          <a:bodyPr wrap="square" rtlCol="0" anchor="ctr">
-            <a:spAutoFit/>
-          </a:bodyPr>
-          <a:lstStyle/>
-          <a:p>
-            <a:pPr algn="ctr"/>
-            <a:r>
-              <a:rPr lang="en-US" dirty="0">
-                <a:solidFill>
-                  <a:schemeClr val="bg1"/>
-                </a:solidFill>
-              </a:rPr>
-              <a:t>Azure cave photo</a:t>
-            </a:r>
-          </a:p>
-        </p:txBody>
-      </p:sp>
-      <p:grpSp>
-        <p:nvGrpSpPr>
-          <p:cNvPr id="235" name="Group 234">
-            <a:extLst>
-              <a:ext uri="{FF2B5EF4-FFF2-40B4-BE49-F238E27FC236}">
-                <a16:creationId xmlns:a16="http://schemas.microsoft.com/office/drawing/2014/main" id="{680E4FC1-D25A-9237-7F37-D77DC0D4E8D0}"/>
+                <a16:creationId xmlns:a16="http://schemas.microsoft.com/office/drawing/2014/main" id="{DA07803D-83DA-C39B-611E-3FD915780551}"/>
               </a:ext>
             </a:extLst>
           </p:cNvPr>
@@ -6352,28 +6156,28 @@
         </p:nvGrpSpPr>
         <p:grpSpPr>
           <a:xfrm>
-            <a:off x="1551432" y="10813599"/>
-            <a:ext cx="3840480" cy="3869826"/>
-            <a:chOff x="1551432" y="11070777"/>
-            <a:chExt cx="3840480" cy="3869826"/>
+            <a:off x="1746504" y="27372720"/>
+            <a:ext cx="8092441" cy="5239512"/>
+            <a:chOff x="-11661890" y="26633006"/>
+            <a:chExt cx="8092441" cy="5511179"/>
           </a:xfrm>
         </p:grpSpPr>
         <p:pic>
           <p:nvPicPr>
-            <p:cNvPr id="80" name="Picture 79" descr="A person holding a bird&#10;&#10;Description automatically generated with low confidence">
+            <p:cNvPr id="76" name="Picture 75" descr="Map&#10;&#10;Description automatically generated">
               <a:extLst>
                 <a:ext uri="{FF2B5EF4-FFF2-40B4-BE49-F238E27FC236}">
-                  <a16:creationId xmlns:a16="http://schemas.microsoft.com/office/drawing/2014/main" id="{BFC5787D-88C3-69DB-071D-46BBEDB193BD}"/>
+                  <a16:creationId xmlns:a16="http://schemas.microsoft.com/office/drawing/2014/main" id="{0FCF8801-BBE6-2E1E-1335-761C12FF4FD0}"/>
                 </a:ext>
               </a:extLst>
             </p:cNvPr>
-            <p:cNvPicPr>
-              <a:picLocks noChangeAspect="1"/>
+            <p:cNvPicPr preferRelativeResize="0">
+              <a:picLocks/>
             </p:cNvPicPr>
             <p:nvPr/>
           </p:nvPicPr>
           <p:blipFill>
-            <a:blip r:embed="rId10" cstate="print">
+            <a:blip r:embed="rId8" cstate="print">
               <a:extLst>
                 <a:ext uri="{28A0092B-C50C-407E-A947-70E740481C1C}">
                   <a14:useLocalDpi xmlns:a14="http://schemas.microsoft.com/office/drawing/2010/main" val="0"/>
@@ -6386,8 +6190,8 @@
           </p:blipFill>
           <p:spPr>
             <a:xfrm>
-              <a:off x="1580432" y="11070777"/>
-              <a:ext cx="3811480" cy="2898294"/>
+              <a:off x="-11661890" y="26633006"/>
+              <a:ext cx="8092440" cy="5074920"/>
             </a:xfrm>
             <a:prstGeom prst="rect">
               <a:avLst/>
@@ -6396,10 +6200,10 @@
         </p:pic>
         <p:sp>
           <p:nvSpPr>
-            <p:cNvPr id="19" name="TextBox 18">
+            <p:cNvPr id="56" name="TextBox 55">
               <a:extLst>
                 <a:ext uri="{FF2B5EF4-FFF2-40B4-BE49-F238E27FC236}">
-                  <a16:creationId xmlns:a16="http://schemas.microsoft.com/office/drawing/2014/main" id="{1DA21D74-4AC9-9134-03D6-9978534C8503}"/>
+                  <a16:creationId xmlns:a16="http://schemas.microsoft.com/office/drawing/2014/main" id="{5117427B-175F-8AE6-C794-085021385C3F}"/>
                 </a:ext>
               </a:extLst>
             </p:cNvPr>
@@ -6408,8 +6212,8 @@
           </p:nvSpPr>
           <p:spPr>
             <a:xfrm>
-              <a:off x="1551432" y="13949520"/>
-              <a:ext cx="3785774" cy="991083"/>
+              <a:off x="-11661889" y="31707926"/>
+              <a:ext cx="8092440" cy="436259"/>
             </a:xfrm>
             <a:prstGeom prst="rect">
               <a:avLst/>
@@ -6428,7 +6232,7 @@
                     <a:schemeClr val="bg1"/>
                   </a:solidFill>
                 </a:rPr>
-                <a:t>Figure 1</a:t>
+                <a:t>Figure 4: </a:t>
               </a:r>
               <a:r>
                 <a:rPr lang="en-US" sz="2200" dirty="0">
@@ -6436,14 +6240,14 @@
                     <a:schemeClr val="bg1"/>
                   </a:solidFill>
                 </a:rPr>
-                <a:t>: Northern long-eared bat with visible signs of WNS (source: </a:t>
+                <a:t>Pd spread map as of 2022 (source: </a:t>
               </a:r>
               <a:r>
                 <a:rPr lang="en-US" sz="2200" dirty="0">
                   <a:solidFill>
                     <a:schemeClr val="bg1"/>
                   </a:solidFill>
-                  <a:hlinkClick r:id="rId11">
+                  <a:hlinkClick r:id="rId7">
                     <a:extLst>
                       <a:ext uri="{A12FA001-AC4F-418D-AE19-62706E023703}">
                         <ahyp:hlinkClr xmlns:ahyp="http://schemas.microsoft.com/office/drawing/2018/hyperlinkcolor" val="tx"/>
@@ -6451,7 +6255,7 @@
                     </a:extLst>
                   </a:hlinkClick>
                 </a:rPr>
-                <a:t>USFWS Flickr</a:t>
+                <a:t>USGS WNS Spread Map</a:t>
               </a:r>
               <a:r>
                 <a:rPr lang="en-US" sz="2200" dirty="0">
@@ -6665,7 +6469,7 @@
           <p:nvPr/>
         </p:nvPicPr>
         <p:blipFill>
-          <a:blip r:embed="rId12" cstate="print">
+          <a:blip r:embed="rId9" cstate="print">
             <a:extLst>
               <a:ext uri="{28A0092B-C50C-407E-A947-70E740481C1C}">
                 <a14:useLocalDpi xmlns:a14="http://schemas.microsoft.com/office/drawing/2010/main" val="0"/>
@@ -6678,8 +6482,8 @@
         </p:blipFill>
         <p:spPr>
           <a:xfrm>
-            <a:off x="33525713" y="21204636"/>
-            <a:ext cx="4176938" cy="5569250"/>
+            <a:off x="33791201" y="21061412"/>
+            <a:ext cx="3557917" cy="4743889"/>
           </a:xfrm>
           <a:prstGeom prst="rect">
             <a:avLst/>
@@ -6701,7 +6505,7 @@
           <p:nvPr/>
         </p:nvPicPr>
         <p:blipFill>
-          <a:blip r:embed="rId13" cstate="print">
+          <a:blip r:embed="rId10" cstate="print">
             <a:extLst>
               <a:ext uri="{28A0092B-C50C-407E-A947-70E740481C1C}">
                 <a14:useLocalDpi xmlns:a14="http://schemas.microsoft.com/office/drawing/2010/main" val="0"/>
@@ -6714,8 +6518,8 @@
         </p:blipFill>
         <p:spPr>
           <a:xfrm rot="5400000">
-            <a:off x="51309378" y="15533375"/>
-            <a:ext cx="6596347" cy="4947260"/>
+            <a:off x="38332555" y="21745159"/>
+            <a:ext cx="4993978" cy="3745483"/>
           </a:xfrm>
           <a:prstGeom prst="rect">
             <a:avLst/>
@@ -6791,7 +6595,7 @@
           <p:nvPr/>
         </p:nvPicPr>
         <p:blipFill>
-          <a:blip r:embed="rId14" cstate="print">
+          <a:blip r:embed="rId11" cstate="print">
             <a:extLst>
               <a:ext uri="{28A0092B-C50C-407E-A947-70E740481C1C}">
                 <a14:useLocalDpi xmlns:a14="http://schemas.microsoft.com/office/drawing/2010/main" val="0"/>
@@ -6849,7 +6653,7 @@
             <p:nvPr/>
           </p:nvPicPr>
           <p:blipFill>
-            <a:blip r:embed="rId15" cstate="print">
+            <a:blip r:embed="rId12" cstate="print">
               <a:extLst>
                 <a:ext uri="{28A0092B-C50C-407E-A947-70E740481C1C}">
                   <a14:useLocalDpi xmlns:a14="http://schemas.microsoft.com/office/drawing/2010/main" val="0"/>
@@ -6885,7 +6689,7 @@
             <p:nvPr/>
           </p:nvPicPr>
           <p:blipFill>
-            <a:blip r:embed="rId16" cstate="print">
+            <a:blip r:embed="rId13" cstate="print">
               <a:extLst>
                 <a:ext uri="{28A0092B-C50C-407E-A947-70E740481C1C}">
                   <a14:useLocalDpi xmlns:a14="http://schemas.microsoft.com/office/drawing/2010/main" val="0"/>
@@ -7193,7 +6997,7 @@
           <p:nvPr/>
         </p:nvPicPr>
         <p:blipFill>
-          <a:blip r:embed="rId17" cstate="print">
+          <a:blip r:embed="rId14" cstate="print">
             <a:extLst>
               <a:ext uri="{28A0092B-C50C-407E-A947-70E740481C1C}">
                 <a14:useLocalDpi xmlns:a14="http://schemas.microsoft.com/office/drawing/2010/main" val="0"/>
@@ -8058,8 +7862,8 @@
         </p:blipFill>
         <p:spPr>
           <a:xfrm>
-            <a:off x="34476676" y="13751919"/>
-            <a:ext cx="4539536" cy="6052715"/>
+            <a:off x="39281703" y="8777046"/>
+            <a:ext cx="3197218" cy="4262958"/>
           </a:xfrm>
           <a:prstGeom prst="rect">
             <a:avLst/>
@@ -8273,8 +8077,8 @@
         </p:blipFill>
         <p:spPr>
           <a:xfrm>
-            <a:off x="33773337" y="8231645"/>
-            <a:ext cx="7441419" cy="5581062"/>
+            <a:off x="34098561" y="9207469"/>
+            <a:ext cx="4873478" cy="3655107"/>
           </a:xfrm>
           <a:prstGeom prst="rect">
             <a:avLst/>
@@ -8353,61 +8157,22 @@
       </p:sp>
       <p:sp>
         <p:nvSpPr>
-          <p:cNvPr id="226" name="TextBox 225">
+          <p:cNvPr id="67" name="Rectangle 66">
             <a:extLst>
               <a:ext uri="{FF2B5EF4-FFF2-40B4-BE49-F238E27FC236}">
-                <a16:creationId xmlns:a16="http://schemas.microsoft.com/office/drawing/2014/main" id="{76566B4B-2905-D4C3-E927-F60156DA1BA0}"/>
+                <a16:creationId xmlns:a16="http://schemas.microsoft.com/office/drawing/2014/main" id="{4CA476E1-0870-9445-C0BF-552AA900038A}"/>
               </a:ext>
             </a:extLst>
           </p:cNvPr>
-          <p:cNvSpPr txBox="1"/>
+          <p:cNvSpPr>
+            <a:spLocks noGrp="1" noRot="1" noMove="1" noResize="1" noEditPoints="1" noAdjustHandles="1" noChangeArrowheads="1" noChangeShapeType="1"/>
+          </p:cNvSpPr>
           <p:nvPr/>
         </p:nvSpPr>
         <p:spPr>
           <a:xfrm>
-            <a:off x="45850817" y="19753576"/>
-            <a:ext cx="10383039" cy="707886"/>
-          </a:xfrm>
-          <a:prstGeom prst="rect">
-            <a:avLst/>
-          </a:prstGeom>
-          <a:noFill/>
-        </p:spPr>
-        <p:txBody>
-          <a:bodyPr wrap="square" rtlCol="0">
-            <a:spAutoFit/>
-          </a:bodyPr>
-          <a:lstStyle/>
-          <a:p>
-            <a:pPr algn="ctr"/>
-            <a:r>
-              <a:rPr lang="en-US" sz="4000" b="1" dirty="0">
-                <a:solidFill>
-                  <a:schemeClr val="bg1"/>
-                </a:solidFill>
-                <a:latin typeface="Trajan Pro" panose="020B0604020202020204" pitchFamily="18" charset="0"/>
-              </a:rPr>
-              <a:t>WNS surveillance data</a:t>
-            </a:r>
-          </a:p>
-        </p:txBody>
-      </p:sp>
-      <p:sp>
-        <p:nvSpPr>
-          <p:cNvPr id="228" name="TextBox 227">
-            <a:extLst>
-              <a:ext uri="{FF2B5EF4-FFF2-40B4-BE49-F238E27FC236}">
-                <a16:creationId xmlns:a16="http://schemas.microsoft.com/office/drawing/2014/main" id="{6E82963E-CDF7-8A9F-01DB-FDB6193307F3}"/>
-              </a:ext>
-            </a:extLst>
-          </p:cNvPr>
-          <p:cNvSpPr txBox="1"/>
-          <p:nvPr/>
-        </p:nvSpPr>
-        <p:spPr>
-          <a:xfrm>
-            <a:off x="33741375" y="19311216"/>
-            <a:ext cx="9262872" cy="633663"/>
+            <a:off x="1394460" y="10505880"/>
+            <a:ext cx="8796528" cy="10208788"/>
           </a:xfrm>
           <a:prstGeom prst="rect">
             <a:avLst/>
@@ -8417,40 +8182,501 @@
           </a:solidFill>
           <a:ln>
             <a:solidFill>
-              <a:schemeClr val="accent4"/>
+              <a:srgbClr val="FFC000"/>
             </a:solidFill>
           </a:ln>
-          <a:effectLst/>
         </p:spPr>
         <p:style>
           <a:lnRef idx="2">
-            <a:schemeClr val="dk1"/>
+            <a:schemeClr val="accent1">
+              <a:shade val="50000"/>
+            </a:schemeClr>
           </a:lnRef>
           <a:fillRef idx="1">
-            <a:schemeClr val="lt1"/>
+            <a:schemeClr val="accent1"/>
           </a:fillRef>
           <a:effectRef idx="0">
-            <a:schemeClr val="dk1"/>
+            <a:schemeClr val="accent1"/>
           </a:effectRef>
           <a:fontRef idx="minor">
-            <a:schemeClr val="dk1"/>
+            <a:schemeClr val="lt1"/>
           </a:fontRef>
         </p:style>
         <p:txBody>
-          <a:bodyPr wrap="square" rtlCol="0">
-            <a:spAutoFit/>
-          </a:bodyPr>
+          <a:bodyPr rtlCol="0" anchor="ctr"/>
           <a:lstStyle/>
           <a:p>
             <a:pPr algn="ctr"/>
-            <a:endParaRPr lang="en-US" sz="6000" dirty="0">
+            <a:endParaRPr lang="en-US"/>
+          </a:p>
+        </p:txBody>
+      </p:sp>
+      <p:grpSp>
+        <p:nvGrpSpPr>
+          <p:cNvPr id="109" name="Group 108">
+            <a:extLst>
+              <a:ext uri="{FF2B5EF4-FFF2-40B4-BE49-F238E27FC236}">
+                <a16:creationId xmlns:a16="http://schemas.microsoft.com/office/drawing/2014/main" id="{C8EDB95E-1E41-3870-947F-B3430BDDDC00}"/>
+              </a:ext>
+            </a:extLst>
+          </p:cNvPr>
+          <p:cNvGrpSpPr/>
+          <p:nvPr/>
+        </p:nvGrpSpPr>
+        <p:grpSpPr>
+          <a:xfrm>
+            <a:off x="-11560353" y="12003756"/>
+            <a:ext cx="7348496" cy="5671793"/>
+            <a:chOff x="-9485812" y="9755028"/>
+            <a:chExt cx="7348496" cy="5671793"/>
+          </a:xfrm>
+        </p:grpSpPr>
+        <p:pic>
+          <p:nvPicPr>
+            <p:cNvPr id="112" name="Picture 111" descr="A picture containing ground, rock, stone, soil&#10;&#10;Description automatically generated">
+              <a:extLst>
+                <a:ext uri="{FF2B5EF4-FFF2-40B4-BE49-F238E27FC236}">
+                  <a16:creationId xmlns:a16="http://schemas.microsoft.com/office/drawing/2014/main" id="{00043004-36ED-3507-B020-53C85514F79A}"/>
+                </a:ext>
+              </a:extLst>
+            </p:cNvPr>
+            <p:cNvPicPr>
+              <a:picLocks noChangeAspect="1"/>
+            </p:cNvPicPr>
+            <p:nvPr/>
+          </p:nvPicPr>
+          <p:blipFill>
+            <a:blip r:embed="rId29" cstate="print">
+              <a:extLst>
+                <a:ext uri="{28A0092B-C50C-407E-A947-70E740481C1C}">
+                  <a14:useLocalDpi xmlns:a14="http://schemas.microsoft.com/office/drawing/2010/main" val="0"/>
+                </a:ext>
+              </a:extLst>
+            </a:blip>
+            <a:stretch>
+              <a:fillRect/>
+            </a:stretch>
+          </p:blipFill>
+          <p:spPr>
+            <a:xfrm>
+              <a:off x="-9485812" y="9755028"/>
+              <a:ext cx="7348496" cy="4898997"/>
+            </a:xfrm>
+            <a:prstGeom prst="rect">
+              <a:avLst/>
+            </a:prstGeom>
+          </p:spPr>
+        </p:pic>
+        <p:sp>
+          <p:nvSpPr>
+            <p:cNvPr id="115" name="TextBox 114">
+              <a:extLst>
+                <a:ext uri="{FF2B5EF4-FFF2-40B4-BE49-F238E27FC236}">
+                  <a16:creationId xmlns:a16="http://schemas.microsoft.com/office/drawing/2014/main" id="{3C2C07A2-C386-A9E3-933B-731C3805CB94}"/>
+                </a:ext>
+              </a:extLst>
+            </p:cNvPr>
+            <p:cNvSpPr txBox="1"/>
+            <p:nvPr/>
+          </p:nvSpPr>
+          <p:spPr>
+            <a:xfrm>
+              <a:off x="-9473098" y="14657380"/>
+              <a:ext cx="7335782" cy="769441"/>
+            </a:xfrm>
+            <a:prstGeom prst="rect">
+              <a:avLst/>
+            </a:prstGeom>
+            <a:noFill/>
+          </p:spPr>
+          <p:txBody>
+            <a:bodyPr wrap="square" rtlCol="0">
+              <a:spAutoFit/>
+            </a:bodyPr>
+            <a:lstStyle/>
+            <a:p>
+              <a:r>
+                <a:rPr lang="en-US" sz="2200" i="1" dirty="0">
+                  <a:solidFill>
+                    <a:schemeClr val="bg1"/>
+                  </a:solidFill>
+                </a:rPr>
+                <a:t>Figure 1c</a:t>
+              </a:r>
+              <a:r>
+                <a:rPr lang="en-US" sz="2200" dirty="0">
+                  <a:solidFill>
+                    <a:schemeClr val="bg1"/>
+                  </a:solidFill>
+                </a:rPr>
+                <a:t>: Bat carcasses found in Azure cave in 2022 (source: Nicole Hussey, MTFWP).</a:t>
+              </a:r>
+              <a:endParaRPr lang="en-US" sz="2200" i="1" dirty="0">
+                <a:solidFill>
+                  <a:schemeClr val="bg1"/>
+                </a:solidFill>
+              </a:endParaRPr>
+            </a:p>
+          </p:txBody>
+        </p:sp>
+      </p:grpSp>
+      <p:grpSp>
+        <p:nvGrpSpPr>
+          <p:cNvPr id="121" name="Group 120">
+            <a:extLst>
+              <a:ext uri="{FF2B5EF4-FFF2-40B4-BE49-F238E27FC236}">
+                <a16:creationId xmlns:a16="http://schemas.microsoft.com/office/drawing/2014/main" id="{328CF081-F5AD-10DD-3A2F-39E50B0720A6}"/>
+              </a:ext>
+            </a:extLst>
+          </p:cNvPr>
+          <p:cNvGrpSpPr/>
+          <p:nvPr/>
+        </p:nvGrpSpPr>
+        <p:grpSpPr>
+          <a:xfrm>
+            <a:off x="-7755221" y="7772917"/>
+            <a:ext cx="3840480" cy="3986739"/>
+            <a:chOff x="1551432" y="11070777"/>
+            <a:chExt cx="3840480" cy="3986739"/>
+          </a:xfrm>
+        </p:grpSpPr>
+        <p:pic>
+          <p:nvPicPr>
+            <p:cNvPr id="122" name="Picture 121" descr="A person holding a bird&#10;&#10;Description automatically generated with low confidence">
+              <a:extLst>
+                <a:ext uri="{FF2B5EF4-FFF2-40B4-BE49-F238E27FC236}">
+                  <a16:creationId xmlns:a16="http://schemas.microsoft.com/office/drawing/2014/main" id="{BD6F4E8A-1403-414C-4B2B-A13FF0094BFC}"/>
+                </a:ext>
+              </a:extLst>
+            </p:cNvPr>
+            <p:cNvPicPr>
+              <a:picLocks noChangeAspect="1"/>
+            </p:cNvPicPr>
+            <p:nvPr/>
+          </p:nvPicPr>
+          <p:blipFill>
+            <a:blip r:embed="rId30" cstate="print">
+              <a:extLst>
+                <a:ext uri="{28A0092B-C50C-407E-A947-70E740481C1C}">
+                  <a14:useLocalDpi xmlns:a14="http://schemas.microsoft.com/office/drawing/2010/main" val="0"/>
+                </a:ext>
+              </a:extLst>
+            </a:blip>
+            <a:stretch>
+              <a:fillRect/>
+            </a:stretch>
+          </p:blipFill>
+          <p:spPr>
+            <a:xfrm>
+              <a:off x="1580432" y="11070777"/>
+              <a:ext cx="3811480" cy="2898294"/>
+            </a:xfrm>
+            <a:prstGeom prst="rect">
+              <a:avLst/>
+            </a:prstGeom>
+          </p:spPr>
+        </p:pic>
+        <p:sp>
+          <p:nvSpPr>
+            <p:cNvPr id="124" name="TextBox 123">
+              <a:extLst>
+                <a:ext uri="{FF2B5EF4-FFF2-40B4-BE49-F238E27FC236}">
+                  <a16:creationId xmlns:a16="http://schemas.microsoft.com/office/drawing/2014/main" id="{22CD43B4-E278-E4A1-5133-1BD2738FC34C}"/>
+                </a:ext>
+              </a:extLst>
+            </p:cNvPr>
+            <p:cNvSpPr txBox="1"/>
+            <p:nvPr/>
+          </p:nvSpPr>
+          <p:spPr>
+            <a:xfrm>
+              <a:off x="1551432" y="13949520"/>
+              <a:ext cx="3785774" cy="1107996"/>
+            </a:xfrm>
+            <a:prstGeom prst="rect">
+              <a:avLst/>
+            </a:prstGeom>
+            <a:noFill/>
+          </p:spPr>
+          <p:txBody>
+            <a:bodyPr wrap="square" rtlCol="0">
+              <a:spAutoFit/>
+            </a:bodyPr>
+            <a:lstStyle/>
+            <a:p>
+              <a:r>
+                <a:rPr lang="en-US" sz="2200" i="1" dirty="0">
+                  <a:solidFill>
+                    <a:schemeClr val="bg1"/>
+                  </a:solidFill>
+                </a:rPr>
+                <a:t>Figure 1b</a:t>
+              </a:r>
+              <a:r>
+                <a:rPr lang="en-US" sz="2200" dirty="0">
+                  <a:solidFill>
+                    <a:schemeClr val="bg1"/>
+                  </a:solidFill>
+                </a:rPr>
+                <a:t>: Northern long-eared bat with visible signs of WNS (source: </a:t>
+              </a:r>
+              <a:r>
+                <a:rPr lang="en-US" sz="2200" dirty="0">
+                  <a:solidFill>
+                    <a:schemeClr val="bg1"/>
+                  </a:solidFill>
+                  <a:hlinkClick r:id="rId31">
+                    <a:extLst>
+                      <a:ext uri="{A12FA001-AC4F-418D-AE19-62706E023703}">
+                        <ahyp:hlinkClr xmlns:ahyp="http://schemas.microsoft.com/office/drawing/2018/hyperlinkcolor" val="tx"/>
+                      </a:ext>
+                    </a:extLst>
+                  </a:hlinkClick>
+                </a:rPr>
+                <a:t>USFWS Flickr</a:t>
+              </a:r>
+              <a:r>
+                <a:rPr lang="en-US" sz="2200" dirty="0">
+                  <a:solidFill>
+                    <a:schemeClr val="bg1"/>
+                  </a:solidFill>
+                </a:rPr>
+                <a:t>)</a:t>
+              </a:r>
+            </a:p>
+          </p:txBody>
+        </p:sp>
+      </p:grpSp>
+      <p:grpSp>
+        <p:nvGrpSpPr>
+          <p:cNvPr id="125" name="Group 124">
+            <a:extLst>
+              <a:ext uri="{FF2B5EF4-FFF2-40B4-BE49-F238E27FC236}">
+                <a16:creationId xmlns:a16="http://schemas.microsoft.com/office/drawing/2014/main" id="{A8FCE81B-CE21-79FA-206A-A5F282DE4FBC}"/>
+              </a:ext>
+            </a:extLst>
+          </p:cNvPr>
+          <p:cNvGrpSpPr/>
+          <p:nvPr/>
+        </p:nvGrpSpPr>
+        <p:grpSpPr>
+          <a:xfrm>
+            <a:off x="-11868426" y="8096100"/>
+            <a:ext cx="3840480" cy="3650316"/>
+            <a:chOff x="6190488" y="11247502"/>
+            <a:chExt cx="3840480" cy="3650316"/>
+          </a:xfrm>
+        </p:grpSpPr>
+        <p:pic>
+          <p:nvPicPr>
+            <p:cNvPr id="128" name="Picture 127" descr="A picture containing ground, indoor, laying, dirty&#10;&#10;Description automatically generated">
+              <a:extLst>
+                <a:ext uri="{FF2B5EF4-FFF2-40B4-BE49-F238E27FC236}">
+                  <a16:creationId xmlns:a16="http://schemas.microsoft.com/office/drawing/2014/main" id="{FA5EDDD6-8CD5-857B-DBDF-C06E1B3DE84C}"/>
+                </a:ext>
+              </a:extLst>
+            </p:cNvPr>
+            <p:cNvPicPr>
+              <a:picLocks noChangeAspect="1"/>
+            </p:cNvPicPr>
+            <p:nvPr/>
+          </p:nvPicPr>
+          <p:blipFill>
+            <a:blip r:embed="rId32">
+              <a:extLst>
+                <a:ext uri="{28A0092B-C50C-407E-A947-70E740481C1C}">
+                  <a14:useLocalDpi xmlns:a14="http://schemas.microsoft.com/office/drawing/2010/main" val="0"/>
+                </a:ext>
+              </a:extLst>
+            </a:blip>
+            <a:stretch>
+              <a:fillRect/>
+            </a:stretch>
+          </p:blipFill>
+          <p:spPr>
+            <a:xfrm>
+              <a:off x="6190488" y="11247502"/>
+              <a:ext cx="3840480" cy="2203766"/>
+            </a:xfrm>
+            <a:prstGeom prst="rect">
+              <a:avLst/>
+            </a:prstGeom>
+          </p:spPr>
+        </p:pic>
+        <p:sp>
+          <p:nvSpPr>
+            <p:cNvPr id="129" name="TextBox 128">
+              <a:extLst>
+                <a:ext uri="{FF2B5EF4-FFF2-40B4-BE49-F238E27FC236}">
+                  <a16:creationId xmlns:a16="http://schemas.microsoft.com/office/drawing/2014/main" id="{2C8103BD-B9F6-C3C2-7A6B-29E0F0FAFACD}"/>
+                </a:ext>
+              </a:extLst>
+            </p:cNvPr>
+            <p:cNvSpPr txBox="1"/>
+            <p:nvPr/>
+          </p:nvSpPr>
+          <p:spPr>
+            <a:xfrm>
+              <a:off x="6190488" y="13451268"/>
+              <a:ext cx="3823555" cy="1446550"/>
+            </a:xfrm>
+            <a:prstGeom prst="rect">
+              <a:avLst/>
+            </a:prstGeom>
+            <a:noFill/>
+          </p:spPr>
+          <p:txBody>
+            <a:bodyPr wrap="square" rtlCol="0">
+              <a:spAutoFit/>
+            </a:bodyPr>
+            <a:lstStyle/>
+            <a:p>
+              <a:r>
+                <a:rPr lang="en-US" sz="2200" i="1" dirty="0">
+                  <a:solidFill>
+                    <a:schemeClr val="bg1"/>
+                  </a:solidFill>
+                </a:rPr>
+                <a:t>Figure 1a: </a:t>
+              </a:r>
+              <a:r>
+                <a:rPr lang="en-US" sz="2200" dirty="0">
+                  <a:solidFill>
+                    <a:schemeClr val="bg1"/>
+                  </a:solidFill>
+                </a:rPr>
+                <a:t>WNS-affected little brown bats in Azure Cave, MT, USA (source: Montana Fish Wildlife and Parks)</a:t>
+              </a:r>
+              <a:endParaRPr lang="en-US" sz="2200" i="1" dirty="0">
+                <a:solidFill>
+                  <a:schemeClr val="bg1"/>
+                </a:solidFill>
+              </a:endParaRPr>
+            </a:p>
+          </p:txBody>
+        </p:sp>
+      </p:grpSp>
+      <p:grpSp>
+        <p:nvGrpSpPr>
+          <p:cNvPr id="137" name="Group 136">
+            <a:extLst>
+              <a:ext uri="{FF2B5EF4-FFF2-40B4-BE49-F238E27FC236}">
+                <a16:creationId xmlns:a16="http://schemas.microsoft.com/office/drawing/2014/main" id="{F3E4930C-453B-EE05-74C9-52D8F07177A5}"/>
+              </a:ext>
+            </a:extLst>
+          </p:cNvPr>
+          <p:cNvGrpSpPr/>
+          <p:nvPr/>
+        </p:nvGrpSpPr>
+        <p:grpSpPr>
+          <a:xfrm>
+            <a:off x="33321230" y="15779535"/>
+            <a:ext cx="10383039" cy="707886"/>
+            <a:chOff x="33321230" y="15779535"/>
+            <a:chExt cx="10383039" cy="707886"/>
+          </a:xfrm>
+        </p:grpSpPr>
+        <p:sp>
+          <p:nvSpPr>
+            <p:cNvPr id="135" name="TextBox 134">
+              <a:extLst>
+                <a:ext uri="{FF2B5EF4-FFF2-40B4-BE49-F238E27FC236}">
+                  <a16:creationId xmlns:a16="http://schemas.microsoft.com/office/drawing/2014/main" id="{69E1AD0C-69E9-B657-925C-D43D49ED3F76}"/>
+                </a:ext>
+              </a:extLst>
+            </p:cNvPr>
+            <p:cNvSpPr txBox="1"/>
+            <p:nvPr/>
+          </p:nvSpPr>
+          <p:spPr>
+            <a:xfrm>
+              <a:off x="33881313" y="15816647"/>
+              <a:ext cx="9262872" cy="633663"/>
+            </a:xfrm>
+            <a:prstGeom prst="rect">
+              <a:avLst/>
+            </a:prstGeom>
+            <a:solidFill>
+              <a:srgbClr val="002060"/>
+            </a:solidFill>
+            <a:ln>
               <a:solidFill>
-                <a:schemeClr val="bg1"/>
+                <a:schemeClr val="accent4"/>
               </a:solidFill>
-            </a:endParaRPr>
-          </a:p>
-        </p:txBody>
-      </p:sp>
+            </a:ln>
+            <a:effectLst/>
+          </p:spPr>
+          <p:style>
+            <a:lnRef idx="2">
+              <a:schemeClr val="dk1"/>
+            </a:lnRef>
+            <a:fillRef idx="1">
+              <a:schemeClr val="lt1"/>
+            </a:fillRef>
+            <a:effectRef idx="0">
+              <a:schemeClr val="dk1"/>
+            </a:effectRef>
+            <a:fontRef idx="minor">
+              <a:schemeClr val="dk1"/>
+            </a:fontRef>
+          </p:style>
+          <p:txBody>
+            <a:bodyPr wrap="square" rtlCol="0">
+              <a:spAutoFit/>
+            </a:bodyPr>
+            <a:lstStyle/>
+            <a:p>
+              <a:pPr algn="ctr"/>
+              <a:endParaRPr lang="en-US" sz="6000" dirty="0">
+                <a:solidFill>
+                  <a:schemeClr val="bg1"/>
+                </a:solidFill>
+              </a:endParaRPr>
+            </a:p>
+          </p:txBody>
+        </p:sp>
+        <p:sp>
+          <p:nvSpPr>
+            <p:cNvPr id="136" name="TextBox 135">
+              <a:extLst>
+                <a:ext uri="{FF2B5EF4-FFF2-40B4-BE49-F238E27FC236}">
+                  <a16:creationId xmlns:a16="http://schemas.microsoft.com/office/drawing/2014/main" id="{C16128ED-7F59-62DC-0EAA-6E70627F5E1A}"/>
+                </a:ext>
+              </a:extLst>
+            </p:cNvPr>
+            <p:cNvSpPr txBox="1"/>
+            <p:nvPr/>
+          </p:nvSpPr>
+          <p:spPr>
+            <a:xfrm>
+              <a:off x="33321230" y="15779535"/>
+              <a:ext cx="10383039" cy="707886"/>
+            </a:xfrm>
+            <a:prstGeom prst="rect">
+              <a:avLst/>
+            </a:prstGeom>
+            <a:noFill/>
+          </p:spPr>
+          <p:txBody>
+            <a:bodyPr wrap="square" rtlCol="0">
+              <a:spAutoFit/>
+            </a:bodyPr>
+            <a:lstStyle/>
+            <a:p>
+              <a:pPr algn="ctr"/>
+              <a:r>
+                <a:rPr lang="en-US" sz="4000" b="1" dirty="0">
+                  <a:solidFill>
+                    <a:schemeClr val="bg1"/>
+                  </a:solidFill>
+                  <a:latin typeface="Trajan Pro" panose="020B0604020202020204" pitchFamily="18" charset="0"/>
+                </a:rPr>
+                <a:t>Stationary acoustic data</a:t>
+              </a:r>
+            </a:p>
+          </p:txBody>
+        </p:sp>
+      </p:grpSp>
     </p:spTree>
     <p:extLst>
       <p:ext uri="{BB962C8B-B14F-4D97-AF65-F5344CB8AC3E}">

--- a/2022/20221006 ENVR Meeting/10062022_ENVR_Poster.pptx
+++ b/2022/20221006 ENVR Meeting/10062022_ENVR_Poster.pptx
@@ -221,7 +221,7 @@
           <a:p>
             <a:fld id="{E837218C-11D2-4A09-9AE4-D6BD3DD27CF4}" type="datetimeFigureOut">
               <a:rPr lang="en-US" smtClean="0"/>
-              <a:t>9/30/2022</a:t>
+              <a:t>10/2/2022</a:t>
             </a:fld>
             <a:endParaRPr lang="en-US"/>
           </a:p>
@@ -716,7 +716,7 @@
           <a:p>
             <a:fld id="{F500E339-CAAD-4744-8AE6-A189147761ED}" type="datetimeFigureOut">
               <a:rPr lang="en-US" smtClean="0"/>
-              <a:t>9/30/2022</a:t>
+              <a:t>10/2/2022</a:t>
             </a:fld>
             <a:endParaRPr lang="en-US"/>
           </a:p>
@@ -886,7 +886,7 @@
           <a:p>
             <a:fld id="{F500E339-CAAD-4744-8AE6-A189147761ED}" type="datetimeFigureOut">
               <a:rPr lang="en-US" smtClean="0"/>
-              <a:t>9/30/2022</a:t>
+              <a:t>10/2/2022</a:t>
             </a:fld>
             <a:endParaRPr lang="en-US"/>
           </a:p>
@@ -1066,7 +1066,7 @@
           <a:p>
             <a:fld id="{F500E339-CAAD-4744-8AE6-A189147761ED}" type="datetimeFigureOut">
               <a:rPr lang="en-US" smtClean="0"/>
-              <a:t>9/30/2022</a:t>
+              <a:t>10/2/2022</a:t>
             </a:fld>
             <a:endParaRPr lang="en-US"/>
           </a:p>
@@ -1236,7 +1236,7 @@
           <a:p>
             <a:fld id="{F500E339-CAAD-4744-8AE6-A189147761ED}" type="datetimeFigureOut">
               <a:rPr lang="en-US" smtClean="0"/>
-              <a:t>9/30/2022</a:t>
+              <a:t>10/2/2022</a:t>
             </a:fld>
             <a:endParaRPr lang="en-US"/>
           </a:p>
@@ -1480,7 +1480,7 @@
           <a:p>
             <a:fld id="{F500E339-CAAD-4744-8AE6-A189147761ED}" type="datetimeFigureOut">
               <a:rPr lang="en-US" smtClean="0"/>
-              <a:t>9/30/2022</a:t>
+              <a:t>10/2/2022</a:t>
             </a:fld>
             <a:endParaRPr lang="en-US"/>
           </a:p>
@@ -1712,7 +1712,7 @@
           <a:p>
             <a:fld id="{F500E339-CAAD-4744-8AE6-A189147761ED}" type="datetimeFigureOut">
               <a:rPr lang="en-US" smtClean="0"/>
-              <a:t>9/30/2022</a:t>
+              <a:t>10/2/2022</a:t>
             </a:fld>
             <a:endParaRPr lang="en-US"/>
           </a:p>
@@ -2079,7 +2079,7 @@
           <a:p>
             <a:fld id="{F500E339-CAAD-4744-8AE6-A189147761ED}" type="datetimeFigureOut">
               <a:rPr lang="en-US" smtClean="0"/>
-              <a:t>9/30/2022</a:t>
+              <a:t>10/2/2022</a:t>
             </a:fld>
             <a:endParaRPr lang="en-US"/>
           </a:p>
@@ -2197,7 +2197,7 @@
           <a:p>
             <a:fld id="{F500E339-CAAD-4744-8AE6-A189147761ED}" type="datetimeFigureOut">
               <a:rPr lang="en-US" smtClean="0"/>
-              <a:t>9/30/2022</a:t>
+              <a:t>10/2/2022</a:t>
             </a:fld>
             <a:endParaRPr lang="en-US"/>
           </a:p>
@@ -2292,7 +2292,7 @@
           <a:p>
             <a:fld id="{F500E339-CAAD-4744-8AE6-A189147761ED}" type="datetimeFigureOut">
               <a:rPr lang="en-US" smtClean="0"/>
-              <a:t>9/30/2022</a:t>
+              <a:t>10/2/2022</a:t>
             </a:fld>
             <a:endParaRPr lang="en-US"/>
           </a:p>
@@ -2569,7 +2569,7 @@
           <a:p>
             <a:fld id="{F500E339-CAAD-4744-8AE6-A189147761ED}" type="datetimeFigureOut">
               <a:rPr lang="en-US" smtClean="0"/>
-              <a:t>9/30/2022</a:t>
+              <a:t>10/2/2022</a:t>
             </a:fld>
             <a:endParaRPr lang="en-US"/>
           </a:p>
@@ -2826,7 +2826,7 @@
           <a:p>
             <a:fld id="{F500E339-CAAD-4744-8AE6-A189147761ED}" type="datetimeFigureOut">
               <a:rPr lang="en-US" smtClean="0"/>
-              <a:t>9/30/2022</a:t>
+              <a:t>10/2/2022</a:t>
             </a:fld>
             <a:endParaRPr lang="en-US"/>
           </a:p>
@@ -3039,7 +3039,7 @@
           <a:p>
             <a:fld id="{F500E339-CAAD-4744-8AE6-A189147761ED}" type="datetimeFigureOut">
               <a:rPr lang="en-US" smtClean="0"/>
-              <a:t>9/30/2022</a:t>
+              <a:t>10/2/2022</a:t>
             </a:fld>
             <a:endParaRPr lang="en-US"/>
           </a:p>
@@ -3456,6 +3456,236 @@
       </p:grpSpPr>
       <p:sp>
         <p:nvSpPr>
+          <p:cNvPr id="39" name="Rectangle 38" hidden="1">
+            <a:extLst>
+              <a:ext uri="{FF2B5EF4-FFF2-40B4-BE49-F238E27FC236}">
+                <a16:creationId xmlns:a16="http://schemas.microsoft.com/office/drawing/2014/main" id="{84BE44AF-2C2E-2348-B45B-F3EC7DA5D17D}"/>
+              </a:ext>
+            </a:extLst>
+          </p:cNvPr>
+          <p:cNvSpPr/>
+          <p:nvPr/>
+        </p:nvSpPr>
+        <p:spPr>
+          <a:xfrm>
+            <a:off x="1394460" y="18278010"/>
+            <a:ext cx="42724614" cy="366790"/>
+          </a:xfrm>
+          <a:prstGeom prst="rect">
+            <a:avLst/>
+          </a:prstGeom>
+        </p:spPr>
+        <p:style>
+          <a:lnRef idx="2">
+            <a:schemeClr val="accent1">
+              <a:shade val="50000"/>
+            </a:schemeClr>
+          </a:lnRef>
+          <a:fillRef idx="1">
+            <a:schemeClr val="accent1"/>
+          </a:fillRef>
+          <a:effectRef idx="0">
+            <a:schemeClr val="accent1"/>
+          </a:effectRef>
+          <a:fontRef idx="minor">
+            <a:schemeClr val="lt1"/>
+          </a:fontRef>
+        </p:style>
+        <p:txBody>
+          <a:bodyPr rtlCol="0" anchor="ctr"/>
+          <a:lstStyle/>
+          <a:p>
+            <a:pPr algn="ctr"/>
+            <a:endParaRPr lang="en-US"/>
+          </a:p>
+        </p:txBody>
+      </p:sp>
+      <p:sp>
+        <p:nvSpPr>
+          <p:cNvPr id="37" name="Rectangle 36" hidden="1">
+            <a:extLst>
+              <a:ext uri="{FF2B5EF4-FFF2-40B4-BE49-F238E27FC236}">
+                <a16:creationId xmlns:a16="http://schemas.microsoft.com/office/drawing/2014/main" id="{8FE2800B-25E2-730A-2875-4825111FFF78}"/>
+              </a:ext>
+            </a:extLst>
+          </p:cNvPr>
+          <p:cNvSpPr/>
+          <p:nvPr/>
+        </p:nvSpPr>
+        <p:spPr>
+          <a:xfrm>
+            <a:off x="1097796" y="7628117"/>
+            <a:ext cx="42724614" cy="366790"/>
+          </a:xfrm>
+          <a:prstGeom prst="rect">
+            <a:avLst/>
+          </a:prstGeom>
+        </p:spPr>
+        <p:style>
+          <a:lnRef idx="2">
+            <a:schemeClr val="accent1">
+              <a:shade val="50000"/>
+            </a:schemeClr>
+          </a:lnRef>
+          <a:fillRef idx="1">
+            <a:schemeClr val="accent1"/>
+          </a:fillRef>
+          <a:effectRef idx="0">
+            <a:schemeClr val="accent1"/>
+          </a:effectRef>
+          <a:fontRef idx="minor">
+            <a:schemeClr val="lt1"/>
+          </a:fontRef>
+        </p:style>
+        <p:txBody>
+          <a:bodyPr rtlCol="0" anchor="ctr"/>
+          <a:lstStyle/>
+          <a:p>
+            <a:pPr algn="ctr"/>
+            <a:endParaRPr lang="en-US"/>
+          </a:p>
+        </p:txBody>
+      </p:sp>
+      <p:sp>
+        <p:nvSpPr>
+          <p:cNvPr id="25" name="Rectangle 24" hidden="1">
+            <a:extLst>
+              <a:ext uri="{FF2B5EF4-FFF2-40B4-BE49-F238E27FC236}">
+                <a16:creationId xmlns:a16="http://schemas.microsoft.com/office/drawing/2014/main" id="{770698FA-3877-5529-8733-866543BF7190}"/>
+              </a:ext>
+            </a:extLst>
+          </p:cNvPr>
+          <p:cNvSpPr/>
+          <p:nvPr/>
+        </p:nvSpPr>
+        <p:spPr>
+          <a:xfrm>
+            <a:off x="1555500" y="20309431"/>
+            <a:ext cx="42724614" cy="366790"/>
+          </a:xfrm>
+          <a:prstGeom prst="rect">
+            <a:avLst/>
+          </a:prstGeom>
+        </p:spPr>
+        <p:style>
+          <a:lnRef idx="2">
+            <a:schemeClr val="accent1">
+              <a:shade val="50000"/>
+            </a:schemeClr>
+          </a:lnRef>
+          <a:fillRef idx="1">
+            <a:schemeClr val="accent1"/>
+          </a:fillRef>
+          <a:effectRef idx="0">
+            <a:schemeClr val="accent1"/>
+          </a:effectRef>
+          <a:fontRef idx="minor">
+            <a:schemeClr val="lt1"/>
+          </a:fontRef>
+        </p:style>
+        <p:txBody>
+          <a:bodyPr rtlCol="0" anchor="ctr"/>
+          <a:lstStyle/>
+          <a:p>
+            <a:pPr algn="ctr"/>
+            <a:endParaRPr lang="en-US"/>
+          </a:p>
+        </p:txBody>
+      </p:sp>
+      <p:sp>
+        <p:nvSpPr>
+          <p:cNvPr id="99" name="Rectangle 98" hidden="1">
+            <a:extLst>
+              <a:ext uri="{FF2B5EF4-FFF2-40B4-BE49-F238E27FC236}">
+                <a16:creationId xmlns:a16="http://schemas.microsoft.com/office/drawing/2014/main" id="{C16C5877-6602-3359-4797-BFC2C2CD3620}"/>
+              </a:ext>
+            </a:extLst>
+          </p:cNvPr>
+          <p:cNvSpPr/>
+          <p:nvPr/>
+        </p:nvSpPr>
+        <p:spPr>
+          <a:xfrm>
+            <a:off x="1007436" y="20717352"/>
+            <a:ext cx="42724614" cy="366790"/>
+          </a:xfrm>
+          <a:prstGeom prst="rect">
+            <a:avLst/>
+          </a:prstGeom>
+        </p:spPr>
+        <p:style>
+          <a:lnRef idx="2">
+            <a:schemeClr val="accent1">
+              <a:shade val="50000"/>
+            </a:schemeClr>
+          </a:lnRef>
+          <a:fillRef idx="1">
+            <a:schemeClr val="accent1"/>
+          </a:fillRef>
+          <a:effectRef idx="0">
+            <a:schemeClr val="accent1"/>
+          </a:effectRef>
+          <a:fontRef idx="minor">
+            <a:schemeClr val="lt1"/>
+          </a:fontRef>
+        </p:style>
+        <p:txBody>
+          <a:bodyPr rtlCol="0" anchor="ctr"/>
+          <a:lstStyle/>
+          <a:p>
+            <a:pPr algn="ctr"/>
+            <a:endParaRPr lang="en-US"/>
+          </a:p>
+        </p:txBody>
+      </p:sp>
+      <p:sp>
+        <p:nvSpPr>
+          <p:cNvPr id="22" name="Rectangle 21" hidden="1">
+            <a:extLst>
+              <a:ext uri="{FF2B5EF4-FFF2-40B4-BE49-F238E27FC236}">
+                <a16:creationId xmlns:a16="http://schemas.microsoft.com/office/drawing/2014/main" id="{CE57E552-C467-C6EF-6CA4-58EA5887EC88}"/>
+              </a:ext>
+            </a:extLst>
+          </p:cNvPr>
+          <p:cNvSpPr/>
+          <p:nvPr/>
+        </p:nvSpPr>
+        <p:spPr>
+          <a:xfrm>
+            <a:off x="1007436" y="26950263"/>
+            <a:ext cx="42724614" cy="366790"/>
+          </a:xfrm>
+          <a:prstGeom prst="rect">
+            <a:avLst/>
+          </a:prstGeom>
+        </p:spPr>
+        <p:style>
+          <a:lnRef idx="2">
+            <a:schemeClr val="accent1">
+              <a:shade val="50000"/>
+            </a:schemeClr>
+          </a:lnRef>
+          <a:fillRef idx="1">
+            <a:schemeClr val="accent1"/>
+          </a:fillRef>
+          <a:effectRef idx="0">
+            <a:schemeClr val="accent1"/>
+          </a:effectRef>
+          <a:fontRef idx="minor">
+            <a:schemeClr val="lt1"/>
+          </a:fontRef>
+        </p:style>
+        <p:txBody>
+          <a:bodyPr rtlCol="0" anchor="ctr"/>
+          <a:lstStyle/>
+          <a:p>
+            <a:pPr algn="ctr"/>
+            <a:endParaRPr lang="en-US"/>
+          </a:p>
+        </p:txBody>
+      </p:sp>
+      <p:sp>
+        <p:nvSpPr>
           <p:cNvPr id="100" name="Rectangle 99" hidden="1">
             <a:extLst>
               <a:ext uri="{FF2B5EF4-FFF2-40B4-BE49-F238E27FC236}">
@@ -3504,52 +3734,6 @@
       </p:sp>
       <p:sp>
         <p:nvSpPr>
-          <p:cNvPr id="99" name="Rectangle 98" hidden="1">
-            <a:extLst>
-              <a:ext uri="{FF2B5EF4-FFF2-40B4-BE49-F238E27FC236}">
-                <a16:creationId xmlns:a16="http://schemas.microsoft.com/office/drawing/2014/main" id="{C16C5877-6602-3359-4797-BFC2C2CD3620}"/>
-              </a:ext>
-            </a:extLst>
-          </p:cNvPr>
-          <p:cNvSpPr/>
-          <p:nvPr/>
-        </p:nvSpPr>
-        <p:spPr>
-          <a:xfrm>
-            <a:off x="1007436" y="20717352"/>
-            <a:ext cx="42724614" cy="366790"/>
-          </a:xfrm>
-          <a:prstGeom prst="rect">
-            <a:avLst/>
-          </a:prstGeom>
-        </p:spPr>
-        <p:style>
-          <a:lnRef idx="2">
-            <a:schemeClr val="accent1">
-              <a:shade val="50000"/>
-            </a:schemeClr>
-          </a:lnRef>
-          <a:fillRef idx="1">
-            <a:schemeClr val="accent1"/>
-          </a:fillRef>
-          <a:effectRef idx="0">
-            <a:schemeClr val="accent1"/>
-          </a:effectRef>
-          <a:fontRef idx="minor">
-            <a:schemeClr val="lt1"/>
-          </a:fontRef>
-        </p:style>
-        <p:txBody>
-          <a:bodyPr rtlCol="0" anchor="ctr"/>
-          <a:lstStyle/>
-          <a:p>
-            <a:pPr algn="ctr"/>
-            <a:endParaRPr lang="en-US"/>
-          </a:p>
-        </p:txBody>
-      </p:sp>
-      <p:sp>
-        <p:nvSpPr>
           <p:cNvPr id="229" name="Rectangle 228" hidden="1">
             <a:extLst>
               <a:ext uri="{FF2B5EF4-FFF2-40B4-BE49-F238E27FC236}">
@@ -3596,14 +3780,16 @@
       </p:sp>
       <p:sp>
         <p:nvSpPr>
-          <p:cNvPr id="219" name="Rectangle 218">
+          <p:cNvPr id="219" name="Rectangle 218" hidden="1">
             <a:extLst>
               <a:ext uri="{FF2B5EF4-FFF2-40B4-BE49-F238E27FC236}">
                 <a16:creationId xmlns:a16="http://schemas.microsoft.com/office/drawing/2014/main" id="{A31AB284-CE58-1767-D594-71ACA0CDDBF0}"/>
               </a:ext>
             </a:extLst>
           </p:cNvPr>
-          <p:cNvSpPr/>
+          <p:cNvSpPr>
+            <a:spLocks noGrp="1" noRot="1" noMove="1" noResize="1" noEditPoints="1" noAdjustHandles="1" noChangeArrowheads="1" noChangeShapeType="1"/>
+          </p:cNvSpPr>
           <p:nvPr/>
         </p:nvSpPr>
         <p:spPr>
@@ -3642,19 +3828,21 @@
       </p:sp>
       <p:sp>
         <p:nvSpPr>
-          <p:cNvPr id="220" name="Rectangle 219">
+          <p:cNvPr id="220" name="Rectangle 219" hidden="1">
             <a:extLst>
               <a:ext uri="{FF2B5EF4-FFF2-40B4-BE49-F238E27FC236}">
                 <a16:creationId xmlns:a16="http://schemas.microsoft.com/office/drawing/2014/main" id="{76E49CFD-9EE9-0F63-568A-B884DF6520B6}"/>
               </a:ext>
             </a:extLst>
           </p:cNvPr>
-          <p:cNvSpPr/>
+          <p:cNvSpPr>
+            <a:spLocks noGrp="1" noRot="1" noMove="1" noResize="1" noEditPoints="1" noAdjustHandles="1" noChangeArrowheads="1" noChangeShapeType="1"/>
+          </p:cNvSpPr>
           <p:nvPr/>
         </p:nvSpPr>
         <p:spPr>
           <a:xfrm>
-            <a:off x="38115240" y="4362821"/>
+            <a:off x="38111684" y="4362821"/>
             <a:ext cx="4626864" cy="904289"/>
           </a:xfrm>
           <a:prstGeom prst="rect">
@@ -3688,7 +3876,7 @@
       </p:sp>
       <p:sp>
         <p:nvSpPr>
-          <p:cNvPr id="126" name="Rectangle 125">
+          <p:cNvPr id="126" name="Rectangle 125" hidden="1">
             <a:extLst>
               <a:ext uri="{FF2B5EF4-FFF2-40B4-BE49-F238E27FC236}">
                 <a16:creationId xmlns:a16="http://schemas.microsoft.com/office/drawing/2014/main" id="{F0253566-A85F-87D0-635E-81C93D24DF08}"/>
@@ -3736,7 +3924,7 @@
       </p:sp>
       <p:sp>
         <p:nvSpPr>
-          <p:cNvPr id="127" name="Rectangle 126">
+          <p:cNvPr id="127" name="Rectangle 126" hidden="1">
             <a:extLst>
               <a:ext uri="{FF2B5EF4-FFF2-40B4-BE49-F238E27FC236}">
                 <a16:creationId xmlns:a16="http://schemas.microsoft.com/office/drawing/2014/main" id="{AEAEF652-09EC-2304-97E7-E28FFB5353B7}"/>
@@ -3784,7 +3972,7 @@
       </p:sp>
       <p:sp>
         <p:nvSpPr>
-          <p:cNvPr id="134" name="Rectangle 133">
+          <p:cNvPr id="134" name="Rectangle 133" hidden="1">
             <a:extLst>
               <a:ext uri="{FF2B5EF4-FFF2-40B4-BE49-F238E27FC236}">
                 <a16:creationId xmlns:a16="http://schemas.microsoft.com/office/drawing/2014/main" id="{797B29D1-6234-F05A-32EE-56D8B699696A}"/>
@@ -3832,7 +4020,7 @@
         <p:nvPicPr>
           <p:cNvPr id="4" name="Picture 144" descr="newMSUlogo"/>
           <p:cNvPicPr>
-            <a:picLocks noChangeAspect="1" noChangeArrowheads="1"/>
+            <a:picLocks noGrp="1" noRot="1" noChangeAspect="1" noMove="1" noResize="1" noEditPoints="1" noAdjustHandles="1" noChangeArrowheads="1" noChangeShapeType="1" noCrop="1"/>
           </p:cNvPicPr>
           <p:nvPr/>
         </p:nvPicPr>
@@ -3884,7 +4072,7 @@
       </p:pic>
       <p:pic>
         <p:nvPicPr>
-          <p:cNvPr id="3" name="Picture 2"/>
+          <p:cNvPr id="3" name="Bobcat" hidden="1"/>
           <p:cNvPicPr>
             <a:picLocks noChangeAspect="1"/>
           </p:cNvPicPr>
@@ -3915,7 +4103,9 @@
       <p:sp>
         <p:nvSpPr>
           <p:cNvPr id="2" name="TextBox 1"/>
-          <p:cNvSpPr txBox="1"/>
+          <p:cNvSpPr txBox="1">
+            <a:spLocks noGrp="1" noRot="1" noMove="1" noResize="1" noEditPoints="1" noAdjustHandles="1" noChangeArrowheads="1" noChangeShapeType="1"/>
+          </p:cNvSpPr>
           <p:nvPr/>
         </p:nvSpPr>
         <p:spPr>
@@ -4837,36 +5027,6 @@
           </a:p>
         </p:txBody>
       </p:sp>
-      <p:pic>
-        <p:nvPicPr>
-          <p:cNvPr id="73" name="Picture 72"/>
-          <p:cNvPicPr>
-            <a:picLocks noChangeAspect="1"/>
-          </p:cNvPicPr>
-          <p:nvPr/>
-        </p:nvPicPr>
-        <p:blipFill>
-          <a:blip r:embed="rId5">
-            <a:extLst>
-              <a:ext uri="{28A0092B-C50C-407E-A947-70E740481C1C}">
-                <a14:useLocalDpi xmlns:a14="http://schemas.microsoft.com/office/drawing/2010/main" val="0"/>
-              </a:ext>
-            </a:extLst>
-          </a:blip>
-          <a:stretch>
-            <a:fillRect/>
-          </a:stretch>
-        </p:blipFill>
-        <p:spPr>
-          <a:xfrm>
-            <a:off x="41214756" y="28423227"/>
-            <a:ext cx="1548684" cy="1548684"/>
-          </a:xfrm>
-          <a:prstGeom prst="rect">
-            <a:avLst/>
-          </a:prstGeom>
-        </p:spPr>
-      </p:pic>
       <p:sp>
         <p:nvSpPr>
           <p:cNvPr id="40" name="TextBox 39">
@@ -5409,60 +5569,6 @@
       </p:grpSp>
       <p:sp>
         <p:nvSpPr>
-          <p:cNvPr id="89" name="Rectangle 88">
-            <a:extLst>
-              <a:ext uri="{FF2B5EF4-FFF2-40B4-BE49-F238E27FC236}">
-                <a16:creationId xmlns:a16="http://schemas.microsoft.com/office/drawing/2014/main" id="{854D703F-B354-DA78-B50A-7C302C3CF6C4}"/>
-              </a:ext>
-            </a:extLst>
-          </p:cNvPr>
-          <p:cNvSpPr/>
-          <p:nvPr/>
-        </p:nvSpPr>
-        <p:spPr>
-          <a:xfrm>
-            <a:off x="56984410" y="21572797"/>
-            <a:ext cx="5580860" cy="3416320"/>
-          </a:xfrm>
-          <a:prstGeom prst="rect">
-            <a:avLst/>
-          </a:prstGeom>
-          <a:solidFill>
-            <a:srgbClr val="002060"/>
-          </a:solidFill>
-          <a:ln>
-            <a:solidFill>
-              <a:srgbClr val="FFC000"/>
-            </a:solidFill>
-          </a:ln>
-        </p:spPr>
-        <p:style>
-          <a:lnRef idx="2">
-            <a:schemeClr val="accent1">
-              <a:shade val="50000"/>
-            </a:schemeClr>
-          </a:lnRef>
-          <a:fillRef idx="1">
-            <a:schemeClr val="accent1"/>
-          </a:fillRef>
-          <a:effectRef idx="0">
-            <a:schemeClr val="accent1"/>
-          </a:effectRef>
-          <a:fontRef idx="minor">
-            <a:schemeClr val="lt1"/>
-          </a:fontRef>
-        </p:style>
-        <p:txBody>
-          <a:bodyPr rtlCol="0" anchor="ctr"/>
-          <a:lstStyle/>
-          <a:p>
-            <a:pPr algn="ctr"/>
-            <a:endParaRPr lang="en-US"/>
-          </a:p>
-        </p:txBody>
-      </p:sp>
-      <p:sp>
-        <p:nvSpPr>
           <p:cNvPr id="102" name="Rectangle 101">
             <a:extLst>
               <a:ext uri="{FF2B5EF4-FFF2-40B4-BE49-F238E27FC236}">
@@ -5479,280 +5585,6 @@
           <a:xfrm>
             <a:off x="11787768" y="7989469"/>
             <a:ext cx="9866376" cy="12343039"/>
-          </a:xfrm>
-          <a:prstGeom prst="rect">
-            <a:avLst/>
-          </a:prstGeom>
-          <a:solidFill>
-            <a:srgbClr val="002060"/>
-          </a:solidFill>
-          <a:ln>
-            <a:solidFill>
-              <a:srgbClr val="FFC000"/>
-            </a:solidFill>
-          </a:ln>
-        </p:spPr>
-        <p:style>
-          <a:lnRef idx="2">
-            <a:schemeClr val="accent1">
-              <a:shade val="50000"/>
-            </a:schemeClr>
-          </a:lnRef>
-          <a:fillRef idx="1">
-            <a:schemeClr val="accent1"/>
-          </a:fillRef>
-          <a:effectRef idx="0">
-            <a:schemeClr val="accent1"/>
-          </a:effectRef>
-          <a:fontRef idx="minor">
-            <a:schemeClr val="lt1"/>
-          </a:fontRef>
-        </p:style>
-        <p:txBody>
-          <a:bodyPr rtlCol="0" anchor="ctr"/>
-          <a:lstStyle/>
-          <a:p>
-            <a:pPr algn="ctr"/>
-            <a:endParaRPr lang="en-US"/>
-          </a:p>
-        </p:txBody>
-      </p:sp>
-      <p:sp>
-        <p:nvSpPr>
-          <p:cNvPr id="116" name="Rectangle 115">
-            <a:extLst>
-              <a:ext uri="{FF2B5EF4-FFF2-40B4-BE49-F238E27FC236}">
-                <a16:creationId xmlns:a16="http://schemas.microsoft.com/office/drawing/2014/main" id="{176EF1DA-3DFB-C71B-40F6-70380D1C6CAC}"/>
-              </a:ext>
-            </a:extLst>
-          </p:cNvPr>
-          <p:cNvSpPr/>
-          <p:nvPr/>
-        </p:nvSpPr>
-        <p:spPr>
-          <a:xfrm>
-            <a:off x="57136810" y="21725197"/>
-            <a:ext cx="5580860" cy="3416320"/>
-          </a:xfrm>
-          <a:prstGeom prst="rect">
-            <a:avLst/>
-          </a:prstGeom>
-          <a:solidFill>
-            <a:srgbClr val="002060"/>
-          </a:solidFill>
-          <a:ln>
-            <a:solidFill>
-              <a:srgbClr val="FFC000"/>
-            </a:solidFill>
-          </a:ln>
-        </p:spPr>
-        <p:style>
-          <a:lnRef idx="2">
-            <a:schemeClr val="accent1">
-              <a:shade val="50000"/>
-            </a:schemeClr>
-          </a:lnRef>
-          <a:fillRef idx="1">
-            <a:schemeClr val="accent1"/>
-          </a:fillRef>
-          <a:effectRef idx="0">
-            <a:schemeClr val="accent1"/>
-          </a:effectRef>
-          <a:fontRef idx="minor">
-            <a:schemeClr val="lt1"/>
-          </a:fontRef>
-        </p:style>
-        <p:txBody>
-          <a:bodyPr rtlCol="0" anchor="ctr"/>
-          <a:lstStyle/>
-          <a:p>
-            <a:pPr algn="ctr"/>
-            <a:endParaRPr lang="en-US"/>
-          </a:p>
-        </p:txBody>
-      </p:sp>
-      <p:sp>
-        <p:nvSpPr>
-          <p:cNvPr id="117" name="Rectangle 116">
-            <a:extLst>
-              <a:ext uri="{FF2B5EF4-FFF2-40B4-BE49-F238E27FC236}">
-                <a16:creationId xmlns:a16="http://schemas.microsoft.com/office/drawing/2014/main" id="{443C5F37-76BE-101D-1C48-DA120EFE0168}"/>
-              </a:ext>
-            </a:extLst>
-          </p:cNvPr>
-          <p:cNvSpPr/>
-          <p:nvPr/>
-        </p:nvSpPr>
-        <p:spPr>
-          <a:xfrm>
-            <a:off x="57289210" y="21877597"/>
-            <a:ext cx="5580860" cy="3416320"/>
-          </a:xfrm>
-          <a:prstGeom prst="rect">
-            <a:avLst/>
-          </a:prstGeom>
-          <a:solidFill>
-            <a:srgbClr val="002060"/>
-          </a:solidFill>
-          <a:ln>
-            <a:solidFill>
-              <a:srgbClr val="FFC000"/>
-            </a:solidFill>
-          </a:ln>
-        </p:spPr>
-        <p:style>
-          <a:lnRef idx="2">
-            <a:schemeClr val="accent1">
-              <a:shade val="50000"/>
-            </a:schemeClr>
-          </a:lnRef>
-          <a:fillRef idx="1">
-            <a:schemeClr val="accent1"/>
-          </a:fillRef>
-          <a:effectRef idx="0">
-            <a:schemeClr val="accent1"/>
-          </a:effectRef>
-          <a:fontRef idx="minor">
-            <a:schemeClr val="lt1"/>
-          </a:fontRef>
-        </p:style>
-        <p:txBody>
-          <a:bodyPr rtlCol="0" anchor="ctr"/>
-          <a:lstStyle/>
-          <a:p>
-            <a:pPr algn="ctr"/>
-            <a:endParaRPr lang="en-US"/>
-          </a:p>
-        </p:txBody>
-      </p:sp>
-      <p:sp>
-        <p:nvSpPr>
-          <p:cNvPr id="118" name="Rectangle 117">
-            <a:extLst>
-              <a:ext uri="{FF2B5EF4-FFF2-40B4-BE49-F238E27FC236}">
-                <a16:creationId xmlns:a16="http://schemas.microsoft.com/office/drawing/2014/main" id="{76DC4A7D-3FB3-DB76-A813-C849ADBFA536}"/>
-              </a:ext>
-            </a:extLst>
-          </p:cNvPr>
-          <p:cNvSpPr/>
-          <p:nvPr/>
-        </p:nvSpPr>
-        <p:spPr>
-          <a:xfrm>
-            <a:off x="57441610" y="22029997"/>
-            <a:ext cx="5580860" cy="3416320"/>
-          </a:xfrm>
-          <a:prstGeom prst="rect">
-            <a:avLst/>
-          </a:prstGeom>
-          <a:solidFill>
-            <a:srgbClr val="002060"/>
-          </a:solidFill>
-          <a:ln>
-            <a:solidFill>
-              <a:srgbClr val="FFC000"/>
-            </a:solidFill>
-          </a:ln>
-        </p:spPr>
-        <p:style>
-          <a:lnRef idx="2">
-            <a:schemeClr val="accent1">
-              <a:shade val="50000"/>
-            </a:schemeClr>
-          </a:lnRef>
-          <a:fillRef idx="1">
-            <a:schemeClr val="accent1"/>
-          </a:fillRef>
-          <a:effectRef idx="0">
-            <a:schemeClr val="accent1"/>
-          </a:effectRef>
-          <a:fontRef idx="minor">
-            <a:schemeClr val="lt1"/>
-          </a:fontRef>
-        </p:style>
-        <p:txBody>
-          <a:bodyPr rtlCol="0" anchor="ctr"/>
-          <a:lstStyle/>
-          <a:p>
-            <a:pPr algn="ctr"/>
-            <a:endParaRPr lang="en-US"/>
-          </a:p>
-        </p:txBody>
-      </p:sp>
-      <p:sp>
-        <p:nvSpPr>
-          <p:cNvPr id="119" name="Rectangle 118">
-            <a:extLst>
-              <a:ext uri="{FF2B5EF4-FFF2-40B4-BE49-F238E27FC236}">
-                <a16:creationId xmlns:a16="http://schemas.microsoft.com/office/drawing/2014/main" id="{82ABE78D-77D3-D0AA-8516-3B087BEF3FCD}"/>
-              </a:ext>
-            </a:extLst>
-          </p:cNvPr>
-          <p:cNvSpPr>
-            <a:spLocks/>
-          </p:cNvSpPr>
-          <p:nvPr/>
-        </p:nvSpPr>
-        <p:spPr>
-          <a:xfrm>
-            <a:off x="57310218" y="26620047"/>
-            <a:ext cx="4672584" cy="3452882"/>
-          </a:xfrm>
-          <a:prstGeom prst="rect">
-            <a:avLst/>
-          </a:prstGeom>
-          <a:solidFill>
-            <a:srgbClr val="002060"/>
-          </a:solidFill>
-          <a:ln>
-            <a:solidFill>
-              <a:srgbClr val="FFC000"/>
-            </a:solidFill>
-          </a:ln>
-        </p:spPr>
-        <p:style>
-          <a:lnRef idx="2">
-            <a:schemeClr val="accent1">
-              <a:shade val="50000"/>
-            </a:schemeClr>
-          </a:lnRef>
-          <a:fillRef idx="1">
-            <a:schemeClr val="accent1"/>
-          </a:fillRef>
-          <a:effectRef idx="0">
-            <a:schemeClr val="accent1"/>
-          </a:effectRef>
-          <a:fontRef idx="minor">
-            <a:schemeClr val="lt1"/>
-          </a:fontRef>
-        </p:style>
-        <p:txBody>
-          <a:bodyPr rtlCol="0" anchor="ctr"/>
-          <a:lstStyle/>
-          <a:p>
-            <a:pPr algn="ctr"/>
-            <a:endParaRPr lang="en-US"/>
-          </a:p>
-        </p:txBody>
-      </p:sp>
-      <p:sp>
-        <p:nvSpPr>
-          <p:cNvPr id="120" name="Rectangle 119">
-            <a:extLst>
-              <a:ext uri="{FF2B5EF4-FFF2-40B4-BE49-F238E27FC236}">
-                <a16:creationId xmlns:a16="http://schemas.microsoft.com/office/drawing/2014/main" id="{06436968-4E45-43EA-E330-B84B022594EF}"/>
-              </a:ext>
-            </a:extLst>
-          </p:cNvPr>
-          <p:cNvSpPr>
-            <a:spLocks/>
-          </p:cNvSpPr>
-          <p:nvPr/>
-        </p:nvSpPr>
-        <p:spPr>
-          <a:xfrm>
-            <a:off x="58223234" y="27165545"/>
-            <a:ext cx="4672584" cy="3453587"/>
           </a:xfrm>
           <a:prstGeom prst="rect">
             <a:avLst/>
@@ -5994,7 +5826,7 @@
             <p:nvPr/>
           </p:nvPicPr>
           <p:blipFill>
-            <a:blip r:embed="rId6" cstate="print">
+            <a:blip r:embed="rId5" cstate="print">
               <a:extLst>
                 <a:ext uri="{28A0092B-C50C-407E-A947-70E740481C1C}">
                   <a14:useLocalDpi xmlns:a14="http://schemas.microsoft.com/office/drawing/2010/main" val="0"/>
@@ -6064,7 +5896,7 @@
                   <a:solidFill>
                     <a:schemeClr val="bg1"/>
                   </a:solidFill>
-                  <a:hlinkClick r:id="rId7">
+                  <a:hlinkClick r:id="rId6">
                     <a:extLst>
                       <a:ext uri="{A12FA001-AC4F-418D-AE19-62706E023703}">
                         <ahyp:hlinkClr xmlns:ahyp="http://schemas.microsoft.com/office/drawing/2018/hyperlinkcolor" val="tx"/>
@@ -6177,7 +6009,7 @@
             <p:nvPr/>
           </p:nvPicPr>
           <p:blipFill>
-            <a:blip r:embed="rId8" cstate="print">
+            <a:blip r:embed="rId7" cstate="print">
               <a:extLst>
                 <a:ext uri="{28A0092B-C50C-407E-A947-70E740481C1C}">
                   <a14:useLocalDpi xmlns:a14="http://schemas.microsoft.com/office/drawing/2010/main" val="0"/>
@@ -6247,7 +6079,7 @@
                   <a:solidFill>
                     <a:schemeClr val="bg1"/>
                   </a:solidFill>
-                  <a:hlinkClick r:id="rId7">
+                  <a:hlinkClick r:id="rId6">
                     <a:extLst>
                       <a:ext uri="{A12FA001-AC4F-418D-AE19-62706E023703}">
                         <ahyp:hlinkClr xmlns:ahyp="http://schemas.microsoft.com/office/drawing/2018/hyperlinkcolor" val="tx"/>
@@ -6325,207 +6157,6 @@
           </a:p>
         </p:txBody>
       </p:sp>
-      <p:grpSp>
-        <p:nvGrpSpPr>
-          <p:cNvPr id="177" name="Group 176">
-            <a:extLst>
-              <a:ext uri="{FF2B5EF4-FFF2-40B4-BE49-F238E27FC236}">
-                <a16:creationId xmlns:a16="http://schemas.microsoft.com/office/drawing/2014/main" id="{03180C64-5226-D172-5E45-E4A1ABC81FD4}"/>
-              </a:ext>
-            </a:extLst>
-          </p:cNvPr>
-          <p:cNvGrpSpPr/>
-          <p:nvPr/>
-        </p:nvGrpSpPr>
-        <p:grpSpPr>
-          <a:xfrm>
-            <a:off x="33223472" y="20919502"/>
-            <a:ext cx="9867355" cy="3455588"/>
-            <a:chOff x="32955007" y="12136372"/>
-            <a:chExt cx="9867355" cy="3455588"/>
-          </a:xfrm>
-        </p:grpSpPr>
-        <p:sp>
-          <p:nvSpPr>
-            <p:cNvPr id="173" name="Rectangle 172">
-              <a:extLst>
-                <a:ext uri="{FF2B5EF4-FFF2-40B4-BE49-F238E27FC236}">
-                  <a16:creationId xmlns:a16="http://schemas.microsoft.com/office/drawing/2014/main" id="{7704D3A8-D5A2-2A62-AC7B-A83B289B678B}"/>
-                </a:ext>
-              </a:extLst>
-            </p:cNvPr>
-            <p:cNvSpPr/>
-            <p:nvPr/>
-          </p:nvSpPr>
-          <p:spPr>
-            <a:xfrm>
-              <a:off x="32955007" y="12136372"/>
-              <a:ext cx="4672584" cy="3452882"/>
-            </a:xfrm>
-            <a:prstGeom prst="rect">
-              <a:avLst/>
-            </a:prstGeom>
-            <a:solidFill>
-              <a:srgbClr val="002060"/>
-            </a:solidFill>
-            <a:ln>
-              <a:solidFill>
-                <a:srgbClr val="FFC000"/>
-              </a:solidFill>
-            </a:ln>
-          </p:spPr>
-          <p:style>
-            <a:lnRef idx="2">
-              <a:schemeClr val="accent1">
-                <a:shade val="50000"/>
-              </a:schemeClr>
-            </a:lnRef>
-            <a:fillRef idx="1">
-              <a:schemeClr val="accent1"/>
-            </a:fillRef>
-            <a:effectRef idx="0">
-              <a:schemeClr val="accent1"/>
-            </a:effectRef>
-            <a:fontRef idx="minor">
-              <a:schemeClr val="lt1"/>
-            </a:fontRef>
-          </p:style>
-          <p:txBody>
-            <a:bodyPr rtlCol="0" anchor="ctr"/>
-            <a:lstStyle/>
-            <a:p>
-              <a:pPr algn="ctr"/>
-              <a:endParaRPr lang="en-US"/>
-            </a:p>
-          </p:txBody>
-        </p:sp>
-        <p:sp>
-          <p:nvSpPr>
-            <p:cNvPr id="174" name="Rectangle 173">
-              <a:extLst>
-                <a:ext uri="{FF2B5EF4-FFF2-40B4-BE49-F238E27FC236}">
-                  <a16:creationId xmlns:a16="http://schemas.microsoft.com/office/drawing/2014/main" id="{E3DFD83F-2609-1705-C91F-7DBC65973763}"/>
-                </a:ext>
-              </a:extLst>
-            </p:cNvPr>
-            <p:cNvSpPr/>
-            <p:nvPr/>
-          </p:nvSpPr>
-          <p:spPr>
-            <a:xfrm>
-              <a:off x="38149778" y="12138373"/>
-              <a:ext cx="4672584" cy="3453587"/>
-            </a:xfrm>
-            <a:prstGeom prst="rect">
-              <a:avLst/>
-            </a:prstGeom>
-            <a:solidFill>
-              <a:srgbClr val="002060"/>
-            </a:solidFill>
-            <a:ln>
-              <a:solidFill>
-                <a:srgbClr val="FFC000"/>
-              </a:solidFill>
-            </a:ln>
-          </p:spPr>
-          <p:style>
-            <a:lnRef idx="2">
-              <a:schemeClr val="accent1">
-                <a:shade val="50000"/>
-              </a:schemeClr>
-            </a:lnRef>
-            <a:fillRef idx="1">
-              <a:schemeClr val="accent1"/>
-            </a:fillRef>
-            <a:effectRef idx="0">
-              <a:schemeClr val="accent1"/>
-            </a:effectRef>
-            <a:fontRef idx="minor">
-              <a:schemeClr val="lt1"/>
-            </a:fontRef>
-          </p:style>
-          <p:txBody>
-            <a:bodyPr rtlCol="0" anchor="ctr"/>
-            <a:lstStyle/>
-            <a:p>
-              <a:pPr algn="ctr"/>
-              <a:endParaRPr lang="en-US"/>
-            </a:p>
-          </p:txBody>
-        </p:sp>
-      </p:grpSp>
-      <p:pic>
-        <p:nvPicPr>
-          <p:cNvPr id="97" name="Picture 96" descr="A picture containing text, grass, outdoor, sky&#10;&#10;Description automatically generated">
-            <a:extLst>
-              <a:ext uri="{FF2B5EF4-FFF2-40B4-BE49-F238E27FC236}">
-                <a16:creationId xmlns:a16="http://schemas.microsoft.com/office/drawing/2014/main" id="{5E66AA34-4230-F755-5BE9-3030E09C962D}"/>
-              </a:ext>
-            </a:extLst>
-          </p:cNvPr>
-          <p:cNvPicPr>
-            <a:picLocks noChangeAspect="1"/>
-          </p:cNvPicPr>
-          <p:nvPr/>
-        </p:nvPicPr>
-        <p:blipFill>
-          <a:blip r:embed="rId9" cstate="print">
-            <a:extLst>
-              <a:ext uri="{28A0092B-C50C-407E-A947-70E740481C1C}">
-                <a14:useLocalDpi xmlns:a14="http://schemas.microsoft.com/office/drawing/2010/main" val="0"/>
-              </a:ext>
-            </a:extLst>
-          </a:blip>
-          <a:stretch>
-            <a:fillRect/>
-          </a:stretch>
-        </p:blipFill>
-        <p:spPr>
-          <a:xfrm>
-            <a:off x="33791201" y="21061412"/>
-            <a:ext cx="3557917" cy="4743889"/>
-          </a:xfrm>
-          <a:prstGeom prst="rect">
-            <a:avLst/>
-          </a:prstGeom>
-        </p:spPr>
-      </p:pic>
-      <p:pic>
-        <p:nvPicPr>
-          <p:cNvPr id="98" name="Picture 97" descr="A picture containing tree, plant&#10;&#10;Description automatically generated">
-            <a:extLst>
-              <a:ext uri="{FF2B5EF4-FFF2-40B4-BE49-F238E27FC236}">
-                <a16:creationId xmlns:a16="http://schemas.microsoft.com/office/drawing/2014/main" id="{AA0E54C5-39BA-74EB-CCC7-8C50A8ADB796}"/>
-              </a:ext>
-            </a:extLst>
-          </p:cNvPr>
-          <p:cNvPicPr>
-            <a:picLocks noChangeAspect="1"/>
-          </p:cNvPicPr>
-          <p:nvPr/>
-        </p:nvPicPr>
-        <p:blipFill>
-          <a:blip r:embed="rId10" cstate="print">
-            <a:extLst>
-              <a:ext uri="{28A0092B-C50C-407E-A947-70E740481C1C}">
-                <a14:useLocalDpi xmlns:a14="http://schemas.microsoft.com/office/drawing/2010/main" val="0"/>
-              </a:ext>
-            </a:extLst>
-          </a:blip>
-          <a:stretch>
-            <a:fillRect/>
-          </a:stretch>
-        </p:blipFill>
-        <p:spPr>
-          <a:xfrm rot="5400000">
-            <a:off x="38332555" y="21745159"/>
-            <a:ext cx="4993978" cy="3745483"/>
-          </a:xfrm>
-          <a:prstGeom prst="rect">
-            <a:avLst/>
-          </a:prstGeom>
-        </p:spPr>
-      </p:pic>
       <p:sp>
         <p:nvSpPr>
           <p:cNvPr id="183" name="Rectangle 182">
@@ -6535,13 +6166,15 @@
               </a:ext>
             </a:extLst>
           </p:cNvPr>
-          <p:cNvSpPr/>
+          <p:cNvSpPr>
+            <a:spLocks noGrp="1" noRot="1" noMove="1" noResize="1" noEditPoints="1" noAdjustHandles="1" noChangeArrowheads="1" noChangeShapeType="1"/>
+          </p:cNvSpPr>
           <p:nvPr/>
         </p:nvSpPr>
         <p:spPr>
           <a:xfrm>
             <a:off x="33525713" y="7989468"/>
-            <a:ext cx="9262872" cy="7375776"/>
+            <a:ext cx="9262872" cy="10286679"/>
           </a:xfrm>
           <a:prstGeom prst="rect">
             <a:avLst/>
@@ -6576,7 +6209,7 @@
           <a:lstStyle/>
           <a:p>
             <a:pPr algn="ctr"/>
-            <a:endParaRPr lang="en-US"/>
+            <a:endParaRPr lang="en-US" dirty="0"/>
           </a:p>
         </p:txBody>
       </p:sp>
@@ -6595,7 +6228,7 @@
           <p:nvPr/>
         </p:nvPicPr>
         <p:blipFill>
-          <a:blip r:embed="rId11" cstate="print">
+          <a:blip r:embed="rId8" cstate="print">
             <a:extLst>
               <a:ext uri="{28A0092B-C50C-407E-A947-70E740481C1C}">
                 <a14:useLocalDpi xmlns:a14="http://schemas.microsoft.com/office/drawing/2010/main" val="0"/>
@@ -6653,7 +6286,7 @@
             <p:nvPr/>
           </p:nvPicPr>
           <p:blipFill>
-            <a:blip r:embed="rId12" cstate="print">
+            <a:blip r:embed="rId9" cstate="print">
               <a:extLst>
                 <a:ext uri="{28A0092B-C50C-407E-A947-70E740481C1C}">
                   <a14:useLocalDpi xmlns:a14="http://schemas.microsoft.com/office/drawing/2010/main" val="0"/>
@@ -6689,7 +6322,7 @@
             <p:nvPr/>
           </p:nvPicPr>
           <p:blipFill>
-            <a:blip r:embed="rId13" cstate="print">
+            <a:blip r:embed="rId10" cstate="print">
               <a:extLst>
                 <a:ext uri="{28A0092B-C50C-407E-A947-70E740481C1C}">
                   <a14:useLocalDpi xmlns:a14="http://schemas.microsoft.com/office/drawing/2010/main" val="0"/>
@@ -6997,7 +6630,7 @@
           <p:nvPr/>
         </p:nvPicPr>
         <p:blipFill>
-          <a:blip r:embed="rId14" cstate="print">
+          <a:blip r:embed="rId11" cstate="print">
             <a:extLst>
               <a:ext uri="{28A0092B-C50C-407E-A947-70E740481C1C}">
                 <a14:useLocalDpi xmlns:a14="http://schemas.microsoft.com/office/drawing/2010/main" val="0"/>
@@ -7834,119 +7467,6 @@
           </p:txBody>
         </p:sp>
       </p:grpSp>
-      <p:pic>
-        <p:nvPicPr>
-          <p:cNvPr id="84" name="Picture 83" descr="A picture containing tree, outdoor, grass, park&#10;&#10;Description automatically generated">
-            <a:extLst>
-              <a:ext uri="{FF2B5EF4-FFF2-40B4-BE49-F238E27FC236}">
-                <a16:creationId xmlns:a16="http://schemas.microsoft.com/office/drawing/2014/main" id="{B0DAC4EF-2077-3417-554A-A5EBD52574F0}"/>
-              </a:ext>
-            </a:extLst>
-          </p:cNvPr>
-          <p:cNvPicPr>
-            <a:picLocks noChangeAspect="1"/>
-          </p:cNvPicPr>
-          <p:nvPr/>
-        </p:nvPicPr>
-        <p:blipFill>
-          <a:blip r:embed="rId25" cstate="print">
-            <a:extLst>
-              <a:ext uri="{28A0092B-C50C-407E-A947-70E740481C1C}">
-                <a14:useLocalDpi xmlns:a14="http://schemas.microsoft.com/office/drawing/2010/main" val="0"/>
-              </a:ext>
-            </a:extLst>
-          </a:blip>
-          <a:stretch>
-            <a:fillRect/>
-          </a:stretch>
-        </p:blipFill>
-        <p:spPr>
-          <a:xfrm>
-            <a:off x="39281703" y="8777046"/>
-            <a:ext cx="3197218" cy="4262958"/>
-          </a:xfrm>
-          <a:prstGeom prst="rect">
-            <a:avLst/>
-          </a:prstGeom>
-        </p:spPr>
-      </p:pic>
-      <p:sp>
-        <p:nvSpPr>
-          <p:cNvPr id="178" name="TextBox 177">
-            <a:extLst>
-              <a:ext uri="{FF2B5EF4-FFF2-40B4-BE49-F238E27FC236}">
-                <a16:creationId xmlns:a16="http://schemas.microsoft.com/office/drawing/2014/main" id="{B4EE7F34-59A8-267D-BF09-EC4C7AE215D8}"/>
-              </a:ext>
-            </a:extLst>
-          </p:cNvPr>
-          <p:cNvSpPr txBox="1"/>
-          <p:nvPr/>
-        </p:nvSpPr>
-        <p:spPr>
-          <a:xfrm>
-            <a:off x="44689925" y="5460562"/>
-            <a:ext cx="2004501" cy="2462213"/>
-          </a:xfrm>
-          <a:prstGeom prst="rect">
-            <a:avLst/>
-          </a:prstGeom>
-          <a:noFill/>
-        </p:spPr>
-        <p:txBody>
-          <a:bodyPr wrap="square" rtlCol="0">
-            <a:spAutoFit/>
-          </a:bodyPr>
-          <a:lstStyle/>
-          <a:p>
-            <a:r>
-              <a:rPr lang="en-US" sz="2200" i="1" dirty="0">
-                <a:solidFill>
-                  <a:schemeClr val="bg1"/>
-                </a:solidFill>
-              </a:rPr>
-              <a:t>Figure x</a:t>
-            </a:r>
-            <a:r>
-              <a:rPr lang="en-US" sz="2200" dirty="0">
-                <a:solidFill>
-                  <a:schemeClr val="bg1"/>
-                </a:solidFill>
-              </a:rPr>
-              <a:t>: Guano collection boxes (source: </a:t>
-            </a:r>
-            <a:r>
-              <a:rPr lang="en-US" sz="2200" dirty="0">
-                <a:solidFill>
-                  <a:schemeClr val="bg1"/>
-                </a:solidFill>
-                <a:hlinkClick r:id="rId26">
-                  <a:extLst>
-                    <a:ext uri="{A12FA001-AC4F-418D-AE19-62706E023703}">
-                      <ahyp:hlinkClr xmlns:ahyp="http://schemas.microsoft.com/office/drawing/2018/hyperlinkcolor" val="tx"/>
-                    </a:ext>
-                  </a:extLst>
-                </a:hlinkClick>
-              </a:rPr>
-              <a:t>USGS National Wildlife Health Center</a:t>
-            </a:r>
-            <a:r>
-              <a:rPr lang="en-US" sz="2200" dirty="0">
-                <a:solidFill>
-                  <a:schemeClr val="bg1"/>
-                </a:solidFill>
-              </a:rPr>
-              <a:t>) </a:t>
-            </a:r>
-          </a:p>
-          <a:p>
-            <a:endParaRPr lang="en-US" sz="2200" dirty="0">
-              <a:solidFill>
-                <a:schemeClr val="bg1"/>
-              </a:solidFill>
-            </a:endParaRPr>
-          </a:p>
-        </p:txBody>
-      </p:sp>
       <p:sp>
         <p:nvSpPr>
           <p:cNvPr id="224" name="TextBox 223">
@@ -8022,8 +7542,8 @@
         </p:nvSpPr>
         <p:spPr>
           <a:xfrm>
-            <a:off x="32965630" y="6953661"/>
-            <a:ext cx="10383039" cy="707886"/>
+            <a:off x="33509590" y="6993677"/>
+            <a:ext cx="9241780" cy="707886"/>
           </a:xfrm>
           <a:prstGeom prst="rect">
             <a:avLst/>
@@ -8045,112 +7565,6 @@
                 <a:latin typeface="Trajan Pro" panose="020B0604020202020204" pitchFamily="18" charset="0"/>
               </a:rPr>
               <a:t>WNS surveillance data</a:t>
-            </a:r>
-          </a:p>
-        </p:txBody>
-      </p:sp>
-      <p:pic>
-        <p:nvPicPr>
-          <p:cNvPr id="82" name="Picture 81" descr="A picture containing person, mammal&#10;&#10;Description automatically generated">
-            <a:extLst>
-              <a:ext uri="{FF2B5EF4-FFF2-40B4-BE49-F238E27FC236}">
-                <a16:creationId xmlns:a16="http://schemas.microsoft.com/office/drawing/2014/main" id="{34DF734C-D169-FB27-458C-54DC948BC52F}"/>
-              </a:ext>
-            </a:extLst>
-          </p:cNvPr>
-          <p:cNvPicPr>
-            <a:picLocks noChangeAspect="1"/>
-          </p:cNvPicPr>
-          <p:nvPr/>
-        </p:nvPicPr>
-        <p:blipFill>
-          <a:blip r:embed="rId27" cstate="print">
-            <a:extLst>
-              <a:ext uri="{28A0092B-C50C-407E-A947-70E740481C1C}">
-                <a14:useLocalDpi xmlns:a14="http://schemas.microsoft.com/office/drawing/2010/main" val="0"/>
-              </a:ext>
-            </a:extLst>
-          </a:blip>
-          <a:stretch>
-            <a:fillRect/>
-          </a:stretch>
-        </p:blipFill>
-        <p:spPr>
-          <a:xfrm>
-            <a:off x="34098561" y="9207469"/>
-            <a:ext cx="4873478" cy="3655107"/>
-          </a:xfrm>
-          <a:prstGeom prst="rect">
-            <a:avLst/>
-          </a:prstGeom>
-        </p:spPr>
-      </p:pic>
-      <p:sp>
-        <p:nvSpPr>
-          <p:cNvPr id="180" name="TextBox 179">
-            <a:extLst>
-              <a:ext uri="{FF2B5EF4-FFF2-40B4-BE49-F238E27FC236}">
-                <a16:creationId xmlns:a16="http://schemas.microsoft.com/office/drawing/2014/main" id="{95F91ABF-38DF-1117-EE45-439464C0DADD}"/>
-              </a:ext>
-            </a:extLst>
-          </p:cNvPr>
-          <p:cNvSpPr txBox="1"/>
-          <p:nvPr/>
-        </p:nvSpPr>
-        <p:spPr>
-          <a:xfrm>
-            <a:off x="50218126" y="6414538"/>
-            <a:ext cx="4672584" cy="769441"/>
-          </a:xfrm>
-          <a:prstGeom prst="rect">
-            <a:avLst/>
-          </a:prstGeom>
-          <a:noFill/>
-        </p:spPr>
-        <p:txBody>
-          <a:bodyPr wrap="square" rtlCol="0">
-            <a:spAutoFit/>
-          </a:bodyPr>
-          <a:lstStyle/>
-          <a:p>
-            <a:r>
-              <a:rPr lang="en-US" sz="2200" i="1" dirty="0">
-                <a:solidFill>
-                  <a:schemeClr val="bg1"/>
-                </a:solidFill>
-              </a:rPr>
-              <a:t>Figure x</a:t>
-            </a:r>
-            <a:r>
-              <a:rPr lang="en-US" sz="2200" dirty="0">
-                <a:solidFill>
-                  <a:schemeClr val="bg1"/>
-                </a:solidFill>
-              </a:rPr>
-              <a:t>: Bat swabbed for Pd (source: </a:t>
-            </a:r>
-            <a:r>
-              <a:rPr lang="en-US" sz="2200" dirty="0">
-                <a:solidFill>
-                  <a:schemeClr val="bg1"/>
-                </a:solidFill>
-                <a:hlinkClick r:id="rId28">
-                  <a:extLst>
-                    <a:ext uri="{A12FA001-AC4F-418D-AE19-62706E023703}">
-                      <ahyp:hlinkClr xmlns:ahyp="http://schemas.microsoft.com/office/drawing/2018/hyperlinkcolor" val="tx"/>
-                    </a:ext>
-                  </a:extLst>
-                </a:hlinkClick>
-              </a:rPr>
-              <a:t>USGS National Wildlife Health Center</a:t>
-            </a:r>
-            <a:r>
-              <a:rPr lang="en-US" sz="2200" dirty="0">
-                <a:solidFill>
-                  <a:schemeClr val="bg1"/>
-                </a:solidFill>
-              </a:rPr>
-              <a:t>)</a:t>
             </a:r>
           </a:p>
         </p:txBody>
@@ -8213,22 +7627,24 @@
       </p:sp>
       <p:grpSp>
         <p:nvGrpSpPr>
-          <p:cNvPr id="109" name="Group 108">
+          <p:cNvPr id="19" name="Group 18">
             <a:extLst>
               <a:ext uri="{FF2B5EF4-FFF2-40B4-BE49-F238E27FC236}">
-                <a16:creationId xmlns:a16="http://schemas.microsoft.com/office/drawing/2014/main" id="{C8EDB95E-1E41-3870-947F-B3430BDDDC00}"/>
+                <a16:creationId xmlns:a16="http://schemas.microsoft.com/office/drawing/2014/main" id="{6AA75EF9-D9DB-AA62-8465-7FB61FF65830}"/>
               </a:ext>
             </a:extLst>
           </p:cNvPr>
-          <p:cNvGrpSpPr/>
+          <p:cNvGrpSpPr>
+            <a:grpSpLocks noGrp="1" noUngrp="1" noRot="1" noChangeAspect="1" noMove="1" noResize="1"/>
+          </p:cNvGrpSpPr>
           <p:nvPr/>
         </p:nvGrpSpPr>
         <p:grpSpPr>
           <a:xfrm>
-            <a:off x="-11560353" y="12003756"/>
-            <a:ext cx="7348496" cy="5671793"/>
-            <a:chOff x="-9485812" y="9755028"/>
-            <a:chExt cx="7348496" cy="5671793"/>
+            <a:off x="2175394" y="15034272"/>
+            <a:ext cx="7234661" cy="5504688"/>
+            <a:chOff x="-7127016" y="14160987"/>
+            <a:chExt cx="8101704" cy="6164401"/>
           </a:xfrm>
         </p:grpSpPr>
         <p:pic>
@@ -8241,12 +7657,12 @@
               </a:extLst>
             </p:cNvPr>
             <p:cNvPicPr>
-              <a:picLocks noChangeAspect="1"/>
+              <a:picLocks noGrp="1" noRot="1" noChangeAspect="1" noMove="1" noResize="1" noEditPoints="1" noAdjustHandles="1" noChangeArrowheads="1" noChangeShapeType="1" noCrop="1"/>
             </p:cNvPicPr>
             <p:nvPr/>
           </p:nvPicPr>
           <p:blipFill>
-            <a:blip r:embed="rId29" cstate="print">
+            <a:blip r:embed="rId25" cstate="print">
               <a:extLst>
                 <a:ext uri="{28A0092B-C50C-407E-A947-70E740481C1C}">
                   <a14:useLocalDpi xmlns:a14="http://schemas.microsoft.com/office/drawing/2010/main" val="0"/>
@@ -8259,8 +7675,8 @@
           </p:blipFill>
           <p:spPr>
             <a:xfrm>
-              <a:off x="-9485812" y="9755028"/>
-              <a:ext cx="7348496" cy="4898997"/>
+              <a:off x="-7117752" y="14160987"/>
+              <a:ext cx="8092440" cy="5394960"/>
             </a:xfrm>
             <a:prstGeom prst="rect">
               <a:avLst/>
@@ -8276,13 +7692,15 @@
                 </a:ext>
               </a:extLst>
             </p:cNvPr>
-            <p:cNvSpPr txBox="1"/>
+            <p:cNvSpPr txBox="1">
+              <a:spLocks noGrp="1" noRot="1" noMove="1" noResize="1" noEditPoints="1" noAdjustHandles="1" noChangeArrowheads="1" noChangeShapeType="1"/>
+            </p:cNvSpPr>
             <p:nvPr/>
           </p:nvSpPr>
           <p:spPr>
             <a:xfrm>
-              <a:off x="-9473098" y="14657380"/>
-              <a:ext cx="7335782" cy="769441"/>
+              <a:off x="-7127016" y="19555947"/>
+              <a:ext cx="8101704" cy="769441"/>
             </a:xfrm>
             <a:prstGeom prst="rect">
               <a:avLst/>
@@ -8329,13 +7747,15 @@
               </a:ext>
             </a:extLst>
           </p:cNvPr>
-          <p:cNvGrpSpPr/>
+          <p:cNvGrpSpPr>
+            <a:grpSpLocks noGrp="1" noUngrp="1" noRot="1" noChangeAspect="1" noMove="1" noResize="1"/>
+          </p:cNvGrpSpPr>
           <p:nvPr/>
         </p:nvGrpSpPr>
         <p:grpSpPr>
           <a:xfrm>
-            <a:off x="-7755221" y="7772917"/>
-            <a:ext cx="3840480" cy="3986739"/>
+            <a:off x="5923902" y="10697321"/>
+            <a:ext cx="4051928" cy="4206240"/>
             <a:chOff x="1551432" y="11070777"/>
             <a:chExt cx="3840480" cy="3986739"/>
           </a:xfrm>
@@ -8350,12 +7770,12 @@
               </a:extLst>
             </p:cNvPr>
             <p:cNvPicPr>
-              <a:picLocks noChangeAspect="1"/>
+              <a:picLocks noGrp="1" noRot="1" noChangeAspect="1" noMove="1" noResize="1" noEditPoints="1" noAdjustHandles="1" noChangeArrowheads="1" noChangeShapeType="1" noCrop="1"/>
             </p:cNvPicPr>
             <p:nvPr/>
           </p:nvPicPr>
           <p:blipFill>
-            <a:blip r:embed="rId30" cstate="print">
+            <a:blip r:embed="rId26" cstate="print">
               <a:extLst>
                 <a:ext uri="{28A0092B-C50C-407E-A947-70E740481C1C}">
                   <a14:useLocalDpi xmlns:a14="http://schemas.microsoft.com/office/drawing/2010/main" val="0"/>
@@ -8385,7 +7805,9 @@
                 </a:ext>
               </a:extLst>
             </p:cNvPr>
-            <p:cNvSpPr txBox="1"/>
+            <p:cNvSpPr txBox="1">
+              <a:spLocks noGrp="1" noRot="1" noMove="1" noResize="1" noEditPoints="1" noAdjustHandles="1" noChangeArrowheads="1" noChangeShapeType="1"/>
+            </p:cNvSpPr>
             <p:nvPr/>
           </p:nvSpPr>
           <p:spPr>
@@ -8425,7 +7847,7 @@
                   <a:solidFill>
                     <a:schemeClr val="bg1"/>
                   </a:solidFill>
-                  <a:hlinkClick r:id="rId31">
+                  <a:hlinkClick r:id="rId27">
                     <a:extLst>
                       <a:ext uri="{A12FA001-AC4F-418D-AE19-62706E023703}">
                         <ahyp:hlinkClr xmlns:ahyp="http://schemas.microsoft.com/office/drawing/2018/hyperlinkcolor" val="tx"/>
@@ -8456,13 +7878,15 @@
               </a:ext>
             </a:extLst>
           </p:cNvPr>
-          <p:cNvGrpSpPr/>
+          <p:cNvGrpSpPr>
+            <a:grpSpLocks noChangeAspect="1"/>
+          </p:cNvGrpSpPr>
           <p:nvPr/>
         </p:nvGrpSpPr>
         <p:grpSpPr>
           <a:xfrm>
-            <a:off x="-11868426" y="8096100"/>
-            <a:ext cx="3840480" cy="3650316"/>
+            <a:off x="1591355" y="10880201"/>
+            <a:ext cx="4232959" cy="4023360"/>
             <a:chOff x="6190488" y="11247502"/>
             <a:chExt cx="3840480" cy="3650316"/>
           </a:xfrm>
@@ -8482,7 +7906,7 @@
             <p:nvPr/>
           </p:nvPicPr>
           <p:blipFill>
-            <a:blip r:embed="rId32">
+            <a:blip r:embed="rId28">
               <a:extLst>
                 <a:ext uri="{28A0092B-C50C-407E-A947-70E740481C1C}">
                   <a14:useLocalDpi xmlns:a14="http://schemas.microsoft.com/office/drawing/2010/main" val="0"/>
@@ -8570,7 +7994,7 @@
         </p:nvGrpSpPr>
         <p:grpSpPr>
           <a:xfrm>
-            <a:off x="33321230" y="15779535"/>
+            <a:off x="32965629" y="18609551"/>
             <a:ext cx="10383039" cy="707886"/>
             <a:chOff x="33321230" y="15779535"/>
             <a:chExt cx="10383039" cy="707886"/>
@@ -8677,6 +8101,584 @@
           </p:txBody>
         </p:sp>
       </p:grpSp>
+      <p:sp>
+        <p:nvSpPr>
+          <p:cNvPr id="20" name="Rectangle 19">
+            <a:extLst>
+              <a:ext uri="{FF2B5EF4-FFF2-40B4-BE49-F238E27FC236}">
+                <a16:creationId xmlns:a16="http://schemas.microsoft.com/office/drawing/2014/main" id="{0024C6BE-A4E8-FBC3-E739-4351EA6AD55C}"/>
+              </a:ext>
+            </a:extLst>
+          </p:cNvPr>
+          <p:cNvSpPr>
+            <a:spLocks noGrp="1" noRot="1" noMove="1" noResize="1" noEditPoints="1" noAdjustHandles="1" noChangeArrowheads="1" noChangeShapeType="1"/>
+          </p:cNvSpPr>
+          <p:nvPr/>
+        </p:nvSpPr>
+        <p:spPr>
+          <a:xfrm>
+            <a:off x="33510855" y="19598196"/>
+            <a:ext cx="9262872" cy="7351776"/>
+          </a:xfrm>
+          <a:prstGeom prst="rect">
+            <a:avLst/>
+          </a:prstGeom>
+          <a:solidFill>
+            <a:srgbClr val="002060"/>
+          </a:solidFill>
+          <a:ln>
+            <a:solidFill>
+              <a:srgbClr val="FFC000"/>
+            </a:solidFill>
+          </a:ln>
+        </p:spPr>
+        <p:style>
+          <a:lnRef idx="2">
+            <a:schemeClr val="accent1">
+              <a:shade val="50000"/>
+            </a:schemeClr>
+          </a:lnRef>
+          <a:fillRef idx="1">
+            <a:schemeClr val="accent1"/>
+          </a:fillRef>
+          <a:effectRef idx="0">
+            <a:schemeClr val="accent1"/>
+          </a:effectRef>
+          <a:fontRef idx="minor">
+            <a:schemeClr val="lt1"/>
+          </a:fontRef>
+        </p:style>
+        <p:txBody>
+          <a:bodyPr rtlCol="0" anchor="ctr"/>
+          <a:lstStyle/>
+          <a:p>
+            <a:pPr algn="ctr"/>
+            <a:endParaRPr lang="en-US"/>
+          </a:p>
+        </p:txBody>
+      </p:sp>
+      <p:grpSp>
+        <p:nvGrpSpPr>
+          <p:cNvPr id="36" name="Group 35">
+            <a:extLst>
+              <a:ext uri="{FF2B5EF4-FFF2-40B4-BE49-F238E27FC236}">
+                <a16:creationId xmlns:a16="http://schemas.microsoft.com/office/drawing/2014/main" id="{F24D2B4C-DF27-45BB-14A1-BF10D0690341}"/>
+              </a:ext>
+            </a:extLst>
+          </p:cNvPr>
+          <p:cNvGrpSpPr>
+            <a:grpSpLocks/>
+          </p:cNvGrpSpPr>
+          <p:nvPr/>
+        </p:nvGrpSpPr>
+        <p:grpSpPr>
+          <a:xfrm>
+            <a:off x="33780984" y="19970401"/>
+            <a:ext cx="4169664" cy="6667548"/>
+            <a:chOff x="33632671" y="20342606"/>
+            <a:chExt cx="4169664" cy="6667548"/>
+          </a:xfrm>
+        </p:grpSpPr>
+        <p:pic>
+          <p:nvPicPr>
+            <p:cNvPr id="97" name="Picture 96" descr="A picture containing text, grass, outdoor, sky&#10;&#10;Description automatically generated">
+              <a:extLst>
+                <a:ext uri="{FF2B5EF4-FFF2-40B4-BE49-F238E27FC236}">
+                  <a16:creationId xmlns:a16="http://schemas.microsoft.com/office/drawing/2014/main" id="{5E66AA34-4230-F755-5BE9-3030E09C962D}"/>
+                </a:ext>
+              </a:extLst>
+            </p:cNvPr>
+            <p:cNvPicPr>
+              <a:picLocks noChangeAspect="1"/>
+            </p:cNvPicPr>
+            <p:nvPr/>
+          </p:nvPicPr>
+          <p:blipFill>
+            <a:blip r:embed="rId29" cstate="print">
+              <a:extLst>
+                <a:ext uri="{28A0092B-C50C-407E-A947-70E740481C1C}">
+                  <a14:useLocalDpi xmlns:a14="http://schemas.microsoft.com/office/drawing/2010/main" val="0"/>
+                </a:ext>
+              </a:extLst>
+            </a:blip>
+            <a:stretch>
+              <a:fillRect/>
+            </a:stretch>
+          </p:blipFill>
+          <p:spPr>
+            <a:xfrm>
+              <a:off x="33632671" y="20342606"/>
+              <a:ext cx="4169664" cy="5559552"/>
+            </a:xfrm>
+            <a:prstGeom prst="rect">
+              <a:avLst/>
+            </a:prstGeom>
+          </p:spPr>
+        </p:pic>
+        <p:sp>
+          <p:nvSpPr>
+            <p:cNvPr id="28" name="TextBox 27">
+              <a:extLst>
+                <a:ext uri="{FF2B5EF4-FFF2-40B4-BE49-F238E27FC236}">
+                  <a16:creationId xmlns:a16="http://schemas.microsoft.com/office/drawing/2014/main" id="{1A07AE06-D582-58C5-08F4-6B33D5713372}"/>
+                </a:ext>
+              </a:extLst>
+            </p:cNvPr>
+            <p:cNvSpPr txBox="1">
+              <a:spLocks/>
+            </p:cNvSpPr>
+            <p:nvPr/>
+          </p:nvSpPr>
+          <p:spPr>
+            <a:xfrm>
+              <a:off x="33632671" y="25902158"/>
+              <a:ext cx="4166917" cy="1107996"/>
+            </a:xfrm>
+            <a:prstGeom prst="rect">
+              <a:avLst/>
+            </a:prstGeom>
+            <a:noFill/>
+          </p:spPr>
+          <p:txBody>
+            <a:bodyPr wrap="square" rtlCol="0">
+              <a:spAutoFit/>
+            </a:bodyPr>
+            <a:lstStyle/>
+            <a:p>
+              <a:r>
+                <a:rPr lang="en-US" sz="2200" dirty="0">
+                  <a:solidFill>
+                    <a:schemeClr val="bg1"/>
+                  </a:solidFill>
+                </a:rPr>
+                <a:t>Figure </a:t>
+              </a:r>
+              <a:r>
+                <a:rPr lang="en-US" sz="2200" dirty="0" err="1">
+                  <a:solidFill>
+                    <a:schemeClr val="bg1"/>
+                  </a:solidFill>
+                </a:rPr>
+                <a:t>xa</a:t>
+              </a:r>
+              <a:r>
+                <a:rPr lang="en-US" sz="2200" dirty="0">
+                  <a:solidFill>
+                    <a:schemeClr val="bg1"/>
+                  </a:solidFill>
+                </a:rPr>
+                <a:t>: Stationary acoustic detector deployment in Bozeman, MT (source: Kathryn Irvine, USGS).</a:t>
+              </a:r>
+            </a:p>
+          </p:txBody>
+        </p:sp>
+      </p:grpSp>
+      <p:grpSp>
+        <p:nvGrpSpPr>
+          <p:cNvPr id="35" name="Group 34">
+            <a:extLst>
+              <a:ext uri="{FF2B5EF4-FFF2-40B4-BE49-F238E27FC236}">
+                <a16:creationId xmlns:a16="http://schemas.microsoft.com/office/drawing/2014/main" id="{4E2ADC96-304F-9CE3-8DA4-6A867A96EE1E}"/>
+              </a:ext>
+            </a:extLst>
+          </p:cNvPr>
+          <p:cNvGrpSpPr/>
+          <p:nvPr/>
+        </p:nvGrpSpPr>
+        <p:grpSpPr>
+          <a:xfrm>
+            <a:off x="38335580" y="19970401"/>
+            <a:ext cx="4179072" cy="6680094"/>
+            <a:chOff x="38922900" y="16212399"/>
+            <a:chExt cx="4179072" cy="6680094"/>
+          </a:xfrm>
+        </p:grpSpPr>
+        <p:pic>
+          <p:nvPicPr>
+            <p:cNvPr id="98" name="Picture 97" descr="A picture containing tree, plant&#10;&#10;Description automatically generated">
+              <a:extLst>
+                <a:ext uri="{FF2B5EF4-FFF2-40B4-BE49-F238E27FC236}">
+                  <a16:creationId xmlns:a16="http://schemas.microsoft.com/office/drawing/2014/main" id="{AA0E54C5-39BA-74EB-CCC7-8C50A8ADB796}"/>
+                </a:ext>
+              </a:extLst>
+            </p:cNvPr>
+            <p:cNvPicPr>
+              <a:picLocks noChangeAspect="1"/>
+            </p:cNvPicPr>
+            <p:nvPr/>
+          </p:nvPicPr>
+          <p:blipFill>
+            <a:blip r:embed="rId30" cstate="print">
+              <a:extLst>
+                <a:ext uri="{28A0092B-C50C-407E-A947-70E740481C1C}">
+                  <a14:useLocalDpi xmlns:a14="http://schemas.microsoft.com/office/drawing/2010/main" val="0"/>
+                </a:ext>
+              </a:extLst>
+            </a:blip>
+            <a:stretch>
+              <a:fillRect/>
+            </a:stretch>
+          </p:blipFill>
+          <p:spPr>
+            <a:xfrm rot="5400000">
+              <a:off x="38226387" y="16908912"/>
+              <a:ext cx="5572097" cy="4179072"/>
+            </a:xfrm>
+            <a:prstGeom prst="rect">
+              <a:avLst/>
+            </a:prstGeom>
+          </p:spPr>
+        </p:pic>
+        <p:sp>
+          <p:nvSpPr>
+            <p:cNvPr id="32" name="TextBox 31">
+              <a:extLst>
+                <a:ext uri="{FF2B5EF4-FFF2-40B4-BE49-F238E27FC236}">
+                  <a16:creationId xmlns:a16="http://schemas.microsoft.com/office/drawing/2014/main" id="{8DB4BDCC-1472-F984-A084-BAC40DAC6C04}"/>
+                </a:ext>
+              </a:extLst>
+            </p:cNvPr>
+            <p:cNvSpPr txBox="1"/>
+            <p:nvPr/>
+          </p:nvSpPr>
+          <p:spPr>
+            <a:xfrm>
+              <a:off x="38928160" y="21784497"/>
+              <a:ext cx="4169664" cy="1107996"/>
+            </a:xfrm>
+            <a:prstGeom prst="rect">
+              <a:avLst/>
+            </a:prstGeom>
+            <a:noFill/>
+          </p:spPr>
+          <p:txBody>
+            <a:bodyPr wrap="square" rtlCol="0">
+              <a:spAutoFit/>
+            </a:bodyPr>
+            <a:lstStyle/>
+            <a:p>
+              <a:r>
+                <a:rPr lang="en-US" sz="2200" dirty="0">
+                  <a:solidFill>
+                    <a:schemeClr val="bg1"/>
+                  </a:solidFill>
+                </a:rPr>
+                <a:t>Figure </a:t>
+              </a:r>
+              <a:r>
+                <a:rPr lang="en-US" sz="2200" dirty="0" err="1">
+                  <a:solidFill>
+                    <a:schemeClr val="bg1"/>
+                  </a:solidFill>
+                </a:rPr>
+                <a:t>xb</a:t>
+              </a:r>
+              <a:r>
+                <a:rPr lang="en-US" sz="2200" dirty="0">
+                  <a:solidFill>
+                    <a:schemeClr val="bg1"/>
+                  </a:solidFill>
+                </a:rPr>
+                <a:t>: Stationary acoustic deployment in Gardiner, MT (source: Kathryn Irvine, USGS).</a:t>
+              </a:r>
+            </a:p>
+          </p:txBody>
+        </p:sp>
+      </p:grpSp>
+      <p:grpSp>
+        <p:nvGrpSpPr>
+          <p:cNvPr id="45" name="Group 44">
+            <a:extLst>
+              <a:ext uri="{FF2B5EF4-FFF2-40B4-BE49-F238E27FC236}">
+                <a16:creationId xmlns:a16="http://schemas.microsoft.com/office/drawing/2014/main" id="{7BF1F5C8-3746-8954-E0AE-0BD32578F611}"/>
+              </a:ext>
+            </a:extLst>
+          </p:cNvPr>
+          <p:cNvGrpSpPr/>
+          <p:nvPr/>
+        </p:nvGrpSpPr>
+        <p:grpSpPr>
+          <a:xfrm>
+            <a:off x="34034984" y="8123833"/>
+            <a:ext cx="7455916" cy="4098415"/>
+            <a:chOff x="33692084" y="8123833"/>
+            <a:chExt cx="7455916" cy="4098415"/>
+          </a:xfrm>
+        </p:grpSpPr>
+        <p:pic>
+          <p:nvPicPr>
+            <p:cNvPr id="82" name="Picture 81" descr="A picture containing person, mammal&#10;&#10;Description automatically generated">
+              <a:extLst>
+                <a:ext uri="{FF2B5EF4-FFF2-40B4-BE49-F238E27FC236}">
+                  <a16:creationId xmlns:a16="http://schemas.microsoft.com/office/drawing/2014/main" id="{34DF734C-D169-FB27-458C-54DC948BC52F}"/>
+                </a:ext>
+              </a:extLst>
+            </p:cNvPr>
+            <p:cNvPicPr>
+              <a:picLocks noChangeAspect="1"/>
+            </p:cNvPicPr>
+            <p:nvPr/>
+          </p:nvPicPr>
+          <p:blipFill>
+            <a:blip r:embed="rId31" cstate="print">
+              <a:extLst>
+                <a:ext uri="{28A0092B-C50C-407E-A947-70E740481C1C}">
+                  <a14:useLocalDpi xmlns:a14="http://schemas.microsoft.com/office/drawing/2010/main" val="0"/>
+                </a:ext>
+              </a:extLst>
+            </a:blip>
+            <a:stretch>
+              <a:fillRect/>
+            </a:stretch>
+          </p:blipFill>
+          <p:spPr>
+            <a:xfrm>
+              <a:off x="33692084" y="8123833"/>
+              <a:ext cx="5464556" cy="4098415"/>
+            </a:xfrm>
+            <a:prstGeom prst="rect">
+              <a:avLst/>
+            </a:prstGeom>
+          </p:spPr>
+        </p:pic>
+        <p:sp>
+          <p:nvSpPr>
+            <p:cNvPr id="43" name="TextBox 42">
+              <a:extLst>
+                <a:ext uri="{FF2B5EF4-FFF2-40B4-BE49-F238E27FC236}">
+                  <a16:creationId xmlns:a16="http://schemas.microsoft.com/office/drawing/2014/main" id="{44CF838A-C267-0B3E-F6E1-8F5AD5B00A67}"/>
+                </a:ext>
+              </a:extLst>
+            </p:cNvPr>
+            <p:cNvSpPr txBox="1">
+              <a:spLocks/>
+            </p:cNvSpPr>
+            <p:nvPr/>
+          </p:nvSpPr>
+          <p:spPr>
+            <a:xfrm>
+              <a:off x="39172510" y="9108111"/>
+              <a:ext cx="1975490" cy="2123658"/>
+            </a:xfrm>
+            <a:prstGeom prst="rect">
+              <a:avLst/>
+            </a:prstGeom>
+            <a:noFill/>
+          </p:spPr>
+          <p:txBody>
+            <a:bodyPr wrap="square" rtlCol="0">
+              <a:spAutoFit/>
+            </a:bodyPr>
+            <a:lstStyle/>
+            <a:p>
+              <a:r>
+                <a:rPr lang="en-US" sz="2200" i="1" dirty="0">
+                  <a:solidFill>
+                    <a:schemeClr val="bg1"/>
+                  </a:solidFill>
+                </a:rPr>
+                <a:t>Figure x</a:t>
+              </a:r>
+              <a:r>
+                <a:rPr lang="en-US" sz="2200" dirty="0">
+                  <a:solidFill>
+                    <a:schemeClr val="bg1"/>
+                  </a:solidFill>
+                </a:rPr>
+                <a:t>: Bat swabbed for Pd (source: </a:t>
+              </a:r>
+              <a:r>
+                <a:rPr lang="en-US" sz="2200" dirty="0">
+                  <a:solidFill>
+                    <a:schemeClr val="bg1"/>
+                  </a:solidFill>
+                  <a:hlinkClick r:id="rId32">
+                    <a:extLst>
+                      <a:ext uri="{A12FA001-AC4F-418D-AE19-62706E023703}">
+                        <ahyp:hlinkClr xmlns:ahyp="http://schemas.microsoft.com/office/drawing/2018/hyperlinkcolor" val="tx"/>
+                      </a:ext>
+                    </a:extLst>
+                  </a:hlinkClick>
+                </a:rPr>
+                <a:t>USGS National Wildlife Health Center</a:t>
+              </a:r>
+              <a:r>
+                <a:rPr lang="en-US" sz="2200" dirty="0">
+                  <a:solidFill>
+                    <a:schemeClr val="bg1"/>
+                  </a:solidFill>
+                </a:rPr>
+                <a:t>)</a:t>
+              </a:r>
+            </a:p>
+          </p:txBody>
+        </p:sp>
+      </p:grpSp>
+      <p:grpSp>
+        <p:nvGrpSpPr>
+          <p:cNvPr id="49" name="Group 48">
+            <a:extLst>
+              <a:ext uri="{FF2B5EF4-FFF2-40B4-BE49-F238E27FC236}">
+                <a16:creationId xmlns:a16="http://schemas.microsoft.com/office/drawing/2014/main" id="{7FFC5445-2A71-8203-4B41-32408107E376}"/>
+              </a:ext>
+            </a:extLst>
+          </p:cNvPr>
+          <p:cNvGrpSpPr/>
+          <p:nvPr/>
+        </p:nvGrpSpPr>
+        <p:grpSpPr>
+          <a:xfrm>
+            <a:off x="34015934" y="12351172"/>
+            <a:ext cx="6331966" cy="5760720"/>
+            <a:chOff x="33692084" y="12351172"/>
+            <a:chExt cx="6331966" cy="5760720"/>
+          </a:xfrm>
+        </p:grpSpPr>
+        <p:pic>
+          <p:nvPicPr>
+            <p:cNvPr id="84" name="Picture 83" descr="A picture containing tree, outdoor, grass, park&#10;&#10;Description automatically generated">
+              <a:extLst>
+                <a:ext uri="{FF2B5EF4-FFF2-40B4-BE49-F238E27FC236}">
+                  <a16:creationId xmlns:a16="http://schemas.microsoft.com/office/drawing/2014/main" id="{B0DAC4EF-2077-3417-554A-A5EBD52574F0}"/>
+                </a:ext>
+              </a:extLst>
+            </p:cNvPr>
+            <p:cNvPicPr>
+              <a:picLocks noChangeAspect="1"/>
+            </p:cNvPicPr>
+            <p:nvPr/>
+          </p:nvPicPr>
+          <p:blipFill>
+            <a:blip r:embed="rId33" cstate="print">
+              <a:extLst>
+                <a:ext uri="{28A0092B-C50C-407E-A947-70E740481C1C}">
+                  <a14:useLocalDpi xmlns:a14="http://schemas.microsoft.com/office/drawing/2010/main" val="0"/>
+                </a:ext>
+              </a:extLst>
+            </a:blip>
+            <a:stretch>
+              <a:fillRect/>
+            </a:stretch>
+          </p:blipFill>
+          <p:spPr>
+            <a:xfrm>
+              <a:off x="33692084" y="12351172"/>
+              <a:ext cx="4320539" cy="5760720"/>
+            </a:xfrm>
+            <a:prstGeom prst="rect">
+              <a:avLst/>
+            </a:prstGeom>
+          </p:spPr>
+        </p:pic>
+        <p:sp>
+          <p:nvSpPr>
+            <p:cNvPr id="178" name="TextBox 177">
+              <a:extLst>
+                <a:ext uri="{FF2B5EF4-FFF2-40B4-BE49-F238E27FC236}">
+                  <a16:creationId xmlns:a16="http://schemas.microsoft.com/office/drawing/2014/main" id="{B4EE7F34-59A8-267D-BF09-EC4C7AE215D8}"/>
+                </a:ext>
+              </a:extLst>
+            </p:cNvPr>
+            <p:cNvSpPr txBox="1">
+              <a:spLocks/>
+            </p:cNvSpPr>
+            <p:nvPr/>
+          </p:nvSpPr>
+          <p:spPr>
+            <a:xfrm>
+              <a:off x="37993347" y="14168771"/>
+              <a:ext cx="2030703" cy="2123658"/>
+            </a:xfrm>
+            <a:prstGeom prst="rect">
+              <a:avLst/>
+            </a:prstGeom>
+            <a:noFill/>
+          </p:spPr>
+          <p:txBody>
+            <a:bodyPr wrap="square" rtlCol="0">
+              <a:spAutoFit/>
+            </a:bodyPr>
+            <a:lstStyle/>
+            <a:p>
+              <a:r>
+                <a:rPr lang="en-US" sz="2200" i="1" dirty="0">
+                  <a:solidFill>
+                    <a:schemeClr val="bg1"/>
+                  </a:solidFill>
+                </a:rPr>
+                <a:t>Figure x</a:t>
+              </a:r>
+              <a:r>
+                <a:rPr lang="en-US" sz="2200" dirty="0">
+                  <a:solidFill>
+                    <a:schemeClr val="bg1"/>
+                  </a:solidFill>
+                </a:rPr>
+                <a:t>: Guano collection boxes (source: </a:t>
+              </a:r>
+              <a:r>
+                <a:rPr lang="en-US" sz="2200" dirty="0">
+                  <a:solidFill>
+                    <a:schemeClr val="bg1"/>
+                  </a:solidFill>
+                  <a:hlinkClick r:id="rId34">
+                    <a:extLst>
+                      <a:ext uri="{A12FA001-AC4F-418D-AE19-62706E023703}">
+                        <ahyp:hlinkClr xmlns:ahyp="http://schemas.microsoft.com/office/drawing/2018/hyperlinkcolor" val="tx"/>
+                      </a:ext>
+                    </a:extLst>
+                  </a:hlinkClick>
+                </a:rPr>
+                <a:t>USGS National Wildlife Health Center</a:t>
+              </a:r>
+              <a:r>
+                <a:rPr lang="en-US" sz="2200" dirty="0">
+                  <a:solidFill>
+                    <a:schemeClr val="bg1"/>
+                  </a:solidFill>
+                </a:rPr>
+                <a:t>) </a:t>
+              </a:r>
+            </a:p>
+          </p:txBody>
+        </p:sp>
+      </p:grpSp>
+      <p:pic>
+        <p:nvPicPr>
+          <p:cNvPr id="51" name="Bees" descr="Shape&#10;&#10;Description automatically generated with low confidence">
+            <a:extLst>
+              <a:ext uri="{FF2B5EF4-FFF2-40B4-BE49-F238E27FC236}">
+                <a16:creationId xmlns:a16="http://schemas.microsoft.com/office/drawing/2014/main" id="{8F2D8F67-33BD-1D71-5F81-7AEC0CD63FD6}"/>
+              </a:ext>
+            </a:extLst>
+          </p:cNvPr>
+          <p:cNvPicPr>
+            <a:picLocks noChangeAspect="1"/>
+          </p:cNvPicPr>
+          <p:nvPr/>
+        </p:nvPicPr>
+        <p:blipFill>
+          <a:blip r:embed="rId35" cstate="print">
+            <a:extLst>
+              <a:ext uri="{28A0092B-C50C-407E-A947-70E740481C1C}">
+                <a14:useLocalDpi xmlns:a14="http://schemas.microsoft.com/office/drawing/2010/main" val="0"/>
+              </a:ext>
+            </a:extLst>
+          </a:blip>
+          <a:stretch>
+            <a:fillRect/>
+          </a:stretch>
+        </p:blipFill>
+        <p:spPr>
+          <a:xfrm>
+            <a:off x="33708102" y="1354715"/>
+            <a:ext cx="8844757" cy="2583381"/>
+          </a:xfrm>
+          <a:prstGeom prst="rect">
+            <a:avLst/>
+          </a:prstGeom>
+        </p:spPr>
+      </p:pic>
     </p:spTree>
     <p:extLst>
       <p:ext uri="{BB962C8B-B14F-4D97-AF65-F5344CB8AC3E}">

--- a/2022/20221006 ENVR Meeting/10062022_ENVR_Poster.pptx
+++ b/2022/20221006 ENVR Meeting/10062022_ENVR_Poster.pptx
@@ -4998,7 +4998,9 @@
       <p:sp>
         <p:nvSpPr>
           <p:cNvPr id="72" name="TextBox 71"/>
-          <p:cNvSpPr txBox="1"/>
+          <p:cNvSpPr txBox="1">
+            <a:spLocks noGrp="1" noRot="1" noMove="1" noResize="1" noEditPoints="1" noAdjustHandles="1" noChangeArrowheads="1" noChangeShapeType="1"/>
+          </p:cNvSpPr>
           <p:nvPr/>
         </p:nvSpPr>
         <p:spPr>
@@ -8679,6 +8681,42 @@
           </a:prstGeom>
         </p:spPr>
       </p:pic>
+      <p:pic>
+        <p:nvPicPr>
+          <p:cNvPr id="42" name="Picture 41" descr="Qr code&#10;&#10;Description automatically generated">
+            <a:extLst>
+              <a:ext uri="{FF2B5EF4-FFF2-40B4-BE49-F238E27FC236}">
+                <a16:creationId xmlns:a16="http://schemas.microsoft.com/office/drawing/2014/main" id="{DD3369AE-6E8B-9FB8-E445-7B2A9A65F149}"/>
+              </a:ext>
+            </a:extLst>
+          </p:cNvPr>
+          <p:cNvPicPr>
+            <a:picLocks noChangeAspect="1"/>
+          </p:cNvPicPr>
+          <p:nvPr/>
+        </p:nvPicPr>
+        <p:blipFill>
+          <a:blip r:embed="rId36" cstate="print">
+            <a:extLst>
+              <a:ext uri="{28A0092B-C50C-407E-A947-70E740481C1C}">
+                <a14:useLocalDpi xmlns:a14="http://schemas.microsoft.com/office/drawing/2010/main" val="0"/>
+              </a:ext>
+            </a:extLst>
+          </a:blip>
+          <a:stretch>
+            <a:fillRect/>
+          </a:stretch>
+        </p:blipFill>
+        <p:spPr>
+          <a:xfrm>
+            <a:off x="41029890" y="28433898"/>
+            <a:ext cx="1828800" cy="1828800"/>
+          </a:xfrm>
+          <a:prstGeom prst="rect">
+            <a:avLst/>
+          </a:prstGeom>
+        </p:spPr>
+      </p:pic>
     </p:spTree>
     <p:extLst>
       <p:ext uri="{BB962C8B-B14F-4D97-AF65-F5344CB8AC3E}">

--- a/2022/20221006 ENVR Meeting/10062022_ENVR_Poster.pptx
+++ b/2022/20221006 ENVR Meeting/10062022_ENVR_Poster.pptx
@@ -221,7 +221,7 @@
           <a:p>
             <a:fld id="{E837218C-11D2-4A09-9AE4-D6BD3DD27CF4}" type="datetimeFigureOut">
               <a:rPr lang="en-US" smtClean="0"/>
-              <a:t>10/2/2022</a:t>
+              <a:t>10/3/2022</a:t>
             </a:fld>
             <a:endParaRPr lang="en-US"/>
           </a:p>
@@ -716,7 +716,7 @@
           <a:p>
             <a:fld id="{F500E339-CAAD-4744-8AE6-A189147761ED}" type="datetimeFigureOut">
               <a:rPr lang="en-US" smtClean="0"/>
-              <a:t>10/2/2022</a:t>
+              <a:t>10/3/2022</a:t>
             </a:fld>
             <a:endParaRPr lang="en-US"/>
           </a:p>
@@ -886,7 +886,7 @@
           <a:p>
             <a:fld id="{F500E339-CAAD-4744-8AE6-A189147761ED}" type="datetimeFigureOut">
               <a:rPr lang="en-US" smtClean="0"/>
-              <a:t>10/2/2022</a:t>
+              <a:t>10/3/2022</a:t>
             </a:fld>
             <a:endParaRPr lang="en-US"/>
           </a:p>
@@ -1066,7 +1066,7 @@
           <a:p>
             <a:fld id="{F500E339-CAAD-4744-8AE6-A189147761ED}" type="datetimeFigureOut">
               <a:rPr lang="en-US" smtClean="0"/>
-              <a:t>10/2/2022</a:t>
+              <a:t>10/3/2022</a:t>
             </a:fld>
             <a:endParaRPr lang="en-US"/>
           </a:p>
@@ -1236,7 +1236,7 @@
           <a:p>
             <a:fld id="{F500E339-CAAD-4744-8AE6-A189147761ED}" type="datetimeFigureOut">
               <a:rPr lang="en-US" smtClean="0"/>
-              <a:t>10/2/2022</a:t>
+              <a:t>10/3/2022</a:t>
             </a:fld>
             <a:endParaRPr lang="en-US"/>
           </a:p>
@@ -1480,7 +1480,7 @@
           <a:p>
             <a:fld id="{F500E339-CAAD-4744-8AE6-A189147761ED}" type="datetimeFigureOut">
               <a:rPr lang="en-US" smtClean="0"/>
-              <a:t>10/2/2022</a:t>
+              <a:t>10/3/2022</a:t>
             </a:fld>
             <a:endParaRPr lang="en-US"/>
           </a:p>
@@ -1712,7 +1712,7 @@
           <a:p>
             <a:fld id="{F500E339-CAAD-4744-8AE6-A189147761ED}" type="datetimeFigureOut">
               <a:rPr lang="en-US" smtClean="0"/>
-              <a:t>10/2/2022</a:t>
+              <a:t>10/3/2022</a:t>
             </a:fld>
             <a:endParaRPr lang="en-US"/>
           </a:p>
@@ -2079,7 +2079,7 @@
           <a:p>
             <a:fld id="{F500E339-CAAD-4744-8AE6-A189147761ED}" type="datetimeFigureOut">
               <a:rPr lang="en-US" smtClean="0"/>
-              <a:t>10/2/2022</a:t>
+              <a:t>10/3/2022</a:t>
             </a:fld>
             <a:endParaRPr lang="en-US"/>
           </a:p>
@@ -2197,7 +2197,7 @@
           <a:p>
             <a:fld id="{F500E339-CAAD-4744-8AE6-A189147761ED}" type="datetimeFigureOut">
               <a:rPr lang="en-US" smtClean="0"/>
-              <a:t>10/2/2022</a:t>
+              <a:t>10/3/2022</a:t>
             </a:fld>
             <a:endParaRPr lang="en-US"/>
           </a:p>
@@ -2292,7 +2292,7 @@
           <a:p>
             <a:fld id="{F500E339-CAAD-4744-8AE6-A189147761ED}" type="datetimeFigureOut">
               <a:rPr lang="en-US" smtClean="0"/>
-              <a:t>10/2/2022</a:t>
+              <a:t>10/3/2022</a:t>
             </a:fld>
             <a:endParaRPr lang="en-US"/>
           </a:p>
@@ -2569,7 +2569,7 @@
           <a:p>
             <a:fld id="{F500E339-CAAD-4744-8AE6-A189147761ED}" type="datetimeFigureOut">
               <a:rPr lang="en-US" smtClean="0"/>
-              <a:t>10/2/2022</a:t>
+              <a:t>10/3/2022</a:t>
             </a:fld>
             <a:endParaRPr lang="en-US"/>
           </a:p>
@@ -2826,7 +2826,7 @@
           <a:p>
             <a:fld id="{F500E339-CAAD-4744-8AE6-A189147761ED}" type="datetimeFigureOut">
               <a:rPr lang="en-US" smtClean="0"/>
-              <a:t>10/2/2022</a:t>
+              <a:t>10/3/2022</a:t>
             </a:fld>
             <a:endParaRPr lang="en-US"/>
           </a:p>
@@ -3039,7 +3039,7 @@
           <a:p>
             <a:fld id="{F500E339-CAAD-4744-8AE6-A189147761ED}" type="datetimeFigureOut">
               <a:rPr lang="en-US" smtClean="0"/>
-              <a:t>10/2/2022</a:t>
+              <a:t>10/3/2022</a:t>
             </a:fld>
             <a:endParaRPr lang="en-US"/>
           </a:p>
@@ -5808,9 +5808,9 @@
         <p:grpSpPr>
           <a:xfrm>
             <a:off x="1746504" y="21310827"/>
-            <a:ext cx="8092440" cy="5239512"/>
+            <a:ext cx="8092440" cy="5256233"/>
             <a:chOff x="-7717056" y="20919502"/>
-            <a:chExt cx="8092440" cy="5519006"/>
+            <a:chExt cx="8092440" cy="5536619"/>
           </a:xfrm>
         </p:grpSpPr>
         <p:pic>
@@ -5864,7 +5864,7 @@
           <p:spPr>
             <a:xfrm>
               <a:off x="-7717056" y="26002249"/>
-              <a:ext cx="8092440" cy="436259"/>
+              <a:ext cx="8092440" cy="453872"/>
             </a:xfrm>
             <a:prstGeom prst="rect">
               <a:avLst/>
@@ -5883,7 +5883,7 @@
                     <a:schemeClr val="bg1"/>
                   </a:solidFill>
                 </a:rPr>
-                <a:t>Figure 3: </a:t>
+                <a:t>Figure 2: </a:t>
               </a:r>
               <a:r>
                 <a:rPr lang="en-US" sz="2200" dirty="0">
@@ -5990,10 +5990,10 @@
         </p:nvGrpSpPr>
         <p:grpSpPr>
           <a:xfrm>
-            <a:off x="1746504" y="27372720"/>
-            <a:ext cx="8092441" cy="5239512"/>
+            <a:off x="1746504" y="27372722"/>
+            <a:ext cx="8092441" cy="5255645"/>
             <a:chOff x="-11661890" y="26633006"/>
-            <a:chExt cx="8092441" cy="5511179"/>
+            <a:chExt cx="8092441" cy="5528148"/>
           </a:xfrm>
         </p:grpSpPr>
         <p:pic>
@@ -6047,7 +6047,7 @@
           <p:spPr>
             <a:xfrm>
               <a:off x="-11661889" y="31707926"/>
-              <a:ext cx="8092440" cy="436259"/>
+              <a:ext cx="8092440" cy="453228"/>
             </a:xfrm>
             <a:prstGeom prst="rect">
               <a:avLst/>
@@ -6066,7 +6066,7 @@
                     <a:schemeClr val="bg1"/>
                   </a:solidFill>
                 </a:rPr>
-                <a:t>Figure 4: </a:t>
+                <a:t>Figure 3: </a:t>
               </a:r>
               <a:r>
                 <a:rPr lang="en-US" sz="2200" dirty="0">
@@ -6381,15 +6381,7 @@
                     <a:schemeClr val="bg1"/>
                   </a:solidFill>
                 </a:rPr>
-                <a:t>Figure </a:t>
-              </a:r>
-              <a:r>
-                <a:rPr lang="en-US" sz="2200" i="1" dirty="0" err="1">
-                  <a:solidFill>
-                    <a:schemeClr val="bg1"/>
-                  </a:solidFill>
-                </a:rPr>
-                <a:t>xa</a:t>
+                <a:t>Figure 4a</a:t>
               </a:r>
               <a:r>
                 <a:rPr lang="en-US" sz="2200" dirty="0">
@@ -6443,15 +6435,7 @@
                     <a:schemeClr val="bg1"/>
                   </a:solidFill>
                 </a:rPr>
-                <a:t>Figure </a:t>
-              </a:r>
-              <a:r>
-                <a:rPr lang="en-US" sz="2200" i="1" dirty="0" err="1">
-                  <a:solidFill>
-                    <a:schemeClr val="bg1"/>
-                  </a:solidFill>
-                </a:rPr>
-                <a:t>xa</a:t>
+                <a:t>Figure 4b</a:t>
               </a:r>
               <a:r>
                 <a:rPr lang="en-US" sz="2200" dirty="0">
@@ -6528,15 +6512,7 @@
                     <a:schemeClr val="bg1"/>
                   </a:solidFill>
                 </a:rPr>
-                <a:t>Figure </a:t>
-              </a:r>
-              <a:r>
-                <a:rPr lang="en-US" sz="2200" i="1" dirty="0" err="1">
-                  <a:solidFill>
-                    <a:schemeClr val="bg1"/>
-                  </a:solidFill>
-                </a:rPr>
-                <a:t>xa</a:t>
+                <a:t>Figure 5a</a:t>
               </a:r>
               <a:r>
                 <a:rPr lang="en-US" sz="2200" dirty="0">
@@ -6590,15 +6566,7 @@
                     <a:schemeClr val="bg1"/>
                   </a:solidFill>
                 </a:rPr>
-                <a:t>Figure </a:t>
-              </a:r>
-              <a:r>
-                <a:rPr lang="en-US" sz="2200" i="1" dirty="0" err="1">
-                  <a:solidFill>
-                    <a:schemeClr val="bg1"/>
-                  </a:solidFill>
-                </a:rPr>
-                <a:t>xa</a:t>
+                <a:t>Figure 5b</a:t>
               </a:r>
               <a:r>
                 <a:rPr lang="en-US" sz="2200" dirty="0">
@@ -8253,23 +8221,7 @@
                     <a:schemeClr val="bg1"/>
                   </a:solidFill>
                 </a:rPr>
-                <a:t>Figure </a:t>
-              </a:r>
-              <a:r>
-                <a:rPr lang="en-US" sz="2200" dirty="0" err="1">
-                  <a:solidFill>
-                    <a:schemeClr val="bg1"/>
-                  </a:solidFill>
-                </a:rPr>
-                <a:t>xa</a:t>
-              </a:r>
-              <a:r>
-                <a:rPr lang="en-US" sz="2200" dirty="0">
-                  <a:solidFill>
-                    <a:schemeClr val="bg1"/>
-                  </a:solidFill>
-                </a:rPr>
-                <a:t>: Stationary acoustic detector deployment in Bozeman, MT (source: Kathryn Irvine, USGS).</a:t>
+                <a:t>Figure 7a: Stationary acoustic detector deployment in Bozeman, MT (source: Kathryn Irvine, USGS).</a:t>
               </a:r>
             </a:p>
           </p:txBody>
@@ -8365,23 +8317,7 @@
                     <a:schemeClr val="bg1"/>
                   </a:solidFill>
                 </a:rPr>
-                <a:t>Figure </a:t>
-              </a:r>
-              <a:r>
-                <a:rPr lang="en-US" sz="2200" dirty="0" err="1">
-                  <a:solidFill>
-                    <a:schemeClr val="bg1"/>
-                  </a:solidFill>
-                </a:rPr>
-                <a:t>xb</a:t>
-              </a:r>
-              <a:r>
-                <a:rPr lang="en-US" sz="2200" dirty="0">
-                  <a:solidFill>
-                    <a:schemeClr val="bg1"/>
-                  </a:solidFill>
-                </a:rPr>
-                <a:t>: Stationary acoustic deployment in Gardiner, MT (source: Kathryn Irvine, USGS).</a:t>
+                <a:t>Figure 7b: Stationary acoustic deployment in Gardiner, MT (source: Kathryn Irvine, USGS).</a:t>
               </a:r>
             </a:p>
           </p:txBody>
@@ -8479,7 +8415,7 @@
                     <a:schemeClr val="bg1"/>
                   </a:solidFill>
                 </a:rPr>
-                <a:t>Figure x</a:t>
+                <a:t>Figure 6a</a:t>
               </a:r>
               <a:r>
                 <a:rPr lang="en-US" sz="2200" dirty="0">
@@ -8530,7 +8466,7 @@
         </p:nvGrpSpPr>
         <p:grpSpPr>
           <a:xfrm>
-            <a:off x="34015934" y="12351172"/>
+            <a:off x="34044509" y="12351172"/>
             <a:ext cx="6331966" cy="5760720"/>
             <a:chOff x="33692084" y="12351172"/>
             <a:chExt cx="6331966" cy="5760720"/>
@@ -8589,7 +8525,7 @@
           <p:spPr>
             <a:xfrm>
               <a:off x="37993347" y="14168771"/>
-              <a:ext cx="2030703" cy="2123658"/>
+              <a:ext cx="2030703" cy="2462213"/>
             </a:xfrm>
             <a:prstGeom prst="rect">
               <a:avLst/>
@@ -8608,7 +8544,7 @@
                     <a:schemeClr val="bg1"/>
                   </a:solidFill>
                 </a:rPr>
-                <a:t>Figure x</a:t>
+                <a:t>Figure 6b</a:t>
               </a:r>
               <a:r>
                 <a:rPr lang="en-US" sz="2200" dirty="0">

--- a/2022/20221006 ENVR Meeting/10062022_ENVR_Poster.pptx
+++ b/2022/20221006 ENVR Meeting/10062022_ENVR_Poster.pptx
@@ -4136,19 +4136,43 @@
             <a:pPr algn="ctr"/>
             <a:r>
               <a:rPr lang="en-US" sz="4800" dirty="0"/>
-              <a:t>Christian Stratton, Kathryn Irvine, Emily </a:t>
-            </a:r>
-            <a:r>
-              <a:rPr lang="en-US" sz="4800" dirty="0" err="1"/>
-              <a:t>Almberg</a:t>
+              <a:t>Christian Stratton</a:t>
+            </a:r>
+            <a:r>
+              <a:rPr lang="en-US" sz="4800" baseline="30000" dirty="0"/>
+              <a:t>1</a:t>
             </a:r>
             <a:r>
               <a:rPr lang="en-US" sz="4800" dirty="0"/>
-              <a:t>, Kristina Smucker, Justin </a:t>
-            </a:r>
-            <a:r>
-              <a:rPr lang="en-US" sz="4800" dirty="0" err="1"/>
-              <a:t>Gude</a:t>
+              <a:t>, Kathryn Irvine</a:t>
+            </a:r>
+            <a:r>
+              <a:rPr lang="en-US" sz="4800" baseline="30000" dirty="0"/>
+              <a:t>2</a:t>
+            </a:r>
+            <a:r>
+              <a:rPr lang="en-US" sz="4800" dirty="0"/>
+              <a:t>, Emily Almberg</a:t>
+            </a:r>
+            <a:r>
+              <a:rPr lang="en-US" sz="4800" baseline="30000" dirty="0"/>
+              <a:t>3</a:t>
+            </a:r>
+            <a:r>
+              <a:rPr lang="en-US" sz="4800" dirty="0"/>
+              <a:t>, Kristina Smucker</a:t>
+            </a:r>
+            <a:r>
+              <a:rPr lang="en-US" sz="4800" baseline="30000" dirty="0"/>
+              <a:t>4</a:t>
+            </a:r>
+            <a:r>
+              <a:rPr lang="en-US" sz="4800" dirty="0"/>
+              <a:t>, Justin Gude</a:t>
+            </a:r>
+            <a:r>
+              <a:rPr lang="en-US" sz="4800" baseline="30000" dirty="0"/>
+              <a:t>4</a:t>
             </a:r>
             <a:endParaRPr lang="en-US" sz="4800" dirty="0"/>
           </a:p>
@@ -8452,135 +8476,114 @@
           </p:txBody>
         </p:sp>
       </p:grpSp>
-      <p:grpSp>
-        <p:nvGrpSpPr>
-          <p:cNvPr id="49" name="Group 48">
+      <p:pic>
+        <p:nvPicPr>
+          <p:cNvPr id="84" name="Picture 83" descr="A picture containing tree, outdoor, grass, park&#10;&#10;Description automatically generated">
             <a:extLst>
               <a:ext uri="{FF2B5EF4-FFF2-40B4-BE49-F238E27FC236}">
-                <a16:creationId xmlns:a16="http://schemas.microsoft.com/office/drawing/2014/main" id="{7FFC5445-2A71-8203-4B41-32408107E376}"/>
+                <a16:creationId xmlns:a16="http://schemas.microsoft.com/office/drawing/2014/main" id="{B0DAC4EF-2077-3417-554A-A5EBD52574F0}"/>
               </a:ext>
             </a:extLst>
           </p:cNvPr>
-          <p:cNvGrpSpPr/>
+          <p:cNvPicPr>
+            <a:picLocks noChangeAspect="1"/>
+          </p:cNvPicPr>
           <p:nvPr/>
-        </p:nvGrpSpPr>
-        <p:grpSpPr>
+        </p:nvPicPr>
+        <p:blipFill>
+          <a:blip r:embed="rId33" cstate="print">
+            <a:extLst>
+              <a:ext uri="{28A0092B-C50C-407E-A947-70E740481C1C}">
+                <a14:useLocalDpi xmlns:a14="http://schemas.microsoft.com/office/drawing/2010/main" val="0"/>
+              </a:ext>
+            </a:extLst>
+          </a:blip>
+          <a:stretch>
+            <a:fillRect/>
+          </a:stretch>
+        </p:blipFill>
+        <p:spPr>
           <a:xfrm>
-            <a:off x="34044509" y="12351172"/>
-            <a:ext cx="6331966" cy="5760720"/>
-            <a:chOff x="33692084" y="12351172"/>
-            <a:chExt cx="6331966" cy="5760720"/>
+            <a:off x="37947371" y="12353550"/>
+            <a:ext cx="4320539" cy="5760720"/>
           </a:xfrm>
-        </p:grpSpPr>
-        <p:pic>
-          <p:nvPicPr>
-            <p:cNvPr id="84" name="Picture 83" descr="A picture containing tree, outdoor, grass, park&#10;&#10;Description automatically generated">
-              <a:extLst>
-                <a:ext uri="{FF2B5EF4-FFF2-40B4-BE49-F238E27FC236}">
-                  <a16:creationId xmlns:a16="http://schemas.microsoft.com/office/drawing/2014/main" id="{B0DAC4EF-2077-3417-554A-A5EBD52574F0}"/>
-                </a:ext>
-              </a:extLst>
-            </p:cNvPr>
-            <p:cNvPicPr>
-              <a:picLocks noChangeAspect="1"/>
-            </p:cNvPicPr>
-            <p:nvPr/>
-          </p:nvPicPr>
-          <p:blipFill>
-            <a:blip r:embed="rId33" cstate="print">
-              <a:extLst>
-                <a:ext uri="{28A0092B-C50C-407E-A947-70E740481C1C}">
-                  <a14:useLocalDpi xmlns:a14="http://schemas.microsoft.com/office/drawing/2010/main" val="0"/>
-                </a:ext>
-              </a:extLst>
-            </a:blip>
-            <a:stretch>
-              <a:fillRect/>
-            </a:stretch>
-          </p:blipFill>
-          <p:spPr>
-            <a:xfrm>
-              <a:off x="33692084" y="12351172"/>
-              <a:ext cx="4320539" cy="5760720"/>
-            </a:xfrm>
-            <a:prstGeom prst="rect">
-              <a:avLst/>
-            </a:prstGeom>
-          </p:spPr>
-        </p:pic>
-        <p:sp>
-          <p:nvSpPr>
-            <p:cNvPr id="178" name="TextBox 177">
-              <a:extLst>
-                <a:ext uri="{FF2B5EF4-FFF2-40B4-BE49-F238E27FC236}">
-                  <a16:creationId xmlns:a16="http://schemas.microsoft.com/office/drawing/2014/main" id="{B4EE7F34-59A8-267D-BF09-EC4C7AE215D8}"/>
-                </a:ext>
-              </a:extLst>
-            </p:cNvPr>
-            <p:cNvSpPr txBox="1">
-              <a:spLocks/>
-            </p:cNvSpPr>
-            <p:nvPr/>
-          </p:nvSpPr>
-          <p:spPr>
-            <a:xfrm>
-              <a:off x="37993347" y="14168771"/>
-              <a:ext cx="2030703" cy="2462213"/>
-            </a:xfrm>
-            <a:prstGeom prst="rect">
-              <a:avLst/>
-            </a:prstGeom>
-            <a:noFill/>
-          </p:spPr>
-          <p:txBody>
-            <a:bodyPr wrap="square" rtlCol="0">
-              <a:spAutoFit/>
-            </a:bodyPr>
-            <a:lstStyle/>
-            <a:p>
-              <a:r>
-                <a:rPr lang="en-US" sz="2200" i="1" dirty="0">
-                  <a:solidFill>
-                    <a:schemeClr val="bg1"/>
-                  </a:solidFill>
-                </a:rPr>
-                <a:t>Figure 6b</a:t>
-              </a:r>
-              <a:r>
-                <a:rPr lang="en-US" sz="2200" dirty="0">
-                  <a:solidFill>
-                    <a:schemeClr val="bg1"/>
-                  </a:solidFill>
-                </a:rPr>
-                <a:t>: Guano collection boxes (source: </a:t>
-              </a:r>
-              <a:r>
-                <a:rPr lang="en-US" sz="2200" dirty="0">
-                  <a:solidFill>
-                    <a:schemeClr val="bg1"/>
-                  </a:solidFill>
-                  <a:hlinkClick r:id="rId34">
-                    <a:extLst>
-                      <a:ext uri="{A12FA001-AC4F-418D-AE19-62706E023703}">
-                        <ahyp:hlinkClr xmlns:ahyp="http://schemas.microsoft.com/office/drawing/2018/hyperlinkcolor" val="tx"/>
-                      </a:ext>
-                    </a:extLst>
-                  </a:hlinkClick>
-                </a:rPr>
-                <a:t>USGS National Wildlife Health Center</a:t>
-              </a:r>
-              <a:r>
-                <a:rPr lang="en-US" sz="2200" dirty="0">
-                  <a:solidFill>
-                    <a:schemeClr val="bg1"/>
-                  </a:solidFill>
-                </a:rPr>
-                <a:t>) </a:t>
-              </a:r>
-            </a:p>
-          </p:txBody>
-        </p:sp>
-      </p:grpSp>
+          <a:prstGeom prst="rect">
+            <a:avLst/>
+          </a:prstGeom>
+        </p:spPr>
+      </p:pic>
+      <p:sp>
+        <p:nvSpPr>
+          <p:cNvPr id="178" name="TextBox 177">
+            <a:extLst>
+              <a:ext uri="{FF2B5EF4-FFF2-40B4-BE49-F238E27FC236}">
+                <a16:creationId xmlns:a16="http://schemas.microsoft.com/office/drawing/2014/main" id="{B4EE7F34-59A8-267D-BF09-EC4C7AE215D8}"/>
+              </a:ext>
+            </a:extLst>
+          </p:cNvPr>
+          <p:cNvSpPr txBox="1">
+            <a:spLocks/>
+          </p:cNvSpPr>
+          <p:nvPr/>
+        </p:nvSpPr>
+        <p:spPr>
+          <a:xfrm>
+            <a:off x="34741098" y="14510635"/>
+            <a:ext cx="3206273" cy="1446550"/>
+          </a:xfrm>
+          <a:prstGeom prst="rect">
+            <a:avLst/>
+          </a:prstGeom>
+          <a:noFill/>
+        </p:spPr>
+        <p:txBody>
+          <a:bodyPr wrap="square" rtlCol="0">
+            <a:spAutoFit/>
+          </a:bodyPr>
+          <a:lstStyle/>
+          <a:p>
+            <a:r>
+              <a:rPr lang="en-US" sz="2200" i="1" dirty="0">
+                <a:solidFill>
+                  <a:schemeClr val="bg1"/>
+                </a:solidFill>
+              </a:rPr>
+              <a:t>Figure 6b</a:t>
+            </a:r>
+            <a:r>
+              <a:rPr lang="en-US" sz="2200" dirty="0">
+                <a:solidFill>
+                  <a:schemeClr val="bg1"/>
+                </a:solidFill>
+              </a:rPr>
+              <a:t>: Guano collection boxes (source: </a:t>
+            </a:r>
+            <a:r>
+              <a:rPr lang="en-US" sz="2200" dirty="0">
+                <a:solidFill>
+                  <a:schemeClr val="bg1"/>
+                </a:solidFill>
+                <a:hlinkClick r:id="rId34">
+                  <a:extLst>
+                    <a:ext uri="{A12FA001-AC4F-418D-AE19-62706E023703}">
+                      <ahyp:hlinkClr xmlns:ahyp="http://schemas.microsoft.com/office/drawing/2018/hyperlinkcolor" val="tx"/>
+                    </a:ext>
+                  </a:extLst>
+                </a:hlinkClick>
+              </a:rPr>
+              <a:t>USGS National Wildlife Health Center</a:t>
+            </a:r>
+            <a:r>
+              <a:rPr lang="en-US" sz="2200" dirty="0">
+                <a:solidFill>
+                  <a:schemeClr val="bg1"/>
+                </a:solidFill>
+              </a:rPr>
+              <a:t>) </a:t>
+            </a:r>
+          </a:p>
+        </p:txBody>
+      </p:sp>
       <p:pic>
         <p:nvPicPr>
           <p:cNvPr id="51" name="Bees" descr="Shape&#10;&#10;Description automatically generated with low confidence">
